--- a/Ch14-Database연동.pptx
+++ b/Ch14-Database연동.pptx
@@ -280,7 +280,7 @@
             <a:fld id="{36C39FFA-0F1A-413B-9BFE-941741C2D487}" type="datetimeFigureOut">
               <a:rPr lang="ko-KR" altLang="en-US" smtClean="0"/>
               <a:pPr/>
-              <a:t>2023-05-29</a:t>
+              <a:t>2023-06-08</a:t>
             </a:fld>
             <a:endParaRPr lang="ko-KR" altLang="en-US"/>
           </a:p>
@@ -447,7 +447,7 @@
             <a:fld id="{1F54C1B5-EB92-45E6-AFCD-6AAB73579DF8}" type="datetimeFigureOut">
               <a:rPr lang="ko-KR" altLang="en-US" smtClean="0"/>
               <a:pPr/>
-              <a:t>2023-05-29</a:t>
+              <a:t>2023-06-08</a:t>
             </a:fld>
             <a:endParaRPr lang="ko-KR" altLang="en-US"/>
           </a:p>
@@ -4410,7 +4410,7 @@
               <a:pPr>
                 <a:defRPr/>
               </a:pPr>
-              <a:t>2023-05-29</a:t>
+              <a:t>2023-06-08</a:t>
             </a:fld>
             <a:endParaRPr lang="ko-KR" altLang="en-US"/>
           </a:p>
@@ -5052,7 +5052,6 @@
               <a:rPr lang="ko-KR" altLang="en-US"/>
               <a:t>연동</a:t>
             </a:r>
-            <a:endParaRPr lang="ko-KR" altLang="en-US"/>
           </a:p>
         </p:txBody>
       </p:sp>
@@ -5160,11 +5159,7 @@
             </a:pPr>
             <a:r>
               <a:rPr lang="en-US" altLang="ko-KR" sz="1400"/>
-              <a:t> </a:t>
-            </a:r>
-            <a:r>
-              <a:rPr lang="en-US" altLang="ko-KR" sz="1400"/>
-              <a:t>import </a:t>
+              <a:t> import </a:t>
             </a:r>
             <a:r>
               <a:rPr lang="en-US" altLang="ko-KR" sz="1400" smtClean="0"/>
@@ -5309,19 +5304,7 @@
                 </a:solidFill>
                 <a:cs typeface="Arial" panose="020B0604020202020204" pitchFamily="34" charset="0"/>
               </a:rPr>
-              <a:t>", encoding="</a:t>
-            </a:r>
-            <a:r>
-              <a:rPr lang="en-US" altLang="ko-KR" sz="1400">
-                <a:solidFill>
-                  <a:schemeClr val="tx1">
-                    <a:lumMod val="95000"/>
-                    <a:lumOff val="5000"/>
-                  </a:schemeClr>
-                </a:solidFill>
-                <a:cs typeface="Arial" panose="020B0604020202020204" pitchFamily="34" charset="0"/>
-              </a:rPr>
-              <a:t>UTF-8</a:t>
+              <a:t>", encoding="UTF-8</a:t>
             </a:r>
             <a:r>
               <a:rPr lang="en-US" altLang="ko-KR" sz="1400" smtClean="0">
@@ -5368,11 +5351,7 @@
             </a:pPr>
             <a:r>
               <a:rPr lang="en-US" altLang="ko-KR" sz="1400"/>
-              <a:t> sql="Select * from tab</a:t>
-            </a:r>
-            <a:r>
-              <a:rPr lang="en-US" altLang="ko-KR" sz="1400"/>
-              <a:t>"  </a:t>
+              <a:t> sql="Select * from tab"  </a:t>
             </a:r>
             <a:r>
               <a:rPr lang="en-US" altLang="ko-KR" sz="1400" smtClean="0">
@@ -5505,11 +5484,7 @@
             </a:pPr>
             <a:r>
               <a:rPr lang="en-US" altLang="ko-KR" sz="1400"/>
-              <a:t>rows = </a:t>
-            </a:r>
-            <a:r>
-              <a:rPr lang="en-US" altLang="ko-KR" sz="1400"/>
-              <a:t>cur.execute(sql</a:t>
+              <a:t>rows = cur.execute(sql</a:t>
             </a:r>
             <a:r>
               <a:rPr lang="en-US" altLang="ko-KR" sz="1400" smtClean="0"/>
@@ -5598,11 +5573,7 @@
             </a:pPr>
             <a:r>
               <a:rPr lang="en-US" altLang="ko-KR" sz="1600"/>
-              <a:t>for row in </a:t>
-            </a:r>
-            <a:r>
-              <a:rPr lang="en-US" altLang="ko-KR" sz="1600"/>
-              <a:t>rows</a:t>
+              <a:t>for row in rows</a:t>
             </a:r>
             <a:r>
               <a:rPr lang="en-US" altLang="ko-KR" sz="1600" smtClean="0"/>
@@ -5778,11 +5749,20 @@
             <a:r>
               <a:rPr lang="en-US" altLang="ko-KR" sz="1300" smtClean="0">
                 <a:solidFill>
+                  <a:srgbClr val="C00000"/>
+                </a:solidFill>
+                <a:cs typeface="Arial" panose="020B0604020202020204" pitchFamily="34" charset="0"/>
+              </a:rPr>
+              <a:t>con</a:t>
+            </a:r>
+            <a:r>
+              <a:rPr lang="en-US" altLang="ko-KR" sz="1300" smtClean="0">
+                <a:solidFill>
                   <a:srgbClr val="0000FF"/>
                 </a:solidFill>
                 <a:cs typeface="Arial" panose="020B0604020202020204" pitchFamily="34" charset="0"/>
               </a:rPr>
-              <a:t>con </a:t>
+              <a:t> </a:t>
             </a:r>
             <a:r>
               <a:rPr lang="en-US" altLang="ko-KR" sz="1300">
@@ -5791,26 +5771,23 @@
                 </a:solidFill>
                 <a:cs typeface="Arial" panose="020B0604020202020204" pitchFamily="34" charset="0"/>
               </a:rPr>
-              <a:t>= cx_Oracle.connect("scott", "tiger", </a:t>
-            </a:r>
-            <a:r>
-              <a:rPr lang="en-US" altLang="ko-KR" sz="1300">
+              <a:t>= cx_Oracle.connect("scott", "tiger", "</a:t>
+            </a:r>
+            <a:r>
+              <a:rPr lang="en-US" altLang="ko-KR" sz="1300" smtClean="0">
                 <a:solidFill>
                   <a:srgbClr val="0000FF"/>
                 </a:solidFill>
                 <a:cs typeface="Arial" panose="020B0604020202020204" pitchFamily="34" charset="0"/>
               </a:rPr>
-              <a:t>"</a:t>
-            </a:r>
-            <a:r>
-              <a:rPr lang="en-US" altLang="ko-KR" sz="1300" smtClean="0">
-                <a:solidFill>
-                  <a:srgbClr val="0000FF"/>
-                </a:solidFill>
-                <a:cs typeface="Arial" panose="020B0604020202020204" pitchFamily="34" charset="0"/>
-              </a:rPr>
-              <a:t>192.168.142.72:1521/xe</a:t>
-            </a:r>
+              <a:t>192.168.142.72:1521/xe")</a:t>
+            </a:r>
+            <a:endParaRPr lang="en-US" altLang="ko-KR" sz="1300" smtClean="0">
+              <a:solidFill>
+                <a:srgbClr val="0000FF"/>
+              </a:solidFill>
+              <a:cs typeface="Arial" panose="020B0604020202020204" pitchFamily="34" charset="0"/>
+            </a:endParaRPr>
           </a:p>
           <a:p>
             <a:pPr>
@@ -5890,16 +5867,7 @@
                 </a:solidFill>
                 <a:cs typeface="Arial" panose="020B0604020202020204" pitchFamily="34" charset="0"/>
               </a:rPr>
-              <a:t>sql="Select * from tab</a:t>
-            </a:r>
-            <a:r>
-              <a:rPr lang="en-US" altLang="ko-KR" sz="1300">
-                <a:solidFill>
-                  <a:srgbClr val="0000FF"/>
-                </a:solidFill>
-                <a:cs typeface="Arial" panose="020B0604020202020204" pitchFamily="34" charset="0"/>
-              </a:rPr>
-              <a:t>"  </a:t>
+              <a:t>sql="Select * from tab"  </a:t>
             </a:r>
             <a:r>
               <a:rPr lang="en-US" altLang="ko-KR" sz="1300" smtClean="0">
@@ -5991,19 +5959,7 @@
                 </a:solidFill>
                 <a:cs typeface="Arial" panose="020B0604020202020204" pitchFamily="34" charset="0"/>
               </a:rPr>
-              <a:t>#sql = "select column_name, data_type, data_length from USER_TAB_COLUMNS where table_name </a:t>
-            </a:r>
-            <a:r>
-              <a:rPr lang="en-US" altLang="ko-KR" sz="1300">
-                <a:solidFill>
-                  <a:schemeClr val="tx1">
-                    <a:lumMod val="50000"/>
-                    <a:lumOff val="50000"/>
-                  </a:schemeClr>
-                </a:solidFill>
-                <a:cs typeface="Arial" panose="020B0604020202020204" pitchFamily="34" charset="0"/>
-              </a:rPr>
-              <a:t>= </a:t>
+              <a:t>#sql = "select column_name, data_type, data_length from USER_TAB_COLUMNS where table_name = </a:t>
             </a:r>
             <a:r>
               <a:rPr lang="en-US" altLang="ko-KR" sz="1300" smtClean="0">
@@ -6082,7 +6038,25 @@
                 </a:solidFill>
                 <a:cs typeface="Arial" panose="020B0604020202020204" pitchFamily="34" charset="0"/>
               </a:rPr>
-              <a:t>cur = con.cursor()  </a:t>
+              <a:t>cur </a:t>
+            </a:r>
+            <a:r>
+              <a:rPr lang="en-US" altLang="ko-KR" sz="1300">
+                <a:solidFill>
+                  <a:srgbClr val="C00000"/>
+                </a:solidFill>
+                <a:cs typeface="Arial" panose="020B0604020202020204" pitchFamily="34" charset="0"/>
+              </a:rPr>
+              <a:t>= con</a:t>
+            </a:r>
+            <a:r>
+              <a:rPr lang="en-US" altLang="ko-KR" sz="1300">
+                <a:solidFill>
+                  <a:srgbClr val="0000FF"/>
+                </a:solidFill>
+                <a:cs typeface="Arial" panose="020B0604020202020204" pitchFamily="34" charset="0"/>
+              </a:rPr>
+              <a:t>.cursor()  </a:t>
             </a:r>
             <a:r>
               <a:rPr lang="en-US" altLang="ko-KR" sz="1300">
@@ -6149,16 +6123,7 @@
                 </a:solidFill>
                 <a:cs typeface="Arial" panose="020B0604020202020204" pitchFamily="34" charset="0"/>
               </a:rPr>
-              <a:t>rows = </a:t>
-            </a:r>
-            <a:r>
-              <a:rPr lang="en-US" altLang="ko-KR" sz="1300">
-                <a:solidFill>
-                  <a:srgbClr val="0000FF"/>
-                </a:solidFill>
-                <a:cs typeface="Arial" panose="020B0604020202020204" pitchFamily="34" charset="0"/>
-              </a:rPr>
-              <a:t>cur.execute(sql</a:t>
+              <a:t>rows = cur.execute(sql</a:t>
             </a:r>
             <a:r>
               <a:rPr lang="en-US" altLang="ko-KR" sz="1300" smtClean="0">
@@ -6279,19 +6244,7 @@
                 </a:solidFill>
                 <a:cs typeface="Arial" panose="020B0604020202020204" pitchFamily="34" charset="0"/>
               </a:rPr>
-              <a:t>    print(row</a:t>
-            </a:r>
-            <a:r>
-              <a:rPr lang="en-US" altLang="ko-KR" sz="1300">
-                <a:solidFill>
-                  <a:schemeClr val="tx1">
-                    <a:lumMod val="95000"/>
-                    <a:lumOff val="5000"/>
-                  </a:schemeClr>
-                </a:solidFill>
-                <a:cs typeface="Arial" panose="020B0604020202020204" pitchFamily="34" charset="0"/>
-              </a:rPr>
-              <a:t>)    </a:t>
+              <a:t>    print(row)    </a:t>
             </a:r>
             <a:endParaRPr lang="en-US" altLang="ko-KR" sz="1300" smtClean="0">
               <a:solidFill>
@@ -6334,14 +6287,23 @@
             <a:r>
               <a:rPr lang="en-US" altLang="ko-KR" sz="1300">
                 <a:solidFill>
-                  <a:schemeClr val="tx1">
-                    <a:lumMod val="95000"/>
-                    <a:lumOff val="5000"/>
-                  </a:schemeClr>
-                </a:solidFill>
-                <a:cs typeface="Arial" panose="020B0604020202020204" pitchFamily="34" charset="0"/>
-              </a:rPr>
-              <a:t>con.close()</a:t>
+                  <a:srgbClr val="C00000"/>
+                </a:solidFill>
+                <a:cs typeface="Arial" panose="020B0604020202020204" pitchFamily="34" charset="0"/>
+              </a:rPr>
+              <a:t>con</a:t>
+            </a:r>
+            <a:r>
+              <a:rPr lang="en-US" altLang="ko-KR" sz="1300">
+                <a:solidFill>
+                  <a:schemeClr val="tx1">
+                    <a:lumMod val="95000"/>
+                    <a:lumOff val="5000"/>
+                  </a:schemeClr>
+                </a:solidFill>
+                <a:cs typeface="Arial" panose="020B0604020202020204" pitchFamily="34" charset="0"/>
+              </a:rPr>
+              <a:t>.close()</a:t>
             </a:r>
             <a:endParaRPr lang="en-US" altLang="ko-KR" sz="1300" smtClean="0">
               <a:solidFill>
@@ -6466,7 +6428,6 @@
               <a:rPr lang="ko-KR" altLang="en-US"/>
               <a:t>연동</a:t>
             </a:r>
-            <a:endParaRPr lang="ko-KR" altLang="en-US"/>
           </a:p>
         </p:txBody>
       </p:sp>
@@ -6578,11 +6539,7 @@
             </a:pPr>
             <a:r>
               <a:rPr lang="en-US" altLang="ko-KR" sz="1400"/>
-              <a:t> </a:t>
-            </a:r>
-            <a:r>
-              <a:rPr lang="en-US" altLang="ko-KR" sz="1400"/>
-              <a:t>import </a:t>
+              <a:t> import </a:t>
             </a:r>
             <a:r>
               <a:rPr lang="en-US" altLang="ko-KR" sz="1400" smtClean="0"/>
@@ -6664,19 +6621,7 @@
                 </a:solidFill>
                 <a:cs typeface="Arial" panose="020B0604020202020204" pitchFamily="34" charset="0"/>
               </a:rPr>
-              <a:t>", </a:t>
-            </a:r>
-            <a:r>
-              <a:rPr lang="en-US" altLang="ko-KR" sz="1400">
-                <a:solidFill>
-                  <a:schemeClr val="tx1">
-                    <a:lumMod val="95000"/>
-                    <a:lumOff val="5000"/>
-                  </a:schemeClr>
-                </a:solidFill>
-                <a:cs typeface="Arial" panose="020B0604020202020204" pitchFamily="34" charset="0"/>
-              </a:rPr>
-              <a:t>"</a:t>
+              <a:t>", "</a:t>
             </a:r>
             <a:r>
               <a:rPr lang="en-US" altLang="ko-KR" sz="1400" smtClean="0">
@@ -6774,11 +6719,7 @@
             </a:pPr>
             <a:r>
               <a:rPr lang="en-US" altLang="ko-KR" sz="1400"/>
-              <a:t> sql="Select * from tab</a:t>
-            </a:r>
-            <a:r>
-              <a:rPr lang="en-US" altLang="ko-KR" sz="1400"/>
-              <a:t>"  </a:t>
+              <a:t> sql="Select * from tab"  </a:t>
             </a:r>
             <a:r>
               <a:rPr lang="en-US" altLang="ko-KR" sz="1400" smtClean="0">
@@ -6911,11 +6852,7 @@
             </a:pPr>
             <a:r>
               <a:rPr lang="en-US" altLang="ko-KR" sz="1400"/>
-              <a:t>rows = </a:t>
-            </a:r>
-            <a:r>
-              <a:rPr lang="en-US" altLang="ko-KR" sz="1400"/>
-              <a:t>cur.execute(sql</a:t>
+              <a:t>rows = cur.execute(sql</a:t>
             </a:r>
             <a:r>
               <a:rPr lang="en-US" altLang="ko-KR" sz="1400" smtClean="0"/>
@@ -7004,11 +6941,7 @@
             </a:pPr>
             <a:r>
               <a:rPr lang="en-US" altLang="ko-KR" sz="1600"/>
-              <a:t>for row in </a:t>
-            </a:r>
-            <a:r>
-              <a:rPr lang="en-US" altLang="ko-KR" sz="1600"/>
-              <a:t>rows</a:t>
+              <a:t>for row in rows</a:t>
             </a:r>
             <a:r>
               <a:rPr lang="en-US" altLang="ko-KR" sz="1600" smtClean="0"/>
@@ -7208,19 +7141,7 @@
                 </a:solidFill>
                 <a:cs typeface="Arial" panose="020B0604020202020204" pitchFamily="34" charset="0"/>
               </a:rPr>
-              <a:t>= cx_Oracle.connect("scott", "tiger", </a:t>
-            </a:r>
-            <a:r>
-              <a:rPr lang="en-US" altLang="ko-KR" sz="1400">
-                <a:solidFill>
-                  <a:schemeClr val="tx1">
-                    <a:lumMod val="95000"/>
-                    <a:lumOff val="5000"/>
-                  </a:schemeClr>
-                </a:solidFill>
-                <a:cs typeface="Arial" panose="020B0604020202020204" pitchFamily="34" charset="0"/>
-              </a:rPr>
-              <a:t>"</a:t>
+              <a:t>= cx_Oracle.connect("scott", "tiger", "</a:t>
             </a:r>
             <a:r>
               <a:rPr lang="en-US" altLang="ko-KR" sz="1400" smtClean="0">
@@ -7232,15 +7153,8 @@
                 </a:solidFill>
                 <a:cs typeface="Arial" panose="020B0604020202020204" pitchFamily="34" charset="0"/>
               </a:rPr>
-              <a:t>192.168.142.72:1521/xe</a:t>
-            </a:r>
-          </a:p>
-          <a:p>
-            <a:pPr>
-              <a:buClr>
-                <a:srgbClr val="3C479D"/>
-              </a:buClr>
-            </a:pPr>
+              <a:t>192.168.142.72:1521/xe")</a:t>
+            </a:r>
             <a:endParaRPr lang="en-US" altLang="ko-KR" sz="1400" smtClean="0">
               <a:solidFill>
                 <a:schemeClr val="tx1">
@@ -7257,6 +7171,22 @@
                 <a:srgbClr val="3C479D"/>
               </a:buClr>
             </a:pPr>
+            <a:endParaRPr lang="en-US" altLang="ko-KR" sz="1400" smtClean="0">
+              <a:solidFill>
+                <a:schemeClr val="tx1">
+                  <a:lumMod val="95000"/>
+                  <a:lumOff val="5000"/>
+                </a:schemeClr>
+              </a:solidFill>
+              <a:cs typeface="Arial" panose="020B0604020202020204" pitchFamily="34" charset="0"/>
+            </a:endParaRPr>
+          </a:p>
+          <a:p>
+            <a:pPr>
+              <a:buClr>
+                <a:srgbClr val="3C479D"/>
+              </a:buClr>
+            </a:pPr>
             <a:r>
               <a:rPr lang="en-US" altLang="ko-KR" sz="1600" smtClean="0">
                 <a:solidFill>
@@ -7273,16 +7203,7 @@
                 </a:solidFill>
                 <a:cs typeface="Arial" panose="020B0604020202020204" pitchFamily="34" charset="0"/>
               </a:rPr>
-              <a:t>sel_query(con</a:t>
-            </a:r>
-            <a:r>
-              <a:rPr lang="en-US" altLang="ko-KR" sz="1600">
-                <a:solidFill>
-                  <a:srgbClr val="C00000"/>
-                </a:solidFill>
-                <a:cs typeface="Arial" panose="020B0604020202020204" pitchFamily="34" charset="0"/>
-              </a:rPr>
-              <a:t>, </a:t>
+              <a:t>sel_query(con, </a:t>
             </a:r>
             <a:r>
               <a:rPr lang="en-US" altLang="ko-KR" sz="1600" smtClean="0">
@@ -7507,19 +7428,7 @@
                 </a:solidFill>
                 <a:cs typeface="Arial" panose="020B0604020202020204" pitchFamily="34" charset="0"/>
               </a:rPr>
-              <a:t>        </a:t>
-            </a:r>
-            <a:r>
-              <a:rPr lang="en-US" altLang="ko-KR" sz="1400">
-                <a:solidFill>
-                  <a:schemeClr val="tx1">
-                    <a:lumMod val="95000"/>
-                    <a:lumOff val="5000"/>
-                  </a:schemeClr>
-                </a:solidFill>
-                <a:cs typeface="Arial" panose="020B0604020202020204" pitchFamily="34" charset="0"/>
-              </a:rPr>
-              <a:t>rows.append(row</a:t>
+              <a:t>        rows.append(row</a:t>
             </a:r>
             <a:r>
               <a:rPr lang="en-US" altLang="ko-KR" sz="1400" smtClean="0">
@@ -7559,19 +7468,7 @@
                 </a:solidFill>
                 <a:cs typeface="Arial" panose="020B0604020202020204" pitchFamily="34" charset="0"/>
               </a:rPr>
-              <a:t>    </a:t>
-            </a:r>
-            <a:r>
-              <a:rPr lang="en-US" altLang="ko-KR" sz="1400">
-                <a:solidFill>
-                  <a:schemeClr val="tx1">
-                    <a:lumMod val="95000"/>
-                    <a:lumOff val="5000"/>
-                  </a:schemeClr>
-                </a:solidFill>
-                <a:cs typeface="Arial" panose="020B0604020202020204" pitchFamily="34" charset="0"/>
-              </a:rPr>
-              <a:t>return </a:t>
+              <a:t>    return </a:t>
             </a:r>
             <a:r>
               <a:rPr lang="en-US" altLang="ko-KR" sz="1400" smtClean="0">
@@ -7743,16 +7640,7 @@
                 </a:solidFill>
                 <a:cs typeface="Arial" panose="020B0604020202020204" pitchFamily="34" charset="0"/>
               </a:rPr>
-              <a:t>sel_query(con, </a:t>
-            </a:r>
-            <a:r>
-              <a:rPr lang="en-US" altLang="ko-KR" sz="1400">
-                <a:solidFill>
-                  <a:srgbClr val="C00000"/>
-                </a:solidFill>
-                <a:cs typeface="Arial" panose="020B0604020202020204" pitchFamily="34" charset="0"/>
-              </a:rPr>
-              <a:t>sql</a:t>
+              <a:t>sel_query(con, sql</a:t>
             </a:r>
             <a:r>
               <a:rPr lang="en-US" altLang="ko-KR" sz="1400" smtClean="0">
@@ -7825,19 +7713,7 @@
                 </a:solidFill>
                 <a:cs typeface="Arial" panose="020B0604020202020204" pitchFamily="34" charset="0"/>
               </a:rPr>
-              <a:t>row in </a:t>
-            </a:r>
-            <a:r>
-              <a:rPr lang="en-US" altLang="ko-KR" sz="1400">
-                <a:solidFill>
-                  <a:schemeClr val="tx1">
-                    <a:lumMod val="95000"/>
-                    <a:lumOff val="5000"/>
-                  </a:schemeClr>
-                </a:solidFill>
-                <a:cs typeface="Arial" panose="020B0604020202020204" pitchFamily="34" charset="0"/>
-              </a:rPr>
-              <a:t>rows</a:t>
+              <a:t>row in rows</a:t>
             </a:r>
             <a:r>
               <a:rPr lang="en-US" altLang="ko-KR" sz="1400" smtClean="0">
@@ -7873,19 +7749,7 @@
                 </a:solidFill>
                 <a:cs typeface="Arial" panose="020B0604020202020204" pitchFamily="34" charset="0"/>
               </a:rPr>
-              <a:t>검색 결과 </a:t>
-            </a:r>
-            <a:r>
-              <a:rPr lang="ko-KR" altLang="en-US" sz="1400">
-                <a:solidFill>
-                  <a:schemeClr val="tx1">
-                    <a:lumMod val="50000"/>
-                    <a:lumOff val="50000"/>
-                  </a:schemeClr>
-                </a:solidFill>
-                <a:cs typeface="Arial" panose="020B0604020202020204" pitchFamily="34" charset="0"/>
-              </a:rPr>
-              <a:t>리스트 </a:t>
+              <a:t>검색 결과 리스트 </a:t>
             </a:r>
             <a:r>
               <a:rPr lang="ko-KR" altLang="en-US" sz="1400" smtClean="0">
@@ -7925,19 +7789,7 @@
                 </a:solidFill>
                 <a:cs typeface="Arial" panose="020B0604020202020204" pitchFamily="34" charset="0"/>
               </a:rPr>
-              <a:t>    print(row</a:t>
-            </a:r>
-            <a:r>
-              <a:rPr lang="en-US" altLang="ko-KR" sz="1400">
-                <a:solidFill>
-                  <a:schemeClr val="tx1">
-                    <a:lumMod val="95000"/>
-                    <a:lumOff val="5000"/>
-                  </a:schemeClr>
-                </a:solidFill>
-                <a:cs typeface="Arial" panose="020B0604020202020204" pitchFamily="34" charset="0"/>
-              </a:rPr>
-              <a:t>)    </a:t>
+              <a:t>    print(row)    </a:t>
             </a:r>
             <a:endParaRPr lang="en-US" altLang="ko-KR" sz="1400" smtClean="0">
               <a:solidFill>
@@ -8192,7 +8044,6 @@
               <a:rPr lang="ko-KR" altLang="en-US"/>
               <a:t>연동</a:t>
             </a:r>
-            <a:endParaRPr lang="ko-KR" altLang="en-US"/>
           </a:p>
         </p:txBody>
       </p:sp>
@@ -8430,7 +8281,6 @@
               <a:rPr lang="ko-KR" altLang="en-US"/>
               <a:t>연동</a:t>
             </a:r>
-            <a:endParaRPr lang="ko-KR" altLang="en-US"/>
           </a:p>
         </p:txBody>
       </p:sp>
@@ -8760,7 +8610,6 @@
               <a:rPr lang="ko-KR" altLang="en-US"/>
               <a:t>연동</a:t>
             </a:r>
-            <a:endParaRPr lang="ko-KR" altLang="en-US"/>
           </a:p>
         </p:txBody>
       </p:sp>
@@ -8793,11 +8642,7 @@
             </a:pPr>
             <a:r>
               <a:rPr lang="en-US" altLang="ko-KR" sz="2000"/>
-              <a:t>Oracle </a:t>
-            </a:r>
-            <a:r>
-              <a:rPr lang="en-US" altLang="ko-KR" sz="2000"/>
-              <a:t>DB </a:t>
+              <a:t>Oracle DB </a:t>
             </a:r>
             <a:r>
               <a:rPr lang="ko-KR" altLang="en-US" sz="2000" smtClean="0"/>
@@ -8880,11 +8725,7 @@
             </a:pPr>
             <a:r>
               <a:rPr lang="en-US" altLang="ko-KR" sz="1400"/>
-              <a:t> </a:t>
-            </a:r>
-            <a:r>
-              <a:rPr lang="en-US" altLang="ko-KR" sz="1400"/>
-              <a:t>import </a:t>
+              <a:t> import </a:t>
             </a:r>
             <a:r>
               <a:rPr lang="en-US" altLang="ko-KR" sz="1400" smtClean="0"/>
@@ -8966,19 +8807,7 @@
                 </a:solidFill>
                 <a:cs typeface="Arial" panose="020B0604020202020204" pitchFamily="34" charset="0"/>
               </a:rPr>
-              <a:t>", </a:t>
-            </a:r>
-            <a:r>
-              <a:rPr lang="en-US" altLang="ko-KR" sz="1400">
-                <a:solidFill>
-                  <a:schemeClr val="tx1">
-                    <a:lumMod val="95000"/>
-                    <a:lumOff val="5000"/>
-                  </a:schemeClr>
-                </a:solidFill>
-                <a:cs typeface="Arial" panose="020B0604020202020204" pitchFamily="34" charset="0"/>
-              </a:rPr>
-              <a:t>"</a:t>
+              <a:t>", "</a:t>
             </a:r>
             <a:r>
               <a:rPr lang="en-US" altLang="ko-KR" sz="1400" smtClean="0">
@@ -9076,11 +8905,7 @@
             </a:pPr>
             <a:r>
               <a:rPr lang="en-US" altLang="ko-KR" sz="1400"/>
-              <a:t> sql="Select * from tab</a:t>
-            </a:r>
-            <a:r>
-              <a:rPr lang="en-US" altLang="ko-KR" sz="1400"/>
-              <a:t>"  </a:t>
+              <a:t> sql="Select * from tab"  </a:t>
             </a:r>
             <a:r>
               <a:rPr lang="en-US" altLang="ko-KR" sz="1400" smtClean="0">
@@ -9213,11 +9038,7 @@
             </a:pPr>
             <a:r>
               <a:rPr lang="en-US" altLang="ko-KR" sz="1400"/>
-              <a:t>rows = </a:t>
-            </a:r>
-            <a:r>
-              <a:rPr lang="en-US" altLang="ko-KR" sz="1400"/>
-              <a:t>cur.execute(sql</a:t>
+              <a:t>rows = cur.execute(sql</a:t>
             </a:r>
             <a:r>
               <a:rPr lang="en-US" altLang="ko-KR" sz="1400" smtClean="0"/>
@@ -9306,11 +9127,7 @@
             </a:pPr>
             <a:r>
               <a:rPr lang="en-US" altLang="ko-KR" sz="1600"/>
-              <a:t>for row in </a:t>
-            </a:r>
-            <a:r>
-              <a:rPr lang="en-US" altLang="ko-KR" sz="1600"/>
-              <a:t>rows</a:t>
+              <a:t>for row in rows</a:t>
             </a:r>
             <a:r>
               <a:rPr lang="en-US" altLang="ko-KR" sz="1600" smtClean="0"/>
@@ -9510,19 +9327,7 @@
                 </a:solidFill>
                 <a:cs typeface="Arial" panose="020B0604020202020204" pitchFamily="34" charset="0"/>
               </a:rPr>
-              <a:t>= cx_Oracle.connect("scott", "tiger", </a:t>
-            </a:r>
-            <a:r>
-              <a:rPr lang="en-US" altLang="ko-KR" sz="1400">
-                <a:solidFill>
-                  <a:schemeClr val="tx1">
-                    <a:lumMod val="95000"/>
-                    <a:lumOff val="5000"/>
-                  </a:schemeClr>
-                </a:solidFill>
-                <a:cs typeface="Arial" panose="020B0604020202020204" pitchFamily="34" charset="0"/>
-              </a:rPr>
-              <a:t>"</a:t>
+              <a:t>= cx_Oracle.connect("scott", "tiger", "</a:t>
             </a:r>
             <a:r>
               <a:rPr lang="en-US" altLang="ko-KR" sz="1400" smtClean="0">
@@ -9534,15 +9339,8 @@
                 </a:solidFill>
                 <a:cs typeface="Arial" panose="020B0604020202020204" pitchFamily="34" charset="0"/>
               </a:rPr>
-              <a:t>192.168.142.72:1521/xe</a:t>
-            </a:r>
-          </a:p>
-          <a:p>
-            <a:pPr>
-              <a:buClr>
-                <a:srgbClr val="3C479D"/>
-              </a:buClr>
-            </a:pPr>
+              <a:t>192.168.142.72:1521/xe")</a:t>
+            </a:r>
             <a:endParaRPr lang="en-US" altLang="ko-KR" sz="1400" smtClean="0">
               <a:solidFill>
                 <a:schemeClr val="tx1">
@@ -9559,6 +9357,22 @@
                 <a:srgbClr val="3C479D"/>
               </a:buClr>
             </a:pPr>
+            <a:endParaRPr lang="en-US" altLang="ko-KR" sz="1400" smtClean="0">
+              <a:solidFill>
+                <a:schemeClr val="tx1">
+                  <a:lumMod val="95000"/>
+                  <a:lumOff val="5000"/>
+                </a:schemeClr>
+              </a:solidFill>
+              <a:cs typeface="Arial" panose="020B0604020202020204" pitchFamily="34" charset="0"/>
+            </a:endParaRPr>
+          </a:p>
+          <a:p>
+            <a:pPr>
+              <a:buClr>
+                <a:srgbClr val="3C479D"/>
+              </a:buClr>
+            </a:pPr>
             <a:r>
               <a:rPr lang="en-US" altLang="ko-KR" sz="1600" smtClean="0">
                 <a:solidFill>
@@ -9575,16 +9389,7 @@
                 </a:solidFill>
                 <a:cs typeface="Arial" panose="020B0604020202020204" pitchFamily="34" charset="0"/>
               </a:rPr>
-              <a:t>sel_query(con</a:t>
-            </a:r>
-            <a:r>
-              <a:rPr lang="en-US" altLang="ko-KR" sz="1600">
-                <a:solidFill>
-                  <a:schemeClr val="tx1"/>
-                </a:solidFill>
-                <a:cs typeface="Arial" panose="020B0604020202020204" pitchFamily="34" charset="0"/>
-              </a:rPr>
-              <a:t>, </a:t>
+              <a:t>sel_query(con, </a:t>
             </a:r>
             <a:r>
               <a:rPr lang="en-US" altLang="ko-KR" sz="1600" smtClean="0">
@@ -9809,19 +9614,7 @@
                 </a:solidFill>
                 <a:cs typeface="Arial" panose="020B0604020202020204" pitchFamily="34" charset="0"/>
               </a:rPr>
-              <a:t>        </a:t>
-            </a:r>
-            <a:r>
-              <a:rPr lang="en-US" altLang="ko-KR" sz="1400">
-                <a:solidFill>
-                  <a:schemeClr val="tx1">
-                    <a:lumMod val="95000"/>
-                    <a:lumOff val="5000"/>
-                  </a:schemeClr>
-                </a:solidFill>
-                <a:cs typeface="Arial" panose="020B0604020202020204" pitchFamily="34" charset="0"/>
-              </a:rPr>
-              <a:t>rows.append(row</a:t>
+              <a:t>        rows.append(row</a:t>
             </a:r>
             <a:r>
               <a:rPr lang="en-US" altLang="ko-KR" sz="1400" smtClean="0">
@@ -9861,19 +9654,7 @@
                 </a:solidFill>
                 <a:cs typeface="Arial" panose="020B0604020202020204" pitchFamily="34" charset="0"/>
               </a:rPr>
-              <a:t>    </a:t>
-            </a:r>
-            <a:r>
-              <a:rPr lang="en-US" altLang="ko-KR" sz="1400">
-                <a:solidFill>
-                  <a:schemeClr val="tx1">
-                    <a:lumMod val="95000"/>
-                    <a:lumOff val="5000"/>
-                  </a:schemeClr>
-                </a:solidFill>
-                <a:cs typeface="Arial" panose="020B0604020202020204" pitchFamily="34" charset="0"/>
-              </a:rPr>
-              <a:t>return </a:t>
+              <a:t>    return </a:t>
             </a:r>
             <a:r>
               <a:rPr lang="en-US" altLang="ko-KR" sz="1400" smtClean="0">
@@ -9960,16 +9741,7 @@
                 </a:solidFill>
                 <a:cs typeface="Arial" panose="020B0604020202020204" pitchFamily="34" charset="0"/>
               </a:rPr>
-              <a:t>Select * </a:t>
-            </a:r>
-            <a:r>
-              <a:rPr lang="en-US" altLang="ko-KR" sz="1400">
-                <a:solidFill>
-                  <a:srgbClr val="0000FF"/>
-                </a:solidFill>
-                <a:cs typeface="Arial" panose="020B0604020202020204" pitchFamily="34" charset="0"/>
-              </a:rPr>
-              <a:t>from </a:t>
+              <a:t>Select * from </a:t>
             </a:r>
             <a:r>
               <a:rPr lang="en-US" altLang="ko-KR" sz="1400" smtClean="0">
@@ -10063,16 +9835,7 @@
                 </a:solidFill>
                 <a:cs typeface="Arial" panose="020B0604020202020204" pitchFamily="34" charset="0"/>
               </a:rPr>
-              <a:t>sel_query(con, </a:t>
-            </a:r>
-            <a:r>
-              <a:rPr lang="en-US" altLang="ko-KR" sz="1400">
-                <a:solidFill>
-                  <a:schemeClr val="tx1"/>
-                </a:solidFill>
-                <a:cs typeface="Arial" panose="020B0604020202020204" pitchFamily="34" charset="0"/>
-              </a:rPr>
-              <a:t>sql</a:t>
+              <a:t>sel_query(con, sql</a:t>
             </a:r>
             <a:r>
               <a:rPr lang="en-US" altLang="ko-KR" sz="1400" smtClean="0">
@@ -10145,19 +9908,7 @@
                 </a:solidFill>
                 <a:cs typeface="Arial" panose="020B0604020202020204" pitchFamily="34" charset="0"/>
               </a:rPr>
-              <a:t>row in </a:t>
-            </a:r>
-            <a:r>
-              <a:rPr lang="en-US" altLang="ko-KR" sz="1400">
-                <a:solidFill>
-                  <a:schemeClr val="tx1">
-                    <a:lumMod val="95000"/>
-                    <a:lumOff val="5000"/>
-                  </a:schemeClr>
-                </a:solidFill>
-                <a:cs typeface="Arial" panose="020B0604020202020204" pitchFamily="34" charset="0"/>
-              </a:rPr>
-              <a:t>rows</a:t>
+              <a:t>row in rows</a:t>
             </a:r>
             <a:r>
               <a:rPr lang="en-US" altLang="ko-KR" sz="1400" smtClean="0">
@@ -10193,19 +9944,7 @@
                 </a:solidFill>
                 <a:cs typeface="Arial" panose="020B0604020202020204" pitchFamily="34" charset="0"/>
               </a:rPr>
-              <a:t>검색 결과 </a:t>
-            </a:r>
-            <a:r>
-              <a:rPr lang="ko-KR" altLang="en-US" sz="1400">
-                <a:solidFill>
-                  <a:schemeClr val="tx1">
-                    <a:lumMod val="50000"/>
-                    <a:lumOff val="50000"/>
-                  </a:schemeClr>
-                </a:solidFill>
-                <a:cs typeface="Arial" panose="020B0604020202020204" pitchFamily="34" charset="0"/>
-              </a:rPr>
-              <a:t>리스트 </a:t>
+              <a:t>검색 결과 리스트 </a:t>
             </a:r>
             <a:r>
               <a:rPr lang="ko-KR" altLang="en-US" sz="1400" smtClean="0">
@@ -10245,19 +9984,7 @@
                 </a:solidFill>
                 <a:cs typeface="Arial" panose="020B0604020202020204" pitchFamily="34" charset="0"/>
               </a:rPr>
-              <a:t>    print(row</a:t>
-            </a:r>
-            <a:r>
-              <a:rPr lang="en-US" altLang="ko-KR" sz="1400">
-                <a:solidFill>
-                  <a:schemeClr val="tx1">
-                    <a:lumMod val="95000"/>
-                    <a:lumOff val="5000"/>
-                  </a:schemeClr>
-                </a:solidFill>
-                <a:cs typeface="Arial" panose="020B0604020202020204" pitchFamily="34" charset="0"/>
-              </a:rPr>
-              <a:t>)   </a:t>
+              <a:t>    print(row)   </a:t>
             </a:r>
             <a:endParaRPr lang="en-US" altLang="ko-KR" sz="1400" smtClean="0">
               <a:solidFill>
@@ -10524,7 +10251,6 @@
               <a:rPr lang="ko-KR" altLang="en-US"/>
               <a:t>연동</a:t>
             </a:r>
-            <a:endParaRPr lang="ko-KR" altLang="en-US"/>
           </a:p>
         </p:txBody>
       </p:sp>
@@ -10557,11 +10283,7 @@
             </a:pPr>
             <a:r>
               <a:rPr lang="en-US" altLang="ko-KR" sz="2000"/>
-              <a:t>Oracle </a:t>
-            </a:r>
-            <a:r>
-              <a:rPr lang="en-US" altLang="ko-KR" sz="2000"/>
-              <a:t>DB </a:t>
+              <a:t>Oracle DB </a:t>
             </a:r>
             <a:r>
               <a:rPr lang="ko-KR" altLang="en-US" sz="2000" smtClean="0"/>
@@ -10644,11 +10366,7 @@
             </a:pPr>
             <a:r>
               <a:rPr lang="en-US" altLang="ko-KR" sz="1400"/>
-              <a:t> </a:t>
-            </a:r>
-            <a:r>
-              <a:rPr lang="en-US" altLang="ko-KR" sz="1400"/>
-              <a:t>import </a:t>
+              <a:t> import </a:t>
             </a:r>
             <a:r>
               <a:rPr lang="en-US" altLang="ko-KR" sz="1400" smtClean="0"/>
@@ -10730,19 +10448,7 @@
                 </a:solidFill>
                 <a:cs typeface="Arial" panose="020B0604020202020204" pitchFamily="34" charset="0"/>
               </a:rPr>
-              <a:t>", </a:t>
-            </a:r>
-            <a:r>
-              <a:rPr lang="en-US" altLang="ko-KR" sz="1400">
-                <a:solidFill>
-                  <a:schemeClr val="tx1">
-                    <a:lumMod val="95000"/>
-                    <a:lumOff val="5000"/>
-                  </a:schemeClr>
-                </a:solidFill>
-                <a:cs typeface="Arial" panose="020B0604020202020204" pitchFamily="34" charset="0"/>
-              </a:rPr>
-              <a:t>"</a:t>
+              <a:t>", "</a:t>
             </a:r>
             <a:r>
               <a:rPr lang="en-US" altLang="ko-KR" sz="1400" smtClean="0">
@@ -10840,11 +10546,7 @@
             </a:pPr>
             <a:r>
               <a:rPr lang="en-US" altLang="ko-KR" sz="1400"/>
-              <a:t> sql="Select * from tab</a:t>
-            </a:r>
-            <a:r>
-              <a:rPr lang="en-US" altLang="ko-KR" sz="1400"/>
-              <a:t>"  </a:t>
+              <a:t> sql="Select * from tab"  </a:t>
             </a:r>
             <a:r>
               <a:rPr lang="en-US" altLang="ko-KR" sz="1400" smtClean="0">
@@ -10977,11 +10679,7 @@
             </a:pPr>
             <a:r>
               <a:rPr lang="en-US" altLang="ko-KR" sz="1400"/>
-              <a:t>rows = </a:t>
-            </a:r>
-            <a:r>
-              <a:rPr lang="en-US" altLang="ko-KR" sz="1400"/>
-              <a:t>cur.execute(sql</a:t>
+              <a:t>rows = cur.execute(sql</a:t>
             </a:r>
             <a:r>
               <a:rPr lang="en-US" altLang="ko-KR" sz="1400" smtClean="0"/>
@@ -11070,11 +10768,7 @@
             </a:pPr>
             <a:r>
               <a:rPr lang="en-US" altLang="ko-KR" sz="1600"/>
-              <a:t>for row in </a:t>
-            </a:r>
-            <a:r>
-              <a:rPr lang="en-US" altLang="ko-KR" sz="1600"/>
-              <a:t>rows</a:t>
+              <a:t>for row in rows</a:t>
             </a:r>
             <a:r>
               <a:rPr lang="en-US" altLang="ko-KR" sz="1600" smtClean="0"/>
@@ -11274,19 +10968,7 @@
                 </a:solidFill>
                 <a:cs typeface="Arial" panose="020B0604020202020204" pitchFamily="34" charset="0"/>
               </a:rPr>
-              <a:t>= cx_Oracle.connect("scott", "tiger", </a:t>
-            </a:r>
-            <a:r>
-              <a:rPr lang="en-US" altLang="ko-KR" sz="1400">
-                <a:solidFill>
-                  <a:schemeClr val="tx1">
-                    <a:lumMod val="95000"/>
-                    <a:lumOff val="5000"/>
-                  </a:schemeClr>
-                </a:solidFill>
-                <a:cs typeface="Arial" panose="020B0604020202020204" pitchFamily="34" charset="0"/>
-              </a:rPr>
-              <a:t>"</a:t>
+              <a:t>= cx_Oracle.connect("scott", "tiger", "</a:t>
             </a:r>
             <a:r>
               <a:rPr lang="en-US" altLang="ko-KR" sz="1400" smtClean="0">
@@ -11298,15 +10980,8 @@
                 </a:solidFill>
                 <a:cs typeface="Arial" panose="020B0604020202020204" pitchFamily="34" charset="0"/>
               </a:rPr>
-              <a:t>192.168.142.72:1521/xe</a:t>
-            </a:r>
-          </a:p>
-          <a:p>
-            <a:pPr>
-              <a:buClr>
-                <a:srgbClr val="3C479D"/>
-              </a:buClr>
-            </a:pPr>
+              <a:t>192.168.142.72:1521/xe")</a:t>
+            </a:r>
             <a:endParaRPr lang="en-US" altLang="ko-KR" sz="1400" smtClean="0">
               <a:solidFill>
                 <a:schemeClr val="tx1">
@@ -11323,6 +10998,22 @@
                 <a:srgbClr val="3C479D"/>
               </a:buClr>
             </a:pPr>
+            <a:endParaRPr lang="en-US" altLang="ko-KR" sz="1400" smtClean="0">
+              <a:solidFill>
+                <a:schemeClr val="tx1">
+                  <a:lumMod val="95000"/>
+                  <a:lumOff val="5000"/>
+                </a:schemeClr>
+              </a:solidFill>
+              <a:cs typeface="Arial" panose="020B0604020202020204" pitchFamily="34" charset="0"/>
+            </a:endParaRPr>
+          </a:p>
+          <a:p>
+            <a:pPr>
+              <a:buClr>
+                <a:srgbClr val="3C479D"/>
+              </a:buClr>
+            </a:pPr>
             <a:r>
               <a:rPr lang="en-US" altLang="ko-KR" sz="1600" smtClean="0">
                 <a:solidFill>
@@ -11339,16 +11030,7 @@
                 </a:solidFill>
                 <a:cs typeface="Arial" panose="020B0604020202020204" pitchFamily="34" charset="0"/>
               </a:rPr>
-              <a:t>sel_query(con</a:t>
-            </a:r>
-            <a:r>
-              <a:rPr lang="en-US" altLang="ko-KR" sz="1600">
-                <a:solidFill>
-                  <a:schemeClr val="tx1"/>
-                </a:solidFill>
-                <a:cs typeface="Arial" panose="020B0604020202020204" pitchFamily="34" charset="0"/>
-              </a:rPr>
-              <a:t>, </a:t>
+              <a:t>sel_query(con, </a:t>
             </a:r>
             <a:r>
               <a:rPr lang="en-US" altLang="ko-KR" sz="1600" smtClean="0">
@@ -11573,19 +11255,7 @@
                 </a:solidFill>
                 <a:cs typeface="Arial" panose="020B0604020202020204" pitchFamily="34" charset="0"/>
               </a:rPr>
-              <a:t>        </a:t>
-            </a:r>
-            <a:r>
-              <a:rPr lang="en-US" altLang="ko-KR" sz="1400">
-                <a:solidFill>
-                  <a:schemeClr val="tx1">
-                    <a:lumMod val="95000"/>
-                    <a:lumOff val="5000"/>
-                  </a:schemeClr>
-                </a:solidFill>
-                <a:cs typeface="Arial" panose="020B0604020202020204" pitchFamily="34" charset="0"/>
-              </a:rPr>
-              <a:t>rows.append(row</a:t>
+              <a:t>        rows.append(row</a:t>
             </a:r>
             <a:r>
               <a:rPr lang="en-US" altLang="ko-KR" sz="1400" smtClean="0">
@@ -11625,19 +11295,7 @@
                 </a:solidFill>
                 <a:cs typeface="Arial" panose="020B0604020202020204" pitchFamily="34" charset="0"/>
               </a:rPr>
-              <a:t>    </a:t>
-            </a:r>
-            <a:r>
-              <a:rPr lang="en-US" altLang="ko-KR" sz="1400">
-                <a:solidFill>
-                  <a:schemeClr val="tx1">
-                    <a:lumMod val="95000"/>
-                    <a:lumOff val="5000"/>
-                  </a:schemeClr>
-                </a:solidFill>
-                <a:cs typeface="Arial" panose="020B0604020202020204" pitchFamily="34" charset="0"/>
-              </a:rPr>
-              <a:t>return </a:t>
+              <a:t>    return </a:t>
             </a:r>
             <a:r>
               <a:rPr lang="en-US" altLang="ko-KR" sz="1400" smtClean="0">
@@ -11712,77 +11370,59 @@
                 </a:solidFill>
                 <a:cs typeface="Arial" panose="020B0604020202020204" pitchFamily="34" charset="0"/>
               </a:rPr>
-              <a:t>select column_name, data_type, data_length from USER_TAB_COLUMNS where table_name = </a:t>
+              <a:t>select column_name, data_type, data_length from USER_TAB_COLUMNS where table_name = 'DEPT</a:t>
+            </a:r>
+            <a:r>
+              <a:rPr lang="en-US" altLang="ko-KR" sz="1400" smtClean="0">
+                <a:solidFill>
+                  <a:schemeClr val="tx1">
+                    <a:lumMod val="95000"/>
+                    <a:lumOff val="5000"/>
+                  </a:schemeClr>
+                </a:solidFill>
+                <a:cs typeface="Arial" panose="020B0604020202020204" pitchFamily="34" charset="0"/>
+              </a:rPr>
+              <a:t>'"</a:t>
+            </a:r>
+          </a:p>
+          <a:p>
+            <a:pPr>
+              <a:buClr>
+                <a:srgbClr val="3C479D"/>
+              </a:buClr>
+            </a:pPr>
+            <a:r>
+              <a:rPr lang="en-US" altLang="ko-KR" sz="1400" smtClean="0">
+                <a:solidFill>
+                  <a:schemeClr val="tx1">
+                    <a:lumMod val="95000"/>
+                    <a:lumOff val="5000"/>
+                  </a:schemeClr>
+                </a:solidFill>
+                <a:cs typeface="Arial" panose="020B0604020202020204" pitchFamily="34" charset="0"/>
+              </a:rPr>
+              <a:t>rows </a:t>
             </a:r>
             <a:r>
               <a:rPr lang="en-US" altLang="ko-KR" sz="1400">
                 <a:solidFill>
-                  <a:srgbClr val="0000FF"/>
-                </a:solidFill>
-                <a:cs typeface="Arial" panose="020B0604020202020204" pitchFamily="34" charset="0"/>
-              </a:rPr>
-              <a:t>'DEPT</a:t>
-            </a:r>
-            <a:r>
-              <a:rPr lang="en-US" altLang="ko-KR" sz="1400" smtClean="0">
-                <a:solidFill>
-                  <a:schemeClr val="tx1">
-                    <a:lumMod val="95000"/>
-                    <a:lumOff val="5000"/>
-                  </a:schemeClr>
-                </a:solidFill>
-                <a:cs typeface="Arial" panose="020B0604020202020204" pitchFamily="34" charset="0"/>
-              </a:rPr>
-              <a:t>'"</a:t>
-            </a:r>
-          </a:p>
-          <a:p>
-            <a:pPr>
-              <a:buClr>
-                <a:srgbClr val="3C479D"/>
-              </a:buClr>
-            </a:pPr>
-            <a:r>
-              <a:rPr lang="en-US" altLang="ko-KR" sz="1400" smtClean="0">
-                <a:solidFill>
-                  <a:schemeClr val="tx1">
-                    <a:lumMod val="95000"/>
-                    <a:lumOff val="5000"/>
-                  </a:schemeClr>
-                </a:solidFill>
-                <a:cs typeface="Arial" panose="020B0604020202020204" pitchFamily="34" charset="0"/>
-              </a:rPr>
-              <a:t>rows </a:t>
+                  <a:schemeClr val="tx1">
+                    <a:lumMod val="95000"/>
+                    <a:lumOff val="5000"/>
+                  </a:schemeClr>
+                </a:solidFill>
+                <a:cs typeface="Arial" panose="020B0604020202020204" pitchFamily="34" charset="0"/>
+              </a:rPr>
+              <a:t>= </a:t>
             </a:r>
             <a:r>
               <a:rPr lang="en-US" altLang="ko-KR" sz="1400">
                 <a:solidFill>
-                  <a:schemeClr val="tx1">
-                    <a:lumMod val="95000"/>
-                    <a:lumOff val="5000"/>
-                  </a:schemeClr>
-                </a:solidFill>
-                <a:cs typeface="Arial" panose="020B0604020202020204" pitchFamily="34" charset="0"/>
-              </a:rPr>
-              <a:t>= </a:t>
-            </a:r>
-            <a:r>
-              <a:rPr lang="en-US" altLang="ko-KR" sz="1400">
-                <a:solidFill>
                   <a:schemeClr val="tx1"/>
                 </a:solidFill>
                 <a:cs typeface="Arial" panose="020B0604020202020204" pitchFamily="34" charset="0"/>
               </a:rPr>
-              <a:t>sel_query(con, </a:t>
-            </a:r>
-            <a:r>
-              <a:rPr lang="en-US" altLang="ko-KR" sz="1400">
-                <a:solidFill>
-                  <a:schemeClr val="tx1"/>
-                </a:solidFill>
-                <a:cs typeface="Arial" panose="020B0604020202020204" pitchFamily="34" charset="0"/>
-              </a:rPr>
-              <a:t>sql</a:t>
+              <a:t>sel_query(con, sql</a:t>
             </a:r>
             <a:r>
               <a:rPr lang="en-US" altLang="ko-KR" sz="1400" smtClean="0">
@@ -11855,19 +11495,7 @@
                 </a:solidFill>
                 <a:cs typeface="Arial" panose="020B0604020202020204" pitchFamily="34" charset="0"/>
               </a:rPr>
-              <a:t>row in </a:t>
-            </a:r>
-            <a:r>
-              <a:rPr lang="en-US" altLang="ko-KR" sz="1400">
-                <a:solidFill>
-                  <a:schemeClr val="tx1">
-                    <a:lumMod val="95000"/>
-                    <a:lumOff val="5000"/>
-                  </a:schemeClr>
-                </a:solidFill>
-                <a:cs typeface="Arial" panose="020B0604020202020204" pitchFamily="34" charset="0"/>
-              </a:rPr>
-              <a:t>rows</a:t>
+              <a:t>row in rows</a:t>
             </a:r>
             <a:r>
               <a:rPr lang="en-US" altLang="ko-KR" sz="1400" smtClean="0">
@@ -11903,19 +11531,7 @@
                 </a:solidFill>
                 <a:cs typeface="Arial" panose="020B0604020202020204" pitchFamily="34" charset="0"/>
               </a:rPr>
-              <a:t>검색 결과 </a:t>
-            </a:r>
-            <a:r>
-              <a:rPr lang="ko-KR" altLang="en-US" sz="1400">
-                <a:solidFill>
-                  <a:schemeClr val="tx1">
-                    <a:lumMod val="50000"/>
-                    <a:lumOff val="50000"/>
-                  </a:schemeClr>
-                </a:solidFill>
-                <a:cs typeface="Arial" panose="020B0604020202020204" pitchFamily="34" charset="0"/>
-              </a:rPr>
-              <a:t>리스트 </a:t>
+              <a:t>검색 결과 리스트 </a:t>
             </a:r>
             <a:r>
               <a:rPr lang="ko-KR" altLang="en-US" sz="1400" smtClean="0">
@@ -11955,19 +11571,7 @@
                 </a:solidFill>
                 <a:cs typeface="Arial" panose="020B0604020202020204" pitchFamily="34" charset="0"/>
               </a:rPr>
-              <a:t>    print(row</a:t>
-            </a:r>
-            <a:r>
-              <a:rPr lang="en-US" altLang="ko-KR" sz="1400">
-                <a:solidFill>
-                  <a:schemeClr val="tx1">
-                    <a:lumMod val="95000"/>
-                    <a:lumOff val="5000"/>
-                  </a:schemeClr>
-                </a:solidFill>
-                <a:cs typeface="Arial" panose="020B0604020202020204" pitchFamily="34" charset="0"/>
-              </a:rPr>
-              <a:t>)   </a:t>
+              <a:t>    print(row)   </a:t>
             </a:r>
             <a:endParaRPr lang="en-US" altLang="ko-KR" sz="1400" smtClean="0">
               <a:solidFill>
@@ -12271,7 +11875,6 @@
               <a:rPr lang="ko-KR" altLang="en-US"/>
               <a:t>연동</a:t>
             </a:r>
-            <a:endParaRPr lang="ko-KR" altLang="en-US"/>
           </a:p>
         </p:txBody>
       </p:sp>
@@ -12391,11 +11994,7 @@
             </a:pPr>
             <a:r>
               <a:rPr lang="en-US" altLang="ko-KR" sz="1400"/>
-              <a:t> </a:t>
-            </a:r>
-            <a:r>
-              <a:rPr lang="en-US" altLang="ko-KR" sz="1400"/>
-              <a:t>import </a:t>
+              <a:t> import </a:t>
             </a:r>
             <a:r>
               <a:rPr lang="en-US" altLang="ko-KR" sz="1400" smtClean="0"/>
@@ -12477,19 +12076,7 @@
                 </a:solidFill>
                 <a:cs typeface="Arial" panose="020B0604020202020204" pitchFamily="34" charset="0"/>
               </a:rPr>
-              <a:t>", </a:t>
-            </a:r>
-            <a:r>
-              <a:rPr lang="en-US" altLang="ko-KR" sz="1400">
-                <a:solidFill>
-                  <a:schemeClr val="tx1">
-                    <a:lumMod val="95000"/>
-                    <a:lumOff val="5000"/>
-                  </a:schemeClr>
-                </a:solidFill>
-                <a:cs typeface="Arial" panose="020B0604020202020204" pitchFamily="34" charset="0"/>
-              </a:rPr>
-              <a:t>"</a:t>
+              <a:t>", "</a:t>
             </a:r>
             <a:r>
               <a:rPr lang="en-US" altLang="ko-KR" sz="1400" smtClean="0">
@@ -12587,11 +12174,7 @@
             </a:pPr>
             <a:r>
               <a:rPr lang="en-US" altLang="ko-KR" sz="1400"/>
-              <a:t> sql="Select * from tab</a:t>
-            </a:r>
-            <a:r>
-              <a:rPr lang="en-US" altLang="ko-KR" sz="1400"/>
-              <a:t>"  </a:t>
+              <a:t> sql="Select * from tab"  </a:t>
             </a:r>
             <a:r>
               <a:rPr lang="en-US" altLang="ko-KR" sz="1400" smtClean="0">
@@ -12724,11 +12307,7 @@
             </a:pPr>
             <a:r>
               <a:rPr lang="en-US" altLang="ko-KR" sz="1400"/>
-              <a:t>rows = </a:t>
-            </a:r>
-            <a:r>
-              <a:rPr lang="en-US" altLang="ko-KR" sz="1400"/>
-              <a:t>cur.execute(sql</a:t>
+              <a:t>rows = cur.execute(sql</a:t>
             </a:r>
             <a:r>
               <a:rPr lang="en-US" altLang="ko-KR" sz="1400" smtClean="0"/>
@@ -12817,11 +12396,7 @@
             </a:pPr>
             <a:r>
               <a:rPr lang="en-US" altLang="ko-KR" sz="1600"/>
-              <a:t>for row in </a:t>
-            </a:r>
-            <a:r>
-              <a:rPr lang="en-US" altLang="ko-KR" sz="1600"/>
-              <a:t>rows</a:t>
+              <a:t>for row in rows</a:t>
             </a:r>
             <a:r>
               <a:rPr lang="en-US" altLang="ko-KR" sz="1600" smtClean="0"/>
@@ -12997,15 +12572,20 @@
                 </a:solidFill>
                 <a:cs typeface="Arial" panose="020B0604020202020204" pitchFamily="34" charset="0"/>
               </a:rPr>
-              <a:t>con = cx_Oracle.connect("scott", "tiger", "192.168.142.72:1521/xe</a:t>
-            </a:r>
-          </a:p>
-          <a:p>
-            <a:pPr>
-              <a:buClr>
-                <a:srgbClr val="3C479D"/>
-              </a:buClr>
-            </a:pPr>
+              <a:t>con = cx_Oracle.connect("scott", "tiger", "</a:t>
+            </a:r>
+            <a:r>
+              <a:rPr lang="en-US" altLang="ko-KR" sz="1400" smtClean="0">
+                <a:solidFill>
+                  <a:schemeClr val="tx1">
+                    <a:lumMod val="95000"/>
+                    <a:lumOff val="5000"/>
+                  </a:schemeClr>
+                </a:solidFill>
+                <a:cs typeface="Arial" panose="020B0604020202020204" pitchFamily="34" charset="0"/>
+              </a:rPr>
+              <a:t>192.168.142.72:1521/xe")</a:t>
+            </a:r>
             <a:endParaRPr lang="en-US" altLang="ko-KR" sz="1400">
               <a:solidFill>
                 <a:schemeClr val="tx1">
@@ -13022,6 +12602,22 @@
                 <a:srgbClr val="3C479D"/>
               </a:buClr>
             </a:pPr>
+            <a:endParaRPr lang="en-US" altLang="ko-KR" sz="1400">
+              <a:solidFill>
+                <a:schemeClr val="tx1">
+                  <a:lumMod val="95000"/>
+                  <a:lumOff val="5000"/>
+                </a:schemeClr>
+              </a:solidFill>
+              <a:cs typeface="Arial" panose="020B0604020202020204" pitchFamily="34" charset="0"/>
+            </a:endParaRPr>
+          </a:p>
+          <a:p>
+            <a:pPr>
+              <a:buClr>
+                <a:srgbClr val="3C479D"/>
+              </a:buClr>
+            </a:pPr>
             <a:r>
               <a:rPr lang="en-US" altLang="ko-KR" sz="1600">
                 <a:solidFill>
@@ -13274,16 +12870,7 @@
                 </a:solidFill>
                 <a:cs typeface="Arial" panose="020B0604020202020204" pitchFamily="34" charset="0"/>
               </a:rPr>
-              <a:t>deptno, dname, loc </a:t>
-            </a:r>
-            <a:r>
-              <a:rPr lang="en-US" altLang="ko-KR" sz="1400">
-                <a:solidFill>
-                  <a:srgbClr val="0000FF"/>
-                </a:solidFill>
-                <a:cs typeface="Arial" panose="020B0604020202020204" pitchFamily="34" charset="0"/>
-              </a:rPr>
-              <a:t>= </a:t>
+              <a:t>deptno, dname, loc = </a:t>
             </a:r>
             <a:r>
               <a:rPr lang="en-US" altLang="ko-KR" sz="1400" smtClean="0">
@@ -13356,19 +12943,7 @@
                 </a:solidFill>
                 <a:cs typeface="Arial" panose="020B0604020202020204" pitchFamily="34" charset="0"/>
               </a:rPr>
-              <a:t>        print("%5s %25s %15s" %(deptno, dname, </a:t>
-            </a:r>
-            <a:r>
-              <a:rPr lang="en-US" altLang="ko-KR" sz="1400">
-                <a:solidFill>
-                  <a:schemeClr val="tx1">
-                    <a:lumMod val="95000"/>
-                    <a:lumOff val="5000"/>
-                  </a:schemeClr>
-                </a:solidFill>
-                <a:cs typeface="Arial" panose="020B0604020202020204" pitchFamily="34" charset="0"/>
-              </a:rPr>
-              <a:t>loc</a:t>
+              <a:t>        print("%5s %25s %15s" %(deptno, dname, loc</a:t>
             </a:r>
             <a:r>
               <a:rPr lang="en-US" altLang="ko-KR" sz="1400" smtClean="0">
@@ -13796,7 +13371,6 @@
               <a:rPr lang="ko-KR" altLang="en-US"/>
               <a:t>연동</a:t>
             </a:r>
-            <a:endParaRPr lang="ko-KR" altLang="en-US"/>
           </a:p>
         </p:txBody>
       </p:sp>
@@ -13916,11 +13490,7 @@
             </a:pPr>
             <a:r>
               <a:rPr lang="en-US" altLang="ko-KR" sz="1400"/>
-              <a:t> </a:t>
-            </a:r>
-            <a:r>
-              <a:rPr lang="en-US" altLang="ko-KR" sz="1400"/>
-              <a:t>import </a:t>
+              <a:t> import </a:t>
             </a:r>
             <a:r>
               <a:rPr lang="en-US" altLang="ko-KR" sz="1400" smtClean="0"/>
@@ -14002,19 +13572,7 @@
                 </a:solidFill>
                 <a:cs typeface="Arial" panose="020B0604020202020204" pitchFamily="34" charset="0"/>
               </a:rPr>
-              <a:t>", </a:t>
-            </a:r>
-            <a:r>
-              <a:rPr lang="en-US" altLang="ko-KR" sz="1400">
-                <a:solidFill>
-                  <a:schemeClr val="tx1">
-                    <a:lumMod val="95000"/>
-                    <a:lumOff val="5000"/>
-                  </a:schemeClr>
-                </a:solidFill>
-                <a:cs typeface="Arial" panose="020B0604020202020204" pitchFamily="34" charset="0"/>
-              </a:rPr>
-              <a:t>"</a:t>
+              <a:t>", "</a:t>
             </a:r>
             <a:r>
               <a:rPr lang="en-US" altLang="ko-KR" sz="1400" smtClean="0">
@@ -14112,11 +13670,7 @@
             </a:pPr>
             <a:r>
               <a:rPr lang="en-US" altLang="ko-KR" sz="1400"/>
-              <a:t> sql="Select * from tab</a:t>
-            </a:r>
-            <a:r>
-              <a:rPr lang="en-US" altLang="ko-KR" sz="1400"/>
-              <a:t>"  </a:t>
+              <a:t> sql="Select * from tab"  </a:t>
             </a:r>
             <a:r>
               <a:rPr lang="en-US" altLang="ko-KR" sz="1400" smtClean="0">
@@ -14249,11 +13803,7 @@
             </a:pPr>
             <a:r>
               <a:rPr lang="en-US" altLang="ko-KR" sz="1400"/>
-              <a:t>rows = </a:t>
-            </a:r>
-            <a:r>
-              <a:rPr lang="en-US" altLang="ko-KR" sz="1400"/>
-              <a:t>cur.execute(sql</a:t>
+              <a:t>rows = cur.execute(sql</a:t>
             </a:r>
             <a:r>
               <a:rPr lang="en-US" altLang="ko-KR" sz="1400" smtClean="0"/>
@@ -14342,11 +13892,7 @@
             </a:pPr>
             <a:r>
               <a:rPr lang="en-US" altLang="ko-KR" sz="1600"/>
-              <a:t>for row in </a:t>
-            </a:r>
-            <a:r>
-              <a:rPr lang="en-US" altLang="ko-KR" sz="1600"/>
-              <a:t>rows</a:t>
+              <a:t>for row in rows</a:t>
             </a:r>
             <a:r>
               <a:rPr lang="en-US" altLang="ko-KR" sz="1600" smtClean="0"/>
@@ -14522,8 +14068,29 @@
                 </a:solidFill>
                 <a:cs typeface="Arial" panose="020B0604020202020204" pitchFamily="34" charset="0"/>
               </a:rPr>
-              <a:t>con = cx_Oracle.connect("scott", "tiger", "192.168.142.72:1521/xe</a:t>
-            </a:r>
+              <a:t>con = cx_Oracle.connect("scott", "tiger", "</a:t>
+            </a:r>
+            <a:r>
+              <a:rPr lang="en-US" altLang="ko-KR" sz="1400" smtClean="0">
+                <a:solidFill>
+                  <a:schemeClr val="tx1">
+                    <a:lumMod val="95000"/>
+                    <a:lumOff val="5000"/>
+                  </a:schemeClr>
+                </a:solidFill>
+                <a:cs typeface="Arial" panose="020B0604020202020204" pitchFamily="34" charset="0"/>
+              </a:rPr>
+              <a:t>192.168.142.72:1521/xe")</a:t>
+            </a:r>
+            <a:endParaRPr lang="en-US" altLang="ko-KR" sz="1400">
+              <a:solidFill>
+                <a:schemeClr val="tx1">
+                  <a:lumMod val="95000"/>
+                  <a:lumOff val="5000"/>
+                </a:schemeClr>
+              </a:solidFill>
+              <a:cs typeface="Arial" panose="020B0604020202020204" pitchFamily="34" charset="0"/>
+            </a:endParaRPr>
           </a:p>
           <a:p>
             <a:pPr>
@@ -15235,7 +14802,6 @@
               <a:rPr lang="ko-KR" altLang="en-US"/>
               <a:t>연동</a:t>
             </a:r>
-            <a:endParaRPr lang="ko-KR" altLang="en-US"/>
           </a:p>
         </p:txBody>
       </p:sp>
@@ -15363,11 +14929,7 @@
             </a:pPr>
             <a:r>
               <a:rPr lang="en-US" altLang="ko-KR" sz="1400"/>
-              <a:t> </a:t>
-            </a:r>
-            <a:r>
-              <a:rPr lang="en-US" altLang="ko-KR" sz="1400"/>
-              <a:t>import </a:t>
+              <a:t> import </a:t>
             </a:r>
             <a:r>
               <a:rPr lang="en-US" altLang="ko-KR" sz="1400" smtClean="0"/>
@@ -15449,19 +15011,7 @@
                 </a:solidFill>
                 <a:cs typeface="Arial" panose="020B0604020202020204" pitchFamily="34" charset="0"/>
               </a:rPr>
-              <a:t>", </a:t>
-            </a:r>
-            <a:r>
-              <a:rPr lang="en-US" altLang="ko-KR" sz="1400">
-                <a:solidFill>
-                  <a:schemeClr val="tx1">
-                    <a:lumMod val="95000"/>
-                    <a:lumOff val="5000"/>
-                  </a:schemeClr>
-                </a:solidFill>
-                <a:cs typeface="Arial" panose="020B0604020202020204" pitchFamily="34" charset="0"/>
-              </a:rPr>
-              <a:t>"</a:t>
+              <a:t>", "</a:t>
             </a:r>
             <a:r>
               <a:rPr lang="en-US" altLang="ko-KR" sz="1400" smtClean="0">
@@ -15559,11 +15109,7 @@
             </a:pPr>
             <a:r>
               <a:rPr lang="en-US" altLang="ko-KR" sz="1400"/>
-              <a:t> sql="Select * from tab</a:t>
-            </a:r>
-            <a:r>
-              <a:rPr lang="en-US" altLang="ko-KR" sz="1400"/>
-              <a:t>"  </a:t>
+              <a:t> sql="Select * from tab"  </a:t>
             </a:r>
             <a:r>
               <a:rPr lang="en-US" altLang="ko-KR" sz="1400" smtClean="0">
@@ -15696,11 +15242,7 @@
             </a:pPr>
             <a:r>
               <a:rPr lang="en-US" altLang="ko-KR" sz="1400"/>
-              <a:t>rows = </a:t>
-            </a:r>
-            <a:r>
-              <a:rPr lang="en-US" altLang="ko-KR" sz="1400"/>
-              <a:t>cur.execute(sql</a:t>
+              <a:t>rows = cur.execute(sql</a:t>
             </a:r>
             <a:r>
               <a:rPr lang="en-US" altLang="ko-KR" sz="1400" smtClean="0"/>
@@ -15789,11 +15331,7 @@
             </a:pPr>
             <a:r>
               <a:rPr lang="en-US" altLang="ko-KR" sz="1600"/>
-              <a:t>for row in </a:t>
-            </a:r>
-            <a:r>
-              <a:rPr lang="en-US" altLang="ko-KR" sz="1600"/>
-              <a:t>rows</a:t>
+              <a:t>for row in rows</a:t>
             </a:r>
             <a:r>
               <a:rPr lang="en-US" altLang="ko-KR" sz="1600" smtClean="0"/>
@@ -15969,15 +15507,20 @@
                 </a:solidFill>
                 <a:cs typeface="Arial" panose="020B0604020202020204" pitchFamily="34" charset="0"/>
               </a:rPr>
-              <a:t>con = cx_Oracle.connect("scott", "tiger", "192.168.142.72:1521/xe</a:t>
-            </a:r>
-          </a:p>
-          <a:p>
-            <a:pPr>
-              <a:buClr>
-                <a:srgbClr val="3C479D"/>
-              </a:buClr>
-            </a:pPr>
+              <a:t>con = cx_Oracle.connect("scott", "tiger", "</a:t>
+            </a:r>
+            <a:r>
+              <a:rPr lang="en-US" altLang="ko-KR" sz="1400" smtClean="0">
+                <a:solidFill>
+                  <a:schemeClr val="tx1">
+                    <a:lumMod val="95000"/>
+                    <a:lumOff val="5000"/>
+                  </a:schemeClr>
+                </a:solidFill>
+                <a:cs typeface="Arial" panose="020B0604020202020204" pitchFamily="34" charset="0"/>
+              </a:rPr>
+              <a:t>192.168.142.72:1521/xe")</a:t>
+            </a:r>
             <a:endParaRPr lang="en-US" altLang="ko-KR" sz="1400">
               <a:solidFill>
                 <a:schemeClr val="tx1">
@@ -15994,6 +15537,22 @@
                 <a:srgbClr val="3C479D"/>
               </a:buClr>
             </a:pPr>
+            <a:endParaRPr lang="en-US" altLang="ko-KR" sz="1400">
+              <a:solidFill>
+                <a:schemeClr val="tx1">
+                  <a:lumMod val="95000"/>
+                  <a:lumOff val="5000"/>
+                </a:schemeClr>
+              </a:solidFill>
+              <a:cs typeface="Arial" panose="020B0604020202020204" pitchFamily="34" charset="0"/>
+            </a:endParaRPr>
+          </a:p>
+          <a:p>
+            <a:pPr>
+              <a:buClr>
+                <a:srgbClr val="3C479D"/>
+              </a:buClr>
+            </a:pPr>
             <a:r>
               <a:rPr lang="en-US" altLang="ko-KR" sz="1600">
                 <a:solidFill>
@@ -16122,6 +15681,58 @@
                 </a:solidFill>
                 <a:cs typeface="Arial" panose="020B0604020202020204" pitchFamily="34" charset="0"/>
               </a:rPr>
+              <a:t>    sql="</a:t>
+            </a:r>
+            <a:r>
+              <a:rPr lang="en-US" altLang="ko-KR" sz="1400">
+                <a:solidFill>
+                  <a:srgbClr val="0000FF"/>
+                </a:solidFill>
+                <a:cs typeface="Arial" panose="020B0604020202020204" pitchFamily="34" charset="0"/>
+              </a:rPr>
+              <a:t>select empno, ename, job, dname from EMP e, DEPT d where e.deptno = d.deptno</a:t>
+            </a:r>
+            <a:r>
+              <a:rPr lang="en-US" altLang="ko-KR" sz="1400">
+                <a:solidFill>
+                  <a:schemeClr val="tx1">
+                    <a:lumMod val="95000"/>
+                    <a:lumOff val="5000"/>
+                  </a:schemeClr>
+                </a:solidFill>
+                <a:cs typeface="Arial" panose="020B0604020202020204" pitchFamily="34" charset="0"/>
+              </a:rPr>
+              <a:t>"  #DEPT </a:t>
+            </a:r>
+            <a:r>
+              <a:rPr lang="ko-KR" altLang="en-US" sz="1400">
+                <a:solidFill>
+                  <a:schemeClr val="tx1">
+                    <a:lumMod val="95000"/>
+                    <a:lumOff val="5000"/>
+                  </a:schemeClr>
+                </a:solidFill>
+                <a:cs typeface="Arial" panose="020B0604020202020204" pitchFamily="34" charset="0"/>
+              </a:rPr>
+              <a:t>테이블 검색</a:t>
+            </a:r>
+          </a:p>
+          <a:p>
+            <a:pPr>
+              <a:buClr>
+                <a:srgbClr val="3C479D"/>
+              </a:buClr>
+            </a:pPr>
+            <a:r>
+              <a:rPr lang="ko-KR" altLang="en-US" sz="1400">
+                <a:solidFill>
+                  <a:schemeClr val="tx1">
+                    <a:lumMod val="95000"/>
+                    <a:lumOff val="5000"/>
+                  </a:schemeClr>
+                </a:solidFill>
+                <a:cs typeface="Arial" panose="020B0604020202020204" pitchFamily="34" charset="0"/>
+              </a:rPr>
               <a:t>    </a:t>
             </a:r>
             <a:r>
@@ -16134,17 +15745,62 @@
                 </a:solidFill>
                 <a:cs typeface="Arial" panose="020B0604020202020204" pitchFamily="34" charset="0"/>
               </a:rPr>
-              <a:t>sql="</a:t>
-            </a:r>
+              <a:t>rows = sel_query(con, sql)</a:t>
+            </a:r>
+          </a:p>
+          <a:p>
+            <a:pPr>
+              <a:buClr>
+                <a:srgbClr val="3C479D"/>
+              </a:buClr>
+            </a:pPr>
             <a:r>
               <a:rPr lang="en-US" altLang="ko-KR" sz="1400">
                 <a:solidFill>
+                  <a:schemeClr val="tx1">
+                    <a:lumMod val="95000"/>
+                    <a:lumOff val="5000"/>
+                  </a:schemeClr>
+                </a:solidFill>
+                <a:cs typeface="Arial" panose="020B0604020202020204" pitchFamily="34" charset="0"/>
+              </a:rPr>
+              <a:t>    for row in rows:</a:t>
+            </a:r>
+          </a:p>
+          <a:p>
+            <a:pPr>
+              <a:buClr>
+                <a:srgbClr val="3C479D"/>
+              </a:buClr>
+            </a:pPr>
+            <a:r>
+              <a:rPr lang="en-US" altLang="ko-KR" sz="1400">
+                <a:solidFill>
+                  <a:schemeClr val="tx1">
+                    <a:lumMod val="95000"/>
+                    <a:lumOff val="5000"/>
+                  </a:schemeClr>
+                </a:solidFill>
+                <a:cs typeface="Arial" panose="020B0604020202020204" pitchFamily="34" charset="0"/>
+              </a:rPr>
+              <a:t>        </a:t>
+            </a:r>
+            <a:r>
+              <a:rPr lang="en-US" altLang="ko-KR" sz="1400">
+                <a:solidFill>
                   <a:srgbClr val="0000FF"/>
                 </a:solidFill>
                 <a:cs typeface="Arial" panose="020B0604020202020204" pitchFamily="34" charset="0"/>
               </a:rPr>
-              <a:t>select empno, ename, job, dname from EMP e, DEPT d where e.deptno = d.deptno</a:t>
-            </a:r>
+              <a:t>empno, ename, job, dname = row</a:t>
+            </a:r>
+          </a:p>
+          <a:p>
+            <a:pPr>
+              <a:buClr>
+                <a:srgbClr val="3C479D"/>
+              </a:buClr>
+            </a:pPr>
             <a:r>
               <a:rPr lang="en-US" altLang="ko-KR" sz="1400">
                 <a:solidFill>
@@ -16155,128 +15811,7 @@
                 </a:solidFill>
                 <a:cs typeface="Arial" panose="020B0604020202020204" pitchFamily="34" charset="0"/>
               </a:rPr>
-              <a:t>"  #DEPT </a:t>
-            </a:r>
-            <a:r>
-              <a:rPr lang="ko-KR" altLang="en-US" sz="1400">
-                <a:solidFill>
-                  <a:schemeClr val="tx1">
-                    <a:lumMod val="95000"/>
-                    <a:lumOff val="5000"/>
-                  </a:schemeClr>
-                </a:solidFill>
-                <a:cs typeface="Arial" panose="020B0604020202020204" pitchFamily="34" charset="0"/>
-              </a:rPr>
-              <a:t>테이블 검색</a:t>
-            </a:r>
-          </a:p>
-          <a:p>
-            <a:pPr>
-              <a:buClr>
-                <a:srgbClr val="3C479D"/>
-              </a:buClr>
-            </a:pPr>
-            <a:r>
-              <a:rPr lang="ko-KR" altLang="en-US" sz="1400">
-                <a:solidFill>
-                  <a:schemeClr val="tx1">
-                    <a:lumMod val="95000"/>
-                    <a:lumOff val="5000"/>
-                  </a:schemeClr>
-                </a:solidFill>
-                <a:cs typeface="Arial" panose="020B0604020202020204" pitchFamily="34" charset="0"/>
-              </a:rPr>
-              <a:t>    </a:t>
-            </a:r>
-            <a:r>
-              <a:rPr lang="en-US" altLang="ko-KR" sz="1400">
-                <a:solidFill>
-                  <a:schemeClr val="tx1">
-                    <a:lumMod val="95000"/>
-                    <a:lumOff val="5000"/>
-                  </a:schemeClr>
-                </a:solidFill>
-                <a:cs typeface="Arial" panose="020B0604020202020204" pitchFamily="34" charset="0"/>
-              </a:rPr>
-              <a:t>rows = sel_query(con, sql)</a:t>
-            </a:r>
-          </a:p>
-          <a:p>
-            <a:pPr>
-              <a:buClr>
-                <a:srgbClr val="3C479D"/>
-              </a:buClr>
-            </a:pPr>
-            <a:r>
-              <a:rPr lang="en-US" altLang="ko-KR" sz="1400">
-                <a:solidFill>
-                  <a:schemeClr val="tx1">
-                    <a:lumMod val="95000"/>
-                    <a:lumOff val="5000"/>
-                  </a:schemeClr>
-                </a:solidFill>
-                <a:cs typeface="Arial" panose="020B0604020202020204" pitchFamily="34" charset="0"/>
-              </a:rPr>
-              <a:t>    for row in rows:</a:t>
-            </a:r>
-          </a:p>
-          <a:p>
-            <a:pPr>
-              <a:buClr>
-                <a:srgbClr val="3C479D"/>
-              </a:buClr>
-            </a:pPr>
-            <a:r>
-              <a:rPr lang="en-US" altLang="ko-KR" sz="1400">
-                <a:solidFill>
-                  <a:schemeClr val="tx1">
-                    <a:lumMod val="95000"/>
-                    <a:lumOff val="5000"/>
-                  </a:schemeClr>
-                </a:solidFill>
-                <a:cs typeface="Arial" panose="020B0604020202020204" pitchFamily="34" charset="0"/>
-              </a:rPr>
-              <a:t>        </a:t>
-            </a:r>
-            <a:r>
-              <a:rPr lang="en-US" altLang="ko-KR" sz="1400">
-                <a:solidFill>
-                  <a:srgbClr val="0000FF"/>
-                </a:solidFill>
-                <a:cs typeface="Arial" panose="020B0604020202020204" pitchFamily="34" charset="0"/>
-              </a:rPr>
-              <a:t>empno, ename, job, dname = row</a:t>
-            </a:r>
-          </a:p>
-          <a:p>
-            <a:pPr>
-              <a:buClr>
-                <a:srgbClr val="3C479D"/>
-              </a:buClr>
-            </a:pPr>
-            <a:r>
-              <a:rPr lang="en-US" altLang="ko-KR" sz="1400">
-                <a:solidFill>
-                  <a:schemeClr val="tx1">
-                    <a:lumMod val="95000"/>
-                    <a:lumOff val="5000"/>
-                  </a:schemeClr>
-                </a:solidFill>
-                <a:cs typeface="Arial" panose="020B0604020202020204" pitchFamily="34" charset="0"/>
-              </a:rPr>
-              <a:t>        print("%10s %15s %10s %15s" %(empno, ename, job, </a:t>
-            </a:r>
-            <a:r>
-              <a:rPr lang="en-US" altLang="ko-KR" sz="1400">
-                <a:solidFill>
-                  <a:schemeClr val="tx1">
-                    <a:lumMod val="95000"/>
-                    <a:lumOff val="5000"/>
-                  </a:schemeClr>
-                </a:solidFill>
-                <a:cs typeface="Arial" panose="020B0604020202020204" pitchFamily="34" charset="0"/>
-              </a:rPr>
-              <a:t>dname</a:t>
+              <a:t>        print("%10s %15s %10s %15s" %(empno, ename, job, dname</a:t>
             </a:r>
             <a:r>
               <a:rPr lang="en-US" altLang="ko-KR" sz="1400" smtClean="0">
@@ -16690,7 +16225,6 @@
               <a:rPr lang="ko-KR" altLang="en-US"/>
               <a:t>연동</a:t>
             </a:r>
-            <a:endParaRPr lang="ko-KR" altLang="en-US"/>
           </a:p>
         </p:txBody>
       </p:sp>
@@ -16735,11 +16269,7 @@
             </a:r>
             <a:r>
               <a:rPr lang="en-US" altLang="ko-KR" sz="2000"/>
-              <a:t>EMP</a:t>
-            </a:r>
-            <a:r>
-              <a:rPr lang="en-US" altLang="ko-KR" sz="2000"/>
-              <a:t>, </a:t>
+              <a:t>EMP, </a:t>
             </a:r>
             <a:r>
               <a:rPr lang="en-US" altLang="ko-KR" sz="2000" smtClean="0"/>
@@ -16830,11 +16360,7 @@
             </a:pPr>
             <a:r>
               <a:rPr lang="en-US" altLang="ko-KR" sz="1400"/>
-              <a:t> </a:t>
-            </a:r>
-            <a:r>
-              <a:rPr lang="en-US" altLang="ko-KR" sz="1400"/>
-              <a:t>import </a:t>
+              <a:t> import </a:t>
             </a:r>
             <a:r>
               <a:rPr lang="en-US" altLang="ko-KR" sz="1400" smtClean="0"/>
@@ -16916,19 +16442,7 @@
                 </a:solidFill>
                 <a:cs typeface="Arial" panose="020B0604020202020204" pitchFamily="34" charset="0"/>
               </a:rPr>
-              <a:t>", </a:t>
-            </a:r>
-            <a:r>
-              <a:rPr lang="en-US" altLang="ko-KR" sz="1400">
-                <a:solidFill>
-                  <a:schemeClr val="tx1">
-                    <a:lumMod val="95000"/>
-                    <a:lumOff val="5000"/>
-                  </a:schemeClr>
-                </a:solidFill>
-                <a:cs typeface="Arial" panose="020B0604020202020204" pitchFamily="34" charset="0"/>
-              </a:rPr>
-              <a:t>"</a:t>
+              <a:t>", "</a:t>
             </a:r>
             <a:r>
               <a:rPr lang="en-US" altLang="ko-KR" sz="1400" smtClean="0">
@@ -17026,11 +16540,7 @@
             </a:pPr>
             <a:r>
               <a:rPr lang="en-US" altLang="ko-KR" sz="1400"/>
-              <a:t> sql="Select * from tab</a:t>
-            </a:r>
-            <a:r>
-              <a:rPr lang="en-US" altLang="ko-KR" sz="1400"/>
-              <a:t>"  </a:t>
+              <a:t> sql="Select * from tab"  </a:t>
             </a:r>
             <a:r>
               <a:rPr lang="en-US" altLang="ko-KR" sz="1400" smtClean="0">
@@ -17163,11 +16673,7 @@
             </a:pPr>
             <a:r>
               <a:rPr lang="en-US" altLang="ko-KR" sz="1400"/>
-              <a:t>rows = </a:t>
-            </a:r>
-            <a:r>
-              <a:rPr lang="en-US" altLang="ko-KR" sz="1400"/>
-              <a:t>cur.execute(sql</a:t>
+              <a:t>rows = cur.execute(sql</a:t>
             </a:r>
             <a:r>
               <a:rPr lang="en-US" altLang="ko-KR" sz="1400" smtClean="0"/>
@@ -17256,11 +16762,7 @@
             </a:pPr>
             <a:r>
               <a:rPr lang="en-US" altLang="ko-KR" sz="1600"/>
-              <a:t>for row in </a:t>
-            </a:r>
-            <a:r>
-              <a:rPr lang="en-US" altLang="ko-KR" sz="1600"/>
-              <a:t>rows</a:t>
+              <a:t>for row in rows</a:t>
             </a:r>
             <a:r>
               <a:rPr lang="en-US" altLang="ko-KR" sz="1600" smtClean="0"/>
@@ -17436,15 +16938,20 @@
                 </a:solidFill>
                 <a:cs typeface="Arial" panose="020B0604020202020204" pitchFamily="34" charset="0"/>
               </a:rPr>
-              <a:t>con = cx_Oracle.connect("scott", "tiger", "192.168.142.72:1521/xe</a:t>
-            </a:r>
-          </a:p>
-          <a:p>
-            <a:pPr>
-              <a:buClr>
-                <a:srgbClr val="3C479D"/>
-              </a:buClr>
-            </a:pPr>
+              <a:t>con = cx_Oracle.connect("scott", "tiger", "</a:t>
+            </a:r>
+            <a:r>
+              <a:rPr lang="en-US" altLang="ko-KR" sz="1400" smtClean="0">
+                <a:solidFill>
+                  <a:schemeClr val="tx1">
+                    <a:lumMod val="95000"/>
+                    <a:lumOff val="5000"/>
+                  </a:schemeClr>
+                </a:solidFill>
+                <a:cs typeface="Arial" panose="020B0604020202020204" pitchFamily="34" charset="0"/>
+              </a:rPr>
+              <a:t>192.168.142.72:1521/xe")</a:t>
+            </a:r>
             <a:endParaRPr lang="en-US" altLang="ko-KR" sz="1400">
               <a:solidFill>
                 <a:schemeClr val="tx1">
@@ -17461,6 +16968,22 @@
                 <a:srgbClr val="3C479D"/>
               </a:buClr>
             </a:pPr>
+            <a:endParaRPr lang="en-US" altLang="ko-KR" sz="1400">
+              <a:solidFill>
+                <a:schemeClr val="tx1">
+                  <a:lumMod val="95000"/>
+                  <a:lumOff val="5000"/>
+                </a:schemeClr>
+              </a:solidFill>
+              <a:cs typeface="Arial" panose="020B0604020202020204" pitchFamily="34" charset="0"/>
+            </a:endParaRPr>
+          </a:p>
+          <a:p>
+            <a:pPr>
+              <a:buClr>
+                <a:srgbClr val="3C479D"/>
+              </a:buClr>
+            </a:pPr>
             <a:r>
               <a:rPr lang="en-US" altLang="ko-KR" sz="1600">
                 <a:solidFill>
@@ -17589,47 +17112,120 @@
                 </a:solidFill>
                 <a:cs typeface="Arial" panose="020B0604020202020204" pitchFamily="34" charset="0"/>
               </a:rPr>
-              <a:t>    </a:t>
+              <a:t>    sql="</a:t>
             </a:r>
             <a:r>
               <a:rPr lang="en-US" altLang="ko-KR" sz="1400">
                 <a:solidFill>
-                  <a:schemeClr val="tx1">
-                    <a:lumMod val="95000"/>
-                    <a:lumOff val="5000"/>
-                  </a:schemeClr>
-                </a:solidFill>
-                <a:cs typeface="Arial" panose="020B0604020202020204" pitchFamily="34" charset="0"/>
-              </a:rPr>
-              <a:t>sql="</a:t>
+                  <a:srgbClr val="0000FF"/>
+                </a:solidFill>
+                <a:cs typeface="Arial" panose="020B0604020202020204" pitchFamily="34" charset="0"/>
+              </a:rPr>
+              <a:t>select e1.empno, e1.ename, e1.job, e2.ename, e2.job from </a:t>
             </a:r>
             <a:r>
               <a:rPr lang="en-US" altLang="ko-KR" sz="1400">
                 <a:solidFill>
+                  <a:srgbClr val="008000"/>
+                </a:solidFill>
+                <a:cs typeface="Arial" panose="020B0604020202020204" pitchFamily="34" charset="0"/>
+              </a:rPr>
+              <a:t>EMP e1, EMP e2 </a:t>
+            </a:r>
+            <a:r>
+              <a:rPr lang="en-US" altLang="ko-KR" sz="1400">
+                <a:solidFill>
                   <a:srgbClr val="0000FF"/>
                 </a:solidFill>
                 <a:cs typeface="Arial" panose="020B0604020202020204" pitchFamily="34" charset="0"/>
               </a:rPr>
-              <a:t>select e1.empno, e1.ename, e1.job, e2.ename, e2.job from </a:t>
+              <a:t>where e1.mgr = e2.empno</a:t>
             </a:r>
             <a:r>
               <a:rPr lang="en-US" altLang="ko-KR" sz="1400">
                 <a:solidFill>
-                  <a:srgbClr val="008000"/>
-                </a:solidFill>
-                <a:cs typeface="Arial" panose="020B0604020202020204" pitchFamily="34" charset="0"/>
-              </a:rPr>
-              <a:t>EMP e1, EMP e2 </a:t>
-            </a:r>
+                  <a:schemeClr val="tx1">
+                    <a:lumMod val="95000"/>
+                    <a:lumOff val="5000"/>
+                  </a:schemeClr>
+                </a:solidFill>
+                <a:cs typeface="Arial" panose="020B0604020202020204" pitchFamily="34" charset="0"/>
+              </a:rPr>
+              <a:t>"  </a:t>
+            </a:r>
+          </a:p>
+          <a:p>
+            <a:pPr>
+              <a:buClr>
+                <a:srgbClr val="3C479D"/>
+              </a:buClr>
+            </a:pPr>
             <a:r>
               <a:rPr lang="en-US" altLang="ko-KR" sz="1400">
                 <a:solidFill>
+                  <a:schemeClr val="tx1">
+                    <a:lumMod val="95000"/>
+                    <a:lumOff val="5000"/>
+                  </a:schemeClr>
+                </a:solidFill>
+                <a:cs typeface="Arial" panose="020B0604020202020204" pitchFamily="34" charset="0"/>
+              </a:rPr>
+              <a:t>    rows = sel_query(con, sql)</a:t>
+            </a:r>
+          </a:p>
+          <a:p>
+            <a:pPr>
+              <a:buClr>
+                <a:srgbClr val="3C479D"/>
+              </a:buClr>
+            </a:pPr>
+            <a:r>
+              <a:rPr lang="en-US" altLang="ko-KR" sz="1400">
+                <a:solidFill>
+                  <a:schemeClr val="tx1">
+                    <a:lumMod val="95000"/>
+                    <a:lumOff val="5000"/>
+                  </a:schemeClr>
+                </a:solidFill>
+                <a:cs typeface="Arial" panose="020B0604020202020204" pitchFamily="34" charset="0"/>
+              </a:rPr>
+              <a:t>    for row in rows:</a:t>
+            </a:r>
+          </a:p>
+          <a:p>
+            <a:pPr>
+              <a:buClr>
+                <a:srgbClr val="3C479D"/>
+              </a:buClr>
+            </a:pPr>
+            <a:r>
+              <a:rPr lang="en-US" altLang="ko-KR" sz="1400">
+                <a:solidFill>
+                  <a:schemeClr val="tx1">
+                    <a:lumMod val="95000"/>
+                    <a:lumOff val="5000"/>
+                  </a:schemeClr>
+                </a:solidFill>
+                <a:cs typeface="Arial" panose="020B0604020202020204" pitchFamily="34" charset="0"/>
+              </a:rPr>
+              <a:t>        </a:t>
+            </a:r>
+            <a:r>
+              <a:rPr lang="en-US" altLang="ko-KR" sz="1400">
+                <a:solidFill>
                   <a:srgbClr val="0000FF"/>
                 </a:solidFill>
                 <a:cs typeface="Arial" panose="020B0604020202020204" pitchFamily="34" charset="0"/>
               </a:rPr>
-              <a:t>where e1.mgr = e2.empno</a:t>
-            </a:r>
+              <a:t>empno, ename, ejob, mname, mjob = row</a:t>
+            </a:r>
+          </a:p>
+          <a:p>
+            <a:pPr>
+              <a:buClr>
+                <a:srgbClr val="3C479D"/>
+              </a:buClr>
+            </a:pPr>
             <a:r>
               <a:rPr lang="en-US" altLang="ko-KR" sz="1400">
                 <a:solidFill>
@@ -17640,104 +17236,7 @@
                 </a:solidFill>
                 <a:cs typeface="Arial" panose="020B0604020202020204" pitchFamily="34" charset="0"/>
               </a:rPr>
-              <a:t>"  </a:t>
-            </a:r>
-          </a:p>
-          <a:p>
-            <a:pPr>
-              <a:buClr>
-                <a:srgbClr val="3C479D"/>
-              </a:buClr>
-            </a:pPr>
-            <a:r>
-              <a:rPr lang="en-US" altLang="ko-KR" sz="1400">
-                <a:solidFill>
-                  <a:schemeClr val="tx1">
-                    <a:lumMod val="95000"/>
-                    <a:lumOff val="5000"/>
-                  </a:schemeClr>
-                </a:solidFill>
-                <a:cs typeface="Arial" panose="020B0604020202020204" pitchFamily="34" charset="0"/>
-              </a:rPr>
-              <a:t>    rows = sel_query(con, sql)</a:t>
-            </a:r>
-          </a:p>
-          <a:p>
-            <a:pPr>
-              <a:buClr>
-                <a:srgbClr val="3C479D"/>
-              </a:buClr>
-            </a:pPr>
-            <a:r>
-              <a:rPr lang="en-US" altLang="ko-KR" sz="1400">
-                <a:solidFill>
-                  <a:schemeClr val="tx1">
-                    <a:lumMod val="95000"/>
-                    <a:lumOff val="5000"/>
-                  </a:schemeClr>
-                </a:solidFill>
-                <a:cs typeface="Arial" panose="020B0604020202020204" pitchFamily="34" charset="0"/>
-              </a:rPr>
-              <a:t>    for row in rows:</a:t>
-            </a:r>
-          </a:p>
-          <a:p>
-            <a:pPr>
-              <a:buClr>
-                <a:srgbClr val="3C479D"/>
-              </a:buClr>
-            </a:pPr>
-            <a:r>
-              <a:rPr lang="en-US" altLang="ko-KR" sz="1400">
-                <a:solidFill>
-                  <a:schemeClr val="tx1">
-                    <a:lumMod val="95000"/>
-                    <a:lumOff val="5000"/>
-                  </a:schemeClr>
-                </a:solidFill>
-                <a:cs typeface="Arial" panose="020B0604020202020204" pitchFamily="34" charset="0"/>
-              </a:rPr>
-              <a:t>        </a:t>
-            </a:r>
-            <a:r>
-              <a:rPr lang="en-US" altLang="ko-KR" sz="1400">
-                <a:solidFill>
-                  <a:srgbClr val="0000FF"/>
-                </a:solidFill>
-                <a:cs typeface="Arial" panose="020B0604020202020204" pitchFamily="34" charset="0"/>
-              </a:rPr>
-              <a:t>empno, ename, ejob, mname, mjob = row</a:t>
-            </a:r>
-          </a:p>
-          <a:p>
-            <a:pPr>
-              <a:buClr>
-                <a:srgbClr val="3C479D"/>
-              </a:buClr>
-            </a:pPr>
-            <a:r>
-              <a:rPr lang="en-US" altLang="ko-KR" sz="1400">
-                <a:solidFill>
-                  <a:schemeClr val="tx1">
-                    <a:lumMod val="95000"/>
-                    <a:lumOff val="5000"/>
-                  </a:schemeClr>
-                </a:solidFill>
-                <a:cs typeface="Arial" panose="020B0604020202020204" pitchFamily="34" charset="0"/>
-              </a:rPr>
-              <a:t>        print("%10s %15s %10s %15s %15s" %(empno, ename, ejob, mname, </a:t>
-            </a:r>
-            <a:r>
-              <a:rPr lang="en-US" altLang="ko-KR" sz="1400">
-                <a:solidFill>
-                  <a:schemeClr val="tx1">
-                    <a:lumMod val="95000"/>
-                    <a:lumOff val="5000"/>
-                  </a:schemeClr>
-                </a:solidFill>
-                <a:cs typeface="Arial" panose="020B0604020202020204" pitchFamily="34" charset="0"/>
-              </a:rPr>
-              <a:t>mjob</a:t>
+              <a:t>        print("%10s %15s %10s %15s %15s" %(empno, ename, ejob, mname, mjob</a:t>
             </a:r>
             <a:r>
               <a:rPr lang="en-US" altLang="ko-KR" sz="1400" smtClean="0">
@@ -18183,14 +17682,7 @@
                 <a:latin typeface="+mj-lt"/>
                 <a:ea typeface="+mj-ea"/>
               </a:rPr>
-              <a:t>Oracle </a:t>
-            </a:r>
-            <a:r>
-              <a:rPr lang="en-US" altLang="ko-KR" sz="2000" b="1">
-                <a:latin typeface="+mj-lt"/>
-                <a:ea typeface="+mj-ea"/>
-              </a:rPr>
-              <a:t>DB </a:t>
+              <a:t>Oracle DB </a:t>
             </a:r>
             <a:r>
               <a:rPr lang="ko-KR" altLang="en-US" sz="2000" b="1" smtClean="0">
@@ -18280,7 +17772,6 @@
               <a:rPr lang="ko-KR" altLang="en-US"/>
               <a:t>연동</a:t>
             </a:r>
-            <a:endParaRPr lang="ko-KR" altLang="en-US"/>
           </a:p>
         </p:txBody>
       </p:sp>
@@ -18400,11 +17891,7 @@
             </a:pPr>
             <a:r>
               <a:rPr lang="en-US" altLang="ko-KR" sz="1400"/>
-              <a:t> </a:t>
-            </a:r>
-            <a:r>
-              <a:rPr lang="en-US" altLang="ko-KR" sz="1400"/>
-              <a:t>import </a:t>
+              <a:t> import </a:t>
             </a:r>
             <a:r>
               <a:rPr lang="en-US" altLang="ko-KR" sz="1400" smtClean="0"/>
@@ -18486,19 +17973,7 @@
                 </a:solidFill>
                 <a:cs typeface="Arial" panose="020B0604020202020204" pitchFamily="34" charset="0"/>
               </a:rPr>
-              <a:t>", </a:t>
-            </a:r>
-            <a:r>
-              <a:rPr lang="en-US" altLang="ko-KR" sz="1400">
-                <a:solidFill>
-                  <a:schemeClr val="tx1">
-                    <a:lumMod val="95000"/>
-                    <a:lumOff val="5000"/>
-                  </a:schemeClr>
-                </a:solidFill>
-                <a:cs typeface="Arial" panose="020B0604020202020204" pitchFamily="34" charset="0"/>
-              </a:rPr>
-              <a:t>"</a:t>
+              <a:t>", "</a:t>
             </a:r>
             <a:r>
               <a:rPr lang="en-US" altLang="ko-KR" sz="1400" smtClean="0">
@@ -18596,11 +18071,7 @@
             </a:pPr>
             <a:r>
               <a:rPr lang="en-US" altLang="ko-KR" sz="1400"/>
-              <a:t> sql="Select * from tab</a:t>
-            </a:r>
-            <a:r>
-              <a:rPr lang="en-US" altLang="ko-KR" sz="1400"/>
-              <a:t>"  </a:t>
+              <a:t> sql="Select * from tab"  </a:t>
             </a:r>
             <a:r>
               <a:rPr lang="en-US" altLang="ko-KR" sz="1400" smtClean="0">
@@ -18733,11 +18204,7 @@
             </a:pPr>
             <a:r>
               <a:rPr lang="en-US" altLang="ko-KR" sz="1400"/>
-              <a:t>rows = </a:t>
-            </a:r>
-            <a:r>
-              <a:rPr lang="en-US" altLang="ko-KR" sz="1400"/>
-              <a:t>cur.execute(sql</a:t>
+              <a:t>rows = cur.execute(sql</a:t>
             </a:r>
             <a:r>
               <a:rPr lang="en-US" altLang="ko-KR" sz="1400" smtClean="0"/>
@@ -18826,11 +18293,7 @@
             </a:pPr>
             <a:r>
               <a:rPr lang="en-US" altLang="ko-KR" sz="1600"/>
-              <a:t>for row in </a:t>
-            </a:r>
-            <a:r>
-              <a:rPr lang="en-US" altLang="ko-KR" sz="1600"/>
-              <a:t>rows</a:t>
+              <a:t>for row in rows</a:t>
             </a:r>
             <a:r>
               <a:rPr lang="en-US" altLang="ko-KR" sz="1600" smtClean="0"/>
@@ -19044,16 +18507,7 @@
                 </a:solidFill>
                 <a:cs typeface="Arial" panose="020B0604020202020204" pitchFamily="34" charset="0"/>
               </a:rPr>
-              <a:t>    </a:t>
-            </a:r>
-            <a:r>
-              <a:rPr lang="it-IT" altLang="ko-KR" sz="1400">
-                <a:solidFill>
-                  <a:schemeClr val="tx1"/>
-                </a:solidFill>
-                <a:cs typeface="Arial" panose="020B0604020202020204" pitchFamily="34" charset="0"/>
-              </a:rPr>
-              <a:t>con.commit</a:t>
+              <a:t>    con.commit</a:t>
             </a:r>
             <a:r>
               <a:rPr lang="it-IT" altLang="ko-KR" sz="1400" smtClean="0">
@@ -19094,16 +18548,7 @@
                 </a:solidFill>
                 <a:cs typeface="Arial" panose="020B0604020202020204" pitchFamily="34" charset="0"/>
               </a:rPr>
-              <a:t>def </a:t>
-            </a:r>
-            <a:r>
-              <a:rPr lang="en-US" altLang="ko-KR" sz="1400">
-                <a:solidFill>
-                  <a:srgbClr val="C00000"/>
-                </a:solidFill>
-                <a:cs typeface="Arial" panose="020B0604020202020204" pitchFamily="34" charset="0"/>
-              </a:rPr>
-              <a:t>insert_project() </a:t>
+              <a:t>def insert_project() </a:t>
             </a:r>
             <a:r>
               <a:rPr lang="en-US" altLang="ko-KR" sz="1400" smtClean="0">
@@ -19399,16 +18844,7 @@
                 </a:solidFill>
                 <a:cs typeface="Arial" panose="020B0604020202020204" pitchFamily="34" charset="0"/>
               </a:rPr>
-              <a:t>in_query(con, sql, </a:t>
-            </a:r>
-            <a:r>
-              <a:rPr lang="en-US" altLang="ko-KR" sz="1400">
-                <a:solidFill>
-                  <a:srgbClr val="C00000"/>
-                </a:solidFill>
-                <a:cs typeface="Arial" panose="020B0604020202020204" pitchFamily="34" charset="0"/>
-              </a:rPr>
-              <a:t>indata</a:t>
+              <a:t>in_query(con, sql, indata</a:t>
             </a:r>
             <a:r>
               <a:rPr lang="en-US" altLang="ko-KR" sz="1400" smtClean="0">
@@ -19504,19 +18940,7 @@
                 </a:solidFill>
                 <a:cs typeface="Arial" panose="020B0604020202020204" pitchFamily="34" charset="0"/>
               </a:rPr>
-              <a:t>테이블에 </a:t>
-            </a:r>
-            <a:r>
-              <a:rPr lang="ko-KR" altLang="en-US" sz="1400">
-                <a:solidFill>
-                  <a:schemeClr val="tx1">
-                    <a:lumMod val="50000"/>
-                    <a:lumOff val="50000"/>
-                  </a:schemeClr>
-                </a:solidFill>
-                <a:cs typeface="Arial" panose="020B0604020202020204" pitchFamily="34" charset="0"/>
-              </a:rPr>
-              <a:t>행 </a:t>
+              <a:t>테이블에 행 </a:t>
             </a:r>
             <a:r>
               <a:rPr lang="ko-KR" altLang="en-US" sz="1400" smtClean="0">
@@ -19783,7 +19207,6 @@
               <a:rPr lang="ko-KR" altLang="en-US"/>
               <a:t>연동</a:t>
             </a:r>
-            <a:endParaRPr lang="ko-KR" altLang="en-US"/>
           </a:p>
         </p:txBody>
       </p:sp>
@@ -19903,11 +19326,7 @@
             </a:pPr>
             <a:r>
               <a:rPr lang="en-US" altLang="ko-KR" sz="1400"/>
-              <a:t> </a:t>
-            </a:r>
-            <a:r>
-              <a:rPr lang="en-US" altLang="ko-KR" sz="1400"/>
-              <a:t>import </a:t>
+              <a:t> import </a:t>
             </a:r>
             <a:r>
               <a:rPr lang="en-US" altLang="ko-KR" sz="1400" smtClean="0"/>
@@ -19989,19 +19408,7 @@
                 </a:solidFill>
                 <a:cs typeface="Arial" panose="020B0604020202020204" pitchFamily="34" charset="0"/>
               </a:rPr>
-              <a:t>", </a:t>
-            </a:r>
-            <a:r>
-              <a:rPr lang="en-US" altLang="ko-KR" sz="1400">
-                <a:solidFill>
-                  <a:schemeClr val="tx1">
-                    <a:lumMod val="95000"/>
-                    <a:lumOff val="5000"/>
-                  </a:schemeClr>
-                </a:solidFill>
-                <a:cs typeface="Arial" panose="020B0604020202020204" pitchFamily="34" charset="0"/>
-              </a:rPr>
-              <a:t>"</a:t>
+              <a:t>", "</a:t>
             </a:r>
             <a:r>
               <a:rPr lang="en-US" altLang="ko-KR" sz="1400" smtClean="0">
@@ -20099,11 +19506,7 @@
             </a:pPr>
             <a:r>
               <a:rPr lang="en-US" altLang="ko-KR" sz="1400"/>
-              <a:t> sql="Select * from tab</a:t>
-            </a:r>
-            <a:r>
-              <a:rPr lang="en-US" altLang="ko-KR" sz="1400"/>
-              <a:t>"  </a:t>
+              <a:t> sql="Select * from tab"  </a:t>
             </a:r>
             <a:r>
               <a:rPr lang="en-US" altLang="ko-KR" sz="1400" smtClean="0">
@@ -20236,11 +19639,7 @@
             </a:pPr>
             <a:r>
               <a:rPr lang="en-US" altLang="ko-KR" sz="1400"/>
-              <a:t>rows = </a:t>
-            </a:r>
-            <a:r>
-              <a:rPr lang="en-US" altLang="ko-KR" sz="1400"/>
-              <a:t>cur.execute(sql</a:t>
+              <a:t>rows = cur.execute(sql</a:t>
             </a:r>
             <a:r>
               <a:rPr lang="en-US" altLang="ko-KR" sz="1400" smtClean="0"/>
@@ -20329,11 +19728,7 @@
             </a:pPr>
             <a:r>
               <a:rPr lang="en-US" altLang="ko-KR" sz="1600"/>
-              <a:t>for row in </a:t>
-            </a:r>
-            <a:r>
-              <a:rPr lang="en-US" altLang="ko-KR" sz="1600"/>
-              <a:t>rows</a:t>
+              <a:t>for row in rows</a:t>
             </a:r>
             <a:r>
               <a:rPr lang="en-US" altLang="ko-KR" sz="1600" smtClean="0"/>
@@ -20547,16 +19942,7 @@
                 </a:solidFill>
                 <a:cs typeface="Arial" panose="020B0604020202020204" pitchFamily="34" charset="0"/>
               </a:rPr>
-              <a:t>    </a:t>
-            </a:r>
-            <a:r>
-              <a:rPr lang="it-IT" altLang="ko-KR" sz="1400">
-                <a:solidFill>
-                  <a:schemeClr val="tx1"/>
-                </a:solidFill>
-                <a:cs typeface="Arial" panose="020B0604020202020204" pitchFamily="34" charset="0"/>
-              </a:rPr>
-              <a:t>con.commit</a:t>
+              <a:t>    con.commit</a:t>
             </a:r>
             <a:r>
               <a:rPr lang="it-IT" altLang="ko-KR" sz="1400" smtClean="0">
@@ -20597,16 +19983,7 @@
                 </a:solidFill>
                 <a:cs typeface="Arial" panose="020B0604020202020204" pitchFamily="34" charset="0"/>
               </a:rPr>
-              <a:t>def </a:t>
-            </a:r>
-            <a:r>
-              <a:rPr lang="en-US" altLang="ko-KR" sz="1400">
-                <a:solidFill>
-                  <a:srgbClr val="C00000"/>
-                </a:solidFill>
-                <a:cs typeface="Arial" panose="020B0604020202020204" pitchFamily="34" charset="0"/>
-              </a:rPr>
-              <a:t>insert_project() </a:t>
+              <a:t>def insert_project() </a:t>
             </a:r>
             <a:r>
               <a:rPr lang="en-US" altLang="ko-KR" sz="1400" smtClean="0">
@@ -20902,16 +20279,7 @@
                 </a:solidFill>
                 <a:cs typeface="Arial" panose="020B0604020202020204" pitchFamily="34" charset="0"/>
               </a:rPr>
-              <a:t>in_query(con, sql, </a:t>
-            </a:r>
-            <a:r>
-              <a:rPr lang="en-US" altLang="ko-KR" sz="1400">
-                <a:solidFill>
-                  <a:srgbClr val="C00000"/>
-                </a:solidFill>
-                <a:cs typeface="Arial" panose="020B0604020202020204" pitchFamily="34" charset="0"/>
-              </a:rPr>
-              <a:t>indata</a:t>
+              <a:t>in_query(con, sql, indata</a:t>
             </a:r>
             <a:r>
               <a:rPr lang="en-US" altLang="ko-KR" sz="1400" smtClean="0">
@@ -21007,19 +20375,7 @@
                 </a:solidFill>
                 <a:cs typeface="Arial" panose="020B0604020202020204" pitchFamily="34" charset="0"/>
               </a:rPr>
-              <a:t>테이블에 </a:t>
-            </a:r>
-            <a:r>
-              <a:rPr lang="ko-KR" altLang="en-US" sz="1400">
-                <a:solidFill>
-                  <a:schemeClr val="tx1">
-                    <a:lumMod val="50000"/>
-                    <a:lumOff val="50000"/>
-                  </a:schemeClr>
-                </a:solidFill>
-                <a:cs typeface="Arial" panose="020B0604020202020204" pitchFamily="34" charset="0"/>
-              </a:rPr>
-              <a:t>행 </a:t>
+              <a:t>테이블에 행 </a:t>
             </a:r>
             <a:r>
               <a:rPr lang="ko-KR" altLang="en-US" sz="1400" smtClean="0">
@@ -21286,7 +20642,6 @@
               <a:rPr lang="ko-KR" altLang="en-US"/>
               <a:t>연동</a:t>
             </a:r>
-            <a:endParaRPr lang="ko-KR" altLang="en-US"/>
           </a:p>
         </p:txBody>
       </p:sp>
@@ -21406,11 +20761,7 @@
             </a:pPr>
             <a:r>
               <a:rPr lang="en-US" altLang="ko-KR" sz="1400"/>
-              <a:t> </a:t>
-            </a:r>
-            <a:r>
-              <a:rPr lang="en-US" altLang="ko-KR" sz="1400"/>
-              <a:t>import </a:t>
+              <a:t> import </a:t>
             </a:r>
             <a:r>
               <a:rPr lang="en-US" altLang="ko-KR" sz="1400" smtClean="0"/>
@@ -21492,19 +20843,7 @@
                 </a:solidFill>
                 <a:cs typeface="Arial" panose="020B0604020202020204" pitchFamily="34" charset="0"/>
               </a:rPr>
-              <a:t>", </a:t>
-            </a:r>
-            <a:r>
-              <a:rPr lang="en-US" altLang="ko-KR" sz="1400">
-                <a:solidFill>
-                  <a:schemeClr val="tx1">
-                    <a:lumMod val="95000"/>
-                    <a:lumOff val="5000"/>
-                  </a:schemeClr>
-                </a:solidFill>
-                <a:cs typeface="Arial" panose="020B0604020202020204" pitchFamily="34" charset="0"/>
-              </a:rPr>
-              <a:t>"</a:t>
+              <a:t>", "</a:t>
             </a:r>
             <a:r>
               <a:rPr lang="en-US" altLang="ko-KR" sz="1400" smtClean="0">
@@ -21602,11 +20941,7 @@
             </a:pPr>
             <a:r>
               <a:rPr lang="en-US" altLang="ko-KR" sz="1400"/>
-              <a:t> sql="Select * from tab</a:t>
-            </a:r>
-            <a:r>
-              <a:rPr lang="en-US" altLang="ko-KR" sz="1400"/>
-              <a:t>"  </a:t>
+              <a:t> sql="Select * from tab"  </a:t>
             </a:r>
             <a:r>
               <a:rPr lang="en-US" altLang="ko-KR" sz="1400" smtClean="0">
@@ -21739,11 +21074,7 @@
             </a:pPr>
             <a:r>
               <a:rPr lang="en-US" altLang="ko-KR" sz="1400"/>
-              <a:t>rows = </a:t>
-            </a:r>
-            <a:r>
-              <a:rPr lang="en-US" altLang="ko-KR" sz="1400"/>
-              <a:t>cur.execute(sql</a:t>
+              <a:t>rows = cur.execute(sql</a:t>
             </a:r>
             <a:r>
               <a:rPr lang="en-US" altLang="ko-KR" sz="1400" smtClean="0"/>
@@ -21832,11 +21163,7 @@
             </a:pPr>
             <a:r>
               <a:rPr lang="en-US" altLang="ko-KR" sz="1600"/>
-              <a:t>for row in </a:t>
-            </a:r>
-            <a:r>
-              <a:rPr lang="en-US" altLang="ko-KR" sz="1600"/>
-              <a:t>rows</a:t>
+              <a:t>for row in rows</a:t>
             </a:r>
             <a:r>
               <a:rPr lang="en-US" altLang="ko-KR" sz="1600" smtClean="0"/>
@@ -22012,15 +21339,20 @@
                 </a:solidFill>
                 <a:cs typeface="Arial" panose="020B0604020202020204" pitchFamily="34" charset="0"/>
               </a:rPr>
-              <a:t>con = cx_Oracle.connect("scott", "tiger", "192.168.142.72:1521/xe</a:t>
-            </a:r>
-          </a:p>
-          <a:p>
-            <a:pPr>
-              <a:buClr>
-                <a:srgbClr val="3C479D"/>
-              </a:buClr>
-            </a:pPr>
+              <a:t>con = cx_Oracle.connect("scott", "tiger", "</a:t>
+            </a:r>
+            <a:r>
+              <a:rPr lang="en-US" altLang="ko-KR" sz="1400" smtClean="0">
+                <a:solidFill>
+                  <a:schemeClr val="tx1">
+                    <a:lumMod val="95000"/>
+                    <a:lumOff val="5000"/>
+                  </a:schemeClr>
+                </a:solidFill>
+                <a:cs typeface="Arial" panose="020B0604020202020204" pitchFamily="34" charset="0"/>
+              </a:rPr>
+              <a:t>192.168.142.72:1521/xe")</a:t>
+            </a:r>
             <a:endParaRPr lang="en-US" altLang="ko-KR" sz="1400">
               <a:solidFill>
                 <a:schemeClr val="tx1">
@@ -22037,6 +21369,22 @@
                 <a:srgbClr val="3C479D"/>
               </a:buClr>
             </a:pPr>
+            <a:endParaRPr lang="en-US" altLang="ko-KR" sz="1400">
+              <a:solidFill>
+                <a:schemeClr val="tx1">
+                  <a:lumMod val="95000"/>
+                  <a:lumOff val="5000"/>
+                </a:schemeClr>
+              </a:solidFill>
+              <a:cs typeface="Arial" panose="020B0604020202020204" pitchFamily="34" charset="0"/>
+            </a:endParaRPr>
+          </a:p>
+          <a:p>
+            <a:pPr>
+              <a:buClr>
+                <a:srgbClr val="3C479D"/>
+              </a:buClr>
+            </a:pPr>
             <a:r>
               <a:rPr lang="en-US" altLang="ko-KR" sz="1600">
                 <a:solidFill>
@@ -22395,19 +21743,7 @@
                 </a:solidFill>
                 <a:cs typeface="Arial" panose="020B0604020202020204" pitchFamily="34" charset="0"/>
               </a:rPr>
-              <a:t>#</a:t>
-            </a:r>
-            <a:r>
-              <a:rPr lang="en-US" altLang="ko-KR" sz="1400">
-                <a:solidFill>
-                  <a:schemeClr val="tx1">
-                    <a:lumMod val="50000"/>
-                    <a:lumOff val="50000"/>
-                  </a:schemeClr>
-                </a:solidFill>
-                <a:cs typeface="Arial" panose="020B0604020202020204" pitchFamily="34" charset="0"/>
-              </a:rPr>
-              <a:t>PROJECT </a:t>
+              <a:t>#PROJECT </a:t>
             </a:r>
             <a:r>
               <a:rPr lang="ko-KR" altLang="en-US" sz="1400" smtClean="0">
@@ -22698,7 +22034,6 @@
               <a:rPr lang="ko-KR" altLang="en-US"/>
               <a:t>연동</a:t>
             </a:r>
-            <a:endParaRPr lang="ko-KR" altLang="en-US"/>
           </a:p>
         </p:txBody>
       </p:sp>
@@ -22818,11 +22153,7 @@
             </a:pPr>
             <a:r>
               <a:rPr lang="en-US" altLang="ko-KR" sz="1400"/>
-              <a:t> </a:t>
-            </a:r>
-            <a:r>
-              <a:rPr lang="en-US" altLang="ko-KR" sz="1400"/>
-              <a:t>import </a:t>
+              <a:t> import </a:t>
             </a:r>
             <a:r>
               <a:rPr lang="en-US" altLang="ko-KR" sz="1400" smtClean="0"/>
@@ -22904,19 +22235,7 @@
                 </a:solidFill>
                 <a:cs typeface="Arial" panose="020B0604020202020204" pitchFamily="34" charset="0"/>
               </a:rPr>
-              <a:t>", </a:t>
-            </a:r>
-            <a:r>
-              <a:rPr lang="en-US" altLang="ko-KR" sz="1400">
-                <a:solidFill>
-                  <a:schemeClr val="tx1">
-                    <a:lumMod val="95000"/>
-                    <a:lumOff val="5000"/>
-                  </a:schemeClr>
-                </a:solidFill>
-                <a:cs typeface="Arial" panose="020B0604020202020204" pitchFamily="34" charset="0"/>
-              </a:rPr>
-              <a:t>"</a:t>
+              <a:t>", "</a:t>
             </a:r>
             <a:r>
               <a:rPr lang="en-US" altLang="ko-KR" sz="1400" smtClean="0">
@@ -23015,11 +22334,7 @@
             </a:r>
             <a:r>
               <a:rPr lang="en-US" altLang="ko-KR" sz="1600"/>
-              <a:t>row in </a:t>
-            </a:r>
-            <a:r>
-              <a:rPr lang="en-US" altLang="ko-KR" sz="1600"/>
-              <a:t>rows</a:t>
+              <a:t>row in rows</a:t>
             </a:r>
             <a:r>
               <a:rPr lang="en-US" altLang="ko-KR" sz="1600" smtClean="0"/>
@@ -23195,15 +22510,20 @@
                 </a:solidFill>
                 <a:cs typeface="Arial" panose="020B0604020202020204" pitchFamily="34" charset="0"/>
               </a:rPr>
-              <a:t>con = cx_Oracle.connect("scott", "tiger", "192.168.142.72:1521/xe</a:t>
-            </a:r>
-          </a:p>
-          <a:p>
-            <a:pPr>
-              <a:buClr>
-                <a:srgbClr val="3C479D"/>
-              </a:buClr>
-            </a:pPr>
+              <a:t>con = cx_Oracle.connect("scott", "tiger", "</a:t>
+            </a:r>
+            <a:r>
+              <a:rPr lang="en-US" altLang="ko-KR" sz="1400" smtClean="0">
+                <a:solidFill>
+                  <a:schemeClr val="tx1">
+                    <a:lumMod val="95000"/>
+                    <a:lumOff val="5000"/>
+                  </a:schemeClr>
+                </a:solidFill>
+                <a:cs typeface="Arial" panose="020B0604020202020204" pitchFamily="34" charset="0"/>
+              </a:rPr>
+              <a:t>192.168.142.72:1521/xe")</a:t>
+            </a:r>
             <a:endParaRPr lang="en-US" altLang="ko-KR" sz="1400">
               <a:solidFill>
                 <a:schemeClr val="tx1">
@@ -23220,6 +22540,22 @@
                 <a:srgbClr val="3C479D"/>
               </a:buClr>
             </a:pPr>
+            <a:endParaRPr lang="en-US" altLang="ko-KR" sz="1400">
+              <a:solidFill>
+                <a:schemeClr val="tx1">
+                  <a:lumMod val="95000"/>
+                  <a:lumOff val="5000"/>
+                </a:schemeClr>
+              </a:solidFill>
+              <a:cs typeface="Arial" panose="020B0604020202020204" pitchFamily="34" charset="0"/>
+            </a:endParaRPr>
+          </a:p>
+          <a:p>
+            <a:pPr>
+              <a:buClr>
+                <a:srgbClr val="3C479D"/>
+              </a:buClr>
+            </a:pPr>
             <a:r>
               <a:rPr lang="en-US" altLang="ko-KR" sz="1600">
                 <a:solidFill>
@@ -23473,19 +22809,7 @@
                 </a:solidFill>
                 <a:cs typeface="Arial" panose="020B0604020202020204" pitchFamily="34" charset="0"/>
               </a:rPr>
-              <a:t>#</a:t>
-            </a:r>
-            <a:r>
-              <a:rPr lang="en-US" altLang="ko-KR" sz="1400">
-                <a:solidFill>
-                  <a:schemeClr val="tx1">
-                    <a:lumMod val="50000"/>
-                    <a:lumOff val="50000"/>
-                  </a:schemeClr>
-                </a:solidFill>
-                <a:cs typeface="Arial" panose="020B0604020202020204" pitchFamily="34" charset="0"/>
-              </a:rPr>
-              <a:t>PROJECT </a:t>
+              <a:t>#PROJECT </a:t>
             </a:r>
             <a:r>
               <a:rPr lang="ko-KR" altLang="en-US" sz="1400" smtClean="0">
@@ -23752,7 +23076,6 @@
               <a:rPr lang="ko-KR" altLang="en-US"/>
               <a:t>연동</a:t>
             </a:r>
-            <a:endParaRPr lang="ko-KR" altLang="en-US"/>
           </a:p>
         </p:txBody>
       </p:sp>
@@ -23872,11 +23195,7 @@
             </a:pPr>
             <a:r>
               <a:rPr lang="en-US" altLang="ko-KR" sz="1400"/>
-              <a:t> </a:t>
-            </a:r>
-            <a:r>
-              <a:rPr lang="en-US" altLang="ko-KR" sz="1400"/>
-              <a:t>import </a:t>
+              <a:t> import </a:t>
             </a:r>
             <a:r>
               <a:rPr lang="en-US" altLang="ko-KR" sz="1400" smtClean="0"/>
@@ -23958,19 +23277,7 @@
                 </a:solidFill>
                 <a:cs typeface="Arial" panose="020B0604020202020204" pitchFamily="34" charset="0"/>
               </a:rPr>
-              <a:t>", </a:t>
-            </a:r>
-            <a:r>
-              <a:rPr lang="en-US" altLang="ko-KR" sz="1400">
-                <a:solidFill>
-                  <a:schemeClr val="tx1">
-                    <a:lumMod val="95000"/>
-                    <a:lumOff val="5000"/>
-                  </a:schemeClr>
-                </a:solidFill>
-                <a:cs typeface="Arial" panose="020B0604020202020204" pitchFamily="34" charset="0"/>
-              </a:rPr>
-              <a:t>"</a:t>
+              <a:t>", "</a:t>
             </a:r>
             <a:r>
               <a:rPr lang="en-US" altLang="ko-KR" sz="1400" smtClean="0">
@@ -24068,11 +23375,7 @@
             </a:pPr>
             <a:r>
               <a:rPr lang="en-US" altLang="ko-KR" sz="1400"/>
-              <a:t> sql="Select * from tab</a:t>
-            </a:r>
-            <a:r>
-              <a:rPr lang="en-US" altLang="ko-KR" sz="1400"/>
-              <a:t>"  </a:t>
+              <a:t> sql="Select * from tab"  </a:t>
             </a:r>
             <a:r>
               <a:rPr lang="en-US" altLang="ko-KR" sz="1400" smtClean="0">
@@ -24205,11 +23508,7 @@
             </a:pPr>
             <a:r>
               <a:rPr lang="en-US" altLang="ko-KR" sz="1400"/>
-              <a:t>rows = </a:t>
-            </a:r>
-            <a:r>
-              <a:rPr lang="en-US" altLang="ko-KR" sz="1400"/>
-              <a:t>cur.execute(sql</a:t>
+              <a:t>rows = cur.execute(sql</a:t>
             </a:r>
             <a:r>
               <a:rPr lang="en-US" altLang="ko-KR" sz="1400" smtClean="0"/>
@@ -24298,11 +23597,7 @@
             </a:pPr>
             <a:r>
               <a:rPr lang="en-US" altLang="ko-KR" sz="1600"/>
-              <a:t>for row in </a:t>
-            </a:r>
-            <a:r>
-              <a:rPr lang="en-US" altLang="ko-KR" sz="1600"/>
-              <a:t>rows</a:t>
+              <a:t>for row in rows</a:t>
             </a:r>
             <a:r>
               <a:rPr lang="en-US" altLang="ko-KR" sz="1600" smtClean="0"/>
@@ -25259,7 +24554,6 @@
               <a:rPr lang="en-US" altLang="ko-KR" sz="1600" smtClean="0"/>
               <a:t>(DB: Database)</a:t>
             </a:r>
-            <a:endParaRPr lang="en-US" altLang="ko-KR" sz="1600" smtClean="0"/>
           </a:p>
           <a:p>
             <a:pPr lvl="3">
@@ -25447,11 +24741,7 @@
             </a:r>
             <a:r>
               <a:rPr lang="ko-KR" altLang="en-US" sz="1400"/>
-              <a:t> </a:t>
-            </a:r>
-            <a:r>
-              <a:rPr lang="ko-KR" altLang="en-US" sz="1400"/>
-              <a:t>하여 </a:t>
+              <a:t> 하여 </a:t>
             </a:r>
             <a:r>
               <a:rPr lang="ko-KR" altLang="en-US" sz="1400" smtClean="0"/>
@@ -25518,11 +24808,7 @@
             </a:r>
             <a:r>
               <a:rPr lang="ko-KR" altLang="en-US" sz="1400"/>
-              <a:t>수 </a:t>
-            </a:r>
-            <a:r>
-              <a:rPr lang="ko-KR" altLang="en-US" sz="1400"/>
-              <a:t>있도록 </a:t>
+              <a:t>수 있도록 </a:t>
             </a:r>
             <a:r>
               <a:rPr lang="ko-KR" altLang="en-US" sz="1400" smtClean="0"/>
@@ -27363,7 +26649,6 @@
               <a:rPr lang="en-US" altLang="ko-KR" sz="1600" smtClean="0"/>
               <a:t>(DB: Database)</a:t>
             </a:r>
-            <a:endParaRPr lang="en-US" altLang="ko-KR" sz="1600" smtClean="0"/>
           </a:p>
           <a:p>
             <a:pPr lvl="3">
@@ -27551,11 +26836,7 @@
             </a:r>
             <a:r>
               <a:rPr lang="ko-KR" altLang="en-US" sz="1400"/>
-              <a:t> </a:t>
-            </a:r>
-            <a:r>
-              <a:rPr lang="ko-KR" altLang="en-US" sz="1400"/>
-              <a:t>하여 </a:t>
+              <a:t> 하여 </a:t>
             </a:r>
             <a:r>
               <a:rPr lang="ko-KR" altLang="en-US" sz="1400" smtClean="0"/>
@@ -27622,11 +26903,7 @@
             </a:r>
             <a:r>
               <a:rPr lang="ko-KR" altLang="en-US" sz="1400"/>
-              <a:t>수 </a:t>
-            </a:r>
-            <a:r>
-              <a:rPr lang="ko-KR" altLang="en-US" sz="1400"/>
-              <a:t>있도록 </a:t>
+              <a:t>수 있도록 </a:t>
             </a:r>
             <a:r>
               <a:rPr lang="ko-KR" altLang="en-US" sz="1400" smtClean="0"/>
@@ -29516,11 +28793,7 @@
             </a:r>
             <a:r>
               <a:rPr lang="ko-KR" altLang="en-US" sz="1400"/>
-              <a:t> </a:t>
-            </a:r>
-            <a:r>
-              <a:rPr lang="ko-KR" altLang="en-US" sz="1400"/>
-              <a:t>하여 </a:t>
+              <a:t> 하여 </a:t>
             </a:r>
             <a:r>
               <a:rPr lang="ko-KR" altLang="en-US" sz="1400" smtClean="0"/>
@@ -29587,11 +28860,7 @@
             </a:r>
             <a:r>
               <a:rPr lang="ko-KR" altLang="en-US" sz="1400"/>
-              <a:t>수 </a:t>
-            </a:r>
-            <a:r>
-              <a:rPr lang="ko-KR" altLang="en-US" sz="1400"/>
-              <a:t>있도록 </a:t>
+              <a:t>수 있도록 </a:t>
             </a:r>
             <a:r>
               <a:rPr lang="ko-KR" altLang="en-US" sz="1400" smtClean="0"/>
@@ -30009,7 +29278,6 @@
               <a:rPr lang="ko-KR" altLang="en-US"/>
               <a:t>연동</a:t>
             </a:r>
-            <a:endParaRPr lang="ko-KR" altLang="en-US"/>
           </a:p>
         </p:txBody>
       </p:sp>
@@ -30214,19 +29482,7 @@
                 </a:solidFill>
                 <a:cs typeface="Arial" panose="020B0604020202020204" pitchFamily="34" charset="0"/>
               </a:rPr>
-              <a:t>dsn = cx_Oracle.makedsn</a:t>
-            </a:r>
-            <a:r>
-              <a:rPr lang="en-US" altLang="ko-KR" sz="1300">
-                <a:solidFill>
-                  <a:schemeClr val="tx1">
-                    <a:lumMod val="95000"/>
-                    <a:lumOff val="5000"/>
-                  </a:schemeClr>
-                </a:solidFill>
-                <a:cs typeface="Arial" panose="020B0604020202020204" pitchFamily="34" charset="0"/>
-              </a:rPr>
-              <a:t>(</a:t>
+              <a:t>dsn = cx_Oracle.makedsn(</a:t>
             </a:r>
             <a:r>
               <a:rPr lang="en-US" altLang="ko-KR" sz="1300" smtClean="0">
@@ -30566,14 +29822,7 @@
                 <a:latin typeface="+mn-ea"/>
                 <a:ea typeface="+mn-ea"/>
               </a:rPr>
-              <a:t># Oracle </a:t>
-            </a:r>
-            <a:r>
-              <a:rPr lang="ko-KR" altLang="en-US" sz="1400">
-                <a:latin typeface="+mn-ea"/>
-                <a:ea typeface="+mn-ea"/>
-              </a:rPr>
-              <a:t>서버에 </a:t>
+              <a:t># Oracle 서버에 </a:t>
             </a:r>
             <a:r>
               <a:rPr lang="ko-KR" altLang="en-US" sz="1400" smtClean="0">
@@ -30812,7 +30061,7 @@
               <a:t>", "</a:t>
             </a:r>
             <a:r>
-              <a:rPr lang="en-US" altLang="ko-KR" sz="1300">
+              <a:rPr lang="en-US" altLang="ko-KR" sz="1300" smtClean="0">
                 <a:solidFill>
                   <a:srgbClr val="0000FF"/>
                 </a:solidFill>
@@ -30821,7 +30070,7 @@
               <a:t>192.168.142.72</a:t>
             </a:r>
             <a:r>
-              <a:rPr lang="en-US" altLang="ko-KR" sz="1300">
+              <a:rPr lang="en-US" altLang="ko-KR" sz="1300" smtClean="0">
                 <a:solidFill>
                   <a:schemeClr val="tx1">
                     <a:lumMod val="95000"/>
@@ -30833,7 +30082,7 @@
               <a:t>:</a:t>
             </a:r>
             <a:r>
-              <a:rPr lang="en-US" altLang="ko-KR" sz="1300">
+              <a:rPr lang="en-US" altLang="ko-KR" sz="1300" smtClean="0">
                 <a:solidFill>
                   <a:srgbClr val="0000FF"/>
                 </a:solidFill>
@@ -30842,7 +30091,7 @@
               <a:t>1521</a:t>
             </a:r>
             <a:r>
-              <a:rPr lang="en-US" altLang="ko-KR" sz="1300">
+              <a:rPr lang="en-US" altLang="ko-KR" sz="1300" smtClean="0">
                 <a:solidFill>
                   <a:schemeClr val="tx1">
                     <a:lumMod val="95000"/>
@@ -30854,7 +30103,7 @@
               <a:t>/</a:t>
             </a:r>
             <a:r>
-              <a:rPr lang="en-US" altLang="ko-KR" sz="1300">
+              <a:rPr lang="en-US" altLang="ko-KR" sz="1300" smtClean="0">
                 <a:solidFill>
                   <a:srgbClr val="0000FF"/>
                 </a:solidFill>
@@ -30863,22 +30112,210 @@
               <a:t>xe</a:t>
             </a:r>
             <a:r>
-              <a:rPr lang="en-US" altLang="ko-KR" sz="1300">
-                <a:solidFill>
-                  <a:schemeClr val="tx1">
-                    <a:lumMod val="95000"/>
-                    <a:lumOff val="5000"/>
-                  </a:schemeClr>
-                </a:solidFill>
-                <a:cs typeface="Arial" panose="020B0604020202020204" pitchFamily="34" charset="0"/>
-              </a:rPr>
-              <a:t>", encoding="UTF-8")</a:t>
+              <a:rPr lang="en-US" altLang="ko-KR" sz="1300" smtClean="0">
+                <a:solidFill>
+                  <a:schemeClr val="tx1">
+                    <a:lumMod val="95000"/>
+                    <a:lumOff val="5000"/>
+                  </a:schemeClr>
+                </a:solidFill>
+                <a:cs typeface="Arial" panose="020B0604020202020204" pitchFamily="34" charset="0"/>
+              </a:rPr>
+              <a:t>")</a:t>
             </a:r>
             <a:endParaRPr lang="en-US" altLang="ko-KR" sz="1300" smtClean="0">
               <a:solidFill>
                 <a:schemeClr val="tx1">
                   <a:lumMod val="50000"/>
                   <a:lumOff val="50000"/>
+                </a:schemeClr>
+              </a:solidFill>
+            </a:endParaRPr>
+          </a:p>
+        </p:txBody>
+      </p:sp>
+      <p:sp>
+        <p:nvSpPr>
+          <p:cNvPr id="7" name="TextBox 6"/>
+          <p:cNvSpPr txBox="1"/>
+          <p:nvPr/>
+        </p:nvSpPr>
+        <p:spPr>
+          <a:xfrm>
+            <a:off x="4878776" y="1154805"/>
+            <a:ext cx="3600400" cy="1380036"/>
+          </a:xfrm>
+          <a:prstGeom prst="rect">
+            <a:avLst/>
+          </a:prstGeom>
+        </p:spPr>
+        <p:txBody>
+          <a:bodyPr vert="horz" wrap="none" lIns="91440" tIns="45720" rIns="91440" bIns="45720" rtlCol="0" anchor="ctr">
+            <a:normAutofit/>
+          </a:bodyPr>
+          <a:lstStyle/>
+          <a:p>
+            <a:pPr marL="571500" indent="-571500">
+              <a:buFont typeface="Wingdings" panose="05000000000000000000" pitchFamily="2" charset="2"/>
+              <a:buChar char="v"/>
+            </a:pPr>
+            <a:r>
+              <a:rPr lang="en-US" altLang="ko-KR" b="1" smtClean="0">
+                <a:solidFill>
+                  <a:schemeClr val="tx1">
+                    <a:lumMod val="65000"/>
+                    <a:lumOff val="35000"/>
+                  </a:schemeClr>
+                </a:solidFill>
+              </a:rPr>
+              <a:t>DBMS Server </a:t>
+            </a:r>
+            <a:r>
+              <a:rPr lang="ko-KR" altLang="en-US" b="1" smtClean="0">
+                <a:solidFill>
+                  <a:schemeClr val="tx1">
+                    <a:lumMod val="65000"/>
+                    <a:lumOff val="35000"/>
+                  </a:schemeClr>
+                </a:solidFill>
+              </a:rPr>
+              <a:t>접근 단계</a:t>
+            </a:r>
+            <a:endParaRPr lang="en-US" altLang="ko-KR" b="1" smtClean="0">
+              <a:solidFill>
+                <a:schemeClr val="tx1">
+                  <a:lumMod val="65000"/>
+                  <a:lumOff val="35000"/>
+                </a:schemeClr>
+              </a:solidFill>
+            </a:endParaRPr>
+          </a:p>
+          <a:p>
+            <a:pPr lvl="1"/>
+            <a:r>
+              <a:rPr lang="ko-KR" altLang="en-US" sz="1400" smtClean="0">
+                <a:solidFill>
+                  <a:schemeClr val="tx1">
+                    <a:lumMod val="65000"/>
+                    <a:lumOff val="35000"/>
+                  </a:schemeClr>
+                </a:solidFill>
+              </a:rPr>
+              <a:t>ㅇ</a:t>
+            </a:r>
+            <a:r>
+              <a:rPr lang="en-US" altLang="ko-KR" sz="1400" smtClean="0">
+                <a:solidFill>
+                  <a:schemeClr val="tx1">
+                    <a:lumMod val="65000"/>
+                    <a:lumOff val="35000"/>
+                  </a:schemeClr>
+                </a:solidFill>
+              </a:rPr>
+              <a:t>Host: Server system (IP</a:t>
+            </a:r>
+            <a:r>
+              <a:rPr lang="ko-KR" altLang="en-US" sz="1400" smtClean="0">
+                <a:solidFill>
+                  <a:schemeClr val="tx1">
+                    <a:lumMod val="65000"/>
+                    <a:lumOff val="35000"/>
+                  </a:schemeClr>
+                </a:solidFill>
+              </a:rPr>
+              <a:t>주소</a:t>
+            </a:r>
+            <a:r>
+              <a:rPr lang="en-US" altLang="ko-KR" sz="1400" smtClean="0">
+                <a:solidFill>
+                  <a:schemeClr val="tx1">
+                    <a:lumMod val="65000"/>
+                    <a:lumOff val="35000"/>
+                  </a:schemeClr>
+                </a:solidFill>
+              </a:rPr>
+              <a:t>)</a:t>
+            </a:r>
+          </a:p>
+          <a:p>
+            <a:pPr lvl="1"/>
+            <a:r>
+              <a:rPr lang="ko-KR" altLang="en-US" sz="1400" smtClean="0">
+                <a:solidFill>
+                  <a:schemeClr val="tx1">
+                    <a:lumMod val="65000"/>
+                    <a:lumOff val="35000"/>
+                  </a:schemeClr>
+                </a:solidFill>
+              </a:rPr>
+              <a:t>ㅇ</a:t>
+            </a:r>
+            <a:r>
+              <a:rPr lang="en-US" altLang="ko-KR" sz="1400" smtClean="0">
+                <a:solidFill>
+                  <a:schemeClr val="tx1">
+                    <a:lumMod val="65000"/>
+                    <a:lumOff val="35000"/>
+                  </a:schemeClr>
+                </a:solidFill>
+              </a:rPr>
+              <a:t>App.: Oracle (port #)</a:t>
+            </a:r>
+          </a:p>
+          <a:p>
+            <a:pPr lvl="1"/>
+            <a:r>
+              <a:rPr lang="ko-KR" altLang="en-US" sz="1400" smtClean="0">
+                <a:solidFill>
+                  <a:schemeClr val="tx1">
+                    <a:lumMod val="65000"/>
+                    <a:lumOff val="35000"/>
+                  </a:schemeClr>
+                </a:solidFill>
+              </a:rPr>
+              <a:t>ㅇ</a:t>
+            </a:r>
+            <a:r>
+              <a:rPr lang="en-US" altLang="ko-KR" sz="1400" smtClean="0">
+                <a:solidFill>
+                  <a:schemeClr val="tx1">
+                    <a:lumMod val="65000"/>
+                    <a:lumOff val="35000"/>
+                  </a:schemeClr>
+                </a:solidFill>
+              </a:rPr>
+              <a:t>User: scott/tiger (User/pwd)</a:t>
+            </a:r>
+          </a:p>
+          <a:p>
+            <a:pPr lvl="1"/>
+            <a:r>
+              <a:rPr lang="ko-KR" altLang="en-US" sz="1400" smtClean="0">
+                <a:solidFill>
+                  <a:schemeClr val="tx1">
+                    <a:lumMod val="65000"/>
+                    <a:lumOff val="35000"/>
+                  </a:schemeClr>
+                </a:solidFill>
+              </a:rPr>
+              <a:t>ㅇ</a:t>
+            </a:r>
+            <a:r>
+              <a:rPr lang="en-US" altLang="ko-KR" sz="1400" smtClean="0">
+                <a:solidFill>
+                  <a:schemeClr val="tx1">
+                    <a:lumMod val="65000"/>
+                    <a:lumOff val="35000"/>
+                  </a:schemeClr>
+                </a:solidFill>
+              </a:rPr>
+              <a:t>Data: Data Serveice (SiD)</a:t>
+            </a:r>
+            <a:endParaRPr lang="ko-KR" altLang="en-US" sz="1400" dirty="0" smtClean="0">
+              <a:solidFill>
+                <a:schemeClr val="tx1">
+                  <a:lumMod val="65000"/>
+                  <a:lumOff val="35000"/>
                 </a:schemeClr>
               </a:solidFill>
             </a:endParaRPr>
@@ -30959,7 +30396,6 @@
               <a:rPr lang="ko-KR" altLang="en-US"/>
               <a:t>연동</a:t>
             </a:r>
-            <a:endParaRPr lang="ko-KR" altLang="en-US"/>
           </a:p>
         </p:txBody>
       </p:sp>
@@ -31067,11 +30503,7 @@
             </a:pPr>
             <a:r>
               <a:rPr lang="en-US" altLang="ko-KR" sz="1400"/>
-              <a:t> </a:t>
-            </a:r>
-            <a:r>
-              <a:rPr lang="en-US" altLang="ko-KR" sz="1400"/>
-              <a:t>import </a:t>
+              <a:t> import </a:t>
             </a:r>
             <a:r>
               <a:rPr lang="en-US" altLang="ko-KR" sz="1400" smtClean="0"/>
@@ -31153,19 +30585,7 @@
                 </a:solidFill>
                 <a:cs typeface="Arial" panose="020B0604020202020204" pitchFamily="34" charset="0"/>
               </a:rPr>
-              <a:t>", </a:t>
-            </a:r>
-            <a:r>
-              <a:rPr lang="en-US" altLang="ko-KR" sz="1400">
-                <a:solidFill>
-                  <a:schemeClr val="tx1">
-                    <a:lumMod val="95000"/>
-                    <a:lumOff val="5000"/>
-                  </a:schemeClr>
-                </a:solidFill>
-                <a:cs typeface="Arial" panose="020B0604020202020204" pitchFamily="34" charset="0"/>
-              </a:rPr>
-              <a:t>"</a:t>
+              <a:t>", "</a:t>
             </a:r>
             <a:r>
               <a:rPr lang="en-US" altLang="ko-KR" sz="1400" smtClean="0">
@@ -31263,11 +30683,7 @@
             </a:pPr>
             <a:r>
               <a:rPr lang="en-US" altLang="ko-KR" sz="1400"/>
-              <a:t> sql="Select * from tab</a:t>
-            </a:r>
-            <a:r>
-              <a:rPr lang="en-US" altLang="ko-KR" sz="1400"/>
-              <a:t>"  </a:t>
+              <a:t> sql="Select * from tab"  </a:t>
             </a:r>
             <a:r>
               <a:rPr lang="en-US" altLang="ko-KR" sz="1400" smtClean="0">
@@ -31400,11 +30816,7 @@
             </a:pPr>
             <a:r>
               <a:rPr lang="en-US" altLang="ko-KR" sz="1400"/>
-              <a:t>rows = </a:t>
-            </a:r>
-            <a:r>
-              <a:rPr lang="en-US" altLang="ko-KR" sz="1400"/>
-              <a:t>cur.execute(sql</a:t>
+              <a:t>rows = cur.execute(sql</a:t>
             </a:r>
             <a:r>
               <a:rPr lang="en-US" altLang="ko-KR" sz="1400" smtClean="0"/>
@@ -31484,20 +30896,15 @@
             <a:endParaRPr lang="en-US" altLang="ko-KR" sz="1600" b="1"/>
           </a:p>
           <a:p>
-            <a:pPr lvl="3">
-              <a:buClr>
-                <a:srgbClr val="3C479D"/>
-              </a:buClr>
-              <a:buFont typeface="Wingdings" panose="05000000000000000000" pitchFamily="2" charset="2"/>
-              <a:buChar char="Ø"/>
+            <a:pPr marL="628650" lvl="3" indent="0">
+              <a:buClr>
+                <a:srgbClr val="3C479D"/>
+              </a:buClr>
+              <a:buNone/>
             </a:pPr>
             <a:r>
               <a:rPr lang="en-US" altLang="ko-KR" sz="1600"/>
-              <a:t>for row in </a:t>
-            </a:r>
-            <a:r>
-              <a:rPr lang="en-US" altLang="ko-KR" sz="1600"/>
-              <a:t>rows</a:t>
+              <a:t>for row in rows</a:t>
             </a:r>
             <a:r>
               <a:rPr lang="en-US" altLang="ko-KR" sz="1600" smtClean="0"/>
@@ -31535,12 +30942,11 @@
             </a:endParaRPr>
           </a:p>
           <a:p>
-            <a:pPr lvl="3">
-              <a:buClr>
-                <a:srgbClr val="3C479D"/>
-              </a:buClr>
-              <a:buFont typeface="Wingdings" panose="05000000000000000000" pitchFamily="2" charset="2"/>
-              <a:buChar char="Ø"/>
+            <a:pPr marL="628650" lvl="3" indent="0">
+              <a:buClr>
+                <a:srgbClr val="3C479D"/>
+              </a:buClr>
+              <a:buNone/>
             </a:pPr>
             <a:r>
               <a:rPr lang="en-US" altLang="ko-KR" sz="1600"/>

--- a/Ch14-Database연동.pptx
+++ b/Ch14-Database연동.pptx
@@ -5,10 +5,10 @@
     <p:sldMasterId id="2147483648" r:id="rId1"/>
   </p:sldMasterIdLst>
   <p:notesMasterIdLst>
-    <p:notesMasterId r:id="rId27"/>
+    <p:notesMasterId r:id="rId26"/>
   </p:notesMasterIdLst>
   <p:handoutMasterIdLst>
-    <p:handoutMasterId r:id="rId28"/>
+    <p:handoutMasterId r:id="rId27"/>
   </p:handoutMasterIdLst>
   <p:sldIdLst>
     <p:sldId id="256" r:id="rId2"/>
@@ -31,11 +31,10 @@
     <p:sldId id="747" r:id="rId19"/>
     <p:sldId id="748" r:id="rId20"/>
     <p:sldId id="749" r:id="rId21"/>
-    <p:sldId id="750" r:id="rId22"/>
-    <p:sldId id="751" r:id="rId23"/>
-    <p:sldId id="752" r:id="rId24"/>
-    <p:sldId id="753" r:id="rId25"/>
-    <p:sldId id="385" r:id="rId26"/>
+    <p:sldId id="751" r:id="rId22"/>
+    <p:sldId id="752" r:id="rId23"/>
+    <p:sldId id="753" r:id="rId24"/>
+    <p:sldId id="385" r:id="rId25"/>
   </p:sldIdLst>
   <p:sldSz cx="9144000" cy="6858000" type="screen4x3"/>
   <p:notesSz cx="6858000" cy="9144000"/>
@@ -280,7 +279,7 @@
             <a:fld id="{36C39FFA-0F1A-413B-9BFE-941741C2D487}" type="datetimeFigureOut">
               <a:rPr lang="ko-KR" altLang="en-US" smtClean="0"/>
               <a:pPr/>
-              <a:t>2023-06-08</a:t>
+              <a:t>2023-06-12</a:t>
             </a:fld>
             <a:endParaRPr lang="ko-KR" altLang="en-US"/>
           </a:p>
@@ -447,7 +446,7 @@
             <a:fld id="{1F54C1B5-EB92-45E6-AFCD-6AAB73579DF8}" type="datetimeFigureOut">
               <a:rPr lang="ko-KR" altLang="en-US" smtClean="0"/>
               <a:pPr/>
-              <a:t>2023-06-08</a:t>
+              <a:t>2023-06-12</a:t>
             </a:fld>
             <a:endParaRPr lang="ko-KR" altLang="en-US"/>
           </a:p>
@@ -4410,7 +4409,7 @@
               <a:pPr>
                 <a:defRPr/>
               </a:pPr>
-              <a:t>2023-06-08</a:t>
+              <a:t>2023-06-12</a:t>
             </a:fld>
             <a:endParaRPr lang="ko-KR" altLang="en-US"/>
           </a:p>
@@ -5635,7 +5634,7 @@
         <p:spPr>
           <a:xfrm>
             <a:off x="1043608" y="1487984"/>
-            <a:ext cx="7200800" cy="5109368"/>
+            <a:ext cx="7416824" cy="5109368"/>
           </a:xfrm>
           <a:prstGeom prst="rect">
             <a:avLst/>
@@ -5707,8 +5706,8 @@
               <a:rPr lang="en-US" altLang="ko-KR" sz="1300" smtClean="0">
                 <a:solidFill>
                   <a:schemeClr val="tx1">
-                    <a:lumMod val="95000"/>
-                    <a:lumOff val="5000"/>
+                    <a:lumMod val="50000"/>
+                    <a:lumOff val="50000"/>
                   </a:schemeClr>
                 </a:solidFill>
                 <a:cs typeface="Arial" panose="020B0604020202020204" pitchFamily="34" charset="0"/>
@@ -5719,14 +5718,79 @@
               <a:rPr lang="ko-KR" altLang="en-US" sz="1300" smtClean="0">
                 <a:solidFill>
                   <a:schemeClr val="tx1">
-                    <a:lumMod val="95000"/>
-                    <a:lumOff val="5000"/>
+                    <a:lumMod val="50000"/>
+                    <a:lumOff val="50000"/>
                   </a:schemeClr>
                 </a:solidFill>
                 <a:cs typeface="Arial" panose="020B0604020202020204" pitchFamily="34" charset="0"/>
               </a:rPr>
               <a:t>연결</a:t>
             </a:r>
+            <a:endParaRPr lang="en-US" altLang="ko-KR" sz="1300" smtClean="0">
+              <a:solidFill>
+                <a:schemeClr val="tx1">
+                  <a:lumMod val="50000"/>
+                  <a:lumOff val="50000"/>
+                </a:schemeClr>
+              </a:solidFill>
+              <a:cs typeface="Arial" panose="020B0604020202020204" pitchFamily="34" charset="0"/>
+            </a:endParaRPr>
+          </a:p>
+          <a:p>
+            <a:pPr>
+              <a:lnSpc>
+                <a:spcPct val="150000"/>
+              </a:lnSpc>
+              <a:buClr>
+                <a:srgbClr val="3C479D"/>
+              </a:buClr>
+            </a:pPr>
+            <a:r>
+              <a:rPr lang="en-US" altLang="ko-KR" sz="1300" smtClean="0">
+                <a:solidFill>
+                  <a:srgbClr val="C00000"/>
+                </a:solidFill>
+                <a:cs typeface="Arial" panose="020B0604020202020204" pitchFamily="34" charset="0"/>
+              </a:rPr>
+              <a:t>con</a:t>
+            </a:r>
+            <a:r>
+              <a:rPr lang="en-US" altLang="ko-KR" sz="1300" smtClean="0">
+                <a:solidFill>
+                  <a:srgbClr val="0000FF"/>
+                </a:solidFill>
+                <a:cs typeface="Arial" panose="020B0604020202020204" pitchFamily="34" charset="0"/>
+              </a:rPr>
+              <a:t> </a:t>
+            </a:r>
+            <a:r>
+              <a:rPr lang="en-US" altLang="ko-KR" sz="1300">
+                <a:solidFill>
+                  <a:srgbClr val="0000FF"/>
+                </a:solidFill>
+                <a:cs typeface="Arial" panose="020B0604020202020204" pitchFamily="34" charset="0"/>
+              </a:rPr>
+              <a:t>= cx_Oracle.connect("scott", "tiger", "</a:t>
+            </a:r>
+            <a:r>
+              <a:rPr lang="en-US" altLang="ko-KR" sz="1300" smtClean="0">
+                <a:solidFill>
+                  <a:srgbClr val="0000FF"/>
+                </a:solidFill>
+                <a:cs typeface="Arial" panose="020B0604020202020204" pitchFamily="34" charset="0"/>
+              </a:rPr>
+              <a:t>192.168.142.72:1521/xe")</a:t>
+            </a:r>
+          </a:p>
+          <a:p>
+            <a:pPr>
+              <a:lnSpc>
+                <a:spcPct val="150000"/>
+              </a:lnSpc>
+              <a:buClr>
+                <a:srgbClr val="3C479D"/>
+              </a:buClr>
+            </a:pPr>
             <a:endParaRPr lang="en-US" altLang="ko-KR" sz="1300" smtClean="0">
               <a:solidFill>
                 <a:schemeClr val="tx1">
@@ -5749,42 +5813,33 @@
             <a:r>
               <a:rPr lang="en-US" altLang="ko-KR" sz="1300" smtClean="0">
                 <a:solidFill>
-                  <a:srgbClr val="C00000"/>
-                </a:solidFill>
-                <a:cs typeface="Arial" panose="020B0604020202020204" pitchFamily="34" charset="0"/>
-              </a:rPr>
-              <a:t>con</a:t>
-            </a:r>
-            <a:r>
-              <a:rPr lang="en-US" altLang="ko-KR" sz="1300" smtClean="0">
-                <a:solidFill>
-                  <a:srgbClr val="0000FF"/>
-                </a:solidFill>
-                <a:cs typeface="Arial" panose="020B0604020202020204" pitchFamily="34" charset="0"/>
-              </a:rPr>
-              <a:t> </a:t>
-            </a:r>
-            <a:r>
-              <a:rPr lang="en-US" altLang="ko-KR" sz="1300">
-                <a:solidFill>
-                  <a:srgbClr val="0000FF"/>
-                </a:solidFill>
-                <a:cs typeface="Arial" panose="020B0604020202020204" pitchFamily="34" charset="0"/>
-              </a:rPr>
-              <a:t>= cx_Oracle.connect("scott", "tiger", "</a:t>
-            </a:r>
-            <a:r>
-              <a:rPr lang="en-US" altLang="ko-KR" sz="1300" smtClean="0">
-                <a:solidFill>
-                  <a:srgbClr val="0000FF"/>
-                </a:solidFill>
-                <a:cs typeface="Arial" panose="020B0604020202020204" pitchFamily="34" charset="0"/>
-              </a:rPr>
-              <a:t>192.168.142.72:1521/xe")</a:t>
-            </a:r>
-            <a:endParaRPr lang="en-US" altLang="ko-KR" sz="1300" smtClean="0">
+                  <a:schemeClr val="tx1">
+                    <a:lumMod val="50000"/>
+                    <a:lumOff val="50000"/>
+                  </a:schemeClr>
+                </a:solidFill>
+                <a:cs typeface="Arial" panose="020B0604020202020204" pitchFamily="34" charset="0"/>
+              </a:rPr>
+              <a:t>#Query </a:t>
+            </a:r>
+            <a:r>
+              <a:rPr lang="ko-KR" altLang="en-US" sz="1300" smtClean="0">
+                <a:solidFill>
+                  <a:schemeClr val="tx1">
+                    <a:lumMod val="50000"/>
+                    <a:lumOff val="50000"/>
+                  </a:schemeClr>
+                </a:solidFill>
+                <a:cs typeface="Arial" panose="020B0604020202020204" pitchFamily="34" charset="0"/>
+              </a:rPr>
+              <a:t>실행</a:t>
+            </a:r>
+            <a:endParaRPr lang="en-US" altLang="ko-KR" sz="1300">
               <a:solidFill>
-                <a:srgbClr val="0000FF"/>
+                <a:schemeClr val="tx1">
+                  <a:lumMod val="50000"/>
+                  <a:lumOff val="50000"/>
+                </a:schemeClr>
               </a:solidFill>
               <a:cs typeface="Arial" panose="020B0604020202020204" pitchFamily="34" charset="0"/>
             </a:endParaRPr>
@@ -5798,15 +5853,51 @@
                 <a:srgbClr val="3C479D"/>
               </a:buClr>
             </a:pPr>
-            <a:endParaRPr lang="en-US" altLang="ko-KR" sz="1300" smtClean="0">
-              <a:solidFill>
-                <a:schemeClr val="tx1">
-                  <a:lumMod val="95000"/>
-                  <a:lumOff val="5000"/>
-                </a:schemeClr>
-              </a:solidFill>
-              <a:cs typeface="Arial" panose="020B0604020202020204" pitchFamily="34" charset="0"/>
-            </a:endParaRPr>
+            <a:r>
+              <a:rPr lang="en-US" altLang="ko-KR" sz="1300">
+                <a:solidFill>
+                  <a:srgbClr val="0000FF"/>
+                </a:solidFill>
+                <a:cs typeface="Arial" panose="020B0604020202020204" pitchFamily="34" charset="0"/>
+              </a:rPr>
+              <a:t>sql="Select * from tab"  </a:t>
+            </a:r>
+            <a:r>
+              <a:rPr lang="en-US" altLang="ko-KR" sz="1300" smtClean="0">
+                <a:solidFill>
+                  <a:schemeClr val="tx1">
+                    <a:lumMod val="50000"/>
+                    <a:lumOff val="50000"/>
+                  </a:schemeClr>
+                </a:solidFill>
+                <a:cs typeface="Arial" panose="020B0604020202020204" pitchFamily="34" charset="0"/>
+              </a:rPr>
+              <a:t>#</a:t>
+            </a:r>
+            <a:r>
+              <a:rPr lang="ko-KR" altLang="en-US" sz="1300" smtClean="0">
+                <a:solidFill>
+                  <a:schemeClr val="tx1">
+                    <a:lumMod val="50000"/>
+                    <a:lumOff val="50000"/>
+                  </a:schemeClr>
+                </a:solidFill>
+                <a:cs typeface="Arial" panose="020B0604020202020204" pitchFamily="34" charset="0"/>
+              </a:rPr>
+              <a:t>존재 테이블 </a:t>
+            </a:r>
+            <a:r>
+              <a:rPr lang="ko-KR" altLang="en-US" sz="1300">
+                <a:solidFill>
+                  <a:schemeClr val="tx1">
+                    <a:lumMod val="50000"/>
+                    <a:lumOff val="50000"/>
+                  </a:schemeClr>
+                </a:solidFill>
+                <a:cs typeface="Arial" panose="020B0604020202020204" pitchFamily="34" charset="0"/>
+              </a:rPr>
+              <a:t>검색</a:t>
+            </a:r>
           </a:p>
           <a:p>
             <a:pPr>
@@ -5818,29 +5909,234 @@
               </a:buClr>
             </a:pPr>
             <a:r>
+              <a:rPr lang="en-US" altLang="ko-KR" sz="1300">
+                <a:solidFill>
+                  <a:schemeClr val="tx1">
+                    <a:lumMod val="50000"/>
+                    <a:lumOff val="50000"/>
+                  </a:schemeClr>
+                </a:solidFill>
+                <a:cs typeface="Arial" panose="020B0604020202020204" pitchFamily="34" charset="0"/>
+              </a:rPr>
+              <a:t>#sql="Select * from dept"  #DEPT </a:t>
+            </a:r>
+            <a:r>
+              <a:rPr lang="ko-KR" altLang="en-US" sz="1300">
+                <a:solidFill>
+                  <a:schemeClr val="tx1">
+                    <a:lumMod val="50000"/>
+                    <a:lumOff val="50000"/>
+                  </a:schemeClr>
+                </a:solidFill>
+                <a:cs typeface="Arial" panose="020B0604020202020204" pitchFamily="34" charset="0"/>
+              </a:rPr>
+              <a:t>테이블 검색</a:t>
+            </a:r>
+          </a:p>
+          <a:p>
+            <a:pPr>
+              <a:lnSpc>
+                <a:spcPct val="150000"/>
+              </a:lnSpc>
+              <a:buClr>
+                <a:srgbClr val="3C479D"/>
+              </a:buClr>
+            </a:pPr>
+            <a:r>
+              <a:rPr lang="en-US" altLang="ko-KR" sz="1300">
+                <a:solidFill>
+                  <a:schemeClr val="tx1">
+                    <a:lumMod val="50000"/>
+                    <a:lumOff val="50000"/>
+                  </a:schemeClr>
+                </a:solidFill>
+                <a:cs typeface="Arial" panose="020B0604020202020204" pitchFamily="34" charset="0"/>
+              </a:rPr>
+              <a:t>#sql = "select column_name, data_type, data_length from USER_TAB_COLUMNS where table_name = </a:t>
+            </a:r>
+            <a:r>
               <a:rPr lang="en-US" altLang="ko-KR" sz="1300" smtClean="0">
                 <a:solidFill>
                   <a:schemeClr val="tx1">
-                    <a:lumMod val="95000"/>
-                    <a:lumOff val="5000"/>
-                  </a:schemeClr>
-                </a:solidFill>
-                <a:cs typeface="Arial" panose="020B0604020202020204" pitchFamily="34" charset="0"/>
-              </a:rPr>
-              <a:t>#Query </a:t>
+                    <a:lumMod val="50000"/>
+                    <a:lumOff val="50000"/>
+                  </a:schemeClr>
+                </a:solidFill>
+                <a:cs typeface="Arial" panose="020B0604020202020204" pitchFamily="34" charset="0"/>
+              </a:rPr>
+              <a:t>'DEPT'"  </a:t>
+            </a:r>
+            <a:r>
+              <a:rPr lang="en-US" altLang="ko-KR" sz="1300">
+                <a:solidFill>
+                  <a:schemeClr val="tx1">
+                    <a:lumMod val="50000"/>
+                    <a:lumOff val="50000"/>
+                  </a:schemeClr>
+                </a:solidFill>
+                <a:cs typeface="Arial" panose="020B0604020202020204" pitchFamily="34" charset="0"/>
+              </a:rPr>
+              <a:t>#</a:t>
+            </a:r>
+            <a:r>
+              <a:rPr lang="ko-KR" altLang="en-US" sz="1300">
+                <a:solidFill>
+                  <a:schemeClr val="tx1">
+                    <a:lumMod val="50000"/>
+                    <a:lumOff val="50000"/>
+                  </a:schemeClr>
+                </a:solidFill>
+                <a:cs typeface="Arial" panose="020B0604020202020204" pitchFamily="34" charset="0"/>
+              </a:rPr>
+              <a:t>테이블의 </a:t>
             </a:r>
             <a:r>
               <a:rPr lang="ko-KR" altLang="en-US" sz="1300" smtClean="0">
                 <a:solidFill>
                   <a:schemeClr val="tx1">
-                    <a:lumMod val="95000"/>
-                    <a:lumOff val="5000"/>
-                  </a:schemeClr>
-                </a:solidFill>
-                <a:cs typeface="Arial" panose="020B0604020202020204" pitchFamily="34" charset="0"/>
-              </a:rPr>
-              <a:t>실행</a:t>
-            </a:r>
+                    <a:lumMod val="50000"/>
+                    <a:lumOff val="50000"/>
+                  </a:schemeClr>
+                </a:solidFill>
+                <a:cs typeface="Arial" panose="020B0604020202020204" pitchFamily="34" charset="0"/>
+              </a:rPr>
+              <a:t>컬럼 구조 </a:t>
+            </a:r>
+            <a:r>
+              <a:rPr lang="ko-KR" altLang="en-US" sz="1300">
+                <a:solidFill>
+                  <a:schemeClr val="tx1">
+                    <a:lumMod val="50000"/>
+                    <a:lumOff val="50000"/>
+                  </a:schemeClr>
+                </a:solidFill>
+                <a:cs typeface="Arial" panose="020B0604020202020204" pitchFamily="34" charset="0"/>
+              </a:rPr>
+              <a:t>검색</a:t>
+            </a:r>
+          </a:p>
+          <a:p>
+            <a:pPr>
+              <a:lnSpc>
+                <a:spcPct val="150000"/>
+              </a:lnSpc>
+              <a:buClr>
+                <a:srgbClr val="3C479D"/>
+              </a:buClr>
+            </a:pPr>
+            <a:r>
+              <a:rPr lang="en-US" altLang="ko-KR" sz="1300">
+                <a:solidFill>
+                  <a:srgbClr val="0000FF"/>
+                </a:solidFill>
+                <a:cs typeface="Arial" panose="020B0604020202020204" pitchFamily="34" charset="0"/>
+              </a:rPr>
+              <a:t>cur </a:t>
+            </a:r>
+            <a:r>
+              <a:rPr lang="en-US" altLang="ko-KR" sz="1300">
+                <a:solidFill>
+                  <a:srgbClr val="C00000"/>
+                </a:solidFill>
+                <a:cs typeface="Arial" panose="020B0604020202020204" pitchFamily="34" charset="0"/>
+              </a:rPr>
+              <a:t>= con</a:t>
+            </a:r>
+            <a:r>
+              <a:rPr lang="en-US" altLang="ko-KR" sz="1300">
+                <a:solidFill>
+                  <a:srgbClr val="0000FF"/>
+                </a:solidFill>
+                <a:cs typeface="Arial" panose="020B0604020202020204" pitchFamily="34" charset="0"/>
+              </a:rPr>
+              <a:t>.cursor()  </a:t>
+            </a:r>
+            <a:r>
+              <a:rPr lang="en-US" altLang="ko-KR" sz="1300">
+                <a:solidFill>
+                  <a:schemeClr val="tx1">
+                    <a:lumMod val="50000"/>
+                    <a:lumOff val="50000"/>
+                  </a:schemeClr>
+                </a:solidFill>
+                <a:cs typeface="Arial" panose="020B0604020202020204" pitchFamily="34" charset="0"/>
+              </a:rPr>
+              <a:t>#</a:t>
+            </a:r>
+            <a:r>
+              <a:rPr lang="ko-KR" altLang="en-US" sz="1300">
+                <a:solidFill>
+                  <a:schemeClr val="tx1">
+                    <a:lumMod val="50000"/>
+                    <a:lumOff val="50000"/>
+                  </a:schemeClr>
+                </a:solidFill>
+                <a:cs typeface="Arial" panose="020B0604020202020204" pitchFamily="34" charset="0"/>
+              </a:rPr>
+              <a:t>커서 생성</a:t>
+            </a:r>
+            <a:r>
+              <a:rPr lang="en-US" altLang="ko-KR" sz="1300">
+                <a:solidFill>
+                  <a:schemeClr val="tx1">
+                    <a:lumMod val="50000"/>
+                    <a:lumOff val="50000"/>
+                  </a:schemeClr>
+                </a:solidFill>
+                <a:cs typeface="Arial" panose="020B0604020202020204" pitchFamily="34" charset="0"/>
+              </a:rPr>
+              <a:t>: </a:t>
+            </a:r>
+            <a:r>
+              <a:rPr lang="ko-KR" altLang="en-US" sz="1300">
+                <a:solidFill>
+                  <a:schemeClr val="tx1">
+                    <a:lumMod val="50000"/>
+                    <a:lumOff val="50000"/>
+                  </a:schemeClr>
+                </a:solidFill>
+                <a:cs typeface="Arial" panose="020B0604020202020204" pitchFamily="34" charset="0"/>
+              </a:rPr>
+              <a:t>여러 행에 순차적으로 접근하기 위한 지시자</a:t>
+            </a:r>
+          </a:p>
+          <a:p>
+            <a:pPr>
+              <a:lnSpc>
+                <a:spcPct val="150000"/>
+              </a:lnSpc>
+              <a:buClr>
+                <a:srgbClr val="3C479D"/>
+              </a:buClr>
+            </a:pPr>
+            <a:r>
+              <a:rPr lang="en-US" altLang="ko-KR" sz="1300">
+                <a:solidFill>
+                  <a:srgbClr val="0000FF"/>
+                </a:solidFill>
+                <a:cs typeface="Arial" panose="020B0604020202020204" pitchFamily="34" charset="0"/>
+              </a:rPr>
+              <a:t>rows = cur.execute(sql</a:t>
+            </a:r>
+            <a:r>
+              <a:rPr lang="en-US" altLang="ko-KR" sz="1300" smtClean="0">
+                <a:solidFill>
+                  <a:srgbClr val="0000FF"/>
+                </a:solidFill>
+                <a:cs typeface="Arial" panose="020B0604020202020204" pitchFamily="34" charset="0"/>
+              </a:rPr>
+              <a:t>)</a:t>
+            </a:r>
+          </a:p>
+          <a:p>
+            <a:pPr>
+              <a:lnSpc>
+                <a:spcPct val="150000"/>
+              </a:lnSpc>
+              <a:buClr>
+                <a:srgbClr val="3C479D"/>
+              </a:buClr>
+            </a:pPr>
             <a:endParaRPr lang="en-US" altLang="ko-KR" sz="1300">
               <a:solidFill>
                 <a:schemeClr val="tx1">
@@ -5861,15 +6157,6 @@
               </a:buClr>
             </a:pPr>
             <a:r>
-              <a:rPr lang="en-US" altLang="ko-KR" sz="1300">
-                <a:solidFill>
-                  <a:srgbClr val="0000FF"/>
-                </a:solidFill>
-                <a:cs typeface="Arial" panose="020B0604020202020204" pitchFamily="34" charset="0"/>
-              </a:rPr>
-              <a:t>sql="Select * from tab"  </a:t>
-            </a:r>
-            <a:r>
               <a:rPr lang="en-US" altLang="ko-KR" sz="1300" smtClean="0">
                 <a:solidFill>
                   <a:schemeClr val="tx1">
@@ -5887,300 +6174,6 @@
                   <a:schemeClr val="tx1">
                     <a:lumMod val="50000"/>
                     <a:lumOff val="50000"/>
-                  </a:schemeClr>
-                </a:solidFill>
-                <a:cs typeface="Arial" panose="020B0604020202020204" pitchFamily="34" charset="0"/>
-              </a:rPr>
-              <a:t>존재 테이블 </a:t>
-            </a:r>
-            <a:r>
-              <a:rPr lang="ko-KR" altLang="en-US" sz="1300">
-                <a:solidFill>
-                  <a:schemeClr val="tx1">
-                    <a:lumMod val="50000"/>
-                    <a:lumOff val="50000"/>
-                  </a:schemeClr>
-                </a:solidFill>
-                <a:cs typeface="Arial" panose="020B0604020202020204" pitchFamily="34" charset="0"/>
-              </a:rPr>
-              <a:t>검색</a:t>
-            </a:r>
-          </a:p>
-          <a:p>
-            <a:pPr>
-              <a:lnSpc>
-                <a:spcPct val="150000"/>
-              </a:lnSpc>
-              <a:buClr>
-                <a:srgbClr val="3C479D"/>
-              </a:buClr>
-            </a:pPr>
-            <a:r>
-              <a:rPr lang="en-US" altLang="ko-KR" sz="1300">
-                <a:solidFill>
-                  <a:schemeClr val="tx1">
-                    <a:lumMod val="50000"/>
-                    <a:lumOff val="50000"/>
-                  </a:schemeClr>
-                </a:solidFill>
-                <a:cs typeface="Arial" panose="020B0604020202020204" pitchFamily="34" charset="0"/>
-              </a:rPr>
-              <a:t>#sql="Select * from dept"  #DEPT </a:t>
-            </a:r>
-            <a:r>
-              <a:rPr lang="ko-KR" altLang="en-US" sz="1300">
-                <a:solidFill>
-                  <a:schemeClr val="tx1">
-                    <a:lumMod val="50000"/>
-                    <a:lumOff val="50000"/>
-                  </a:schemeClr>
-                </a:solidFill>
-                <a:cs typeface="Arial" panose="020B0604020202020204" pitchFamily="34" charset="0"/>
-              </a:rPr>
-              <a:t>테이블 검색</a:t>
-            </a:r>
-          </a:p>
-          <a:p>
-            <a:pPr>
-              <a:lnSpc>
-                <a:spcPct val="150000"/>
-              </a:lnSpc>
-              <a:buClr>
-                <a:srgbClr val="3C479D"/>
-              </a:buClr>
-            </a:pPr>
-            <a:r>
-              <a:rPr lang="en-US" altLang="ko-KR" sz="1300">
-                <a:solidFill>
-                  <a:schemeClr val="tx1">
-                    <a:lumMod val="50000"/>
-                    <a:lumOff val="50000"/>
-                  </a:schemeClr>
-                </a:solidFill>
-                <a:cs typeface="Arial" panose="020B0604020202020204" pitchFamily="34" charset="0"/>
-              </a:rPr>
-              <a:t>#sql = "select column_name, data_type, data_length from USER_TAB_COLUMNS where table_name = </a:t>
-            </a:r>
-            <a:r>
-              <a:rPr lang="en-US" altLang="ko-KR" sz="1300" smtClean="0">
-                <a:solidFill>
-                  <a:schemeClr val="tx1">
-                    <a:lumMod val="50000"/>
-                    <a:lumOff val="50000"/>
-                  </a:schemeClr>
-                </a:solidFill>
-                <a:cs typeface="Arial" panose="020B0604020202020204" pitchFamily="34" charset="0"/>
-              </a:rPr>
-              <a:t>'DEPT'"  </a:t>
-            </a:r>
-            <a:r>
-              <a:rPr lang="en-US" altLang="ko-KR" sz="1300">
-                <a:solidFill>
-                  <a:schemeClr val="tx1">
-                    <a:lumMod val="50000"/>
-                    <a:lumOff val="50000"/>
-                  </a:schemeClr>
-                </a:solidFill>
-                <a:cs typeface="Arial" panose="020B0604020202020204" pitchFamily="34" charset="0"/>
-              </a:rPr>
-              <a:t>#</a:t>
-            </a:r>
-            <a:r>
-              <a:rPr lang="ko-KR" altLang="en-US" sz="1300">
-                <a:solidFill>
-                  <a:schemeClr val="tx1">
-                    <a:lumMod val="50000"/>
-                    <a:lumOff val="50000"/>
-                  </a:schemeClr>
-                </a:solidFill>
-                <a:cs typeface="Arial" panose="020B0604020202020204" pitchFamily="34" charset="0"/>
-              </a:rPr>
-              <a:t>테이블의 </a:t>
-            </a:r>
-            <a:r>
-              <a:rPr lang="ko-KR" altLang="en-US" sz="1300" smtClean="0">
-                <a:solidFill>
-                  <a:schemeClr val="tx1">
-                    <a:lumMod val="50000"/>
-                    <a:lumOff val="50000"/>
-                  </a:schemeClr>
-                </a:solidFill>
-                <a:cs typeface="Arial" panose="020B0604020202020204" pitchFamily="34" charset="0"/>
-              </a:rPr>
-              <a:t>컬럼 구조 </a:t>
-            </a:r>
-            <a:r>
-              <a:rPr lang="ko-KR" altLang="en-US" sz="1300">
-                <a:solidFill>
-                  <a:schemeClr val="tx1">
-                    <a:lumMod val="50000"/>
-                    <a:lumOff val="50000"/>
-                  </a:schemeClr>
-                </a:solidFill>
-                <a:cs typeface="Arial" panose="020B0604020202020204" pitchFamily="34" charset="0"/>
-              </a:rPr>
-              <a:t>검색</a:t>
-            </a:r>
-          </a:p>
-          <a:p>
-            <a:pPr>
-              <a:lnSpc>
-                <a:spcPct val="150000"/>
-              </a:lnSpc>
-              <a:buClr>
-                <a:srgbClr val="3C479D"/>
-              </a:buClr>
-            </a:pPr>
-            <a:r>
-              <a:rPr lang="en-US" altLang="ko-KR" sz="1300">
-                <a:solidFill>
-                  <a:srgbClr val="0000FF"/>
-                </a:solidFill>
-                <a:cs typeface="Arial" panose="020B0604020202020204" pitchFamily="34" charset="0"/>
-              </a:rPr>
-              <a:t>cur </a:t>
-            </a:r>
-            <a:r>
-              <a:rPr lang="en-US" altLang="ko-KR" sz="1300">
-                <a:solidFill>
-                  <a:srgbClr val="C00000"/>
-                </a:solidFill>
-                <a:cs typeface="Arial" panose="020B0604020202020204" pitchFamily="34" charset="0"/>
-              </a:rPr>
-              <a:t>= con</a:t>
-            </a:r>
-            <a:r>
-              <a:rPr lang="en-US" altLang="ko-KR" sz="1300">
-                <a:solidFill>
-                  <a:srgbClr val="0000FF"/>
-                </a:solidFill>
-                <a:cs typeface="Arial" panose="020B0604020202020204" pitchFamily="34" charset="0"/>
-              </a:rPr>
-              <a:t>.cursor()  </a:t>
-            </a:r>
-            <a:r>
-              <a:rPr lang="en-US" altLang="ko-KR" sz="1300">
-                <a:solidFill>
-                  <a:schemeClr val="tx1">
-                    <a:lumMod val="50000"/>
-                    <a:lumOff val="50000"/>
-                  </a:schemeClr>
-                </a:solidFill>
-                <a:cs typeface="Arial" panose="020B0604020202020204" pitchFamily="34" charset="0"/>
-              </a:rPr>
-              <a:t>#</a:t>
-            </a:r>
-            <a:r>
-              <a:rPr lang="ko-KR" altLang="en-US" sz="1300">
-                <a:solidFill>
-                  <a:schemeClr val="tx1">
-                    <a:lumMod val="50000"/>
-                    <a:lumOff val="50000"/>
-                  </a:schemeClr>
-                </a:solidFill>
-                <a:cs typeface="Arial" panose="020B0604020202020204" pitchFamily="34" charset="0"/>
-              </a:rPr>
-              <a:t>커서 생성</a:t>
-            </a:r>
-            <a:r>
-              <a:rPr lang="en-US" altLang="ko-KR" sz="1300">
-                <a:solidFill>
-                  <a:schemeClr val="tx1">
-                    <a:lumMod val="50000"/>
-                    <a:lumOff val="50000"/>
-                  </a:schemeClr>
-                </a:solidFill>
-                <a:cs typeface="Arial" panose="020B0604020202020204" pitchFamily="34" charset="0"/>
-              </a:rPr>
-              <a:t>: </a:t>
-            </a:r>
-            <a:r>
-              <a:rPr lang="ko-KR" altLang="en-US" sz="1300">
-                <a:solidFill>
-                  <a:schemeClr val="tx1">
-                    <a:lumMod val="50000"/>
-                    <a:lumOff val="50000"/>
-                  </a:schemeClr>
-                </a:solidFill>
-                <a:cs typeface="Arial" panose="020B0604020202020204" pitchFamily="34" charset="0"/>
-              </a:rPr>
-              <a:t>여러 행에 순차적으로 접근하기 위한 지시자</a:t>
-            </a:r>
-          </a:p>
-          <a:p>
-            <a:pPr>
-              <a:lnSpc>
-                <a:spcPct val="150000"/>
-              </a:lnSpc>
-              <a:buClr>
-                <a:srgbClr val="3C479D"/>
-              </a:buClr>
-            </a:pPr>
-            <a:r>
-              <a:rPr lang="en-US" altLang="ko-KR" sz="1300">
-                <a:solidFill>
-                  <a:srgbClr val="0000FF"/>
-                </a:solidFill>
-                <a:cs typeface="Arial" panose="020B0604020202020204" pitchFamily="34" charset="0"/>
-              </a:rPr>
-              <a:t>rows = cur.execute(sql</a:t>
-            </a:r>
-            <a:r>
-              <a:rPr lang="en-US" altLang="ko-KR" sz="1300" smtClean="0">
-                <a:solidFill>
-                  <a:srgbClr val="0000FF"/>
-                </a:solidFill>
-                <a:cs typeface="Arial" panose="020B0604020202020204" pitchFamily="34" charset="0"/>
-              </a:rPr>
-              <a:t>)</a:t>
-            </a:r>
-          </a:p>
-          <a:p>
-            <a:pPr>
-              <a:lnSpc>
-                <a:spcPct val="150000"/>
-              </a:lnSpc>
-              <a:buClr>
-                <a:srgbClr val="3C479D"/>
-              </a:buClr>
-            </a:pPr>
-            <a:endParaRPr lang="en-US" altLang="ko-KR" sz="1300">
-              <a:solidFill>
-                <a:schemeClr val="tx1">
-                  <a:lumMod val="95000"/>
-                  <a:lumOff val="5000"/>
-                </a:schemeClr>
-              </a:solidFill>
-              <a:cs typeface="Arial" panose="020B0604020202020204" pitchFamily="34" charset="0"/>
-            </a:endParaRPr>
-          </a:p>
-          <a:p>
-            <a:pPr>
-              <a:lnSpc>
-                <a:spcPct val="150000"/>
-              </a:lnSpc>
-              <a:buClr>
-                <a:srgbClr val="3C479D"/>
-              </a:buClr>
-            </a:pPr>
-            <a:r>
-              <a:rPr lang="en-US" altLang="ko-KR" sz="1300" smtClean="0">
-                <a:solidFill>
-                  <a:schemeClr val="tx1">
-                    <a:lumMod val="95000"/>
-                    <a:lumOff val="5000"/>
-                  </a:schemeClr>
-                </a:solidFill>
-                <a:cs typeface="Arial" panose="020B0604020202020204" pitchFamily="34" charset="0"/>
-              </a:rPr>
-              <a:t>#</a:t>
-            </a:r>
-            <a:r>
-              <a:rPr lang="ko-KR" altLang="en-US" sz="1300" smtClean="0">
-                <a:solidFill>
-                  <a:schemeClr val="tx1">
-                    <a:lumMod val="95000"/>
-                    <a:lumOff val="5000"/>
                   </a:schemeClr>
                 </a:solidFill>
                 <a:cs typeface="Arial" panose="020B0604020202020204" pitchFamily="34" charset="0"/>
@@ -6190,8 +6183,8 @@
             <a:endParaRPr lang="en-US" altLang="ko-KR" sz="1300" smtClean="0">
               <a:solidFill>
                 <a:schemeClr val="tx1">
-                  <a:lumMod val="95000"/>
-                  <a:lumOff val="5000"/>
+                  <a:lumMod val="50000"/>
+                  <a:lumOff val="50000"/>
                 </a:schemeClr>
               </a:solidFill>
               <a:cs typeface="Arial" panose="020B0604020202020204" pitchFamily="34" charset="0"/>
@@ -7083,8 +7076,8 @@
               <a:rPr lang="en-US" altLang="ko-KR" sz="1400" smtClean="0">
                 <a:solidFill>
                   <a:schemeClr val="tx1">
-                    <a:lumMod val="95000"/>
-                    <a:lumOff val="5000"/>
+                    <a:lumMod val="50000"/>
+                    <a:lumOff val="50000"/>
                   </a:schemeClr>
                 </a:solidFill>
                 <a:cs typeface="Arial" panose="020B0604020202020204" pitchFamily="34" charset="0"/>
@@ -7095,14 +7088,73 @@
               <a:rPr lang="ko-KR" altLang="en-US" sz="1400" smtClean="0">
                 <a:solidFill>
                   <a:schemeClr val="tx1">
-                    <a:lumMod val="95000"/>
-                    <a:lumOff val="5000"/>
+                    <a:lumMod val="50000"/>
+                    <a:lumOff val="50000"/>
                   </a:schemeClr>
                 </a:solidFill>
                 <a:cs typeface="Arial" panose="020B0604020202020204" pitchFamily="34" charset="0"/>
               </a:rPr>
               <a:t>연결</a:t>
             </a:r>
+            <a:endParaRPr lang="en-US" altLang="ko-KR" sz="1400" smtClean="0">
+              <a:solidFill>
+                <a:schemeClr val="tx1">
+                  <a:lumMod val="50000"/>
+                  <a:lumOff val="50000"/>
+                </a:schemeClr>
+              </a:solidFill>
+              <a:cs typeface="Arial" panose="020B0604020202020204" pitchFamily="34" charset="0"/>
+            </a:endParaRPr>
+          </a:p>
+          <a:p>
+            <a:pPr>
+              <a:buClr>
+                <a:srgbClr val="3C479D"/>
+              </a:buClr>
+            </a:pPr>
+            <a:r>
+              <a:rPr lang="en-US" altLang="ko-KR" sz="1400" smtClean="0">
+                <a:solidFill>
+                  <a:schemeClr val="tx1">
+                    <a:lumMod val="95000"/>
+                    <a:lumOff val="5000"/>
+                  </a:schemeClr>
+                </a:solidFill>
+                <a:cs typeface="Arial" panose="020B0604020202020204" pitchFamily="34" charset="0"/>
+              </a:rPr>
+              <a:t>con </a:t>
+            </a:r>
+            <a:r>
+              <a:rPr lang="en-US" altLang="ko-KR" sz="1400">
+                <a:solidFill>
+                  <a:schemeClr val="tx1">
+                    <a:lumMod val="95000"/>
+                    <a:lumOff val="5000"/>
+                  </a:schemeClr>
+                </a:solidFill>
+                <a:cs typeface="Arial" panose="020B0604020202020204" pitchFamily="34" charset="0"/>
+              </a:rPr>
+              <a:t>= cx_Oracle.connect("scott", "tiger", "</a:t>
+            </a:r>
+            <a:r>
+              <a:rPr lang="en-US" altLang="ko-KR" sz="1400" smtClean="0">
+                <a:solidFill>
+                  <a:schemeClr val="tx1">
+                    <a:lumMod val="95000"/>
+                    <a:lumOff val="5000"/>
+                  </a:schemeClr>
+                </a:solidFill>
+                <a:cs typeface="Arial" panose="020B0604020202020204" pitchFamily="34" charset="0"/>
+              </a:rPr>
+              <a:t>192.168.142.72:1521/xe")</a:t>
+            </a:r>
+          </a:p>
+          <a:p>
+            <a:pPr>
+              <a:buClr>
+                <a:srgbClr val="3C479D"/>
+              </a:buClr>
+            </a:pPr>
             <a:endParaRPr lang="en-US" altLang="ko-KR" sz="1400" smtClean="0">
               <a:solidFill>
                 <a:schemeClr val="tx1">
@@ -7120,6 +7172,249 @@
               </a:buClr>
             </a:pPr>
             <a:r>
+              <a:rPr lang="en-US" altLang="ko-KR" sz="1600" smtClean="0">
+                <a:solidFill>
+                  <a:srgbClr val="C00000"/>
+                </a:solidFill>
+                <a:cs typeface="Arial" panose="020B0604020202020204" pitchFamily="34" charset="0"/>
+              </a:rPr>
+              <a:t>def </a:t>
+            </a:r>
+            <a:r>
+              <a:rPr lang="en-US" altLang="ko-KR" sz="1600">
+                <a:solidFill>
+                  <a:srgbClr val="C00000"/>
+                </a:solidFill>
+                <a:cs typeface="Arial" panose="020B0604020202020204" pitchFamily="34" charset="0"/>
+              </a:rPr>
+              <a:t>sel_query(con, </a:t>
+            </a:r>
+            <a:r>
+              <a:rPr lang="en-US" altLang="ko-KR" sz="1600" smtClean="0">
+                <a:solidFill>
+                  <a:srgbClr val="C00000"/>
+                </a:solidFill>
+                <a:cs typeface="Arial" panose="020B0604020202020204" pitchFamily="34" charset="0"/>
+              </a:rPr>
+              <a:t>sql=None):</a:t>
+            </a:r>
+            <a:endParaRPr lang="en-US" altLang="ko-KR" sz="1600">
+              <a:solidFill>
+                <a:srgbClr val="C00000"/>
+              </a:solidFill>
+              <a:cs typeface="Arial" panose="020B0604020202020204" pitchFamily="34" charset="0"/>
+            </a:endParaRPr>
+          </a:p>
+          <a:p>
+            <a:pPr>
+              <a:buClr>
+                <a:srgbClr val="3C479D"/>
+              </a:buClr>
+            </a:pPr>
+            <a:r>
+              <a:rPr lang="en-US" altLang="ko-KR" sz="1400">
+                <a:solidFill>
+                  <a:schemeClr val="tx1">
+                    <a:lumMod val="95000"/>
+                    <a:lumOff val="5000"/>
+                  </a:schemeClr>
+                </a:solidFill>
+                <a:cs typeface="Arial" panose="020B0604020202020204" pitchFamily="34" charset="0"/>
+              </a:rPr>
+              <a:t>    cur = con.cursor()  </a:t>
+            </a:r>
+            <a:r>
+              <a:rPr lang="en-US" altLang="ko-KR" sz="1400">
+                <a:solidFill>
+                  <a:schemeClr val="tx1">
+                    <a:lumMod val="50000"/>
+                    <a:lumOff val="50000"/>
+                  </a:schemeClr>
+                </a:solidFill>
+                <a:cs typeface="Arial" panose="020B0604020202020204" pitchFamily="34" charset="0"/>
+              </a:rPr>
+              <a:t>#</a:t>
+            </a:r>
+            <a:r>
+              <a:rPr lang="ko-KR" altLang="en-US" sz="1400">
+                <a:solidFill>
+                  <a:schemeClr val="tx1">
+                    <a:lumMod val="50000"/>
+                    <a:lumOff val="50000"/>
+                  </a:schemeClr>
+                </a:solidFill>
+                <a:cs typeface="Arial" panose="020B0604020202020204" pitchFamily="34" charset="0"/>
+              </a:rPr>
+              <a:t>커서 생성</a:t>
+            </a:r>
+            <a:r>
+              <a:rPr lang="en-US" altLang="ko-KR" sz="1400">
+                <a:solidFill>
+                  <a:schemeClr val="tx1">
+                    <a:lumMod val="50000"/>
+                    <a:lumOff val="50000"/>
+                  </a:schemeClr>
+                </a:solidFill>
+                <a:cs typeface="Arial" panose="020B0604020202020204" pitchFamily="34" charset="0"/>
+              </a:rPr>
+              <a:t>: </a:t>
+            </a:r>
+            <a:r>
+              <a:rPr lang="ko-KR" altLang="en-US" sz="1400">
+                <a:solidFill>
+                  <a:schemeClr val="tx1">
+                    <a:lumMod val="50000"/>
+                    <a:lumOff val="50000"/>
+                  </a:schemeClr>
+                </a:solidFill>
+                <a:cs typeface="Arial" panose="020B0604020202020204" pitchFamily="34" charset="0"/>
+              </a:rPr>
+              <a:t>여러 행에 순차적으로 접근하기 위한 지시자</a:t>
+            </a:r>
+          </a:p>
+          <a:p>
+            <a:pPr>
+              <a:buClr>
+                <a:srgbClr val="3C479D"/>
+              </a:buClr>
+            </a:pPr>
+            <a:r>
+              <a:rPr lang="ko-KR" altLang="en-US" sz="1400">
+                <a:solidFill>
+                  <a:schemeClr val="tx1">
+                    <a:lumMod val="95000"/>
+                    <a:lumOff val="5000"/>
+                  </a:schemeClr>
+                </a:solidFill>
+                <a:cs typeface="Arial" panose="020B0604020202020204" pitchFamily="34" charset="0"/>
+              </a:rPr>
+              <a:t>    </a:t>
+            </a:r>
+            <a:r>
+              <a:rPr lang="en-US" altLang="ko-KR" sz="1400">
+                <a:solidFill>
+                  <a:schemeClr val="tx1">
+                    <a:lumMod val="95000"/>
+                    <a:lumOff val="5000"/>
+                  </a:schemeClr>
+                </a:solidFill>
+                <a:cs typeface="Arial" panose="020B0604020202020204" pitchFamily="34" charset="0"/>
+              </a:rPr>
+              <a:t>cur.execute(sql)</a:t>
+            </a:r>
+          </a:p>
+          <a:p>
+            <a:pPr>
+              <a:buClr>
+                <a:srgbClr val="3C479D"/>
+              </a:buClr>
+            </a:pPr>
+            <a:r>
+              <a:rPr lang="en-US" altLang="ko-KR" sz="1400">
+                <a:solidFill>
+                  <a:schemeClr val="tx1">
+                    <a:lumMod val="95000"/>
+                    <a:lumOff val="5000"/>
+                  </a:schemeClr>
+                </a:solidFill>
+                <a:cs typeface="Arial" panose="020B0604020202020204" pitchFamily="34" charset="0"/>
+              </a:rPr>
+              <a:t>    rows = [] </a:t>
+            </a:r>
+            <a:r>
+              <a:rPr lang="en-US" altLang="ko-KR" sz="1400">
+                <a:solidFill>
+                  <a:schemeClr val="tx1">
+                    <a:lumMod val="50000"/>
+                    <a:lumOff val="50000"/>
+                  </a:schemeClr>
+                </a:solidFill>
+                <a:cs typeface="Arial" panose="020B0604020202020204" pitchFamily="34" charset="0"/>
+              </a:rPr>
+              <a:t>#</a:t>
+            </a:r>
+            <a:r>
+              <a:rPr lang="ko-KR" altLang="en-US" sz="1400">
+                <a:solidFill>
+                  <a:schemeClr val="tx1">
+                    <a:lumMod val="50000"/>
+                    <a:lumOff val="50000"/>
+                  </a:schemeClr>
+                </a:solidFill>
+                <a:cs typeface="Arial" panose="020B0604020202020204" pitchFamily="34" charset="0"/>
+              </a:rPr>
+              <a:t>검색 결과 행 반환용 리스트</a:t>
+            </a:r>
+          </a:p>
+          <a:p>
+            <a:pPr>
+              <a:buClr>
+                <a:srgbClr val="3C479D"/>
+              </a:buClr>
+            </a:pPr>
+            <a:r>
+              <a:rPr lang="ko-KR" altLang="en-US" sz="1400">
+                <a:solidFill>
+                  <a:schemeClr val="tx1">
+                    <a:lumMod val="95000"/>
+                    <a:lumOff val="5000"/>
+                  </a:schemeClr>
+                </a:solidFill>
+                <a:cs typeface="Arial" panose="020B0604020202020204" pitchFamily="34" charset="0"/>
+              </a:rPr>
+              <a:t>    </a:t>
+            </a:r>
+            <a:r>
+              <a:rPr lang="en-US" altLang="ko-KR" sz="1400">
+                <a:solidFill>
+                  <a:schemeClr val="tx1">
+                    <a:lumMod val="95000"/>
+                    <a:lumOff val="5000"/>
+                  </a:schemeClr>
+                </a:solidFill>
+                <a:cs typeface="Arial" panose="020B0604020202020204" pitchFamily="34" charset="0"/>
+              </a:rPr>
+              <a:t>seq = 0</a:t>
+            </a:r>
+          </a:p>
+          <a:p>
+            <a:pPr>
+              <a:buClr>
+                <a:srgbClr val="3C479D"/>
+              </a:buClr>
+            </a:pPr>
+            <a:r>
+              <a:rPr lang="en-US" altLang="ko-KR" sz="1400">
+                <a:solidFill>
+                  <a:schemeClr val="tx1">
+                    <a:lumMod val="95000"/>
+                    <a:lumOff val="5000"/>
+                  </a:schemeClr>
+                </a:solidFill>
+                <a:cs typeface="Arial" panose="020B0604020202020204" pitchFamily="34" charset="0"/>
+              </a:rPr>
+              <a:t>    for row in cur:</a:t>
+            </a:r>
+          </a:p>
+          <a:p>
+            <a:pPr>
+              <a:buClr>
+                <a:srgbClr val="3C479D"/>
+              </a:buClr>
+            </a:pPr>
+            <a:r>
+              <a:rPr lang="en-US" altLang="ko-KR" sz="1400">
+                <a:solidFill>
+                  <a:schemeClr val="tx1">
+                    <a:lumMod val="95000"/>
+                    <a:lumOff val="5000"/>
+                  </a:schemeClr>
+                </a:solidFill>
+                <a:cs typeface="Arial" panose="020B0604020202020204" pitchFamily="34" charset="0"/>
+              </a:rPr>
+              <a:t>        rows.append(row</a:t>
+            </a:r>
+            <a:r>
               <a:rPr lang="en-US" altLang="ko-KR" sz="1400" smtClean="0">
                 <a:solidFill>
                   <a:schemeClr val="tx1">
@@ -7129,8 +7424,24 @@
                 </a:solidFill>
                 <a:cs typeface="Arial" panose="020B0604020202020204" pitchFamily="34" charset="0"/>
               </a:rPr>
-              <a:t>con </a:t>
-            </a:r>
+              <a:t>)     </a:t>
+            </a:r>
+            <a:endParaRPr lang="en-US" altLang="ko-KR" sz="1400">
+              <a:solidFill>
+                <a:schemeClr val="tx1">
+                  <a:lumMod val="95000"/>
+                  <a:lumOff val="5000"/>
+                </a:schemeClr>
+              </a:solidFill>
+              <a:cs typeface="Arial" panose="020B0604020202020204" pitchFamily="34" charset="0"/>
+            </a:endParaRPr>
+          </a:p>
+          <a:p>
+            <a:pPr>
+              <a:buClr>
+                <a:srgbClr val="3C479D"/>
+              </a:buClr>
+            </a:pPr>
             <a:r>
               <a:rPr lang="en-US" altLang="ko-KR" sz="1400">
                 <a:solidFill>
@@ -7141,7 +7452,7 @@
                 </a:solidFill>
                 <a:cs typeface="Arial" panose="020B0604020202020204" pitchFamily="34" charset="0"/>
               </a:rPr>
-              <a:t>= cx_Oracle.connect("scott", "tiger", "</a:t>
+              <a:t>    return </a:t>
             </a:r>
             <a:r>
               <a:rPr lang="en-US" altLang="ko-KR" sz="1400" smtClean="0">
@@ -7153,8 +7464,15 @@
                 </a:solidFill>
                 <a:cs typeface="Arial" panose="020B0604020202020204" pitchFamily="34" charset="0"/>
               </a:rPr>
-              <a:t>192.168.142.72:1521/xe")</a:t>
-            </a:r>
+              <a:t>rows</a:t>
+            </a:r>
+          </a:p>
+          <a:p>
+            <a:pPr>
+              <a:buClr>
+                <a:srgbClr val="3C479D"/>
+              </a:buClr>
+            </a:pPr>
             <a:endParaRPr lang="en-US" altLang="ko-KR" sz="1400" smtClean="0">
               <a:solidFill>
                 <a:schemeClr val="tx1">
@@ -7171,346 +7489,12 @@
                 <a:srgbClr val="3C479D"/>
               </a:buClr>
             </a:pPr>
-            <a:endParaRPr lang="en-US" altLang="ko-KR" sz="1400" smtClean="0">
-              <a:solidFill>
-                <a:schemeClr val="tx1">
-                  <a:lumMod val="95000"/>
-                  <a:lumOff val="5000"/>
-                </a:schemeClr>
-              </a:solidFill>
-              <a:cs typeface="Arial" panose="020B0604020202020204" pitchFamily="34" charset="0"/>
-            </a:endParaRPr>
-          </a:p>
-          <a:p>
-            <a:pPr>
-              <a:buClr>
-                <a:srgbClr val="3C479D"/>
-              </a:buClr>
-            </a:pPr>
-            <a:r>
-              <a:rPr lang="en-US" altLang="ko-KR" sz="1600" smtClean="0">
-                <a:solidFill>
-                  <a:srgbClr val="C00000"/>
-                </a:solidFill>
-                <a:cs typeface="Arial" panose="020B0604020202020204" pitchFamily="34" charset="0"/>
-              </a:rPr>
-              <a:t>def </a:t>
-            </a:r>
-            <a:r>
-              <a:rPr lang="en-US" altLang="ko-KR" sz="1600">
-                <a:solidFill>
-                  <a:srgbClr val="C00000"/>
-                </a:solidFill>
-                <a:cs typeface="Arial" panose="020B0604020202020204" pitchFamily="34" charset="0"/>
-              </a:rPr>
-              <a:t>sel_query(con, </a:t>
-            </a:r>
-            <a:r>
-              <a:rPr lang="en-US" altLang="ko-KR" sz="1600" smtClean="0">
-                <a:solidFill>
-                  <a:srgbClr val="C00000"/>
-                </a:solidFill>
-                <a:cs typeface="Arial" panose="020B0604020202020204" pitchFamily="34" charset="0"/>
-              </a:rPr>
-              <a:t>sql=None):</a:t>
-            </a:r>
-            <a:endParaRPr lang="en-US" altLang="ko-KR" sz="1600">
-              <a:solidFill>
-                <a:srgbClr val="C00000"/>
-              </a:solidFill>
-              <a:cs typeface="Arial" panose="020B0604020202020204" pitchFamily="34" charset="0"/>
-            </a:endParaRPr>
-          </a:p>
-          <a:p>
-            <a:pPr>
-              <a:buClr>
-                <a:srgbClr val="3C479D"/>
-              </a:buClr>
-            </a:pPr>
-            <a:r>
-              <a:rPr lang="en-US" altLang="ko-KR" sz="1400">
-                <a:solidFill>
-                  <a:schemeClr val="tx1">
-                    <a:lumMod val="95000"/>
-                    <a:lumOff val="5000"/>
-                  </a:schemeClr>
-                </a:solidFill>
-                <a:cs typeface="Arial" panose="020B0604020202020204" pitchFamily="34" charset="0"/>
-              </a:rPr>
-              <a:t>    cur = con.cursor()  </a:t>
-            </a:r>
-            <a:r>
-              <a:rPr lang="en-US" altLang="ko-KR" sz="1400">
-                <a:solidFill>
-                  <a:schemeClr val="tx1">
-                    <a:lumMod val="50000"/>
-                    <a:lumOff val="50000"/>
-                  </a:schemeClr>
-                </a:solidFill>
-                <a:cs typeface="Arial" panose="020B0604020202020204" pitchFamily="34" charset="0"/>
-              </a:rPr>
-              <a:t>#</a:t>
-            </a:r>
-            <a:r>
-              <a:rPr lang="ko-KR" altLang="en-US" sz="1400">
-                <a:solidFill>
-                  <a:schemeClr val="tx1">
-                    <a:lumMod val="50000"/>
-                    <a:lumOff val="50000"/>
-                  </a:schemeClr>
-                </a:solidFill>
-                <a:cs typeface="Arial" panose="020B0604020202020204" pitchFamily="34" charset="0"/>
-              </a:rPr>
-              <a:t>커서 생성</a:t>
-            </a:r>
-            <a:r>
-              <a:rPr lang="en-US" altLang="ko-KR" sz="1400">
-                <a:solidFill>
-                  <a:schemeClr val="tx1">
-                    <a:lumMod val="50000"/>
-                    <a:lumOff val="50000"/>
-                  </a:schemeClr>
-                </a:solidFill>
-                <a:cs typeface="Arial" panose="020B0604020202020204" pitchFamily="34" charset="0"/>
-              </a:rPr>
-              <a:t>: </a:t>
-            </a:r>
-            <a:r>
-              <a:rPr lang="ko-KR" altLang="en-US" sz="1400">
-                <a:solidFill>
-                  <a:schemeClr val="tx1">
-                    <a:lumMod val="50000"/>
-                    <a:lumOff val="50000"/>
-                  </a:schemeClr>
-                </a:solidFill>
-                <a:cs typeface="Arial" panose="020B0604020202020204" pitchFamily="34" charset="0"/>
-              </a:rPr>
-              <a:t>여러 행에 순차적으로 접근하기 위한 지시자</a:t>
-            </a:r>
-          </a:p>
-          <a:p>
-            <a:pPr>
-              <a:buClr>
-                <a:srgbClr val="3C479D"/>
-              </a:buClr>
-            </a:pPr>
-            <a:r>
-              <a:rPr lang="ko-KR" altLang="en-US" sz="1400">
-                <a:solidFill>
-                  <a:schemeClr val="tx1">
-                    <a:lumMod val="95000"/>
-                    <a:lumOff val="5000"/>
-                  </a:schemeClr>
-                </a:solidFill>
-                <a:cs typeface="Arial" panose="020B0604020202020204" pitchFamily="34" charset="0"/>
-              </a:rPr>
-              <a:t>    </a:t>
-            </a:r>
-            <a:r>
-              <a:rPr lang="en-US" altLang="ko-KR" sz="1400">
-                <a:solidFill>
-                  <a:schemeClr val="tx1">
-                    <a:lumMod val="95000"/>
-                    <a:lumOff val="5000"/>
-                  </a:schemeClr>
-                </a:solidFill>
-                <a:cs typeface="Arial" panose="020B0604020202020204" pitchFamily="34" charset="0"/>
-              </a:rPr>
-              <a:t>cur.execute(sql)</a:t>
-            </a:r>
-          </a:p>
-          <a:p>
-            <a:pPr>
-              <a:buClr>
-                <a:srgbClr val="3C479D"/>
-              </a:buClr>
-            </a:pPr>
-            <a:r>
-              <a:rPr lang="en-US" altLang="ko-KR" sz="1400">
-                <a:solidFill>
-                  <a:schemeClr val="tx1">
-                    <a:lumMod val="95000"/>
-                    <a:lumOff val="5000"/>
-                  </a:schemeClr>
-                </a:solidFill>
-                <a:cs typeface="Arial" panose="020B0604020202020204" pitchFamily="34" charset="0"/>
-              </a:rPr>
-              <a:t>    rows = [] </a:t>
-            </a:r>
-            <a:r>
-              <a:rPr lang="en-US" altLang="ko-KR" sz="1400">
-                <a:solidFill>
-                  <a:schemeClr val="tx1">
-                    <a:lumMod val="50000"/>
-                    <a:lumOff val="50000"/>
-                  </a:schemeClr>
-                </a:solidFill>
-                <a:cs typeface="Arial" panose="020B0604020202020204" pitchFamily="34" charset="0"/>
-              </a:rPr>
-              <a:t>#</a:t>
-            </a:r>
-            <a:r>
-              <a:rPr lang="ko-KR" altLang="en-US" sz="1400">
-                <a:solidFill>
-                  <a:schemeClr val="tx1">
-                    <a:lumMod val="50000"/>
-                    <a:lumOff val="50000"/>
-                  </a:schemeClr>
-                </a:solidFill>
-                <a:cs typeface="Arial" panose="020B0604020202020204" pitchFamily="34" charset="0"/>
-              </a:rPr>
-              <a:t>검색 결과 행 반환용 리스트</a:t>
-            </a:r>
-          </a:p>
-          <a:p>
-            <a:pPr>
-              <a:buClr>
-                <a:srgbClr val="3C479D"/>
-              </a:buClr>
-            </a:pPr>
-            <a:r>
-              <a:rPr lang="ko-KR" altLang="en-US" sz="1400">
-                <a:solidFill>
-                  <a:schemeClr val="tx1">
-                    <a:lumMod val="95000"/>
-                    <a:lumOff val="5000"/>
-                  </a:schemeClr>
-                </a:solidFill>
-                <a:cs typeface="Arial" panose="020B0604020202020204" pitchFamily="34" charset="0"/>
-              </a:rPr>
-              <a:t>    </a:t>
-            </a:r>
-            <a:r>
-              <a:rPr lang="en-US" altLang="ko-KR" sz="1400">
-                <a:solidFill>
-                  <a:schemeClr val="tx1">
-                    <a:lumMod val="95000"/>
-                    <a:lumOff val="5000"/>
-                  </a:schemeClr>
-                </a:solidFill>
-                <a:cs typeface="Arial" panose="020B0604020202020204" pitchFamily="34" charset="0"/>
-              </a:rPr>
-              <a:t>seq = 0</a:t>
-            </a:r>
-          </a:p>
-          <a:p>
-            <a:pPr>
-              <a:buClr>
-                <a:srgbClr val="3C479D"/>
-              </a:buClr>
-            </a:pPr>
-            <a:r>
-              <a:rPr lang="en-US" altLang="ko-KR" sz="1400">
-                <a:solidFill>
-                  <a:schemeClr val="tx1">
-                    <a:lumMod val="95000"/>
-                    <a:lumOff val="5000"/>
-                  </a:schemeClr>
-                </a:solidFill>
-                <a:cs typeface="Arial" panose="020B0604020202020204" pitchFamily="34" charset="0"/>
-              </a:rPr>
-              <a:t>    for row in cur:</a:t>
-            </a:r>
-          </a:p>
-          <a:p>
-            <a:pPr>
-              <a:buClr>
-                <a:srgbClr val="3C479D"/>
-              </a:buClr>
-            </a:pPr>
-            <a:r>
-              <a:rPr lang="en-US" altLang="ko-KR" sz="1400">
-                <a:solidFill>
-                  <a:schemeClr val="tx1">
-                    <a:lumMod val="95000"/>
-                    <a:lumOff val="5000"/>
-                  </a:schemeClr>
-                </a:solidFill>
-                <a:cs typeface="Arial" panose="020B0604020202020204" pitchFamily="34" charset="0"/>
-              </a:rPr>
-              <a:t>        rows.append(row</a:t>
-            </a:r>
             <a:r>
               <a:rPr lang="en-US" altLang="ko-KR" sz="1400" smtClean="0">
                 <a:solidFill>
                   <a:schemeClr val="tx1">
-                    <a:lumMod val="95000"/>
-                    <a:lumOff val="5000"/>
-                  </a:schemeClr>
-                </a:solidFill>
-                <a:cs typeface="Arial" panose="020B0604020202020204" pitchFamily="34" charset="0"/>
-              </a:rPr>
-              <a:t>)     </a:t>
-            </a:r>
-            <a:endParaRPr lang="en-US" altLang="ko-KR" sz="1400">
-              <a:solidFill>
-                <a:schemeClr val="tx1">
-                  <a:lumMod val="95000"/>
-                  <a:lumOff val="5000"/>
-                </a:schemeClr>
-              </a:solidFill>
-              <a:cs typeface="Arial" panose="020B0604020202020204" pitchFamily="34" charset="0"/>
-            </a:endParaRPr>
-          </a:p>
-          <a:p>
-            <a:pPr>
-              <a:buClr>
-                <a:srgbClr val="3C479D"/>
-              </a:buClr>
-            </a:pPr>
-            <a:r>
-              <a:rPr lang="en-US" altLang="ko-KR" sz="1400">
-                <a:solidFill>
-                  <a:schemeClr val="tx1">
-                    <a:lumMod val="95000"/>
-                    <a:lumOff val="5000"/>
-                  </a:schemeClr>
-                </a:solidFill>
-                <a:cs typeface="Arial" panose="020B0604020202020204" pitchFamily="34" charset="0"/>
-              </a:rPr>
-              <a:t>    return </a:t>
-            </a:r>
-            <a:r>
-              <a:rPr lang="en-US" altLang="ko-KR" sz="1400" smtClean="0">
-                <a:solidFill>
-                  <a:schemeClr val="tx1">
-                    <a:lumMod val="95000"/>
-                    <a:lumOff val="5000"/>
-                  </a:schemeClr>
-                </a:solidFill>
-                <a:cs typeface="Arial" panose="020B0604020202020204" pitchFamily="34" charset="0"/>
-              </a:rPr>
-              <a:t>rows</a:t>
-            </a:r>
-          </a:p>
-          <a:p>
-            <a:pPr>
-              <a:buClr>
-                <a:srgbClr val="3C479D"/>
-              </a:buClr>
-            </a:pPr>
-            <a:endParaRPr lang="en-US" altLang="ko-KR" sz="1400" smtClean="0">
-              <a:solidFill>
-                <a:schemeClr val="tx1">
-                  <a:lumMod val="95000"/>
-                  <a:lumOff val="5000"/>
-                </a:schemeClr>
-              </a:solidFill>
-              <a:cs typeface="Arial" panose="020B0604020202020204" pitchFamily="34" charset="0"/>
-            </a:endParaRPr>
-          </a:p>
-          <a:p>
-            <a:pPr>
-              <a:buClr>
-                <a:srgbClr val="3C479D"/>
-              </a:buClr>
-            </a:pPr>
-            <a:r>
-              <a:rPr lang="en-US" altLang="ko-KR" sz="1400" smtClean="0">
-                <a:solidFill>
-                  <a:schemeClr val="tx1">
-                    <a:lumMod val="95000"/>
-                    <a:lumOff val="5000"/>
+                    <a:lumMod val="50000"/>
+                    <a:lumOff val="50000"/>
                   </a:schemeClr>
                 </a:solidFill>
                 <a:cs typeface="Arial" panose="020B0604020202020204" pitchFamily="34" charset="0"/>
@@ -8536,6 +8520,72 @@
           </a:effectLst>
         </p:spPr>
       </p:pic>
+      <p:cxnSp>
+        <p:nvCxnSpPr>
+          <p:cNvPr id="9" name="직선 화살표 연결선 8"/>
+          <p:cNvCxnSpPr/>
+          <p:nvPr/>
+        </p:nvCxnSpPr>
+        <p:spPr>
+          <a:xfrm flipH="1">
+            <a:off x="1619672" y="1916832"/>
+            <a:ext cx="3950489" cy="2592288"/>
+          </a:xfrm>
+          <a:prstGeom prst="straightConnector1">
+            <a:avLst/>
+          </a:prstGeom>
+          <a:ln w="38100">
+            <a:tailEnd type="triangle"/>
+          </a:ln>
+        </p:spPr>
+        <p:style>
+          <a:lnRef idx="1">
+            <a:schemeClr val="accent1"/>
+          </a:lnRef>
+          <a:fillRef idx="0">
+            <a:schemeClr val="accent1"/>
+          </a:fillRef>
+          <a:effectRef idx="0">
+            <a:schemeClr val="accent1"/>
+          </a:effectRef>
+          <a:fontRef idx="minor">
+            <a:schemeClr val="tx1"/>
+          </a:fontRef>
+        </p:style>
+      </p:cxnSp>
+      <p:cxnSp>
+        <p:nvCxnSpPr>
+          <p:cNvPr id="11" name="직선 화살표 연결선 10"/>
+          <p:cNvCxnSpPr/>
+          <p:nvPr/>
+        </p:nvCxnSpPr>
+        <p:spPr>
+          <a:xfrm flipH="1" flipV="1">
+            <a:off x="1619672" y="4725144"/>
+            <a:ext cx="2808314" cy="1065002"/>
+          </a:xfrm>
+          <a:prstGeom prst="straightConnector1">
+            <a:avLst/>
+          </a:prstGeom>
+          <a:ln w="38100">
+            <a:tailEnd type="triangle"/>
+          </a:ln>
+        </p:spPr>
+        <p:style>
+          <a:lnRef idx="1">
+            <a:schemeClr val="accent1"/>
+          </a:lnRef>
+          <a:fillRef idx="0">
+            <a:schemeClr val="accent1"/>
+          </a:fillRef>
+          <a:effectRef idx="0">
+            <a:schemeClr val="accent1"/>
+          </a:effectRef>
+          <a:fontRef idx="minor">
+            <a:schemeClr val="tx1"/>
+          </a:fontRef>
+        </p:style>
+      </p:cxnSp>
     </p:spTree>
     <p:extLst>
       <p:ext uri="{BB962C8B-B14F-4D97-AF65-F5344CB8AC3E}">
@@ -9269,8 +9319,8 @@
               <a:rPr lang="en-US" altLang="ko-KR" sz="1400" smtClean="0">
                 <a:solidFill>
                   <a:schemeClr val="tx1">
-                    <a:lumMod val="95000"/>
-                    <a:lumOff val="5000"/>
+                    <a:lumMod val="50000"/>
+                    <a:lumOff val="50000"/>
                   </a:schemeClr>
                 </a:solidFill>
                 <a:cs typeface="Arial" panose="020B0604020202020204" pitchFamily="34" charset="0"/>
@@ -9281,14 +9331,73 @@
               <a:rPr lang="ko-KR" altLang="en-US" sz="1400" smtClean="0">
                 <a:solidFill>
                   <a:schemeClr val="tx1">
-                    <a:lumMod val="95000"/>
-                    <a:lumOff val="5000"/>
+                    <a:lumMod val="50000"/>
+                    <a:lumOff val="50000"/>
                   </a:schemeClr>
                 </a:solidFill>
                 <a:cs typeface="Arial" panose="020B0604020202020204" pitchFamily="34" charset="0"/>
               </a:rPr>
               <a:t>연결</a:t>
             </a:r>
+            <a:endParaRPr lang="en-US" altLang="ko-KR" sz="1400" smtClean="0">
+              <a:solidFill>
+                <a:schemeClr val="tx1">
+                  <a:lumMod val="50000"/>
+                  <a:lumOff val="50000"/>
+                </a:schemeClr>
+              </a:solidFill>
+              <a:cs typeface="Arial" panose="020B0604020202020204" pitchFamily="34" charset="0"/>
+            </a:endParaRPr>
+          </a:p>
+          <a:p>
+            <a:pPr>
+              <a:buClr>
+                <a:srgbClr val="3C479D"/>
+              </a:buClr>
+            </a:pPr>
+            <a:r>
+              <a:rPr lang="en-US" altLang="ko-KR" sz="1400" smtClean="0">
+                <a:solidFill>
+                  <a:schemeClr val="tx1">
+                    <a:lumMod val="95000"/>
+                    <a:lumOff val="5000"/>
+                  </a:schemeClr>
+                </a:solidFill>
+                <a:cs typeface="Arial" panose="020B0604020202020204" pitchFamily="34" charset="0"/>
+              </a:rPr>
+              <a:t>con </a:t>
+            </a:r>
+            <a:r>
+              <a:rPr lang="en-US" altLang="ko-KR" sz="1400">
+                <a:solidFill>
+                  <a:schemeClr val="tx1">
+                    <a:lumMod val="95000"/>
+                    <a:lumOff val="5000"/>
+                  </a:schemeClr>
+                </a:solidFill>
+                <a:cs typeface="Arial" panose="020B0604020202020204" pitchFamily="34" charset="0"/>
+              </a:rPr>
+              <a:t>= cx_Oracle.connect("scott", "tiger", "</a:t>
+            </a:r>
+            <a:r>
+              <a:rPr lang="en-US" altLang="ko-KR" sz="1400" smtClean="0">
+                <a:solidFill>
+                  <a:schemeClr val="tx1">
+                    <a:lumMod val="95000"/>
+                    <a:lumOff val="5000"/>
+                  </a:schemeClr>
+                </a:solidFill>
+                <a:cs typeface="Arial" panose="020B0604020202020204" pitchFamily="34" charset="0"/>
+              </a:rPr>
+              <a:t>192.168.142.72:1521/xe")</a:t>
+            </a:r>
+          </a:p>
+          <a:p>
+            <a:pPr>
+              <a:buClr>
+                <a:srgbClr val="3C479D"/>
+              </a:buClr>
+            </a:pPr>
             <a:endParaRPr lang="en-US" altLang="ko-KR" sz="1400" smtClean="0">
               <a:solidFill>
                 <a:schemeClr val="tx1">
@@ -9306,6 +9415,249 @@
               </a:buClr>
             </a:pPr>
             <a:r>
+              <a:rPr lang="en-US" altLang="ko-KR" sz="1600" smtClean="0">
+                <a:solidFill>
+                  <a:schemeClr val="tx1"/>
+                </a:solidFill>
+                <a:cs typeface="Arial" panose="020B0604020202020204" pitchFamily="34" charset="0"/>
+              </a:rPr>
+              <a:t>def </a:t>
+            </a:r>
+            <a:r>
+              <a:rPr lang="en-US" altLang="ko-KR" sz="1600">
+                <a:solidFill>
+                  <a:schemeClr val="tx1"/>
+                </a:solidFill>
+                <a:cs typeface="Arial" panose="020B0604020202020204" pitchFamily="34" charset="0"/>
+              </a:rPr>
+              <a:t>sel_query(con, </a:t>
+            </a:r>
+            <a:r>
+              <a:rPr lang="en-US" altLang="ko-KR" sz="1600" smtClean="0">
+                <a:solidFill>
+                  <a:schemeClr val="tx1"/>
+                </a:solidFill>
+                <a:cs typeface="Arial" panose="020B0604020202020204" pitchFamily="34" charset="0"/>
+              </a:rPr>
+              <a:t>sql=None):</a:t>
+            </a:r>
+            <a:endParaRPr lang="en-US" altLang="ko-KR" sz="1600">
+              <a:solidFill>
+                <a:schemeClr val="tx1"/>
+              </a:solidFill>
+              <a:cs typeface="Arial" panose="020B0604020202020204" pitchFamily="34" charset="0"/>
+            </a:endParaRPr>
+          </a:p>
+          <a:p>
+            <a:pPr>
+              <a:buClr>
+                <a:srgbClr val="3C479D"/>
+              </a:buClr>
+            </a:pPr>
+            <a:r>
+              <a:rPr lang="en-US" altLang="ko-KR" sz="1400">
+                <a:solidFill>
+                  <a:schemeClr val="tx1">
+                    <a:lumMod val="95000"/>
+                    <a:lumOff val="5000"/>
+                  </a:schemeClr>
+                </a:solidFill>
+                <a:cs typeface="Arial" panose="020B0604020202020204" pitchFamily="34" charset="0"/>
+              </a:rPr>
+              <a:t>    cur = con.cursor()  </a:t>
+            </a:r>
+            <a:r>
+              <a:rPr lang="en-US" altLang="ko-KR" sz="1400">
+                <a:solidFill>
+                  <a:schemeClr val="tx1">
+                    <a:lumMod val="50000"/>
+                    <a:lumOff val="50000"/>
+                  </a:schemeClr>
+                </a:solidFill>
+                <a:cs typeface="Arial" panose="020B0604020202020204" pitchFamily="34" charset="0"/>
+              </a:rPr>
+              <a:t>#</a:t>
+            </a:r>
+            <a:r>
+              <a:rPr lang="ko-KR" altLang="en-US" sz="1400">
+                <a:solidFill>
+                  <a:schemeClr val="tx1">
+                    <a:lumMod val="50000"/>
+                    <a:lumOff val="50000"/>
+                  </a:schemeClr>
+                </a:solidFill>
+                <a:cs typeface="Arial" panose="020B0604020202020204" pitchFamily="34" charset="0"/>
+              </a:rPr>
+              <a:t>커서 생성</a:t>
+            </a:r>
+            <a:r>
+              <a:rPr lang="en-US" altLang="ko-KR" sz="1400">
+                <a:solidFill>
+                  <a:schemeClr val="tx1">
+                    <a:lumMod val="50000"/>
+                    <a:lumOff val="50000"/>
+                  </a:schemeClr>
+                </a:solidFill>
+                <a:cs typeface="Arial" panose="020B0604020202020204" pitchFamily="34" charset="0"/>
+              </a:rPr>
+              <a:t>: </a:t>
+            </a:r>
+            <a:r>
+              <a:rPr lang="ko-KR" altLang="en-US" sz="1400">
+                <a:solidFill>
+                  <a:schemeClr val="tx1">
+                    <a:lumMod val="50000"/>
+                    <a:lumOff val="50000"/>
+                  </a:schemeClr>
+                </a:solidFill>
+                <a:cs typeface="Arial" panose="020B0604020202020204" pitchFamily="34" charset="0"/>
+              </a:rPr>
+              <a:t>여러 행에 순차적으로 접근하기 위한 지시자</a:t>
+            </a:r>
+          </a:p>
+          <a:p>
+            <a:pPr>
+              <a:buClr>
+                <a:srgbClr val="3C479D"/>
+              </a:buClr>
+            </a:pPr>
+            <a:r>
+              <a:rPr lang="ko-KR" altLang="en-US" sz="1400">
+                <a:solidFill>
+                  <a:schemeClr val="tx1">
+                    <a:lumMod val="95000"/>
+                    <a:lumOff val="5000"/>
+                  </a:schemeClr>
+                </a:solidFill>
+                <a:cs typeface="Arial" panose="020B0604020202020204" pitchFamily="34" charset="0"/>
+              </a:rPr>
+              <a:t>    </a:t>
+            </a:r>
+            <a:r>
+              <a:rPr lang="en-US" altLang="ko-KR" sz="1400">
+                <a:solidFill>
+                  <a:schemeClr val="tx1">
+                    <a:lumMod val="95000"/>
+                    <a:lumOff val="5000"/>
+                  </a:schemeClr>
+                </a:solidFill>
+                <a:cs typeface="Arial" panose="020B0604020202020204" pitchFamily="34" charset="0"/>
+              </a:rPr>
+              <a:t>cur.execute(sql)</a:t>
+            </a:r>
+          </a:p>
+          <a:p>
+            <a:pPr>
+              <a:buClr>
+                <a:srgbClr val="3C479D"/>
+              </a:buClr>
+            </a:pPr>
+            <a:r>
+              <a:rPr lang="en-US" altLang="ko-KR" sz="1400">
+                <a:solidFill>
+                  <a:schemeClr val="tx1">
+                    <a:lumMod val="95000"/>
+                    <a:lumOff val="5000"/>
+                  </a:schemeClr>
+                </a:solidFill>
+                <a:cs typeface="Arial" panose="020B0604020202020204" pitchFamily="34" charset="0"/>
+              </a:rPr>
+              <a:t>    rows = [] </a:t>
+            </a:r>
+            <a:r>
+              <a:rPr lang="en-US" altLang="ko-KR" sz="1400">
+                <a:solidFill>
+                  <a:schemeClr val="tx1">
+                    <a:lumMod val="50000"/>
+                    <a:lumOff val="50000"/>
+                  </a:schemeClr>
+                </a:solidFill>
+                <a:cs typeface="Arial" panose="020B0604020202020204" pitchFamily="34" charset="0"/>
+              </a:rPr>
+              <a:t>#</a:t>
+            </a:r>
+            <a:r>
+              <a:rPr lang="ko-KR" altLang="en-US" sz="1400">
+                <a:solidFill>
+                  <a:schemeClr val="tx1">
+                    <a:lumMod val="50000"/>
+                    <a:lumOff val="50000"/>
+                  </a:schemeClr>
+                </a:solidFill>
+                <a:cs typeface="Arial" panose="020B0604020202020204" pitchFamily="34" charset="0"/>
+              </a:rPr>
+              <a:t>검색 결과 행 반환용 리스트</a:t>
+            </a:r>
+          </a:p>
+          <a:p>
+            <a:pPr>
+              <a:buClr>
+                <a:srgbClr val="3C479D"/>
+              </a:buClr>
+            </a:pPr>
+            <a:r>
+              <a:rPr lang="ko-KR" altLang="en-US" sz="1400">
+                <a:solidFill>
+                  <a:schemeClr val="tx1">
+                    <a:lumMod val="95000"/>
+                    <a:lumOff val="5000"/>
+                  </a:schemeClr>
+                </a:solidFill>
+                <a:cs typeface="Arial" panose="020B0604020202020204" pitchFamily="34" charset="0"/>
+              </a:rPr>
+              <a:t>    </a:t>
+            </a:r>
+            <a:r>
+              <a:rPr lang="en-US" altLang="ko-KR" sz="1400">
+                <a:solidFill>
+                  <a:schemeClr val="tx1">
+                    <a:lumMod val="95000"/>
+                    <a:lumOff val="5000"/>
+                  </a:schemeClr>
+                </a:solidFill>
+                <a:cs typeface="Arial" panose="020B0604020202020204" pitchFamily="34" charset="0"/>
+              </a:rPr>
+              <a:t>seq = 0</a:t>
+            </a:r>
+          </a:p>
+          <a:p>
+            <a:pPr>
+              <a:buClr>
+                <a:srgbClr val="3C479D"/>
+              </a:buClr>
+            </a:pPr>
+            <a:r>
+              <a:rPr lang="en-US" altLang="ko-KR" sz="1400">
+                <a:solidFill>
+                  <a:schemeClr val="tx1">
+                    <a:lumMod val="95000"/>
+                    <a:lumOff val="5000"/>
+                  </a:schemeClr>
+                </a:solidFill>
+                <a:cs typeface="Arial" panose="020B0604020202020204" pitchFamily="34" charset="0"/>
+              </a:rPr>
+              <a:t>    for row in cur:</a:t>
+            </a:r>
+          </a:p>
+          <a:p>
+            <a:pPr>
+              <a:buClr>
+                <a:srgbClr val="3C479D"/>
+              </a:buClr>
+            </a:pPr>
+            <a:r>
+              <a:rPr lang="en-US" altLang="ko-KR" sz="1400">
+                <a:solidFill>
+                  <a:schemeClr val="tx1">
+                    <a:lumMod val="95000"/>
+                    <a:lumOff val="5000"/>
+                  </a:schemeClr>
+                </a:solidFill>
+                <a:cs typeface="Arial" panose="020B0604020202020204" pitchFamily="34" charset="0"/>
+              </a:rPr>
+              <a:t>        rows.append(row</a:t>
+            </a:r>
+            <a:r>
               <a:rPr lang="en-US" altLang="ko-KR" sz="1400" smtClean="0">
                 <a:solidFill>
                   <a:schemeClr val="tx1">
@@ -9315,8 +9667,24 @@
                 </a:solidFill>
                 <a:cs typeface="Arial" panose="020B0604020202020204" pitchFamily="34" charset="0"/>
               </a:rPr>
-              <a:t>con </a:t>
-            </a:r>
+              <a:t>)     </a:t>
+            </a:r>
+            <a:endParaRPr lang="en-US" altLang="ko-KR" sz="1400">
+              <a:solidFill>
+                <a:schemeClr val="tx1">
+                  <a:lumMod val="95000"/>
+                  <a:lumOff val="5000"/>
+                </a:schemeClr>
+              </a:solidFill>
+              <a:cs typeface="Arial" panose="020B0604020202020204" pitchFamily="34" charset="0"/>
+            </a:endParaRPr>
+          </a:p>
+          <a:p>
+            <a:pPr>
+              <a:buClr>
+                <a:srgbClr val="3C479D"/>
+              </a:buClr>
+            </a:pPr>
             <a:r>
               <a:rPr lang="en-US" altLang="ko-KR" sz="1400">
                 <a:solidFill>
@@ -9327,7 +9695,7 @@
                 </a:solidFill>
                 <a:cs typeface="Arial" panose="020B0604020202020204" pitchFamily="34" charset="0"/>
               </a:rPr>
-              <a:t>= cx_Oracle.connect("scott", "tiger", "</a:t>
+              <a:t>    return </a:t>
             </a:r>
             <a:r>
               <a:rPr lang="en-US" altLang="ko-KR" sz="1400" smtClean="0">
@@ -9339,8 +9707,15 @@
                 </a:solidFill>
                 <a:cs typeface="Arial" panose="020B0604020202020204" pitchFamily="34" charset="0"/>
               </a:rPr>
-              <a:t>192.168.142.72:1521/xe")</a:t>
-            </a:r>
+              <a:t>rows</a:t>
+            </a:r>
+          </a:p>
+          <a:p>
+            <a:pPr>
+              <a:buClr>
+                <a:srgbClr val="3C479D"/>
+              </a:buClr>
+            </a:pPr>
             <a:endParaRPr lang="en-US" altLang="ko-KR" sz="1400" smtClean="0">
               <a:solidFill>
                 <a:schemeClr val="tx1">
@@ -9357,346 +9732,12 @@
                 <a:srgbClr val="3C479D"/>
               </a:buClr>
             </a:pPr>
-            <a:endParaRPr lang="en-US" altLang="ko-KR" sz="1400" smtClean="0">
-              <a:solidFill>
-                <a:schemeClr val="tx1">
-                  <a:lumMod val="95000"/>
-                  <a:lumOff val="5000"/>
-                </a:schemeClr>
-              </a:solidFill>
-              <a:cs typeface="Arial" panose="020B0604020202020204" pitchFamily="34" charset="0"/>
-            </a:endParaRPr>
-          </a:p>
-          <a:p>
-            <a:pPr>
-              <a:buClr>
-                <a:srgbClr val="3C479D"/>
-              </a:buClr>
-            </a:pPr>
-            <a:r>
-              <a:rPr lang="en-US" altLang="ko-KR" sz="1600" smtClean="0">
-                <a:solidFill>
-                  <a:schemeClr val="tx1"/>
-                </a:solidFill>
-                <a:cs typeface="Arial" panose="020B0604020202020204" pitchFamily="34" charset="0"/>
-              </a:rPr>
-              <a:t>def </a:t>
-            </a:r>
-            <a:r>
-              <a:rPr lang="en-US" altLang="ko-KR" sz="1600">
-                <a:solidFill>
-                  <a:schemeClr val="tx1"/>
-                </a:solidFill>
-                <a:cs typeface="Arial" panose="020B0604020202020204" pitchFamily="34" charset="0"/>
-              </a:rPr>
-              <a:t>sel_query(con, </a:t>
-            </a:r>
-            <a:r>
-              <a:rPr lang="en-US" altLang="ko-KR" sz="1600" smtClean="0">
-                <a:solidFill>
-                  <a:schemeClr val="tx1"/>
-                </a:solidFill>
-                <a:cs typeface="Arial" panose="020B0604020202020204" pitchFamily="34" charset="0"/>
-              </a:rPr>
-              <a:t>sql=None):</a:t>
-            </a:r>
-            <a:endParaRPr lang="en-US" altLang="ko-KR" sz="1600">
-              <a:solidFill>
-                <a:schemeClr val="tx1"/>
-              </a:solidFill>
-              <a:cs typeface="Arial" panose="020B0604020202020204" pitchFamily="34" charset="0"/>
-            </a:endParaRPr>
-          </a:p>
-          <a:p>
-            <a:pPr>
-              <a:buClr>
-                <a:srgbClr val="3C479D"/>
-              </a:buClr>
-            </a:pPr>
-            <a:r>
-              <a:rPr lang="en-US" altLang="ko-KR" sz="1400">
-                <a:solidFill>
-                  <a:schemeClr val="tx1">
-                    <a:lumMod val="95000"/>
-                    <a:lumOff val="5000"/>
-                  </a:schemeClr>
-                </a:solidFill>
-                <a:cs typeface="Arial" panose="020B0604020202020204" pitchFamily="34" charset="0"/>
-              </a:rPr>
-              <a:t>    cur = con.cursor()  </a:t>
-            </a:r>
-            <a:r>
-              <a:rPr lang="en-US" altLang="ko-KR" sz="1400">
-                <a:solidFill>
-                  <a:schemeClr val="tx1">
-                    <a:lumMod val="50000"/>
-                    <a:lumOff val="50000"/>
-                  </a:schemeClr>
-                </a:solidFill>
-                <a:cs typeface="Arial" panose="020B0604020202020204" pitchFamily="34" charset="0"/>
-              </a:rPr>
-              <a:t>#</a:t>
-            </a:r>
-            <a:r>
-              <a:rPr lang="ko-KR" altLang="en-US" sz="1400">
-                <a:solidFill>
-                  <a:schemeClr val="tx1">
-                    <a:lumMod val="50000"/>
-                    <a:lumOff val="50000"/>
-                  </a:schemeClr>
-                </a:solidFill>
-                <a:cs typeface="Arial" panose="020B0604020202020204" pitchFamily="34" charset="0"/>
-              </a:rPr>
-              <a:t>커서 생성</a:t>
-            </a:r>
-            <a:r>
-              <a:rPr lang="en-US" altLang="ko-KR" sz="1400">
-                <a:solidFill>
-                  <a:schemeClr val="tx1">
-                    <a:lumMod val="50000"/>
-                    <a:lumOff val="50000"/>
-                  </a:schemeClr>
-                </a:solidFill>
-                <a:cs typeface="Arial" panose="020B0604020202020204" pitchFamily="34" charset="0"/>
-              </a:rPr>
-              <a:t>: </a:t>
-            </a:r>
-            <a:r>
-              <a:rPr lang="ko-KR" altLang="en-US" sz="1400">
-                <a:solidFill>
-                  <a:schemeClr val="tx1">
-                    <a:lumMod val="50000"/>
-                    <a:lumOff val="50000"/>
-                  </a:schemeClr>
-                </a:solidFill>
-                <a:cs typeface="Arial" panose="020B0604020202020204" pitchFamily="34" charset="0"/>
-              </a:rPr>
-              <a:t>여러 행에 순차적으로 접근하기 위한 지시자</a:t>
-            </a:r>
-          </a:p>
-          <a:p>
-            <a:pPr>
-              <a:buClr>
-                <a:srgbClr val="3C479D"/>
-              </a:buClr>
-            </a:pPr>
-            <a:r>
-              <a:rPr lang="ko-KR" altLang="en-US" sz="1400">
-                <a:solidFill>
-                  <a:schemeClr val="tx1">
-                    <a:lumMod val="95000"/>
-                    <a:lumOff val="5000"/>
-                  </a:schemeClr>
-                </a:solidFill>
-                <a:cs typeface="Arial" panose="020B0604020202020204" pitchFamily="34" charset="0"/>
-              </a:rPr>
-              <a:t>    </a:t>
-            </a:r>
-            <a:r>
-              <a:rPr lang="en-US" altLang="ko-KR" sz="1400">
-                <a:solidFill>
-                  <a:schemeClr val="tx1">
-                    <a:lumMod val="95000"/>
-                    <a:lumOff val="5000"/>
-                  </a:schemeClr>
-                </a:solidFill>
-                <a:cs typeface="Arial" panose="020B0604020202020204" pitchFamily="34" charset="0"/>
-              </a:rPr>
-              <a:t>cur.execute(sql)</a:t>
-            </a:r>
-          </a:p>
-          <a:p>
-            <a:pPr>
-              <a:buClr>
-                <a:srgbClr val="3C479D"/>
-              </a:buClr>
-            </a:pPr>
-            <a:r>
-              <a:rPr lang="en-US" altLang="ko-KR" sz="1400">
-                <a:solidFill>
-                  <a:schemeClr val="tx1">
-                    <a:lumMod val="95000"/>
-                    <a:lumOff val="5000"/>
-                  </a:schemeClr>
-                </a:solidFill>
-                <a:cs typeface="Arial" panose="020B0604020202020204" pitchFamily="34" charset="0"/>
-              </a:rPr>
-              <a:t>    rows = [] </a:t>
-            </a:r>
-            <a:r>
-              <a:rPr lang="en-US" altLang="ko-KR" sz="1400">
-                <a:solidFill>
-                  <a:schemeClr val="tx1">
-                    <a:lumMod val="50000"/>
-                    <a:lumOff val="50000"/>
-                  </a:schemeClr>
-                </a:solidFill>
-                <a:cs typeface="Arial" panose="020B0604020202020204" pitchFamily="34" charset="0"/>
-              </a:rPr>
-              <a:t>#</a:t>
-            </a:r>
-            <a:r>
-              <a:rPr lang="ko-KR" altLang="en-US" sz="1400">
-                <a:solidFill>
-                  <a:schemeClr val="tx1">
-                    <a:lumMod val="50000"/>
-                    <a:lumOff val="50000"/>
-                  </a:schemeClr>
-                </a:solidFill>
-                <a:cs typeface="Arial" panose="020B0604020202020204" pitchFamily="34" charset="0"/>
-              </a:rPr>
-              <a:t>검색 결과 행 반환용 리스트</a:t>
-            </a:r>
-          </a:p>
-          <a:p>
-            <a:pPr>
-              <a:buClr>
-                <a:srgbClr val="3C479D"/>
-              </a:buClr>
-            </a:pPr>
-            <a:r>
-              <a:rPr lang="ko-KR" altLang="en-US" sz="1400">
-                <a:solidFill>
-                  <a:schemeClr val="tx1">
-                    <a:lumMod val="95000"/>
-                    <a:lumOff val="5000"/>
-                  </a:schemeClr>
-                </a:solidFill>
-                <a:cs typeface="Arial" panose="020B0604020202020204" pitchFamily="34" charset="0"/>
-              </a:rPr>
-              <a:t>    </a:t>
-            </a:r>
-            <a:r>
-              <a:rPr lang="en-US" altLang="ko-KR" sz="1400">
-                <a:solidFill>
-                  <a:schemeClr val="tx1">
-                    <a:lumMod val="95000"/>
-                    <a:lumOff val="5000"/>
-                  </a:schemeClr>
-                </a:solidFill>
-                <a:cs typeface="Arial" panose="020B0604020202020204" pitchFamily="34" charset="0"/>
-              </a:rPr>
-              <a:t>seq = 0</a:t>
-            </a:r>
-          </a:p>
-          <a:p>
-            <a:pPr>
-              <a:buClr>
-                <a:srgbClr val="3C479D"/>
-              </a:buClr>
-            </a:pPr>
-            <a:r>
-              <a:rPr lang="en-US" altLang="ko-KR" sz="1400">
-                <a:solidFill>
-                  <a:schemeClr val="tx1">
-                    <a:lumMod val="95000"/>
-                    <a:lumOff val="5000"/>
-                  </a:schemeClr>
-                </a:solidFill>
-                <a:cs typeface="Arial" panose="020B0604020202020204" pitchFamily="34" charset="0"/>
-              </a:rPr>
-              <a:t>    for row in cur:</a:t>
-            </a:r>
-          </a:p>
-          <a:p>
-            <a:pPr>
-              <a:buClr>
-                <a:srgbClr val="3C479D"/>
-              </a:buClr>
-            </a:pPr>
-            <a:r>
-              <a:rPr lang="en-US" altLang="ko-KR" sz="1400">
-                <a:solidFill>
-                  <a:schemeClr val="tx1">
-                    <a:lumMod val="95000"/>
-                    <a:lumOff val="5000"/>
-                  </a:schemeClr>
-                </a:solidFill>
-                <a:cs typeface="Arial" panose="020B0604020202020204" pitchFamily="34" charset="0"/>
-              </a:rPr>
-              <a:t>        rows.append(row</a:t>
-            </a:r>
             <a:r>
               <a:rPr lang="en-US" altLang="ko-KR" sz="1400" smtClean="0">
                 <a:solidFill>
                   <a:schemeClr val="tx1">
-                    <a:lumMod val="95000"/>
-                    <a:lumOff val="5000"/>
-                  </a:schemeClr>
-                </a:solidFill>
-                <a:cs typeface="Arial" panose="020B0604020202020204" pitchFamily="34" charset="0"/>
-              </a:rPr>
-              <a:t>)     </a:t>
-            </a:r>
-            <a:endParaRPr lang="en-US" altLang="ko-KR" sz="1400">
-              <a:solidFill>
-                <a:schemeClr val="tx1">
-                  <a:lumMod val="95000"/>
-                  <a:lumOff val="5000"/>
-                </a:schemeClr>
-              </a:solidFill>
-              <a:cs typeface="Arial" panose="020B0604020202020204" pitchFamily="34" charset="0"/>
-            </a:endParaRPr>
-          </a:p>
-          <a:p>
-            <a:pPr>
-              <a:buClr>
-                <a:srgbClr val="3C479D"/>
-              </a:buClr>
-            </a:pPr>
-            <a:r>
-              <a:rPr lang="en-US" altLang="ko-KR" sz="1400">
-                <a:solidFill>
-                  <a:schemeClr val="tx1">
-                    <a:lumMod val="95000"/>
-                    <a:lumOff val="5000"/>
-                  </a:schemeClr>
-                </a:solidFill>
-                <a:cs typeface="Arial" panose="020B0604020202020204" pitchFamily="34" charset="0"/>
-              </a:rPr>
-              <a:t>    return </a:t>
-            </a:r>
-            <a:r>
-              <a:rPr lang="en-US" altLang="ko-KR" sz="1400" smtClean="0">
-                <a:solidFill>
-                  <a:schemeClr val="tx1">
-                    <a:lumMod val="95000"/>
-                    <a:lumOff val="5000"/>
-                  </a:schemeClr>
-                </a:solidFill>
-                <a:cs typeface="Arial" panose="020B0604020202020204" pitchFamily="34" charset="0"/>
-              </a:rPr>
-              <a:t>rows</a:t>
-            </a:r>
-          </a:p>
-          <a:p>
-            <a:pPr>
-              <a:buClr>
-                <a:srgbClr val="3C479D"/>
-              </a:buClr>
-            </a:pPr>
-            <a:endParaRPr lang="en-US" altLang="ko-KR" sz="1400" smtClean="0">
-              <a:solidFill>
-                <a:schemeClr val="tx1">
-                  <a:lumMod val="95000"/>
-                  <a:lumOff val="5000"/>
-                </a:schemeClr>
-              </a:solidFill>
-              <a:cs typeface="Arial" panose="020B0604020202020204" pitchFamily="34" charset="0"/>
-            </a:endParaRPr>
-          </a:p>
-          <a:p>
-            <a:pPr>
-              <a:buClr>
-                <a:srgbClr val="3C479D"/>
-              </a:buClr>
-            </a:pPr>
-            <a:r>
-              <a:rPr lang="en-US" altLang="ko-KR" sz="1400" smtClean="0">
-                <a:solidFill>
-                  <a:schemeClr val="tx1">
-                    <a:lumMod val="95000"/>
-                    <a:lumOff val="5000"/>
+                    <a:lumMod val="50000"/>
+                    <a:lumOff val="50000"/>
                   </a:schemeClr>
                 </a:solidFill>
                 <a:cs typeface="Arial" panose="020B0604020202020204" pitchFamily="34" charset="0"/>
@@ -10910,8 +10951,8 @@
               <a:rPr lang="en-US" altLang="ko-KR" sz="1400" smtClean="0">
                 <a:solidFill>
                   <a:schemeClr val="tx1">
-                    <a:lumMod val="95000"/>
-                    <a:lumOff val="5000"/>
+                    <a:lumMod val="50000"/>
+                    <a:lumOff val="50000"/>
                   </a:schemeClr>
                 </a:solidFill>
                 <a:cs typeface="Arial" panose="020B0604020202020204" pitchFamily="34" charset="0"/>
@@ -10922,14 +10963,73 @@
               <a:rPr lang="ko-KR" altLang="en-US" sz="1400" smtClean="0">
                 <a:solidFill>
                   <a:schemeClr val="tx1">
-                    <a:lumMod val="95000"/>
-                    <a:lumOff val="5000"/>
+                    <a:lumMod val="50000"/>
+                    <a:lumOff val="50000"/>
                   </a:schemeClr>
                 </a:solidFill>
                 <a:cs typeface="Arial" panose="020B0604020202020204" pitchFamily="34" charset="0"/>
               </a:rPr>
               <a:t>연결</a:t>
             </a:r>
+            <a:endParaRPr lang="en-US" altLang="ko-KR" sz="1400" smtClean="0">
+              <a:solidFill>
+                <a:schemeClr val="tx1">
+                  <a:lumMod val="50000"/>
+                  <a:lumOff val="50000"/>
+                </a:schemeClr>
+              </a:solidFill>
+              <a:cs typeface="Arial" panose="020B0604020202020204" pitchFamily="34" charset="0"/>
+            </a:endParaRPr>
+          </a:p>
+          <a:p>
+            <a:pPr>
+              <a:buClr>
+                <a:srgbClr val="3C479D"/>
+              </a:buClr>
+            </a:pPr>
+            <a:r>
+              <a:rPr lang="en-US" altLang="ko-KR" sz="1400" smtClean="0">
+                <a:solidFill>
+                  <a:schemeClr val="tx1">
+                    <a:lumMod val="95000"/>
+                    <a:lumOff val="5000"/>
+                  </a:schemeClr>
+                </a:solidFill>
+                <a:cs typeface="Arial" panose="020B0604020202020204" pitchFamily="34" charset="0"/>
+              </a:rPr>
+              <a:t>con </a:t>
+            </a:r>
+            <a:r>
+              <a:rPr lang="en-US" altLang="ko-KR" sz="1400">
+                <a:solidFill>
+                  <a:schemeClr val="tx1">
+                    <a:lumMod val="95000"/>
+                    <a:lumOff val="5000"/>
+                  </a:schemeClr>
+                </a:solidFill>
+                <a:cs typeface="Arial" panose="020B0604020202020204" pitchFamily="34" charset="0"/>
+              </a:rPr>
+              <a:t>= cx_Oracle.connect("scott", "tiger", "</a:t>
+            </a:r>
+            <a:r>
+              <a:rPr lang="en-US" altLang="ko-KR" sz="1400" smtClean="0">
+                <a:solidFill>
+                  <a:schemeClr val="tx1">
+                    <a:lumMod val="95000"/>
+                    <a:lumOff val="5000"/>
+                  </a:schemeClr>
+                </a:solidFill>
+                <a:cs typeface="Arial" panose="020B0604020202020204" pitchFamily="34" charset="0"/>
+              </a:rPr>
+              <a:t>192.168.142.72:1521/xe")</a:t>
+            </a:r>
+          </a:p>
+          <a:p>
+            <a:pPr>
+              <a:buClr>
+                <a:srgbClr val="3C479D"/>
+              </a:buClr>
+            </a:pPr>
             <a:endParaRPr lang="en-US" altLang="ko-KR" sz="1400" smtClean="0">
               <a:solidFill>
                 <a:schemeClr val="tx1">
@@ -10947,6 +11047,249 @@
               </a:buClr>
             </a:pPr>
             <a:r>
+              <a:rPr lang="en-US" altLang="ko-KR" sz="1600" smtClean="0">
+                <a:solidFill>
+                  <a:schemeClr val="tx1"/>
+                </a:solidFill>
+                <a:cs typeface="Arial" panose="020B0604020202020204" pitchFamily="34" charset="0"/>
+              </a:rPr>
+              <a:t>def </a:t>
+            </a:r>
+            <a:r>
+              <a:rPr lang="en-US" altLang="ko-KR" sz="1600">
+                <a:solidFill>
+                  <a:schemeClr val="tx1"/>
+                </a:solidFill>
+                <a:cs typeface="Arial" panose="020B0604020202020204" pitchFamily="34" charset="0"/>
+              </a:rPr>
+              <a:t>sel_query(con, </a:t>
+            </a:r>
+            <a:r>
+              <a:rPr lang="en-US" altLang="ko-KR" sz="1600" smtClean="0">
+                <a:solidFill>
+                  <a:schemeClr val="tx1"/>
+                </a:solidFill>
+                <a:cs typeface="Arial" panose="020B0604020202020204" pitchFamily="34" charset="0"/>
+              </a:rPr>
+              <a:t>sql=None):</a:t>
+            </a:r>
+            <a:endParaRPr lang="en-US" altLang="ko-KR" sz="1600">
+              <a:solidFill>
+                <a:schemeClr val="tx1"/>
+              </a:solidFill>
+              <a:cs typeface="Arial" panose="020B0604020202020204" pitchFamily="34" charset="0"/>
+            </a:endParaRPr>
+          </a:p>
+          <a:p>
+            <a:pPr>
+              <a:buClr>
+                <a:srgbClr val="3C479D"/>
+              </a:buClr>
+            </a:pPr>
+            <a:r>
+              <a:rPr lang="en-US" altLang="ko-KR" sz="1400">
+                <a:solidFill>
+                  <a:schemeClr val="tx1">
+                    <a:lumMod val="95000"/>
+                    <a:lumOff val="5000"/>
+                  </a:schemeClr>
+                </a:solidFill>
+                <a:cs typeface="Arial" panose="020B0604020202020204" pitchFamily="34" charset="0"/>
+              </a:rPr>
+              <a:t>    cur = con.cursor()  </a:t>
+            </a:r>
+            <a:r>
+              <a:rPr lang="en-US" altLang="ko-KR" sz="1400">
+                <a:solidFill>
+                  <a:schemeClr val="tx1">
+                    <a:lumMod val="50000"/>
+                    <a:lumOff val="50000"/>
+                  </a:schemeClr>
+                </a:solidFill>
+                <a:cs typeface="Arial" panose="020B0604020202020204" pitchFamily="34" charset="0"/>
+              </a:rPr>
+              <a:t>#</a:t>
+            </a:r>
+            <a:r>
+              <a:rPr lang="ko-KR" altLang="en-US" sz="1400">
+                <a:solidFill>
+                  <a:schemeClr val="tx1">
+                    <a:lumMod val="50000"/>
+                    <a:lumOff val="50000"/>
+                  </a:schemeClr>
+                </a:solidFill>
+                <a:cs typeface="Arial" panose="020B0604020202020204" pitchFamily="34" charset="0"/>
+              </a:rPr>
+              <a:t>커서 생성</a:t>
+            </a:r>
+            <a:r>
+              <a:rPr lang="en-US" altLang="ko-KR" sz="1400">
+                <a:solidFill>
+                  <a:schemeClr val="tx1">
+                    <a:lumMod val="50000"/>
+                    <a:lumOff val="50000"/>
+                  </a:schemeClr>
+                </a:solidFill>
+                <a:cs typeface="Arial" panose="020B0604020202020204" pitchFamily="34" charset="0"/>
+              </a:rPr>
+              <a:t>: </a:t>
+            </a:r>
+            <a:r>
+              <a:rPr lang="ko-KR" altLang="en-US" sz="1400">
+                <a:solidFill>
+                  <a:schemeClr val="tx1">
+                    <a:lumMod val="50000"/>
+                    <a:lumOff val="50000"/>
+                  </a:schemeClr>
+                </a:solidFill>
+                <a:cs typeface="Arial" panose="020B0604020202020204" pitchFamily="34" charset="0"/>
+              </a:rPr>
+              <a:t>여러 행에 순차적으로 접근하기 위한 지시자</a:t>
+            </a:r>
+          </a:p>
+          <a:p>
+            <a:pPr>
+              <a:buClr>
+                <a:srgbClr val="3C479D"/>
+              </a:buClr>
+            </a:pPr>
+            <a:r>
+              <a:rPr lang="ko-KR" altLang="en-US" sz="1400">
+                <a:solidFill>
+                  <a:schemeClr val="tx1">
+                    <a:lumMod val="95000"/>
+                    <a:lumOff val="5000"/>
+                  </a:schemeClr>
+                </a:solidFill>
+                <a:cs typeface="Arial" panose="020B0604020202020204" pitchFamily="34" charset="0"/>
+              </a:rPr>
+              <a:t>    </a:t>
+            </a:r>
+            <a:r>
+              <a:rPr lang="en-US" altLang="ko-KR" sz="1400">
+                <a:solidFill>
+                  <a:schemeClr val="tx1">
+                    <a:lumMod val="95000"/>
+                    <a:lumOff val="5000"/>
+                  </a:schemeClr>
+                </a:solidFill>
+                <a:cs typeface="Arial" panose="020B0604020202020204" pitchFamily="34" charset="0"/>
+              </a:rPr>
+              <a:t>cur.execute(sql)</a:t>
+            </a:r>
+          </a:p>
+          <a:p>
+            <a:pPr>
+              <a:buClr>
+                <a:srgbClr val="3C479D"/>
+              </a:buClr>
+            </a:pPr>
+            <a:r>
+              <a:rPr lang="en-US" altLang="ko-KR" sz="1400">
+                <a:solidFill>
+                  <a:schemeClr val="tx1">
+                    <a:lumMod val="95000"/>
+                    <a:lumOff val="5000"/>
+                  </a:schemeClr>
+                </a:solidFill>
+                <a:cs typeface="Arial" panose="020B0604020202020204" pitchFamily="34" charset="0"/>
+              </a:rPr>
+              <a:t>    rows = [] </a:t>
+            </a:r>
+            <a:r>
+              <a:rPr lang="en-US" altLang="ko-KR" sz="1400">
+                <a:solidFill>
+                  <a:schemeClr val="tx1">
+                    <a:lumMod val="50000"/>
+                    <a:lumOff val="50000"/>
+                  </a:schemeClr>
+                </a:solidFill>
+                <a:cs typeface="Arial" panose="020B0604020202020204" pitchFamily="34" charset="0"/>
+              </a:rPr>
+              <a:t>#</a:t>
+            </a:r>
+            <a:r>
+              <a:rPr lang="ko-KR" altLang="en-US" sz="1400">
+                <a:solidFill>
+                  <a:schemeClr val="tx1">
+                    <a:lumMod val="50000"/>
+                    <a:lumOff val="50000"/>
+                  </a:schemeClr>
+                </a:solidFill>
+                <a:cs typeface="Arial" panose="020B0604020202020204" pitchFamily="34" charset="0"/>
+              </a:rPr>
+              <a:t>검색 결과 행 반환용 리스트</a:t>
+            </a:r>
+          </a:p>
+          <a:p>
+            <a:pPr>
+              <a:buClr>
+                <a:srgbClr val="3C479D"/>
+              </a:buClr>
+            </a:pPr>
+            <a:r>
+              <a:rPr lang="ko-KR" altLang="en-US" sz="1400">
+                <a:solidFill>
+                  <a:schemeClr val="tx1">
+                    <a:lumMod val="95000"/>
+                    <a:lumOff val="5000"/>
+                  </a:schemeClr>
+                </a:solidFill>
+                <a:cs typeface="Arial" panose="020B0604020202020204" pitchFamily="34" charset="0"/>
+              </a:rPr>
+              <a:t>    </a:t>
+            </a:r>
+            <a:r>
+              <a:rPr lang="en-US" altLang="ko-KR" sz="1400">
+                <a:solidFill>
+                  <a:schemeClr val="tx1">
+                    <a:lumMod val="95000"/>
+                    <a:lumOff val="5000"/>
+                  </a:schemeClr>
+                </a:solidFill>
+                <a:cs typeface="Arial" panose="020B0604020202020204" pitchFamily="34" charset="0"/>
+              </a:rPr>
+              <a:t>seq = 0</a:t>
+            </a:r>
+          </a:p>
+          <a:p>
+            <a:pPr>
+              <a:buClr>
+                <a:srgbClr val="3C479D"/>
+              </a:buClr>
+            </a:pPr>
+            <a:r>
+              <a:rPr lang="en-US" altLang="ko-KR" sz="1400">
+                <a:solidFill>
+                  <a:schemeClr val="tx1">
+                    <a:lumMod val="95000"/>
+                    <a:lumOff val="5000"/>
+                  </a:schemeClr>
+                </a:solidFill>
+                <a:cs typeface="Arial" panose="020B0604020202020204" pitchFamily="34" charset="0"/>
+              </a:rPr>
+              <a:t>    for row in cur:</a:t>
+            </a:r>
+          </a:p>
+          <a:p>
+            <a:pPr>
+              <a:buClr>
+                <a:srgbClr val="3C479D"/>
+              </a:buClr>
+            </a:pPr>
+            <a:r>
+              <a:rPr lang="en-US" altLang="ko-KR" sz="1400">
+                <a:solidFill>
+                  <a:schemeClr val="tx1">
+                    <a:lumMod val="95000"/>
+                    <a:lumOff val="5000"/>
+                  </a:schemeClr>
+                </a:solidFill>
+                <a:cs typeface="Arial" panose="020B0604020202020204" pitchFamily="34" charset="0"/>
+              </a:rPr>
+              <a:t>        rows.append(row</a:t>
+            </a:r>
+            <a:r>
               <a:rPr lang="en-US" altLang="ko-KR" sz="1400" smtClean="0">
                 <a:solidFill>
                   <a:schemeClr val="tx1">
@@ -10956,8 +11299,24 @@
                 </a:solidFill>
                 <a:cs typeface="Arial" panose="020B0604020202020204" pitchFamily="34" charset="0"/>
               </a:rPr>
-              <a:t>con </a:t>
-            </a:r>
+              <a:t>)     </a:t>
+            </a:r>
+            <a:endParaRPr lang="en-US" altLang="ko-KR" sz="1400">
+              <a:solidFill>
+                <a:schemeClr val="tx1">
+                  <a:lumMod val="95000"/>
+                  <a:lumOff val="5000"/>
+                </a:schemeClr>
+              </a:solidFill>
+              <a:cs typeface="Arial" panose="020B0604020202020204" pitchFamily="34" charset="0"/>
+            </a:endParaRPr>
+          </a:p>
+          <a:p>
+            <a:pPr>
+              <a:buClr>
+                <a:srgbClr val="3C479D"/>
+              </a:buClr>
+            </a:pPr>
             <a:r>
               <a:rPr lang="en-US" altLang="ko-KR" sz="1400">
                 <a:solidFill>
@@ -10968,7 +11327,7 @@
                 </a:solidFill>
                 <a:cs typeface="Arial" panose="020B0604020202020204" pitchFamily="34" charset="0"/>
               </a:rPr>
-              <a:t>= cx_Oracle.connect("scott", "tiger", "</a:t>
+              <a:t>    return </a:t>
             </a:r>
             <a:r>
               <a:rPr lang="en-US" altLang="ko-KR" sz="1400" smtClean="0">
@@ -10980,8 +11339,15 @@
                 </a:solidFill>
                 <a:cs typeface="Arial" panose="020B0604020202020204" pitchFamily="34" charset="0"/>
               </a:rPr>
-              <a:t>192.168.142.72:1521/xe")</a:t>
-            </a:r>
+              <a:t>rows</a:t>
+            </a:r>
+          </a:p>
+          <a:p>
+            <a:pPr>
+              <a:buClr>
+                <a:srgbClr val="3C479D"/>
+              </a:buClr>
+            </a:pPr>
             <a:endParaRPr lang="en-US" altLang="ko-KR" sz="1400" smtClean="0">
               <a:solidFill>
                 <a:schemeClr val="tx1">
@@ -10998,346 +11364,12 @@
                 <a:srgbClr val="3C479D"/>
               </a:buClr>
             </a:pPr>
-            <a:endParaRPr lang="en-US" altLang="ko-KR" sz="1400" smtClean="0">
-              <a:solidFill>
-                <a:schemeClr val="tx1">
-                  <a:lumMod val="95000"/>
-                  <a:lumOff val="5000"/>
-                </a:schemeClr>
-              </a:solidFill>
-              <a:cs typeface="Arial" panose="020B0604020202020204" pitchFamily="34" charset="0"/>
-            </a:endParaRPr>
-          </a:p>
-          <a:p>
-            <a:pPr>
-              <a:buClr>
-                <a:srgbClr val="3C479D"/>
-              </a:buClr>
-            </a:pPr>
-            <a:r>
-              <a:rPr lang="en-US" altLang="ko-KR" sz="1600" smtClean="0">
-                <a:solidFill>
-                  <a:schemeClr val="tx1"/>
-                </a:solidFill>
-                <a:cs typeface="Arial" panose="020B0604020202020204" pitchFamily="34" charset="0"/>
-              </a:rPr>
-              <a:t>def </a:t>
-            </a:r>
-            <a:r>
-              <a:rPr lang="en-US" altLang="ko-KR" sz="1600">
-                <a:solidFill>
-                  <a:schemeClr val="tx1"/>
-                </a:solidFill>
-                <a:cs typeface="Arial" panose="020B0604020202020204" pitchFamily="34" charset="0"/>
-              </a:rPr>
-              <a:t>sel_query(con, </a:t>
-            </a:r>
-            <a:r>
-              <a:rPr lang="en-US" altLang="ko-KR" sz="1600" smtClean="0">
-                <a:solidFill>
-                  <a:schemeClr val="tx1"/>
-                </a:solidFill>
-                <a:cs typeface="Arial" panose="020B0604020202020204" pitchFamily="34" charset="0"/>
-              </a:rPr>
-              <a:t>sql=None):</a:t>
-            </a:r>
-            <a:endParaRPr lang="en-US" altLang="ko-KR" sz="1600">
-              <a:solidFill>
-                <a:schemeClr val="tx1"/>
-              </a:solidFill>
-              <a:cs typeface="Arial" panose="020B0604020202020204" pitchFamily="34" charset="0"/>
-            </a:endParaRPr>
-          </a:p>
-          <a:p>
-            <a:pPr>
-              <a:buClr>
-                <a:srgbClr val="3C479D"/>
-              </a:buClr>
-            </a:pPr>
-            <a:r>
-              <a:rPr lang="en-US" altLang="ko-KR" sz="1400">
-                <a:solidFill>
-                  <a:schemeClr val="tx1">
-                    <a:lumMod val="95000"/>
-                    <a:lumOff val="5000"/>
-                  </a:schemeClr>
-                </a:solidFill>
-                <a:cs typeface="Arial" panose="020B0604020202020204" pitchFamily="34" charset="0"/>
-              </a:rPr>
-              <a:t>    cur = con.cursor()  </a:t>
-            </a:r>
-            <a:r>
-              <a:rPr lang="en-US" altLang="ko-KR" sz="1400">
-                <a:solidFill>
-                  <a:schemeClr val="tx1">
-                    <a:lumMod val="50000"/>
-                    <a:lumOff val="50000"/>
-                  </a:schemeClr>
-                </a:solidFill>
-                <a:cs typeface="Arial" panose="020B0604020202020204" pitchFamily="34" charset="0"/>
-              </a:rPr>
-              <a:t>#</a:t>
-            </a:r>
-            <a:r>
-              <a:rPr lang="ko-KR" altLang="en-US" sz="1400">
-                <a:solidFill>
-                  <a:schemeClr val="tx1">
-                    <a:lumMod val="50000"/>
-                    <a:lumOff val="50000"/>
-                  </a:schemeClr>
-                </a:solidFill>
-                <a:cs typeface="Arial" panose="020B0604020202020204" pitchFamily="34" charset="0"/>
-              </a:rPr>
-              <a:t>커서 생성</a:t>
-            </a:r>
-            <a:r>
-              <a:rPr lang="en-US" altLang="ko-KR" sz="1400">
-                <a:solidFill>
-                  <a:schemeClr val="tx1">
-                    <a:lumMod val="50000"/>
-                    <a:lumOff val="50000"/>
-                  </a:schemeClr>
-                </a:solidFill>
-                <a:cs typeface="Arial" panose="020B0604020202020204" pitchFamily="34" charset="0"/>
-              </a:rPr>
-              <a:t>: </a:t>
-            </a:r>
-            <a:r>
-              <a:rPr lang="ko-KR" altLang="en-US" sz="1400">
-                <a:solidFill>
-                  <a:schemeClr val="tx1">
-                    <a:lumMod val="50000"/>
-                    <a:lumOff val="50000"/>
-                  </a:schemeClr>
-                </a:solidFill>
-                <a:cs typeface="Arial" panose="020B0604020202020204" pitchFamily="34" charset="0"/>
-              </a:rPr>
-              <a:t>여러 행에 순차적으로 접근하기 위한 지시자</a:t>
-            </a:r>
-          </a:p>
-          <a:p>
-            <a:pPr>
-              <a:buClr>
-                <a:srgbClr val="3C479D"/>
-              </a:buClr>
-            </a:pPr>
-            <a:r>
-              <a:rPr lang="ko-KR" altLang="en-US" sz="1400">
-                <a:solidFill>
-                  <a:schemeClr val="tx1">
-                    <a:lumMod val="95000"/>
-                    <a:lumOff val="5000"/>
-                  </a:schemeClr>
-                </a:solidFill>
-                <a:cs typeface="Arial" panose="020B0604020202020204" pitchFamily="34" charset="0"/>
-              </a:rPr>
-              <a:t>    </a:t>
-            </a:r>
-            <a:r>
-              <a:rPr lang="en-US" altLang="ko-KR" sz="1400">
-                <a:solidFill>
-                  <a:schemeClr val="tx1">
-                    <a:lumMod val="95000"/>
-                    <a:lumOff val="5000"/>
-                  </a:schemeClr>
-                </a:solidFill>
-                <a:cs typeface="Arial" panose="020B0604020202020204" pitchFamily="34" charset="0"/>
-              </a:rPr>
-              <a:t>cur.execute(sql)</a:t>
-            </a:r>
-          </a:p>
-          <a:p>
-            <a:pPr>
-              <a:buClr>
-                <a:srgbClr val="3C479D"/>
-              </a:buClr>
-            </a:pPr>
-            <a:r>
-              <a:rPr lang="en-US" altLang="ko-KR" sz="1400">
-                <a:solidFill>
-                  <a:schemeClr val="tx1">
-                    <a:lumMod val="95000"/>
-                    <a:lumOff val="5000"/>
-                  </a:schemeClr>
-                </a:solidFill>
-                <a:cs typeface="Arial" panose="020B0604020202020204" pitchFamily="34" charset="0"/>
-              </a:rPr>
-              <a:t>    rows = [] </a:t>
-            </a:r>
-            <a:r>
-              <a:rPr lang="en-US" altLang="ko-KR" sz="1400">
-                <a:solidFill>
-                  <a:schemeClr val="tx1">
-                    <a:lumMod val="50000"/>
-                    <a:lumOff val="50000"/>
-                  </a:schemeClr>
-                </a:solidFill>
-                <a:cs typeface="Arial" panose="020B0604020202020204" pitchFamily="34" charset="0"/>
-              </a:rPr>
-              <a:t>#</a:t>
-            </a:r>
-            <a:r>
-              <a:rPr lang="ko-KR" altLang="en-US" sz="1400">
-                <a:solidFill>
-                  <a:schemeClr val="tx1">
-                    <a:lumMod val="50000"/>
-                    <a:lumOff val="50000"/>
-                  </a:schemeClr>
-                </a:solidFill>
-                <a:cs typeface="Arial" panose="020B0604020202020204" pitchFamily="34" charset="0"/>
-              </a:rPr>
-              <a:t>검색 결과 행 반환용 리스트</a:t>
-            </a:r>
-          </a:p>
-          <a:p>
-            <a:pPr>
-              <a:buClr>
-                <a:srgbClr val="3C479D"/>
-              </a:buClr>
-            </a:pPr>
-            <a:r>
-              <a:rPr lang="ko-KR" altLang="en-US" sz="1400">
-                <a:solidFill>
-                  <a:schemeClr val="tx1">
-                    <a:lumMod val="95000"/>
-                    <a:lumOff val="5000"/>
-                  </a:schemeClr>
-                </a:solidFill>
-                <a:cs typeface="Arial" panose="020B0604020202020204" pitchFamily="34" charset="0"/>
-              </a:rPr>
-              <a:t>    </a:t>
-            </a:r>
-            <a:r>
-              <a:rPr lang="en-US" altLang="ko-KR" sz="1400">
-                <a:solidFill>
-                  <a:schemeClr val="tx1">
-                    <a:lumMod val="95000"/>
-                    <a:lumOff val="5000"/>
-                  </a:schemeClr>
-                </a:solidFill>
-                <a:cs typeface="Arial" panose="020B0604020202020204" pitchFamily="34" charset="0"/>
-              </a:rPr>
-              <a:t>seq = 0</a:t>
-            </a:r>
-          </a:p>
-          <a:p>
-            <a:pPr>
-              <a:buClr>
-                <a:srgbClr val="3C479D"/>
-              </a:buClr>
-            </a:pPr>
-            <a:r>
-              <a:rPr lang="en-US" altLang="ko-KR" sz="1400">
-                <a:solidFill>
-                  <a:schemeClr val="tx1">
-                    <a:lumMod val="95000"/>
-                    <a:lumOff val="5000"/>
-                  </a:schemeClr>
-                </a:solidFill>
-                <a:cs typeface="Arial" panose="020B0604020202020204" pitchFamily="34" charset="0"/>
-              </a:rPr>
-              <a:t>    for row in cur:</a:t>
-            </a:r>
-          </a:p>
-          <a:p>
-            <a:pPr>
-              <a:buClr>
-                <a:srgbClr val="3C479D"/>
-              </a:buClr>
-            </a:pPr>
-            <a:r>
-              <a:rPr lang="en-US" altLang="ko-KR" sz="1400">
-                <a:solidFill>
-                  <a:schemeClr val="tx1">
-                    <a:lumMod val="95000"/>
-                    <a:lumOff val="5000"/>
-                  </a:schemeClr>
-                </a:solidFill>
-                <a:cs typeface="Arial" panose="020B0604020202020204" pitchFamily="34" charset="0"/>
-              </a:rPr>
-              <a:t>        rows.append(row</a:t>
-            </a:r>
             <a:r>
               <a:rPr lang="en-US" altLang="ko-KR" sz="1400" smtClean="0">
                 <a:solidFill>
                   <a:schemeClr val="tx1">
-                    <a:lumMod val="95000"/>
-                    <a:lumOff val="5000"/>
-                  </a:schemeClr>
-                </a:solidFill>
-                <a:cs typeface="Arial" panose="020B0604020202020204" pitchFamily="34" charset="0"/>
-              </a:rPr>
-              <a:t>)     </a:t>
-            </a:r>
-            <a:endParaRPr lang="en-US" altLang="ko-KR" sz="1400">
-              <a:solidFill>
-                <a:schemeClr val="tx1">
-                  <a:lumMod val="95000"/>
-                  <a:lumOff val="5000"/>
-                </a:schemeClr>
-              </a:solidFill>
-              <a:cs typeface="Arial" panose="020B0604020202020204" pitchFamily="34" charset="0"/>
-            </a:endParaRPr>
-          </a:p>
-          <a:p>
-            <a:pPr>
-              <a:buClr>
-                <a:srgbClr val="3C479D"/>
-              </a:buClr>
-            </a:pPr>
-            <a:r>
-              <a:rPr lang="en-US" altLang="ko-KR" sz="1400">
-                <a:solidFill>
-                  <a:schemeClr val="tx1">
-                    <a:lumMod val="95000"/>
-                    <a:lumOff val="5000"/>
-                  </a:schemeClr>
-                </a:solidFill>
-                <a:cs typeface="Arial" panose="020B0604020202020204" pitchFamily="34" charset="0"/>
-              </a:rPr>
-              <a:t>    return </a:t>
-            </a:r>
-            <a:r>
-              <a:rPr lang="en-US" altLang="ko-KR" sz="1400" smtClean="0">
-                <a:solidFill>
-                  <a:schemeClr val="tx1">
-                    <a:lumMod val="95000"/>
-                    <a:lumOff val="5000"/>
-                  </a:schemeClr>
-                </a:solidFill>
-                <a:cs typeface="Arial" panose="020B0604020202020204" pitchFamily="34" charset="0"/>
-              </a:rPr>
-              <a:t>rows</a:t>
-            </a:r>
-          </a:p>
-          <a:p>
-            <a:pPr>
-              <a:buClr>
-                <a:srgbClr val="3C479D"/>
-              </a:buClr>
-            </a:pPr>
-            <a:endParaRPr lang="en-US" altLang="ko-KR" sz="1400" smtClean="0">
-              <a:solidFill>
-                <a:schemeClr val="tx1">
-                  <a:lumMod val="95000"/>
-                  <a:lumOff val="5000"/>
-                </a:schemeClr>
-              </a:solidFill>
-              <a:cs typeface="Arial" panose="020B0604020202020204" pitchFamily="34" charset="0"/>
-            </a:endParaRPr>
-          </a:p>
-          <a:p>
-            <a:pPr>
-              <a:buClr>
-                <a:srgbClr val="3C479D"/>
-              </a:buClr>
-            </a:pPr>
-            <a:r>
-              <a:rPr lang="en-US" altLang="ko-KR" sz="1400" smtClean="0">
-                <a:solidFill>
-                  <a:schemeClr val="tx1">
-                    <a:lumMod val="95000"/>
-                    <a:lumOff val="5000"/>
+                    <a:lumMod val="50000"/>
+                    <a:lumOff val="50000"/>
                   </a:schemeClr>
                 </a:solidFill>
                 <a:cs typeface="Arial" panose="020B0604020202020204" pitchFamily="34" charset="0"/>
@@ -12526,8 +12558,8 @@
               <a:rPr lang="en-US" altLang="ko-KR" sz="1400">
                 <a:solidFill>
                   <a:schemeClr val="tx1">
-                    <a:lumMod val="95000"/>
-                    <a:lumOff val="5000"/>
+                    <a:lumMod val="50000"/>
+                    <a:lumOff val="50000"/>
                   </a:schemeClr>
                 </a:solidFill>
                 <a:cs typeface="Arial" panose="020B0604020202020204" pitchFamily="34" charset="0"/>
@@ -12538,13 +12570,53 @@
               <a:rPr lang="ko-KR" altLang="en-US" sz="1400">
                 <a:solidFill>
                   <a:schemeClr val="tx1">
-                    <a:lumMod val="95000"/>
-                    <a:lumOff val="5000"/>
+                    <a:lumMod val="50000"/>
+                    <a:lumOff val="50000"/>
                   </a:schemeClr>
                 </a:solidFill>
                 <a:cs typeface="Arial" panose="020B0604020202020204" pitchFamily="34" charset="0"/>
               </a:rPr>
               <a:t>연결</a:t>
+            </a:r>
+            <a:endParaRPr lang="en-US" altLang="ko-KR" sz="1400">
+              <a:solidFill>
+                <a:schemeClr val="tx1">
+                  <a:lumMod val="50000"/>
+                  <a:lumOff val="50000"/>
+                </a:schemeClr>
+              </a:solidFill>
+              <a:cs typeface="Arial" panose="020B0604020202020204" pitchFamily="34" charset="0"/>
+            </a:endParaRPr>
+          </a:p>
+          <a:p>
+            <a:pPr>
+              <a:buClr>
+                <a:srgbClr val="3C479D"/>
+              </a:buClr>
+            </a:pPr>
+            <a:r>
+              <a:rPr lang="en-US" altLang="ko-KR" sz="1400">
+                <a:solidFill>
+                  <a:schemeClr val="tx1">
+                    <a:lumMod val="95000"/>
+                    <a:lumOff val="5000"/>
+                  </a:schemeClr>
+                </a:solidFill>
+                <a:cs typeface="Arial" panose="020B0604020202020204" pitchFamily="34" charset="0"/>
+              </a:rPr>
+              <a:t>con = cx_Oracle.connect("scott", "tiger", "</a:t>
+            </a:r>
+            <a:r>
+              <a:rPr lang="en-US" altLang="ko-KR" sz="1400" smtClean="0">
+                <a:solidFill>
+                  <a:schemeClr val="tx1">
+                    <a:lumMod val="95000"/>
+                    <a:lumOff val="5000"/>
+                  </a:schemeClr>
+                </a:solidFill>
+                <a:cs typeface="Arial" panose="020B0604020202020204" pitchFamily="34" charset="0"/>
+              </a:rPr>
+              <a:t>192.168.142.72:1521/xe")</a:t>
             </a:r>
             <a:endParaRPr lang="en-US" altLang="ko-KR" sz="1400">
               <a:solidFill>
@@ -12562,30 +12634,6 @@
                 <a:srgbClr val="3C479D"/>
               </a:buClr>
             </a:pPr>
-            <a:r>
-              <a:rPr lang="en-US" altLang="ko-KR" sz="1400">
-                <a:solidFill>
-                  <a:schemeClr val="tx1">
-                    <a:lumMod val="95000"/>
-                    <a:lumOff val="5000"/>
-                  </a:schemeClr>
-                </a:solidFill>
-                <a:cs typeface="Arial" panose="020B0604020202020204" pitchFamily="34" charset="0"/>
-              </a:rPr>
-              <a:t>con = cx_Oracle.connect("scott", "tiger", "</a:t>
-            </a:r>
-            <a:r>
-              <a:rPr lang="en-US" altLang="ko-KR" sz="1400" smtClean="0">
-                <a:solidFill>
-                  <a:schemeClr val="tx1">
-                    <a:lumMod val="95000"/>
-                    <a:lumOff val="5000"/>
-                  </a:schemeClr>
-                </a:solidFill>
-                <a:cs typeface="Arial" panose="020B0604020202020204" pitchFamily="34" charset="0"/>
-              </a:rPr>
-              <a:t>192.168.142.72:1521/xe")</a:t>
-            </a:r>
             <a:endParaRPr lang="en-US" altLang="ko-KR" sz="1400">
               <a:solidFill>
                 <a:schemeClr val="tx1">
@@ -12602,6 +12650,93 @@
                 <a:srgbClr val="3C479D"/>
               </a:buClr>
             </a:pPr>
+            <a:r>
+              <a:rPr lang="en-US" altLang="ko-KR" sz="1600">
+                <a:solidFill>
+                  <a:schemeClr val="tx1"/>
+                </a:solidFill>
+                <a:cs typeface="Arial" panose="020B0604020202020204" pitchFamily="34" charset="0"/>
+              </a:rPr>
+              <a:t>def sel_query(con, sql=None):</a:t>
+            </a:r>
+          </a:p>
+          <a:p>
+            <a:pPr>
+              <a:buClr>
+                <a:srgbClr val="3C479D"/>
+              </a:buClr>
+            </a:pPr>
+            <a:r>
+              <a:rPr lang="en-US" altLang="ko-KR" sz="1400">
+                <a:solidFill>
+                  <a:schemeClr val="tx1">
+                    <a:lumMod val="95000"/>
+                    <a:lumOff val="5000"/>
+                  </a:schemeClr>
+                </a:solidFill>
+                <a:cs typeface="Arial" panose="020B0604020202020204" pitchFamily="34" charset="0"/>
+              </a:rPr>
+              <a:t>    </a:t>
+            </a:r>
+            <a:r>
+              <a:rPr lang="en-US" altLang="ko-KR" sz="1400" smtClean="0">
+                <a:solidFill>
+                  <a:schemeClr val="tx1">
+                    <a:lumMod val="50000"/>
+                    <a:lumOff val="50000"/>
+                  </a:schemeClr>
+                </a:solidFill>
+                <a:cs typeface="Arial" panose="020B0604020202020204" pitchFamily="34" charset="0"/>
+              </a:rPr>
+              <a:t>## </a:t>
+            </a:r>
+            <a:r>
+              <a:rPr lang="ko-KR" altLang="en-US" sz="1400" smtClean="0">
+                <a:solidFill>
+                  <a:schemeClr val="tx1">
+                    <a:lumMod val="50000"/>
+                    <a:lumOff val="50000"/>
+                  </a:schemeClr>
+                </a:solidFill>
+                <a:cs typeface="Arial" panose="020B0604020202020204" pitchFamily="34" charset="0"/>
+              </a:rPr>
+              <a:t>생략 </a:t>
+            </a:r>
+            <a:r>
+              <a:rPr lang="en-US" altLang="ko-KR" sz="1400" smtClean="0">
+                <a:solidFill>
+                  <a:schemeClr val="tx1">
+                    <a:lumMod val="50000"/>
+                    <a:lumOff val="50000"/>
+                  </a:schemeClr>
+                </a:solidFill>
+                <a:cs typeface="Arial" panose="020B0604020202020204" pitchFamily="34" charset="0"/>
+              </a:rPr>
+              <a:t>##</a:t>
+            </a:r>
+          </a:p>
+          <a:p>
+            <a:pPr>
+              <a:buClr>
+                <a:srgbClr val="3C479D"/>
+              </a:buClr>
+            </a:pPr>
+            <a:endParaRPr lang="en-US" altLang="ko-KR" sz="1400" smtClean="0">
+              <a:solidFill>
+                <a:schemeClr val="tx1">
+                  <a:lumMod val="50000"/>
+                  <a:lumOff val="50000"/>
+                </a:schemeClr>
+              </a:solidFill>
+              <a:cs typeface="Arial" panose="020B0604020202020204" pitchFamily="34" charset="0"/>
+            </a:endParaRPr>
+          </a:p>
+          <a:p>
+            <a:pPr>
+              <a:buClr>
+                <a:srgbClr val="3C479D"/>
+              </a:buClr>
+            </a:pPr>
             <a:endParaRPr lang="en-US" altLang="ko-KR" sz="1400">
               <a:solidFill>
                 <a:schemeClr val="tx1">
@@ -12619,13 +12754,13 @@
               </a:buClr>
             </a:pPr>
             <a:r>
-              <a:rPr lang="en-US" altLang="ko-KR" sz="1600">
-                <a:solidFill>
-                  <a:schemeClr val="tx1"/>
-                </a:solidFill>
-                <a:cs typeface="Arial" panose="020B0604020202020204" pitchFamily="34" charset="0"/>
-              </a:rPr>
-              <a:t>def sel_query(con, sql=None):</a:t>
+              <a:rPr lang="en-US" altLang="ko-KR" sz="1400">
+                <a:solidFill>
+                  <a:srgbClr val="C00000"/>
+                </a:solidFill>
+                <a:cs typeface="Arial" panose="020B0604020202020204" pitchFamily="34" charset="0"/>
+              </a:rPr>
+              <a:t>def prt_dept():</a:t>
             </a:r>
           </a:p>
           <a:p>
@@ -12644,19 +12779,151 @@
                 </a:solidFill>
                 <a:cs typeface="Arial" panose="020B0604020202020204" pitchFamily="34" charset="0"/>
               </a:rPr>
+              <a:t>    sql="</a:t>
+            </a:r>
+            <a:r>
+              <a:rPr lang="en-US" altLang="ko-KR" sz="1400">
+                <a:solidFill>
+                  <a:srgbClr val="0000FF"/>
+                </a:solidFill>
+                <a:cs typeface="Arial" panose="020B0604020202020204" pitchFamily="34" charset="0"/>
+              </a:rPr>
+              <a:t>Select * from dept</a:t>
+            </a:r>
+            <a:r>
+              <a:rPr lang="en-US" altLang="ko-KR" sz="1400">
+                <a:solidFill>
+                  <a:schemeClr val="tx1">
+                    <a:lumMod val="95000"/>
+                    <a:lumOff val="5000"/>
+                  </a:schemeClr>
+                </a:solidFill>
+                <a:cs typeface="Arial" panose="020B0604020202020204" pitchFamily="34" charset="0"/>
+              </a:rPr>
+              <a:t>"  </a:t>
+            </a:r>
+            <a:r>
+              <a:rPr lang="en-US" altLang="ko-KR" sz="1400">
+                <a:solidFill>
+                  <a:schemeClr val="tx1">
+                    <a:lumMod val="50000"/>
+                    <a:lumOff val="50000"/>
+                  </a:schemeClr>
+                </a:solidFill>
+                <a:cs typeface="Arial" panose="020B0604020202020204" pitchFamily="34" charset="0"/>
+              </a:rPr>
+              <a:t>#DEPT </a:t>
+            </a:r>
+            <a:r>
+              <a:rPr lang="ko-KR" altLang="en-US" sz="1400">
+                <a:solidFill>
+                  <a:schemeClr val="tx1">
+                    <a:lumMod val="50000"/>
+                    <a:lumOff val="50000"/>
+                  </a:schemeClr>
+                </a:solidFill>
+                <a:cs typeface="Arial" panose="020B0604020202020204" pitchFamily="34" charset="0"/>
+              </a:rPr>
+              <a:t>테이블 검색</a:t>
+            </a:r>
+          </a:p>
+          <a:p>
+            <a:pPr>
+              <a:buClr>
+                <a:srgbClr val="3C479D"/>
+              </a:buClr>
+            </a:pPr>
+            <a:r>
+              <a:rPr lang="ko-KR" altLang="en-US" sz="1400">
+                <a:solidFill>
+                  <a:schemeClr val="tx1">
+                    <a:lumMod val="95000"/>
+                    <a:lumOff val="5000"/>
+                  </a:schemeClr>
+                </a:solidFill>
+                <a:cs typeface="Arial" panose="020B0604020202020204" pitchFamily="34" charset="0"/>
+              </a:rPr>
               <a:t>    </a:t>
             </a:r>
             <a:r>
+              <a:rPr lang="en-US" altLang="ko-KR" sz="1400">
+                <a:solidFill>
+                  <a:schemeClr val="tx1">
+                    <a:lumMod val="95000"/>
+                    <a:lumOff val="5000"/>
+                  </a:schemeClr>
+                </a:solidFill>
+                <a:cs typeface="Arial" panose="020B0604020202020204" pitchFamily="34" charset="0"/>
+              </a:rPr>
+              <a:t>rows = sel_query(con, sql)</a:t>
+            </a:r>
+          </a:p>
+          <a:p>
+            <a:pPr>
+              <a:buClr>
+                <a:srgbClr val="3C479D"/>
+              </a:buClr>
+            </a:pPr>
+            <a:r>
+              <a:rPr lang="en-US" altLang="ko-KR" sz="1400">
+                <a:solidFill>
+                  <a:schemeClr val="tx1">
+                    <a:lumMod val="95000"/>
+                    <a:lumOff val="5000"/>
+                  </a:schemeClr>
+                </a:solidFill>
+                <a:cs typeface="Arial" panose="020B0604020202020204" pitchFamily="34" charset="0"/>
+              </a:rPr>
+              <a:t>    for row in rows:</a:t>
+            </a:r>
+          </a:p>
+          <a:p>
+            <a:pPr>
+              <a:buClr>
+                <a:srgbClr val="3C479D"/>
+              </a:buClr>
+            </a:pPr>
+            <a:r>
+              <a:rPr lang="en-US" altLang="ko-KR" sz="1400">
+                <a:solidFill>
+                  <a:schemeClr val="tx1">
+                    <a:lumMod val="95000"/>
+                    <a:lumOff val="5000"/>
+                  </a:schemeClr>
+                </a:solidFill>
+                <a:cs typeface="Arial" panose="020B0604020202020204" pitchFamily="34" charset="0"/>
+              </a:rPr>
+              <a:t>        </a:t>
+            </a:r>
+            <a:r>
+              <a:rPr lang="en-US" altLang="ko-KR" sz="1400">
+                <a:solidFill>
+                  <a:srgbClr val="0000FF"/>
+                </a:solidFill>
+                <a:cs typeface="Arial" panose="020B0604020202020204" pitchFamily="34" charset="0"/>
+              </a:rPr>
+              <a:t>deptno, dname, loc = </a:t>
+            </a:r>
+            <a:r>
               <a:rPr lang="en-US" altLang="ko-KR" sz="1400" smtClean="0">
                 <a:solidFill>
-                  <a:schemeClr val="tx1">
-                    <a:lumMod val="50000"/>
-                    <a:lumOff val="50000"/>
-                  </a:schemeClr>
-                </a:solidFill>
-                <a:cs typeface="Arial" panose="020B0604020202020204" pitchFamily="34" charset="0"/>
-              </a:rPr>
-              <a:t>## </a:t>
+                  <a:srgbClr val="0000FF"/>
+                </a:solidFill>
+                <a:cs typeface="Arial" panose="020B0604020202020204" pitchFamily="34" charset="0"/>
+              </a:rPr>
+              <a:t>row  </a:t>
+            </a:r>
+            <a:r>
+              <a:rPr lang="en-US" altLang="ko-KR" sz="1400" smtClean="0">
+                <a:solidFill>
+                  <a:schemeClr val="tx1">
+                    <a:lumMod val="50000"/>
+                    <a:lumOff val="50000"/>
+                  </a:schemeClr>
+                </a:solidFill>
+                <a:cs typeface="Arial" panose="020B0604020202020204" pitchFamily="34" charset="0"/>
+              </a:rPr>
+              <a:t>#</a:t>
             </a:r>
             <a:r>
               <a:rPr lang="ko-KR" altLang="en-US" sz="1400" smtClean="0">
@@ -12668,7 +12935,7 @@
                 </a:solidFill>
                 <a:cs typeface="Arial" panose="020B0604020202020204" pitchFamily="34" charset="0"/>
               </a:rPr>
-              <a:t>생략 </a:t>
+              <a:t>검색 행 </a:t>
             </a:r>
             <a:r>
               <a:rPr lang="en-US" altLang="ko-KR" sz="1400" smtClean="0">
@@ -12680,16 +12947,9 @@
                 </a:solidFill>
                 <a:cs typeface="Arial" panose="020B0604020202020204" pitchFamily="34" charset="0"/>
               </a:rPr>
-              <a:t>##</a:t>
-            </a:r>
-          </a:p>
-          <a:p>
-            <a:pPr>
-              <a:buClr>
-                <a:srgbClr val="3C479D"/>
-              </a:buClr>
-            </a:pPr>
-            <a:endParaRPr lang="en-US" altLang="ko-KR" sz="1400" smtClean="0">
+              <a:t>unpacking</a:t>
+            </a:r>
+            <a:endParaRPr lang="en-US" altLang="ko-KR" sz="1400">
               <a:solidFill>
                 <a:schemeClr val="tx1">
                   <a:lumMod val="50000"/>
@@ -12698,6 +12958,37 @@
               </a:solidFill>
               <a:cs typeface="Arial" panose="020B0604020202020204" pitchFamily="34" charset="0"/>
             </a:endParaRPr>
+          </a:p>
+          <a:p>
+            <a:pPr>
+              <a:buClr>
+                <a:srgbClr val="3C479D"/>
+              </a:buClr>
+            </a:pPr>
+            <a:r>
+              <a:rPr lang="en-US" altLang="ko-KR" sz="1400">
+                <a:solidFill>
+                  <a:schemeClr val="tx1">
+                    <a:lumMod val="95000"/>
+                    <a:lumOff val="5000"/>
+                  </a:schemeClr>
+                </a:solidFill>
+                <a:cs typeface="Arial" panose="020B0604020202020204" pitchFamily="34" charset="0"/>
+              </a:rPr>
+              <a:t>        print("%5s %25s %15s" %(deptno, dname, loc</a:t>
+            </a:r>
+            <a:r>
+              <a:rPr lang="en-US" altLang="ko-KR" sz="1400" smtClean="0">
+                <a:solidFill>
+                  <a:schemeClr val="tx1">
+                    <a:lumMod val="95000"/>
+                    <a:lumOff val="5000"/>
+                  </a:schemeClr>
+                </a:solidFill>
+                <a:cs typeface="Arial" panose="020B0604020202020204" pitchFamily="34" charset="0"/>
+              </a:rPr>
+              <a:t>))</a:t>
+            </a:r>
           </a:p>
           <a:p>
             <a:pPr>
@@ -12724,268 +13015,9 @@
             <a:r>
               <a:rPr lang="en-US" altLang="ko-KR" sz="1400">
                 <a:solidFill>
-                  <a:srgbClr val="C00000"/>
-                </a:solidFill>
-                <a:cs typeface="Arial" panose="020B0604020202020204" pitchFamily="34" charset="0"/>
-              </a:rPr>
-              <a:t>def prt_dept():</a:t>
-            </a:r>
-          </a:p>
-          <a:p>
-            <a:pPr>
-              <a:buClr>
-                <a:srgbClr val="3C479D"/>
-              </a:buClr>
-            </a:pPr>
-            <a:r>
-              <a:rPr lang="en-US" altLang="ko-KR" sz="1400">
-                <a:solidFill>
-                  <a:schemeClr val="tx1">
-                    <a:lumMod val="95000"/>
-                    <a:lumOff val="5000"/>
-                  </a:schemeClr>
-                </a:solidFill>
-                <a:cs typeface="Arial" panose="020B0604020202020204" pitchFamily="34" charset="0"/>
-              </a:rPr>
-              <a:t>    sql="</a:t>
-            </a:r>
-            <a:r>
-              <a:rPr lang="en-US" altLang="ko-KR" sz="1400">
-                <a:solidFill>
-                  <a:srgbClr val="0000FF"/>
-                </a:solidFill>
-                <a:cs typeface="Arial" panose="020B0604020202020204" pitchFamily="34" charset="0"/>
-              </a:rPr>
-              <a:t>Select * from dept</a:t>
-            </a:r>
-            <a:r>
-              <a:rPr lang="en-US" altLang="ko-KR" sz="1400">
-                <a:solidFill>
-                  <a:schemeClr val="tx1">
-                    <a:lumMod val="95000"/>
-                    <a:lumOff val="5000"/>
-                  </a:schemeClr>
-                </a:solidFill>
-                <a:cs typeface="Arial" panose="020B0604020202020204" pitchFamily="34" charset="0"/>
-              </a:rPr>
-              <a:t>"  </a:t>
-            </a:r>
-            <a:r>
-              <a:rPr lang="en-US" altLang="ko-KR" sz="1400">
-                <a:solidFill>
-                  <a:schemeClr val="tx1">
-                    <a:lumMod val="50000"/>
-                    <a:lumOff val="50000"/>
-                  </a:schemeClr>
-                </a:solidFill>
-                <a:cs typeface="Arial" panose="020B0604020202020204" pitchFamily="34" charset="0"/>
-              </a:rPr>
-              <a:t>#DEPT </a:t>
-            </a:r>
-            <a:r>
-              <a:rPr lang="ko-KR" altLang="en-US" sz="1400">
-                <a:solidFill>
-                  <a:schemeClr val="tx1">
-                    <a:lumMod val="50000"/>
-                    <a:lumOff val="50000"/>
-                  </a:schemeClr>
-                </a:solidFill>
-                <a:cs typeface="Arial" panose="020B0604020202020204" pitchFamily="34" charset="0"/>
-              </a:rPr>
-              <a:t>테이블 검색</a:t>
-            </a:r>
-          </a:p>
-          <a:p>
-            <a:pPr>
-              <a:buClr>
-                <a:srgbClr val="3C479D"/>
-              </a:buClr>
-            </a:pPr>
-            <a:r>
-              <a:rPr lang="ko-KR" altLang="en-US" sz="1400">
-                <a:solidFill>
-                  <a:schemeClr val="tx1">
-                    <a:lumMod val="95000"/>
-                    <a:lumOff val="5000"/>
-                  </a:schemeClr>
-                </a:solidFill>
-                <a:cs typeface="Arial" panose="020B0604020202020204" pitchFamily="34" charset="0"/>
-              </a:rPr>
-              <a:t>    </a:t>
-            </a:r>
-            <a:r>
-              <a:rPr lang="en-US" altLang="ko-KR" sz="1400">
-                <a:solidFill>
-                  <a:schemeClr val="tx1">
-                    <a:lumMod val="95000"/>
-                    <a:lumOff val="5000"/>
-                  </a:schemeClr>
-                </a:solidFill>
-                <a:cs typeface="Arial" panose="020B0604020202020204" pitchFamily="34" charset="0"/>
-              </a:rPr>
-              <a:t>rows = sel_query(con, sql)</a:t>
-            </a:r>
-          </a:p>
-          <a:p>
-            <a:pPr>
-              <a:buClr>
-                <a:srgbClr val="3C479D"/>
-              </a:buClr>
-            </a:pPr>
-            <a:r>
-              <a:rPr lang="en-US" altLang="ko-KR" sz="1400">
-                <a:solidFill>
-                  <a:schemeClr val="tx1">
-                    <a:lumMod val="95000"/>
-                    <a:lumOff val="5000"/>
-                  </a:schemeClr>
-                </a:solidFill>
-                <a:cs typeface="Arial" panose="020B0604020202020204" pitchFamily="34" charset="0"/>
-              </a:rPr>
-              <a:t>    for row in rows:</a:t>
-            </a:r>
-          </a:p>
-          <a:p>
-            <a:pPr>
-              <a:buClr>
-                <a:srgbClr val="3C479D"/>
-              </a:buClr>
-            </a:pPr>
-            <a:r>
-              <a:rPr lang="en-US" altLang="ko-KR" sz="1400">
-                <a:solidFill>
-                  <a:schemeClr val="tx1">
-                    <a:lumMod val="95000"/>
-                    <a:lumOff val="5000"/>
-                  </a:schemeClr>
-                </a:solidFill>
-                <a:cs typeface="Arial" panose="020B0604020202020204" pitchFamily="34" charset="0"/>
-              </a:rPr>
-              <a:t>        </a:t>
-            </a:r>
-            <a:r>
-              <a:rPr lang="en-US" altLang="ko-KR" sz="1400">
-                <a:solidFill>
-                  <a:srgbClr val="0000FF"/>
-                </a:solidFill>
-                <a:cs typeface="Arial" panose="020B0604020202020204" pitchFamily="34" charset="0"/>
-              </a:rPr>
-              <a:t>deptno, dname, loc = </a:t>
-            </a:r>
-            <a:r>
-              <a:rPr lang="en-US" altLang="ko-KR" sz="1400" smtClean="0">
-                <a:solidFill>
-                  <a:srgbClr val="0000FF"/>
-                </a:solidFill>
-                <a:cs typeface="Arial" panose="020B0604020202020204" pitchFamily="34" charset="0"/>
-              </a:rPr>
-              <a:t>row  </a:t>
-            </a:r>
-            <a:r>
-              <a:rPr lang="en-US" altLang="ko-KR" sz="1400" smtClean="0">
-                <a:solidFill>
-                  <a:schemeClr val="tx1">
-                    <a:lumMod val="50000"/>
-                    <a:lumOff val="50000"/>
-                  </a:schemeClr>
-                </a:solidFill>
-                <a:cs typeface="Arial" panose="020B0604020202020204" pitchFamily="34" charset="0"/>
-              </a:rPr>
-              <a:t>#</a:t>
-            </a:r>
-            <a:r>
-              <a:rPr lang="ko-KR" altLang="en-US" sz="1400" smtClean="0">
-                <a:solidFill>
-                  <a:schemeClr val="tx1">
-                    <a:lumMod val="50000"/>
-                    <a:lumOff val="50000"/>
-                  </a:schemeClr>
-                </a:solidFill>
-                <a:cs typeface="Arial" panose="020B0604020202020204" pitchFamily="34" charset="0"/>
-              </a:rPr>
-              <a:t>검색 행 </a:t>
-            </a:r>
-            <a:r>
-              <a:rPr lang="en-US" altLang="ko-KR" sz="1400" smtClean="0">
-                <a:solidFill>
-                  <a:schemeClr val="tx1">
-                    <a:lumMod val="50000"/>
-                    <a:lumOff val="50000"/>
-                  </a:schemeClr>
-                </a:solidFill>
-                <a:cs typeface="Arial" panose="020B0604020202020204" pitchFamily="34" charset="0"/>
-              </a:rPr>
-              <a:t>unpacking</a:t>
-            </a:r>
-            <a:endParaRPr lang="en-US" altLang="ko-KR" sz="1400">
-              <a:solidFill>
-                <a:schemeClr val="tx1">
-                  <a:lumMod val="50000"/>
-                  <a:lumOff val="50000"/>
-                </a:schemeClr>
-              </a:solidFill>
-              <a:cs typeface="Arial" panose="020B0604020202020204" pitchFamily="34" charset="0"/>
-            </a:endParaRPr>
-          </a:p>
-          <a:p>
-            <a:pPr>
-              <a:buClr>
-                <a:srgbClr val="3C479D"/>
-              </a:buClr>
-            </a:pPr>
-            <a:r>
-              <a:rPr lang="en-US" altLang="ko-KR" sz="1400">
-                <a:solidFill>
-                  <a:schemeClr val="tx1">
-                    <a:lumMod val="95000"/>
-                    <a:lumOff val="5000"/>
-                  </a:schemeClr>
-                </a:solidFill>
-                <a:cs typeface="Arial" panose="020B0604020202020204" pitchFamily="34" charset="0"/>
-              </a:rPr>
-              <a:t>        print("%5s %25s %15s" %(deptno, dname, loc</a:t>
-            </a:r>
-            <a:r>
-              <a:rPr lang="en-US" altLang="ko-KR" sz="1400" smtClean="0">
-                <a:solidFill>
-                  <a:schemeClr val="tx1">
-                    <a:lumMod val="95000"/>
-                    <a:lumOff val="5000"/>
-                  </a:schemeClr>
-                </a:solidFill>
-                <a:cs typeface="Arial" panose="020B0604020202020204" pitchFamily="34" charset="0"/>
-              </a:rPr>
-              <a:t>))</a:t>
-            </a:r>
-          </a:p>
-          <a:p>
-            <a:pPr>
-              <a:buClr>
-                <a:srgbClr val="3C479D"/>
-              </a:buClr>
-            </a:pPr>
-            <a:endParaRPr lang="en-US" altLang="ko-KR" sz="1400">
-              <a:solidFill>
-                <a:schemeClr val="tx1">
-                  <a:lumMod val="95000"/>
-                  <a:lumOff val="5000"/>
-                </a:schemeClr>
-              </a:solidFill>
-              <a:cs typeface="Arial" panose="020B0604020202020204" pitchFamily="34" charset="0"/>
-            </a:endParaRPr>
-          </a:p>
-          <a:p>
-            <a:pPr>
-              <a:buClr>
-                <a:srgbClr val="3C479D"/>
-              </a:buClr>
-            </a:pPr>
-            <a:r>
-              <a:rPr lang="en-US" altLang="ko-KR" sz="1400">
-                <a:solidFill>
-                  <a:schemeClr val="tx1">
-                    <a:lumMod val="95000"/>
-                    <a:lumOff val="5000"/>
+                  <a:schemeClr val="tx1">
+                    <a:lumMod val="50000"/>
+                    <a:lumOff val="50000"/>
                   </a:schemeClr>
                 </a:solidFill>
                 <a:cs typeface="Arial" panose="020B0604020202020204" pitchFamily="34" charset="0"/>
@@ -14022,8 +14054,8 @@
               <a:rPr lang="en-US" altLang="ko-KR" sz="1400">
                 <a:solidFill>
                   <a:schemeClr val="tx1">
-                    <a:lumMod val="95000"/>
-                    <a:lumOff val="5000"/>
+                    <a:lumMod val="50000"/>
+                    <a:lumOff val="50000"/>
                   </a:schemeClr>
                 </a:solidFill>
                 <a:cs typeface="Arial" panose="020B0604020202020204" pitchFamily="34" charset="0"/>
@@ -14034,13 +14066,53 @@
               <a:rPr lang="ko-KR" altLang="en-US" sz="1400">
                 <a:solidFill>
                   <a:schemeClr val="tx1">
-                    <a:lumMod val="95000"/>
-                    <a:lumOff val="5000"/>
+                    <a:lumMod val="50000"/>
+                    <a:lumOff val="50000"/>
                   </a:schemeClr>
                 </a:solidFill>
                 <a:cs typeface="Arial" panose="020B0604020202020204" pitchFamily="34" charset="0"/>
               </a:rPr>
               <a:t>연결</a:t>
+            </a:r>
+            <a:endParaRPr lang="en-US" altLang="ko-KR" sz="1400">
+              <a:solidFill>
+                <a:schemeClr val="tx1">
+                  <a:lumMod val="50000"/>
+                  <a:lumOff val="50000"/>
+                </a:schemeClr>
+              </a:solidFill>
+              <a:cs typeface="Arial" panose="020B0604020202020204" pitchFamily="34" charset="0"/>
+            </a:endParaRPr>
+          </a:p>
+          <a:p>
+            <a:pPr>
+              <a:buClr>
+                <a:srgbClr val="3C479D"/>
+              </a:buClr>
+            </a:pPr>
+            <a:r>
+              <a:rPr lang="en-US" altLang="ko-KR" sz="1400">
+                <a:solidFill>
+                  <a:schemeClr val="tx1">
+                    <a:lumMod val="95000"/>
+                    <a:lumOff val="5000"/>
+                  </a:schemeClr>
+                </a:solidFill>
+                <a:cs typeface="Arial" panose="020B0604020202020204" pitchFamily="34" charset="0"/>
+              </a:rPr>
+              <a:t>con = cx_Oracle.connect("scott", "tiger", "</a:t>
+            </a:r>
+            <a:r>
+              <a:rPr lang="en-US" altLang="ko-KR" sz="1400" smtClean="0">
+                <a:solidFill>
+                  <a:schemeClr val="tx1">
+                    <a:lumMod val="95000"/>
+                    <a:lumOff val="5000"/>
+                  </a:schemeClr>
+                </a:solidFill>
+                <a:cs typeface="Arial" panose="020B0604020202020204" pitchFamily="34" charset="0"/>
+              </a:rPr>
+              <a:t>192.168.142.72:1521/xe")</a:t>
             </a:r>
             <a:endParaRPr lang="en-US" altLang="ko-KR" sz="1400">
               <a:solidFill>
@@ -14058,30 +14130,6 @@
                 <a:srgbClr val="3C479D"/>
               </a:buClr>
             </a:pPr>
-            <a:r>
-              <a:rPr lang="en-US" altLang="ko-KR" sz="1400">
-                <a:solidFill>
-                  <a:schemeClr val="tx1">
-                    <a:lumMod val="95000"/>
-                    <a:lumOff val="5000"/>
-                  </a:schemeClr>
-                </a:solidFill>
-                <a:cs typeface="Arial" panose="020B0604020202020204" pitchFamily="34" charset="0"/>
-              </a:rPr>
-              <a:t>con = cx_Oracle.connect("scott", "tiger", "</a:t>
-            </a:r>
-            <a:r>
-              <a:rPr lang="en-US" altLang="ko-KR" sz="1400" smtClean="0">
-                <a:solidFill>
-                  <a:schemeClr val="tx1">
-                    <a:lumMod val="95000"/>
-                    <a:lumOff val="5000"/>
-                  </a:schemeClr>
-                </a:solidFill>
-                <a:cs typeface="Arial" panose="020B0604020202020204" pitchFamily="34" charset="0"/>
-              </a:rPr>
-              <a:t>192.168.142.72:1521/xe")</a:t>
-            </a:r>
             <a:endParaRPr lang="en-US" altLang="ko-KR" sz="1400">
               <a:solidFill>
                 <a:schemeClr val="tx1">
@@ -14098,22 +14146,6 @@
                 <a:srgbClr val="3C479D"/>
               </a:buClr>
             </a:pPr>
-            <a:endParaRPr lang="en-US" altLang="ko-KR" sz="1400">
-              <a:solidFill>
-                <a:schemeClr val="tx1">
-                  <a:lumMod val="95000"/>
-                  <a:lumOff val="5000"/>
-                </a:schemeClr>
-              </a:solidFill>
-              <a:cs typeface="Arial" panose="020B0604020202020204" pitchFamily="34" charset="0"/>
-            </a:endParaRPr>
-          </a:p>
-          <a:p>
-            <a:pPr>
-              <a:buClr>
-                <a:srgbClr val="3C479D"/>
-              </a:buClr>
-            </a:pPr>
             <a:r>
               <a:rPr lang="en-US" altLang="ko-KR" sz="1600">
                 <a:solidFill>
@@ -14284,14 +14316,26 @@
                 </a:solidFill>
                 <a:cs typeface="Arial" panose="020B0604020202020204" pitchFamily="34" charset="0"/>
               </a:rPr>
-              <a:t>"  #DEPT </a:t>
+              <a:t>"  </a:t>
+            </a:r>
+            <a:r>
+              <a:rPr lang="en-US" altLang="ko-KR" sz="1400" smtClean="0">
+                <a:solidFill>
+                  <a:schemeClr val="tx1">
+                    <a:lumMod val="50000"/>
+                    <a:lumOff val="50000"/>
+                  </a:schemeClr>
+                </a:solidFill>
+                <a:cs typeface="Arial" panose="020B0604020202020204" pitchFamily="34" charset="0"/>
+              </a:rPr>
+              <a:t>#EMP </a:t>
             </a:r>
             <a:r>
               <a:rPr lang="ko-KR" altLang="en-US" sz="1400">
                 <a:solidFill>
                   <a:schemeClr val="tx1">
-                    <a:lumMod val="95000"/>
-                    <a:lumOff val="5000"/>
+                    <a:lumMod val="50000"/>
+                    <a:lumOff val="50000"/>
                   </a:schemeClr>
                 </a:solidFill>
                 <a:cs typeface="Arial" panose="020B0604020202020204" pitchFamily="34" charset="0"/>
@@ -14441,8 +14485,8 @@
               <a:rPr lang="en-US" altLang="ko-KR" sz="1400" smtClean="0">
                 <a:solidFill>
                   <a:schemeClr val="tx1">
-                    <a:lumMod val="95000"/>
-                    <a:lumOff val="5000"/>
+                    <a:lumMod val="50000"/>
+                    <a:lumOff val="50000"/>
                   </a:schemeClr>
                 </a:solidFill>
                 <a:cs typeface="Arial" panose="020B0604020202020204" pitchFamily="34" charset="0"/>
@@ -14453,8 +14497,8 @@
               <a:rPr lang="en-US" altLang="ko-KR" sz="1400">
                 <a:solidFill>
                   <a:schemeClr val="tx1">
-                    <a:lumMod val="95000"/>
-                    <a:lumOff val="5000"/>
+                    <a:lumMod val="50000"/>
+                    <a:lumOff val="50000"/>
                   </a:schemeClr>
                 </a:solidFill>
                 <a:cs typeface="Arial" panose="020B0604020202020204" pitchFamily="34" charset="0"/>
@@ -15461,8 +15505,8 @@
               <a:rPr lang="en-US" altLang="ko-KR" sz="1400">
                 <a:solidFill>
                   <a:schemeClr val="tx1">
-                    <a:lumMod val="95000"/>
-                    <a:lumOff val="5000"/>
+                    <a:lumMod val="50000"/>
+                    <a:lumOff val="50000"/>
                   </a:schemeClr>
                 </a:solidFill>
                 <a:cs typeface="Arial" panose="020B0604020202020204" pitchFamily="34" charset="0"/>
@@ -15473,13 +15517,53 @@
               <a:rPr lang="ko-KR" altLang="en-US" sz="1400">
                 <a:solidFill>
                   <a:schemeClr val="tx1">
-                    <a:lumMod val="95000"/>
-                    <a:lumOff val="5000"/>
+                    <a:lumMod val="50000"/>
+                    <a:lumOff val="50000"/>
                   </a:schemeClr>
                 </a:solidFill>
                 <a:cs typeface="Arial" panose="020B0604020202020204" pitchFamily="34" charset="0"/>
               </a:rPr>
               <a:t>연결</a:t>
+            </a:r>
+            <a:endParaRPr lang="en-US" altLang="ko-KR" sz="1400">
+              <a:solidFill>
+                <a:schemeClr val="tx1">
+                  <a:lumMod val="50000"/>
+                  <a:lumOff val="50000"/>
+                </a:schemeClr>
+              </a:solidFill>
+              <a:cs typeface="Arial" panose="020B0604020202020204" pitchFamily="34" charset="0"/>
+            </a:endParaRPr>
+          </a:p>
+          <a:p>
+            <a:pPr>
+              <a:buClr>
+                <a:srgbClr val="3C479D"/>
+              </a:buClr>
+            </a:pPr>
+            <a:r>
+              <a:rPr lang="en-US" altLang="ko-KR" sz="1400">
+                <a:solidFill>
+                  <a:schemeClr val="tx1">
+                    <a:lumMod val="95000"/>
+                    <a:lumOff val="5000"/>
+                  </a:schemeClr>
+                </a:solidFill>
+                <a:cs typeface="Arial" panose="020B0604020202020204" pitchFamily="34" charset="0"/>
+              </a:rPr>
+              <a:t>con = cx_Oracle.connect("scott", "tiger", "</a:t>
+            </a:r>
+            <a:r>
+              <a:rPr lang="en-US" altLang="ko-KR" sz="1400" smtClean="0">
+                <a:solidFill>
+                  <a:schemeClr val="tx1">
+                    <a:lumMod val="95000"/>
+                    <a:lumOff val="5000"/>
+                  </a:schemeClr>
+                </a:solidFill>
+                <a:cs typeface="Arial" panose="020B0604020202020204" pitchFamily="34" charset="0"/>
+              </a:rPr>
+              <a:t>192.168.142.72:1521/xe")</a:t>
             </a:r>
             <a:endParaRPr lang="en-US" altLang="ko-KR" sz="1400">
               <a:solidFill>
@@ -15497,30 +15581,6 @@
                 <a:srgbClr val="3C479D"/>
               </a:buClr>
             </a:pPr>
-            <a:r>
-              <a:rPr lang="en-US" altLang="ko-KR" sz="1400">
-                <a:solidFill>
-                  <a:schemeClr val="tx1">
-                    <a:lumMod val="95000"/>
-                    <a:lumOff val="5000"/>
-                  </a:schemeClr>
-                </a:solidFill>
-                <a:cs typeface="Arial" panose="020B0604020202020204" pitchFamily="34" charset="0"/>
-              </a:rPr>
-              <a:t>con = cx_Oracle.connect("scott", "tiger", "</a:t>
-            </a:r>
-            <a:r>
-              <a:rPr lang="en-US" altLang="ko-KR" sz="1400" smtClean="0">
-                <a:solidFill>
-                  <a:schemeClr val="tx1">
-                    <a:lumMod val="95000"/>
-                    <a:lumOff val="5000"/>
-                  </a:schemeClr>
-                </a:solidFill>
-                <a:cs typeface="Arial" panose="020B0604020202020204" pitchFamily="34" charset="0"/>
-              </a:rPr>
-              <a:t>192.168.142.72:1521/xe")</a:t>
-            </a:r>
             <a:endParaRPr lang="en-US" altLang="ko-KR" sz="1400">
               <a:solidFill>
                 <a:schemeClr val="tx1">
@@ -15537,6 +15597,342 @@
                 <a:srgbClr val="3C479D"/>
               </a:buClr>
             </a:pPr>
+            <a:r>
+              <a:rPr lang="en-US" altLang="ko-KR" sz="1600">
+                <a:solidFill>
+                  <a:schemeClr val="tx1"/>
+                </a:solidFill>
+                <a:cs typeface="Arial" panose="020B0604020202020204" pitchFamily="34" charset="0"/>
+              </a:rPr>
+              <a:t>def sel_query(con, sql=None):</a:t>
+            </a:r>
+          </a:p>
+          <a:p>
+            <a:pPr>
+              <a:buClr>
+                <a:srgbClr val="3C479D"/>
+              </a:buClr>
+            </a:pPr>
+            <a:r>
+              <a:rPr lang="en-US" altLang="ko-KR" sz="1400">
+                <a:solidFill>
+                  <a:schemeClr val="tx1">
+                    <a:lumMod val="95000"/>
+                    <a:lumOff val="5000"/>
+                  </a:schemeClr>
+                </a:solidFill>
+                <a:cs typeface="Arial" panose="020B0604020202020204" pitchFamily="34" charset="0"/>
+              </a:rPr>
+              <a:t>    </a:t>
+            </a:r>
+            <a:r>
+              <a:rPr lang="en-US" altLang="ko-KR" sz="1400" smtClean="0">
+                <a:solidFill>
+                  <a:schemeClr val="tx1">
+                    <a:lumMod val="50000"/>
+                    <a:lumOff val="50000"/>
+                  </a:schemeClr>
+                </a:solidFill>
+                <a:cs typeface="Arial" panose="020B0604020202020204" pitchFamily="34" charset="0"/>
+              </a:rPr>
+              <a:t>## </a:t>
+            </a:r>
+            <a:r>
+              <a:rPr lang="ko-KR" altLang="en-US" sz="1400" smtClean="0">
+                <a:solidFill>
+                  <a:schemeClr val="tx1">
+                    <a:lumMod val="50000"/>
+                    <a:lumOff val="50000"/>
+                  </a:schemeClr>
+                </a:solidFill>
+                <a:cs typeface="Arial" panose="020B0604020202020204" pitchFamily="34" charset="0"/>
+              </a:rPr>
+              <a:t>생략 </a:t>
+            </a:r>
+            <a:r>
+              <a:rPr lang="en-US" altLang="ko-KR" sz="1400" smtClean="0">
+                <a:solidFill>
+                  <a:schemeClr val="tx1">
+                    <a:lumMod val="50000"/>
+                    <a:lumOff val="50000"/>
+                  </a:schemeClr>
+                </a:solidFill>
+                <a:cs typeface="Arial" panose="020B0604020202020204" pitchFamily="34" charset="0"/>
+              </a:rPr>
+              <a:t>##</a:t>
+            </a:r>
+          </a:p>
+          <a:p>
+            <a:pPr>
+              <a:buClr>
+                <a:srgbClr val="3C479D"/>
+              </a:buClr>
+            </a:pPr>
+            <a:endParaRPr lang="en-US" altLang="ko-KR" sz="1400">
+              <a:solidFill>
+                <a:schemeClr val="tx1">
+                  <a:lumMod val="50000"/>
+                  <a:lumOff val="50000"/>
+                </a:schemeClr>
+              </a:solidFill>
+              <a:cs typeface="Arial" panose="020B0604020202020204" pitchFamily="34" charset="0"/>
+            </a:endParaRPr>
+          </a:p>
+          <a:p>
+            <a:pPr>
+              <a:buClr>
+                <a:srgbClr val="3C479D"/>
+              </a:buClr>
+            </a:pPr>
+            <a:r>
+              <a:rPr lang="en-US" altLang="ko-KR" sz="1400">
+                <a:solidFill>
+                  <a:srgbClr val="C00000"/>
+                </a:solidFill>
+                <a:cs typeface="Arial" panose="020B0604020202020204" pitchFamily="34" charset="0"/>
+              </a:rPr>
+              <a:t>def </a:t>
+            </a:r>
+            <a:r>
+              <a:rPr lang="en-US" altLang="ko-KR" sz="1400" smtClean="0">
+                <a:solidFill>
+                  <a:srgbClr val="C00000"/>
+                </a:solidFill>
+                <a:cs typeface="Arial" panose="020B0604020202020204" pitchFamily="34" charset="0"/>
+              </a:rPr>
+              <a:t>prt_empdept():</a:t>
+            </a:r>
+            <a:endParaRPr lang="en-US" altLang="ko-KR" sz="1400">
+              <a:solidFill>
+                <a:srgbClr val="C00000"/>
+              </a:solidFill>
+              <a:cs typeface="Arial" panose="020B0604020202020204" pitchFamily="34" charset="0"/>
+            </a:endParaRPr>
+          </a:p>
+          <a:p>
+            <a:pPr>
+              <a:buClr>
+                <a:srgbClr val="3C479D"/>
+              </a:buClr>
+            </a:pPr>
+            <a:r>
+              <a:rPr lang="en-US" altLang="ko-KR" sz="1400">
+                <a:solidFill>
+                  <a:schemeClr val="tx1">
+                    <a:lumMod val="95000"/>
+                    <a:lumOff val="5000"/>
+                  </a:schemeClr>
+                </a:solidFill>
+                <a:cs typeface="Arial" panose="020B0604020202020204" pitchFamily="34" charset="0"/>
+              </a:rPr>
+              <a:t>    sql="</a:t>
+            </a:r>
+            <a:r>
+              <a:rPr lang="en-US" altLang="ko-KR" sz="1400">
+                <a:solidFill>
+                  <a:srgbClr val="0000FF"/>
+                </a:solidFill>
+                <a:cs typeface="Arial" panose="020B0604020202020204" pitchFamily="34" charset="0"/>
+              </a:rPr>
+              <a:t>select empno, ename, job, dname from EMP e, DEPT d where e.deptno = d.deptno</a:t>
+            </a:r>
+            <a:r>
+              <a:rPr lang="en-US" altLang="ko-KR" sz="1400">
+                <a:solidFill>
+                  <a:schemeClr val="tx1">
+                    <a:lumMod val="95000"/>
+                    <a:lumOff val="5000"/>
+                  </a:schemeClr>
+                </a:solidFill>
+                <a:cs typeface="Arial" panose="020B0604020202020204" pitchFamily="34" charset="0"/>
+              </a:rPr>
+              <a:t>"  </a:t>
+            </a:r>
+            <a:r>
+              <a:rPr lang="en-US" altLang="ko-KR" sz="1400" smtClean="0">
+                <a:solidFill>
+                  <a:schemeClr val="tx1">
+                    <a:lumMod val="50000"/>
+                    <a:lumOff val="50000"/>
+                  </a:schemeClr>
+                </a:solidFill>
+                <a:cs typeface="Arial" panose="020B0604020202020204" pitchFamily="34" charset="0"/>
+              </a:rPr>
+              <a:t>#EMP, DEPT </a:t>
+            </a:r>
+            <a:r>
+              <a:rPr lang="ko-KR" altLang="en-US" sz="1400">
+                <a:solidFill>
+                  <a:schemeClr val="tx1">
+                    <a:lumMod val="50000"/>
+                    <a:lumOff val="50000"/>
+                  </a:schemeClr>
+                </a:solidFill>
+                <a:cs typeface="Arial" panose="020B0604020202020204" pitchFamily="34" charset="0"/>
+              </a:rPr>
+              <a:t>테이블 </a:t>
+            </a:r>
+            <a:r>
+              <a:rPr lang="ko-KR" altLang="en-US" sz="1400" smtClean="0">
+                <a:solidFill>
+                  <a:schemeClr val="tx1">
+                    <a:lumMod val="50000"/>
+                    <a:lumOff val="50000"/>
+                  </a:schemeClr>
+                </a:solidFill>
+                <a:cs typeface="Arial" panose="020B0604020202020204" pitchFamily="34" charset="0"/>
+              </a:rPr>
+              <a:t>조인</a:t>
+            </a:r>
+            <a:r>
+              <a:rPr lang="en-US" altLang="ko-KR" sz="1400" smtClean="0">
+                <a:solidFill>
+                  <a:schemeClr val="tx1">
+                    <a:lumMod val="50000"/>
+                    <a:lumOff val="50000"/>
+                  </a:schemeClr>
+                </a:solidFill>
+                <a:cs typeface="Arial" panose="020B0604020202020204" pitchFamily="34" charset="0"/>
+              </a:rPr>
+              <a:t>(join) </a:t>
+            </a:r>
+            <a:r>
+              <a:rPr lang="ko-KR" altLang="en-US" sz="1400" smtClean="0">
+                <a:solidFill>
+                  <a:schemeClr val="tx1">
+                    <a:lumMod val="50000"/>
+                    <a:lumOff val="50000"/>
+                  </a:schemeClr>
+                </a:solidFill>
+                <a:cs typeface="Arial" panose="020B0604020202020204" pitchFamily="34" charset="0"/>
+              </a:rPr>
+              <a:t>검색</a:t>
+            </a:r>
+            <a:endParaRPr lang="ko-KR" altLang="en-US" sz="1400">
+              <a:solidFill>
+                <a:schemeClr val="tx1">
+                  <a:lumMod val="50000"/>
+                  <a:lumOff val="50000"/>
+                </a:schemeClr>
+              </a:solidFill>
+              <a:cs typeface="Arial" panose="020B0604020202020204" pitchFamily="34" charset="0"/>
+            </a:endParaRPr>
+          </a:p>
+          <a:p>
+            <a:pPr>
+              <a:buClr>
+                <a:srgbClr val="3C479D"/>
+              </a:buClr>
+            </a:pPr>
+            <a:r>
+              <a:rPr lang="ko-KR" altLang="en-US" sz="1400">
+                <a:solidFill>
+                  <a:schemeClr val="tx1">
+                    <a:lumMod val="95000"/>
+                    <a:lumOff val="5000"/>
+                  </a:schemeClr>
+                </a:solidFill>
+                <a:cs typeface="Arial" panose="020B0604020202020204" pitchFamily="34" charset="0"/>
+              </a:rPr>
+              <a:t>    </a:t>
+            </a:r>
+            <a:r>
+              <a:rPr lang="en-US" altLang="ko-KR" sz="1400">
+                <a:solidFill>
+                  <a:schemeClr val="tx1">
+                    <a:lumMod val="95000"/>
+                    <a:lumOff val="5000"/>
+                  </a:schemeClr>
+                </a:solidFill>
+                <a:cs typeface="Arial" panose="020B0604020202020204" pitchFamily="34" charset="0"/>
+              </a:rPr>
+              <a:t>rows = sel_query(con, sql)</a:t>
+            </a:r>
+          </a:p>
+          <a:p>
+            <a:pPr>
+              <a:buClr>
+                <a:srgbClr val="3C479D"/>
+              </a:buClr>
+            </a:pPr>
+            <a:r>
+              <a:rPr lang="en-US" altLang="ko-KR" sz="1400">
+                <a:solidFill>
+                  <a:schemeClr val="tx1">
+                    <a:lumMod val="95000"/>
+                    <a:lumOff val="5000"/>
+                  </a:schemeClr>
+                </a:solidFill>
+                <a:cs typeface="Arial" panose="020B0604020202020204" pitchFamily="34" charset="0"/>
+              </a:rPr>
+              <a:t>    for row in rows:</a:t>
+            </a:r>
+          </a:p>
+          <a:p>
+            <a:pPr>
+              <a:buClr>
+                <a:srgbClr val="3C479D"/>
+              </a:buClr>
+            </a:pPr>
+            <a:r>
+              <a:rPr lang="en-US" altLang="ko-KR" sz="1400">
+                <a:solidFill>
+                  <a:schemeClr val="tx1">
+                    <a:lumMod val="95000"/>
+                    <a:lumOff val="5000"/>
+                  </a:schemeClr>
+                </a:solidFill>
+                <a:cs typeface="Arial" panose="020B0604020202020204" pitchFamily="34" charset="0"/>
+              </a:rPr>
+              <a:t>        </a:t>
+            </a:r>
+            <a:r>
+              <a:rPr lang="en-US" altLang="ko-KR" sz="1400">
+                <a:solidFill>
+                  <a:srgbClr val="0000FF"/>
+                </a:solidFill>
+                <a:cs typeface="Arial" panose="020B0604020202020204" pitchFamily="34" charset="0"/>
+              </a:rPr>
+              <a:t>empno, ename, job, dname = row</a:t>
+            </a:r>
+          </a:p>
+          <a:p>
+            <a:pPr>
+              <a:buClr>
+                <a:srgbClr val="3C479D"/>
+              </a:buClr>
+            </a:pPr>
+            <a:r>
+              <a:rPr lang="en-US" altLang="ko-KR" sz="1400">
+                <a:solidFill>
+                  <a:schemeClr val="tx1">
+                    <a:lumMod val="95000"/>
+                    <a:lumOff val="5000"/>
+                  </a:schemeClr>
+                </a:solidFill>
+                <a:cs typeface="Arial" panose="020B0604020202020204" pitchFamily="34" charset="0"/>
+              </a:rPr>
+              <a:t>        print("%10s %15s %10s %15s" %(empno, ename, job, dname</a:t>
+            </a:r>
+            <a:r>
+              <a:rPr lang="en-US" altLang="ko-KR" sz="1400" smtClean="0">
+                <a:solidFill>
+                  <a:schemeClr val="tx1">
+                    <a:lumMod val="95000"/>
+                    <a:lumOff val="5000"/>
+                  </a:schemeClr>
+                </a:solidFill>
+                <a:cs typeface="Arial" panose="020B0604020202020204" pitchFamily="34" charset="0"/>
+              </a:rPr>
+              <a:t>))</a:t>
+            </a:r>
+          </a:p>
+          <a:p>
+            <a:pPr>
+              <a:buClr>
+                <a:srgbClr val="3C479D"/>
+              </a:buClr>
+            </a:pPr>
             <a:endParaRPr lang="en-US" altLang="ko-KR" sz="1400">
               <a:solidFill>
                 <a:schemeClr val="tx1">
@@ -15554,318 +15950,23 @@
               </a:buClr>
             </a:pPr>
             <a:r>
-              <a:rPr lang="en-US" altLang="ko-KR" sz="1600">
-                <a:solidFill>
-                  <a:schemeClr val="tx1"/>
-                </a:solidFill>
-                <a:cs typeface="Arial" panose="020B0604020202020204" pitchFamily="34" charset="0"/>
-              </a:rPr>
-              <a:t>def sel_query(con, sql=None):</a:t>
-            </a:r>
-          </a:p>
-          <a:p>
-            <a:pPr>
-              <a:buClr>
-                <a:srgbClr val="3C479D"/>
-              </a:buClr>
-            </a:pPr>
+              <a:rPr lang="en-US" altLang="ko-KR" sz="1400" smtClean="0">
+                <a:solidFill>
+                  <a:schemeClr val="tx1">
+                    <a:lumMod val="50000"/>
+                    <a:lumOff val="50000"/>
+                  </a:schemeClr>
+                </a:solidFill>
+                <a:cs typeface="Arial" panose="020B0604020202020204" pitchFamily="34" charset="0"/>
+              </a:rPr>
+              <a:t>### </a:t>
+            </a:r>
             <a:r>
               <a:rPr lang="en-US" altLang="ko-KR" sz="1400">
                 <a:solidFill>
                   <a:schemeClr val="tx1">
-                    <a:lumMod val="95000"/>
-                    <a:lumOff val="5000"/>
-                  </a:schemeClr>
-                </a:solidFill>
-                <a:cs typeface="Arial" panose="020B0604020202020204" pitchFamily="34" charset="0"/>
-              </a:rPr>
-              <a:t>    </a:t>
-            </a:r>
-            <a:r>
-              <a:rPr lang="en-US" altLang="ko-KR" sz="1400" smtClean="0">
-                <a:solidFill>
-                  <a:schemeClr val="tx1">
-                    <a:lumMod val="50000"/>
-                    <a:lumOff val="50000"/>
-                  </a:schemeClr>
-                </a:solidFill>
-                <a:cs typeface="Arial" panose="020B0604020202020204" pitchFamily="34" charset="0"/>
-              </a:rPr>
-              <a:t>## </a:t>
-            </a:r>
-            <a:r>
-              <a:rPr lang="ko-KR" altLang="en-US" sz="1400" smtClean="0">
-                <a:solidFill>
-                  <a:schemeClr val="tx1">
-                    <a:lumMod val="50000"/>
-                    <a:lumOff val="50000"/>
-                  </a:schemeClr>
-                </a:solidFill>
-                <a:cs typeface="Arial" panose="020B0604020202020204" pitchFamily="34" charset="0"/>
-              </a:rPr>
-              <a:t>생략 </a:t>
-            </a:r>
-            <a:r>
-              <a:rPr lang="en-US" altLang="ko-KR" sz="1400" smtClean="0">
-                <a:solidFill>
-                  <a:schemeClr val="tx1">
-                    <a:lumMod val="50000"/>
-                    <a:lumOff val="50000"/>
-                  </a:schemeClr>
-                </a:solidFill>
-                <a:cs typeface="Arial" panose="020B0604020202020204" pitchFamily="34" charset="0"/>
-              </a:rPr>
-              <a:t>##</a:t>
-            </a:r>
-          </a:p>
-          <a:p>
-            <a:pPr>
-              <a:buClr>
-                <a:srgbClr val="3C479D"/>
-              </a:buClr>
-            </a:pPr>
-            <a:endParaRPr lang="en-US" altLang="ko-KR" sz="1400">
-              <a:solidFill>
-                <a:schemeClr val="tx1">
-                  <a:lumMod val="50000"/>
-                  <a:lumOff val="50000"/>
-                </a:schemeClr>
-              </a:solidFill>
-              <a:cs typeface="Arial" panose="020B0604020202020204" pitchFamily="34" charset="0"/>
-            </a:endParaRPr>
-          </a:p>
-          <a:p>
-            <a:pPr>
-              <a:buClr>
-                <a:srgbClr val="3C479D"/>
-              </a:buClr>
-            </a:pPr>
-            <a:r>
-              <a:rPr lang="en-US" altLang="ko-KR" sz="1400">
-                <a:solidFill>
-                  <a:srgbClr val="C00000"/>
-                </a:solidFill>
-                <a:cs typeface="Arial" panose="020B0604020202020204" pitchFamily="34" charset="0"/>
-              </a:rPr>
-              <a:t>def </a:t>
-            </a:r>
-            <a:r>
-              <a:rPr lang="en-US" altLang="ko-KR" sz="1400" smtClean="0">
-                <a:solidFill>
-                  <a:srgbClr val="C00000"/>
-                </a:solidFill>
-                <a:cs typeface="Arial" panose="020B0604020202020204" pitchFamily="34" charset="0"/>
-              </a:rPr>
-              <a:t>prt_empdept():</a:t>
-            </a:r>
-            <a:endParaRPr lang="en-US" altLang="ko-KR" sz="1400">
-              <a:solidFill>
-                <a:srgbClr val="C00000"/>
-              </a:solidFill>
-              <a:cs typeface="Arial" panose="020B0604020202020204" pitchFamily="34" charset="0"/>
-            </a:endParaRPr>
-          </a:p>
-          <a:p>
-            <a:pPr>
-              <a:buClr>
-                <a:srgbClr val="3C479D"/>
-              </a:buClr>
-            </a:pPr>
-            <a:r>
-              <a:rPr lang="en-US" altLang="ko-KR" sz="1400">
-                <a:solidFill>
-                  <a:schemeClr val="tx1">
-                    <a:lumMod val="95000"/>
-                    <a:lumOff val="5000"/>
-                  </a:schemeClr>
-                </a:solidFill>
-                <a:cs typeface="Arial" panose="020B0604020202020204" pitchFamily="34" charset="0"/>
-              </a:rPr>
-              <a:t>    sql="</a:t>
-            </a:r>
-            <a:r>
-              <a:rPr lang="en-US" altLang="ko-KR" sz="1400">
-                <a:solidFill>
-                  <a:srgbClr val="0000FF"/>
-                </a:solidFill>
-                <a:cs typeface="Arial" panose="020B0604020202020204" pitchFamily="34" charset="0"/>
-              </a:rPr>
-              <a:t>select empno, ename, job, dname from EMP e, DEPT d where e.deptno = d.deptno</a:t>
-            </a:r>
-            <a:r>
-              <a:rPr lang="en-US" altLang="ko-KR" sz="1400">
-                <a:solidFill>
-                  <a:schemeClr val="tx1">
-                    <a:lumMod val="95000"/>
-                    <a:lumOff val="5000"/>
-                  </a:schemeClr>
-                </a:solidFill>
-                <a:cs typeface="Arial" panose="020B0604020202020204" pitchFamily="34" charset="0"/>
-              </a:rPr>
-              <a:t>"  #DEPT </a:t>
-            </a:r>
-            <a:r>
-              <a:rPr lang="ko-KR" altLang="en-US" sz="1400">
-                <a:solidFill>
-                  <a:schemeClr val="tx1">
-                    <a:lumMod val="95000"/>
-                    <a:lumOff val="5000"/>
-                  </a:schemeClr>
-                </a:solidFill>
-                <a:cs typeface="Arial" panose="020B0604020202020204" pitchFamily="34" charset="0"/>
-              </a:rPr>
-              <a:t>테이블 검색</a:t>
-            </a:r>
-          </a:p>
-          <a:p>
-            <a:pPr>
-              <a:buClr>
-                <a:srgbClr val="3C479D"/>
-              </a:buClr>
-            </a:pPr>
-            <a:r>
-              <a:rPr lang="ko-KR" altLang="en-US" sz="1400">
-                <a:solidFill>
-                  <a:schemeClr val="tx1">
-                    <a:lumMod val="95000"/>
-                    <a:lumOff val="5000"/>
-                  </a:schemeClr>
-                </a:solidFill>
-                <a:cs typeface="Arial" panose="020B0604020202020204" pitchFamily="34" charset="0"/>
-              </a:rPr>
-              <a:t>    </a:t>
-            </a:r>
-            <a:r>
-              <a:rPr lang="en-US" altLang="ko-KR" sz="1400">
-                <a:solidFill>
-                  <a:schemeClr val="tx1">
-                    <a:lumMod val="95000"/>
-                    <a:lumOff val="5000"/>
-                  </a:schemeClr>
-                </a:solidFill>
-                <a:cs typeface="Arial" panose="020B0604020202020204" pitchFamily="34" charset="0"/>
-              </a:rPr>
-              <a:t>rows = sel_query(con, sql)</a:t>
-            </a:r>
-          </a:p>
-          <a:p>
-            <a:pPr>
-              <a:buClr>
-                <a:srgbClr val="3C479D"/>
-              </a:buClr>
-            </a:pPr>
-            <a:r>
-              <a:rPr lang="en-US" altLang="ko-KR" sz="1400">
-                <a:solidFill>
-                  <a:schemeClr val="tx1">
-                    <a:lumMod val="95000"/>
-                    <a:lumOff val="5000"/>
-                  </a:schemeClr>
-                </a:solidFill>
-                <a:cs typeface="Arial" panose="020B0604020202020204" pitchFamily="34" charset="0"/>
-              </a:rPr>
-              <a:t>    for row in rows:</a:t>
-            </a:r>
-          </a:p>
-          <a:p>
-            <a:pPr>
-              <a:buClr>
-                <a:srgbClr val="3C479D"/>
-              </a:buClr>
-            </a:pPr>
-            <a:r>
-              <a:rPr lang="en-US" altLang="ko-KR" sz="1400">
-                <a:solidFill>
-                  <a:schemeClr val="tx1">
-                    <a:lumMod val="95000"/>
-                    <a:lumOff val="5000"/>
-                  </a:schemeClr>
-                </a:solidFill>
-                <a:cs typeface="Arial" panose="020B0604020202020204" pitchFamily="34" charset="0"/>
-              </a:rPr>
-              <a:t>        </a:t>
-            </a:r>
-            <a:r>
-              <a:rPr lang="en-US" altLang="ko-KR" sz="1400">
-                <a:solidFill>
-                  <a:srgbClr val="0000FF"/>
-                </a:solidFill>
-                <a:cs typeface="Arial" panose="020B0604020202020204" pitchFamily="34" charset="0"/>
-              </a:rPr>
-              <a:t>empno, ename, job, dname = row</a:t>
-            </a:r>
-          </a:p>
-          <a:p>
-            <a:pPr>
-              <a:buClr>
-                <a:srgbClr val="3C479D"/>
-              </a:buClr>
-            </a:pPr>
-            <a:r>
-              <a:rPr lang="en-US" altLang="ko-KR" sz="1400">
-                <a:solidFill>
-                  <a:schemeClr val="tx1">
-                    <a:lumMod val="95000"/>
-                    <a:lumOff val="5000"/>
-                  </a:schemeClr>
-                </a:solidFill>
-                <a:cs typeface="Arial" panose="020B0604020202020204" pitchFamily="34" charset="0"/>
-              </a:rPr>
-              <a:t>        print("%10s %15s %10s %15s" %(empno, ename, job, dname</a:t>
-            </a:r>
-            <a:r>
-              <a:rPr lang="en-US" altLang="ko-KR" sz="1400" smtClean="0">
-                <a:solidFill>
-                  <a:schemeClr val="tx1">
-                    <a:lumMod val="95000"/>
-                    <a:lumOff val="5000"/>
-                  </a:schemeClr>
-                </a:solidFill>
-                <a:cs typeface="Arial" panose="020B0604020202020204" pitchFamily="34" charset="0"/>
-              </a:rPr>
-              <a:t>))</a:t>
-            </a:r>
-          </a:p>
-          <a:p>
-            <a:pPr>
-              <a:buClr>
-                <a:srgbClr val="3C479D"/>
-              </a:buClr>
-            </a:pPr>
-            <a:endParaRPr lang="en-US" altLang="ko-KR" sz="1400">
-              <a:solidFill>
-                <a:schemeClr val="tx1">
-                  <a:lumMod val="95000"/>
-                  <a:lumOff val="5000"/>
-                </a:schemeClr>
-              </a:solidFill>
-              <a:cs typeface="Arial" panose="020B0604020202020204" pitchFamily="34" charset="0"/>
-            </a:endParaRPr>
-          </a:p>
-          <a:p>
-            <a:pPr>
-              <a:buClr>
-                <a:srgbClr val="3C479D"/>
-              </a:buClr>
-            </a:pPr>
-            <a:r>
-              <a:rPr lang="en-US" altLang="ko-KR" sz="1400" smtClean="0">
-                <a:solidFill>
-                  <a:schemeClr val="tx1">
-                    <a:lumMod val="95000"/>
-                    <a:lumOff val="5000"/>
-                  </a:schemeClr>
-                </a:solidFill>
-                <a:cs typeface="Arial" panose="020B0604020202020204" pitchFamily="34" charset="0"/>
-              </a:rPr>
-              <a:t>### </a:t>
-            </a:r>
-            <a:r>
-              <a:rPr lang="en-US" altLang="ko-KR" sz="1400">
-                <a:solidFill>
-                  <a:schemeClr val="tx1">
-                    <a:lumMod val="95000"/>
-                    <a:lumOff val="5000"/>
+                    <a:lumMod val="50000"/>
+                    <a:lumOff val="50000"/>
                   </a:schemeClr>
                 </a:solidFill>
                 <a:cs typeface="Arial" panose="020B0604020202020204" pitchFamily="34" charset="0"/>
@@ -16892,8 +16993,8 @@
               <a:rPr lang="en-US" altLang="ko-KR" sz="1400">
                 <a:solidFill>
                   <a:schemeClr val="tx1">
-                    <a:lumMod val="95000"/>
-                    <a:lumOff val="5000"/>
+                    <a:lumMod val="50000"/>
+                    <a:lumOff val="50000"/>
                   </a:schemeClr>
                 </a:solidFill>
                 <a:cs typeface="Arial" panose="020B0604020202020204" pitchFamily="34" charset="0"/>
@@ -16904,13 +17005,53 @@
               <a:rPr lang="ko-KR" altLang="en-US" sz="1400">
                 <a:solidFill>
                   <a:schemeClr val="tx1">
-                    <a:lumMod val="95000"/>
-                    <a:lumOff val="5000"/>
+                    <a:lumMod val="50000"/>
+                    <a:lumOff val="50000"/>
                   </a:schemeClr>
                 </a:solidFill>
                 <a:cs typeface="Arial" panose="020B0604020202020204" pitchFamily="34" charset="0"/>
               </a:rPr>
               <a:t>연결</a:t>
+            </a:r>
+            <a:endParaRPr lang="en-US" altLang="ko-KR" sz="1400">
+              <a:solidFill>
+                <a:schemeClr val="tx1">
+                  <a:lumMod val="50000"/>
+                  <a:lumOff val="50000"/>
+                </a:schemeClr>
+              </a:solidFill>
+              <a:cs typeface="Arial" panose="020B0604020202020204" pitchFamily="34" charset="0"/>
+            </a:endParaRPr>
+          </a:p>
+          <a:p>
+            <a:pPr>
+              <a:buClr>
+                <a:srgbClr val="3C479D"/>
+              </a:buClr>
+            </a:pPr>
+            <a:r>
+              <a:rPr lang="en-US" altLang="ko-KR" sz="1400">
+                <a:solidFill>
+                  <a:schemeClr val="tx1">
+                    <a:lumMod val="95000"/>
+                    <a:lumOff val="5000"/>
+                  </a:schemeClr>
+                </a:solidFill>
+                <a:cs typeface="Arial" panose="020B0604020202020204" pitchFamily="34" charset="0"/>
+              </a:rPr>
+              <a:t>con = cx_Oracle.connect("scott", "tiger", "</a:t>
+            </a:r>
+            <a:r>
+              <a:rPr lang="en-US" altLang="ko-KR" sz="1400" smtClean="0">
+                <a:solidFill>
+                  <a:schemeClr val="tx1">
+                    <a:lumMod val="95000"/>
+                    <a:lumOff val="5000"/>
+                  </a:schemeClr>
+                </a:solidFill>
+                <a:cs typeface="Arial" panose="020B0604020202020204" pitchFamily="34" charset="0"/>
+              </a:rPr>
+              <a:t>192.168.142.72:1521/xe")</a:t>
             </a:r>
             <a:endParaRPr lang="en-US" altLang="ko-KR" sz="1400">
               <a:solidFill>
@@ -16928,30 +17069,6 @@
                 <a:srgbClr val="3C479D"/>
               </a:buClr>
             </a:pPr>
-            <a:r>
-              <a:rPr lang="en-US" altLang="ko-KR" sz="1400">
-                <a:solidFill>
-                  <a:schemeClr val="tx1">
-                    <a:lumMod val="95000"/>
-                    <a:lumOff val="5000"/>
-                  </a:schemeClr>
-                </a:solidFill>
-                <a:cs typeface="Arial" panose="020B0604020202020204" pitchFamily="34" charset="0"/>
-              </a:rPr>
-              <a:t>con = cx_Oracle.connect("scott", "tiger", "</a:t>
-            </a:r>
-            <a:r>
-              <a:rPr lang="en-US" altLang="ko-KR" sz="1400" smtClean="0">
-                <a:solidFill>
-                  <a:schemeClr val="tx1">
-                    <a:lumMod val="95000"/>
-                    <a:lumOff val="5000"/>
-                  </a:schemeClr>
-                </a:solidFill>
-                <a:cs typeface="Arial" panose="020B0604020202020204" pitchFamily="34" charset="0"/>
-              </a:rPr>
-              <a:t>192.168.142.72:1521/xe")</a:t>
-            </a:r>
             <a:endParaRPr lang="en-US" altLang="ko-KR" sz="1400">
               <a:solidFill>
                 <a:schemeClr val="tx1">
@@ -16968,6 +17085,259 @@
                 <a:srgbClr val="3C479D"/>
               </a:buClr>
             </a:pPr>
+            <a:r>
+              <a:rPr lang="en-US" altLang="ko-KR" sz="1600">
+                <a:solidFill>
+                  <a:schemeClr val="tx1"/>
+                </a:solidFill>
+                <a:cs typeface="Arial" panose="020B0604020202020204" pitchFamily="34" charset="0"/>
+              </a:rPr>
+              <a:t>def sel_query(con, sql=None):</a:t>
+            </a:r>
+          </a:p>
+          <a:p>
+            <a:pPr>
+              <a:buClr>
+                <a:srgbClr val="3C479D"/>
+              </a:buClr>
+            </a:pPr>
+            <a:r>
+              <a:rPr lang="en-US" altLang="ko-KR" sz="1400">
+                <a:solidFill>
+                  <a:schemeClr val="tx1">
+                    <a:lumMod val="95000"/>
+                    <a:lumOff val="5000"/>
+                  </a:schemeClr>
+                </a:solidFill>
+                <a:cs typeface="Arial" panose="020B0604020202020204" pitchFamily="34" charset="0"/>
+              </a:rPr>
+              <a:t>    </a:t>
+            </a:r>
+            <a:r>
+              <a:rPr lang="en-US" altLang="ko-KR" sz="1400" smtClean="0">
+                <a:solidFill>
+                  <a:schemeClr val="tx1">
+                    <a:lumMod val="50000"/>
+                    <a:lumOff val="50000"/>
+                  </a:schemeClr>
+                </a:solidFill>
+                <a:cs typeface="Arial" panose="020B0604020202020204" pitchFamily="34" charset="0"/>
+              </a:rPr>
+              <a:t>## </a:t>
+            </a:r>
+            <a:r>
+              <a:rPr lang="ko-KR" altLang="en-US" sz="1400" smtClean="0">
+                <a:solidFill>
+                  <a:schemeClr val="tx1">
+                    <a:lumMod val="50000"/>
+                    <a:lumOff val="50000"/>
+                  </a:schemeClr>
+                </a:solidFill>
+                <a:cs typeface="Arial" panose="020B0604020202020204" pitchFamily="34" charset="0"/>
+              </a:rPr>
+              <a:t>생략 </a:t>
+            </a:r>
+            <a:r>
+              <a:rPr lang="en-US" altLang="ko-KR" sz="1400" smtClean="0">
+                <a:solidFill>
+                  <a:schemeClr val="tx1">
+                    <a:lumMod val="50000"/>
+                    <a:lumOff val="50000"/>
+                  </a:schemeClr>
+                </a:solidFill>
+                <a:cs typeface="Arial" panose="020B0604020202020204" pitchFamily="34" charset="0"/>
+              </a:rPr>
+              <a:t>##</a:t>
+            </a:r>
+          </a:p>
+          <a:p>
+            <a:pPr>
+              <a:buClr>
+                <a:srgbClr val="3C479D"/>
+              </a:buClr>
+            </a:pPr>
+            <a:endParaRPr lang="en-US" altLang="ko-KR" sz="1400">
+              <a:solidFill>
+                <a:schemeClr val="tx1">
+                  <a:lumMod val="50000"/>
+                  <a:lumOff val="50000"/>
+                </a:schemeClr>
+              </a:solidFill>
+              <a:cs typeface="Arial" panose="020B0604020202020204" pitchFamily="34" charset="0"/>
+            </a:endParaRPr>
+          </a:p>
+          <a:p>
+            <a:pPr>
+              <a:buClr>
+                <a:srgbClr val="3C479D"/>
+              </a:buClr>
+            </a:pPr>
+            <a:r>
+              <a:rPr lang="en-US" altLang="ko-KR" sz="1400">
+                <a:solidFill>
+                  <a:srgbClr val="C00000"/>
+                </a:solidFill>
+                <a:cs typeface="Arial" panose="020B0604020202020204" pitchFamily="34" charset="0"/>
+              </a:rPr>
+              <a:t>def </a:t>
+            </a:r>
+            <a:r>
+              <a:rPr lang="en-US" altLang="ko-KR" sz="1400" smtClean="0">
+                <a:solidFill>
+                  <a:srgbClr val="C00000"/>
+                </a:solidFill>
+                <a:cs typeface="Arial" panose="020B0604020202020204" pitchFamily="34" charset="0"/>
+              </a:rPr>
+              <a:t>prt_empemp():</a:t>
+            </a:r>
+            <a:endParaRPr lang="en-US" altLang="ko-KR" sz="1400">
+              <a:solidFill>
+                <a:srgbClr val="C00000"/>
+              </a:solidFill>
+              <a:cs typeface="Arial" panose="020B0604020202020204" pitchFamily="34" charset="0"/>
+            </a:endParaRPr>
+          </a:p>
+          <a:p>
+            <a:pPr>
+              <a:buClr>
+                <a:srgbClr val="3C479D"/>
+              </a:buClr>
+            </a:pPr>
+            <a:r>
+              <a:rPr lang="en-US" altLang="ko-KR" sz="1400">
+                <a:solidFill>
+                  <a:schemeClr val="tx1">
+                    <a:lumMod val="95000"/>
+                    <a:lumOff val="5000"/>
+                  </a:schemeClr>
+                </a:solidFill>
+                <a:cs typeface="Arial" panose="020B0604020202020204" pitchFamily="34" charset="0"/>
+              </a:rPr>
+              <a:t>    sql="</a:t>
+            </a:r>
+            <a:r>
+              <a:rPr lang="en-US" altLang="ko-KR" sz="1400">
+                <a:solidFill>
+                  <a:srgbClr val="0000FF"/>
+                </a:solidFill>
+                <a:cs typeface="Arial" panose="020B0604020202020204" pitchFamily="34" charset="0"/>
+              </a:rPr>
+              <a:t>select e1.empno, e1.ename, e1.job, e2.ename, e2.job from </a:t>
+            </a:r>
+            <a:r>
+              <a:rPr lang="en-US" altLang="ko-KR" sz="1400">
+                <a:solidFill>
+                  <a:srgbClr val="008000"/>
+                </a:solidFill>
+                <a:cs typeface="Arial" panose="020B0604020202020204" pitchFamily="34" charset="0"/>
+              </a:rPr>
+              <a:t>EMP e1, EMP e2 </a:t>
+            </a:r>
+            <a:r>
+              <a:rPr lang="en-US" altLang="ko-KR" sz="1400">
+                <a:solidFill>
+                  <a:srgbClr val="0000FF"/>
+                </a:solidFill>
+                <a:cs typeface="Arial" panose="020B0604020202020204" pitchFamily="34" charset="0"/>
+              </a:rPr>
+              <a:t>where e1.mgr = e2.empno</a:t>
+            </a:r>
+            <a:r>
+              <a:rPr lang="en-US" altLang="ko-KR" sz="1400">
+                <a:solidFill>
+                  <a:schemeClr val="tx1">
+                    <a:lumMod val="95000"/>
+                    <a:lumOff val="5000"/>
+                  </a:schemeClr>
+                </a:solidFill>
+                <a:cs typeface="Arial" panose="020B0604020202020204" pitchFamily="34" charset="0"/>
+              </a:rPr>
+              <a:t>"  </a:t>
+            </a:r>
+            <a:r>
+              <a:rPr lang="en-US" altLang="ko-KR" sz="1400">
+                <a:solidFill>
+                  <a:schemeClr val="tx1">
+                    <a:lumMod val="50000"/>
+                    <a:lumOff val="50000"/>
+                  </a:schemeClr>
+                </a:solidFill>
+                <a:cs typeface="Arial" panose="020B0604020202020204" pitchFamily="34" charset="0"/>
+              </a:rPr>
+              <a:t>#EMP</a:t>
+            </a:r>
+            <a:r>
+              <a:rPr lang="en-US" altLang="ko-KR" sz="1400">
+                <a:solidFill>
+                  <a:schemeClr val="tx1">
+                    <a:lumMod val="50000"/>
+                    <a:lumOff val="50000"/>
+                  </a:schemeClr>
+                </a:solidFill>
+                <a:cs typeface="Arial" panose="020B0604020202020204" pitchFamily="34" charset="0"/>
+              </a:rPr>
+              <a:t>, </a:t>
+            </a:r>
+            <a:r>
+              <a:rPr lang="en-US" altLang="ko-KR" sz="1400" smtClean="0">
+                <a:solidFill>
+                  <a:schemeClr val="tx1">
+                    <a:lumMod val="50000"/>
+                    <a:lumOff val="50000"/>
+                  </a:schemeClr>
+                </a:solidFill>
+                <a:cs typeface="Arial" panose="020B0604020202020204" pitchFamily="34" charset="0"/>
+              </a:rPr>
+              <a:t>EMP </a:t>
+            </a:r>
+            <a:r>
+              <a:rPr lang="ko-KR" altLang="en-US" sz="1400">
+                <a:solidFill>
+                  <a:schemeClr val="tx1">
+                    <a:lumMod val="50000"/>
+                    <a:lumOff val="50000"/>
+                  </a:schemeClr>
+                </a:solidFill>
+                <a:cs typeface="Arial" panose="020B0604020202020204" pitchFamily="34" charset="0"/>
+              </a:rPr>
+              <a:t>테이블 조인</a:t>
+            </a:r>
+            <a:r>
+              <a:rPr lang="en-US" altLang="ko-KR" sz="1400">
+                <a:solidFill>
+                  <a:schemeClr val="tx1">
+                    <a:lumMod val="50000"/>
+                    <a:lumOff val="50000"/>
+                  </a:schemeClr>
+                </a:solidFill>
+                <a:cs typeface="Arial" panose="020B0604020202020204" pitchFamily="34" charset="0"/>
+              </a:rPr>
+              <a:t>(join</a:t>
+            </a:r>
+            <a:r>
+              <a:rPr lang="en-US" altLang="ko-KR" sz="1400">
+                <a:solidFill>
+                  <a:schemeClr val="tx1">
+                    <a:lumMod val="50000"/>
+                    <a:lumOff val="50000"/>
+                  </a:schemeClr>
+                </a:solidFill>
+                <a:cs typeface="Arial" panose="020B0604020202020204" pitchFamily="34" charset="0"/>
+              </a:rPr>
+              <a:t>) </a:t>
+            </a:r>
+            <a:r>
+              <a:rPr lang="ko-KR" altLang="en-US" sz="1400" smtClean="0">
+                <a:solidFill>
+                  <a:schemeClr val="tx1">
+                    <a:lumMod val="50000"/>
+                    <a:lumOff val="50000"/>
+                  </a:schemeClr>
+                </a:solidFill>
+                <a:cs typeface="Arial" panose="020B0604020202020204" pitchFamily="34" charset="0"/>
+              </a:rPr>
+              <a:t>검색</a:t>
+            </a:r>
             <a:endParaRPr lang="en-US" altLang="ko-KR" sz="1400">
               <a:solidFill>
                 <a:schemeClr val="tx1">
@@ -16985,182 +17355,6 @@
               </a:buClr>
             </a:pPr>
             <a:r>
-              <a:rPr lang="en-US" altLang="ko-KR" sz="1600">
-                <a:solidFill>
-                  <a:schemeClr val="tx1"/>
-                </a:solidFill>
-                <a:cs typeface="Arial" panose="020B0604020202020204" pitchFamily="34" charset="0"/>
-              </a:rPr>
-              <a:t>def sel_query(con, sql=None):</a:t>
-            </a:r>
-          </a:p>
-          <a:p>
-            <a:pPr>
-              <a:buClr>
-                <a:srgbClr val="3C479D"/>
-              </a:buClr>
-            </a:pPr>
-            <a:r>
-              <a:rPr lang="en-US" altLang="ko-KR" sz="1400">
-                <a:solidFill>
-                  <a:schemeClr val="tx1">
-                    <a:lumMod val="95000"/>
-                    <a:lumOff val="5000"/>
-                  </a:schemeClr>
-                </a:solidFill>
-                <a:cs typeface="Arial" panose="020B0604020202020204" pitchFamily="34" charset="0"/>
-              </a:rPr>
-              <a:t>    </a:t>
-            </a:r>
-            <a:r>
-              <a:rPr lang="en-US" altLang="ko-KR" sz="1400" smtClean="0">
-                <a:solidFill>
-                  <a:schemeClr val="tx1">
-                    <a:lumMod val="50000"/>
-                    <a:lumOff val="50000"/>
-                  </a:schemeClr>
-                </a:solidFill>
-                <a:cs typeface="Arial" panose="020B0604020202020204" pitchFamily="34" charset="0"/>
-              </a:rPr>
-              <a:t>## </a:t>
-            </a:r>
-            <a:r>
-              <a:rPr lang="ko-KR" altLang="en-US" sz="1400" smtClean="0">
-                <a:solidFill>
-                  <a:schemeClr val="tx1">
-                    <a:lumMod val="50000"/>
-                    <a:lumOff val="50000"/>
-                  </a:schemeClr>
-                </a:solidFill>
-                <a:cs typeface="Arial" panose="020B0604020202020204" pitchFamily="34" charset="0"/>
-              </a:rPr>
-              <a:t>생략 </a:t>
-            </a:r>
-            <a:r>
-              <a:rPr lang="en-US" altLang="ko-KR" sz="1400" smtClean="0">
-                <a:solidFill>
-                  <a:schemeClr val="tx1">
-                    <a:lumMod val="50000"/>
-                    <a:lumOff val="50000"/>
-                  </a:schemeClr>
-                </a:solidFill>
-                <a:cs typeface="Arial" panose="020B0604020202020204" pitchFamily="34" charset="0"/>
-              </a:rPr>
-              <a:t>##</a:t>
-            </a:r>
-          </a:p>
-          <a:p>
-            <a:pPr>
-              <a:buClr>
-                <a:srgbClr val="3C479D"/>
-              </a:buClr>
-            </a:pPr>
-            <a:endParaRPr lang="en-US" altLang="ko-KR" sz="1400">
-              <a:solidFill>
-                <a:schemeClr val="tx1">
-                  <a:lumMod val="50000"/>
-                  <a:lumOff val="50000"/>
-                </a:schemeClr>
-              </a:solidFill>
-              <a:cs typeface="Arial" panose="020B0604020202020204" pitchFamily="34" charset="0"/>
-            </a:endParaRPr>
-          </a:p>
-          <a:p>
-            <a:pPr>
-              <a:buClr>
-                <a:srgbClr val="3C479D"/>
-              </a:buClr>
-            </a:pPr>
-            <a:r>
-              <a:rPr lang="en-US" altLang="ko-KR" sz="1400">
-                <a:solidFill>
-                  <a:srgbClr val="C00000"/>
-                </a:solidFill>
-                <a:cs typeface="Arial" panose="020B0604020202020204" pitchFamily="34" charset="0"/>
-              </a:rPr>
-              <a:t>def </a:t>
-            </a:r>
-            <a:r>
-              <a:rPr lang="en-US" altLang="ko-KR" sz="1400" smtClean="0">
-                <a:solidFill>
-                  <a:srgbClr val="C00000"/>
-                </a:solidFill>
-                <a:cs typeface="Arial" panose="020B0604020202020204" pitchFamily="34" charset="0"/>
-              </a:rPr>
-              <a:t>prt_empemp():</a:t>
-            </a:r>
-            <a:endParaRPr lang="en-US" altLang="ko-KR" sz="1400">
-              <a:solidFill>
-                <a:srgbClr val="C00000"/>
-              </a:solidFill>
-              <a:cs typeface="Arial" panose="020B0604020202020204" pitchFamily="34" charset="0"/>
-            </a:endParaRPr>
-          </a:p>
-          <a:p>
-            <a:pPr>
-              <a:buClr>
-                <a:srgbClr val="3C479D"/>
-              </a:buClr>
-            </a:pPr>
-            <a:r>
-              <a:rPr lang="en-US" altLang="ko-KR" sz="1400">
-                <a:solidFill>
-                  <a:schemeClr val="tx1">
-                    <a:lumMod val="95000"/>
-                    <a:lumOff val="5000"/>
-                  </a:schemeClr>
-                </a:solidFill>
-                <a:cs typeface="Arial" panose="020B0604020202020204" pitchFamily="34" charset="0"/>
-              </a:rPr>
-              <a:t>    sql="</a:t>
-            </a:r>
-            <a:r>
-              <a:rPr lang="en-US" altLang="ko-KR" sz="1400">
-                <a:solidFill>
-                  <a:srgbClr val="0000FF"/>
-                </a:solidFill>
-                <a:cs typeface="Arial" panose="020B0604020202020204" pitchFamily="34" charset="0"/>
-              </a:rPr>
-              <a:t>select e1.empno, e1.ename, e1.job, e2.ename, e2.job from </a:t>
-            </a:r>
-            <a:r>
-              <a:rPr lang="en-US" altLang="ko-KR" sz="1400">
-                <a:solidFill>
-                  <a:srgbClr val="008000"/>
-                </a:solidFill>
-                <a:cs typeface="Arial" panose="020B0604020202020204" pitchFamily="34" charset="0"/>
-              </a:rPr>
-              <a:t>EMP e1, EMP e2 </a:t>
-            </a:r>
-            <a:r>
-              <a:rPr lang="en-US" altLang="ko-KR" sz="1400">
-                <a:solidFill>
-                  <a:srgbClr val="0000FF"/>
-                </a:solidFill>
-                <a:cs typeface="Arial" panose="020B0604020202020204" pitchFamily="34" charset="0"/>
-              </a:rPr>
-              <a:t>where e1.mgr = e2.empno</a:t>
-            </a:r>
-            <a:r>
-              <a:rPr lang="en-US" altLang="ko-KR" sz="1400">
-                <a:solidFill>
-                  <a:schemeClr val="tx1">
-                    <a:lumMod val="95000"/>
-                    <a:lumOff val="5000"/>
-                  </a:schemeClr>
-                </a:solidFill>
-                <a:cs typeface="Arial" panose="020B0604020202020204" pitchFamily="34" charset="0"/>
-              </a:rPr>
-              <a:t>"  </a:t>
-            </a:r>
-          </a:p>
-          <a:p>
-            <a:pPr>
-              <a:buClr>
-                <a:srgbClr val="3C479D"/>
-              </a:buClr>
-            </a:pPr>
-            <a:r>
               <a:rPr lang="en-US" altLang="ko-KR" sz="1400">
                 <a:solidFill>
                   <a:schemeClr val="tx1">
@@ -17286,8 +17480,8 @@
               <a:rPr lang="en-US" altLang="ko-KR" sz="1400" smtClean="0">
                 <a:solidFill>
                   <a:schemeClr val="tx1">
-                    <a:lumMod val="95000"/>
-                    <a:lumOff val="5000"/>
+                    <a:lumMod val="50000"/>
+                    <a:lumOff val="50000"/>
                   </a:schemeClr>
                 </a:solidFill>
                 <a:cs typeface="Arial" panose="020B0604020202020204" pitchFamily="34" charset="0"/>
@@ -17298,8 +17492,8 @@
               <a:rPr lang="en-US" altLang="ko-KR" sz="1400">
                 <a:solidFill>
                   <a:schemeClr val="tx1">
-                    <a:lumMod val="95000"/>
-                    <a:lumOff val="5000"/>
+                    <a:lumMod val="50000"/>
+                    <a:lumOff val="50000"/>
                   </a:schemeClr>
                 </a:solidFill>
                 <a:cs typeface="Arial" panose="020B0604020202020204" pitchFamily="34" charset="0"/>
@@ -18882,8 +19076,8 @@
               <a:rPr lang="en-US" altLang="ko-KR" sz="1400" smtClean="0">
                 <a:solidFill>
                   <a:schemeClr val="tx1">
-                    <a:lumMod val="95000"/>
-                    <a:lumOff val="5000"/>
+                    <a:lumMod val="50000"/>
+                    <a:lumOff val="50000"/>
                   </a:schemeClr>
                 </a:solidFill>
                 <a:cs typeface="Arial" panose="020B0604020202020204" pitchFamily="34" charset="0"/>
@@ -18894,8 +19088,8 @@
               <a:rPr lang="en-US" altLang="ko-KR" sz="1400">
                 <a:solidFill>
                   <a:schemeClr val="tx1">
-                    <a:lumMod val="95000"/>
-                    <a:lumOff val="5000"/>
+                    <a:lumMod val="50000"/>
+                    <a:lumOff val="50000"/>
                   </a:schemeClr>
                 </a:solidFill>
                 <a:cs typeface="Arial" panose="020B0604020202020204" pitchFamily="34" charset="0"/>
@@ -19251,1441 +19445,6 @@
             </a:r>
             <a:r>
               <a:rPr lang="ko-KR" altLang="en-US" sz="2000" smtClean="0"/>
-              <a:t>테이블에 행 삽입 함수 </a:t>
-            </a:r>
-            <a:r>
-              <a:rPr lang="en-US" altLang="ko-KR" sz="2000" smtClean="0"/>
-              <a:t>insert_project()</a:t>
-            </a:r>
-            <a:endParaRPr lang="en-US" altLang="ko-KR" smtClean="0"/>
-          </a:p>
-          <a:p>
-            <a:pPr lvl="2">
-              <a:lnSpc>
-                <a:spcPct val="150000"/>
-              </a:lnSpc>
-              <a:buClr>
-                <a:srgbClr val="3C479D"/>
-              </a:buClr>
-            </a:pPr>
-            <a:r>
-              <a:rPr lang="en-US" altLang="ko-KR" sz="1600" b="1" smtClean="0"/>
-              <a:t>Oracle </a:t>
-            </a:r>
-            <a:r>
-              <a:rPr lang="ko-KR" altLang="en-US" sz="1600" b="1" smtClean="0"/>
-              <a:t>관련 모듈 설치</a:t>
-            </a:r>
-            <a:endParaRPr lang="en-US" altLang="ko-KR" sz="1600" b="1" smtClean="0"/>
-          </a:p>
-          <a:p>
-            <a:pPr lvl="3">
-              <a:buClr>
-                <a:srgbClr val="3C479D"/>
-              </a:buClr>
-            </a:pPr>
-            <a:r>
-              <a:rPr lang="en-US" altLang="ko-KR" sz="1600" smtClean="0"/>
-              <a:t>pip install cx_Oracle </a:t>
-            </a:r>
-            <a:r>
-              <a:rPr lang="ko-KR" altLang="en-US" sz="1600" smtClean="0"/>
-              <a:t>실행</a:t>
-            </a:r>
-            <a:endParaRPr lang="en-US" altLang="ko-KR" sz="1600" smtClean="0"/>
-          </a:p>
-          <a:p>
-            <a:pPr lvl="2">
-              <a:lnSpc>
-                <a:spcPct val="150000"/>
-              </a:lnSpc>
-              <a:buClr>
-                <a:srgbClr val="3C479D"/>
-              </a:buClr>
-            </a:pPr>
-            <a:r>
-              <a:rPr lang="en-US" altLang="ko-KR" sz="1600" b="1" smtClean="0"/>
-              <a:t>Oracle </a:t>
-            </a:r>
-            <a:r>
-              <a:rPr lang="ko-KR" altLang="en-US" sz="1600" b="1" smtClean="0"/>
-              <a:t>연결 객체 생성</a:t>
-            </a:r>
-            <a:endParaRPr lang="ko-KR" altLang="en-US" sz="1600" b="1"/>
-          </a:p>
-          <a:p>
-            <a:pPr lvl="3">
-              <a:lnSpc>
-                <a:spcPct val="150000"/>
-              </a:lnSpc>
-              <a:buClr>
-                <a:srgbClr val="3C479D"/>
-              </a:buClr>
-              <a:buFont typeface="Wingdings" panose="05000000000000000000" pitchFamily="2" charset="2"/>
-              <a:buChar char="Ø"/>
-            </a:pPr>
-            <a:r>
-              <a:rPr lang="en-US" altLang="ko-KR" sz="1400"/>
-              <a:t> import </a:t>
-            </a:r>
-            <a:r>
-              <a:rPr lang="en-US" altLang="ko-KR" sz="1400" smtClean="0"/>
-              <a:t>cx_Oracle</a:t>
-            </a:r>
-          </a:p>
-          <a:p>
-            <a:pPr lvl="3">
-              <a:lnSpc>
-                <a:spcPct val="150000"/>
-              </a:lnSpc>
-              <a:buClr>
-                <a:srgbClr val="3C479D"/>
-              </a:buClr>
-              <a:buFont typeface="Wingdings" panose="05000000000000000000" pitchFamily="2" charset="2"/>
-              <a:buChar char="Ø"/>
-            </a:pPr>
-            <a:r>
-              <a:rPr lang="en-US" altLang="ko-KR" sz="1400" smtClean="0">
-                <a:solidFill>
-                  <a:schemeClr val="tx1">
-                    <a:lumMod val="95000"/>
-                    <a:lumOff val="5000"/>
-                  </a:schemeClr>
-                </a:solidFill>
-                <a:cs typeface="Arial" panose="020B0604020202020204" pitchFamily="34" charset="0"/>
-              </a:rPr>
-              <a:t>con </a:t>
-            </a:r>
-            <a:r>
-              <a:rPr lang="en-US" altLang="ko-KR" sz="1400">
-                <a:solidFill>
-                  <a:schemeClr val="tx1">
-                    <a:lumMod val="95000"/>
-                    <a:lumOff val="5000"/>
-                  </a:schemeClr>
-                </a:solidFill>
-                <a:cs typeface="Arial" panose="020B0604020202020204" pitchFamily="34" charset="0"/>
-              </a:rPr>
-              <a:t>= cx_Oracle.connect("</a:t>
-            </a:r>
-            <a:r>
-              <a:rPr lang="en-US" altLang="ko-KR" sz="1400">
-                <a:solidFill>
-                  <a:srgbClr val="0000FF"/>
-                </a:solidFill>
-                <a:cs typeface="Arial" panose="020B0604020202020204" pitchFamily="34" charset="0"/>
-              </a:rPr>
-              <a:t>scott</a:t>
-            </a:r>
-            <a:r>
-              <a:rPr lang="en-US" altLang="ko-KR" sz="1400">
-                <a:solidFill>
-                  <a:schemeClr val="tx1">
-                    <a:lumMod val="95000"/>
-                    <a:lumOff val="5000"/>
-                  </a:schemeClr>
-                </a:solidFill>
-                <a:cs typeface="Arial" panose="020B0604020202020204" pitchFamily="34" charset="0"/>
-              </a:rPr>
-              <a:t>", "</a:t>
-            </a:r>
-            <a:r>
-              <a:rPr lang="en-US" altLang="ko-KR" sz="1400">
-                <a:solidFill>
-                  <a:srgbClr val="0000FF"/>
-                </a:solidFill>
-                <a:cs typeface="Arial" panose="020B0604020202020204" pitchFamily="34" charset="0"/>
-              </a:rPr>
-              <a:t>tiger</a:t>
-            </a:r>
-            <a:r>
-              <a:rPr lang="en-US" altLang="ko-KR" sz="1400">
-                <a:solidFill>
-                  <a:schemeClr val="tx1">
-                    <a:lumMod val="95000"/>
-                    <a:lumOff val="5000"/>
-                  </a:schemeClr>
-                </a:solidFill>
-                <a:cs typeface="Arial" panose="020B0604020202020204" pitchFamily="34" charset="0"/>
-              </a:rPr>
-              <a:t>", "</a:t>
-            </a:r>
-            <a:r>
-              <a:rPr lang="en-US" altLang="ko-KR" sz="1400" smtClean="0">
-                <a:solidFill>
-                  <a:srgbClr val="0000FF"/>
-                </a:solidFill>
-                <a:cs typeface="Arial" panose="020B0604020202020204" pitchFamily="34" charset="0"/>
-              </a:rPr>
-              <a:t>192.168.142.72</a:t>
-            </a:r>
-            <a:r>
-              <a:rPr lang="en-US" altLang="ko-KR" sz="1400" smtClean="0">
-                <a:solidFill>
-                  <a:schemeClr val="tx1">
-                    <a:lumMod val="95000"/>
-                    <a:lumOff val="5000"/>
-                  </a:schemeClr>
-                </a:solidFill>
-                <a:cs typeface="Arial" panose="020B0604020202020204" pitchFamily="34" charset="0"/>
-              </a:rPr>
-              <a:t>:</a:t>
-            </a:r>
-            <a:r>
-              <a:rPr lang="en-US" altLang="ko-KR" sz="1400" smtClean="0">
-                <a:solidFill>
-                  <a:srgbClr val="0000FF"/>
-                </a:solidFill>
-                <a:cs typeface="Arial" panose="020B0604020202020204" pitchFamily="34" charset="0"/>
-              </a:rPr>
-              <a:t>1521</a:t>
-            </a:r>
-            <a:r>
-              <a:rPr lang="en-US" altLang="ko-KR" sz="1400" smtClean="0">
-                <a:solidFill>
-                  <a:schemeClr val="tx1">
-                    <a:lumMod val="95000"/>
-                    <a:lumOff val="5000"/>
-                  </a:schemeClr>
-                </a:solidFill>
-                <a:cs typeface="Arial" panose="020B0604020202020204" pitchFamily="34" charset="0"/>
-              </a:rPr>
-              <a:t>/</a:t>
-            </a:r>
-            <a:r>
-              <a:rPr lang="en-US" altLang="ko-KR" sz="1400" smtClean="0">
-                <a:solidFill>
-                  <a:srgbClr val="0000FF"/>
-                </a:solidFill>
-                <a:cs typeface="Arial" panose="020B0604020202020204" pitchFamily="34" charset="0"/>
-              </a:rPr>
-              <a:t>xe</a:t>
-            </a:r>
-            <a:r>
-              <a:rPr lang="en-US" altLang="ko-KR" sz="1400" smtClean="0">
-                <a:solidFill>
-                  <a:schemeClr val="tx1">
-                    <a:lumMod val="95000"/>
-                    <a:lumOff val="5000"/>
-                  </a:schemeClr>
-                </a:solidFill>
-                <a:cs typeface="Arial" panose="020B0604020202020204" pitchFamily="34" charset="0"/>
-              </a:rPr>
-              <a:t>")</a:t>
-            </a:r>
-          </a:p>
-          <a:p>
-            <a:pPr lvl="2">
-              <a:lnSpc>
-                <a:spcPct val="150000"/>
-              </a:lnSpc>
-              <a:buClr>
-                <a:srgbClr val="3C479D"/>
-              </a:buClr>
-            </a:pPr>
-            <a:r>
-              <a:rPr lang="en-US" altLang="ko-KR" sz="1600" b="1" smtClean="0"/>
-              <a:t>Query </a:t>
-            </a:r>
-            <a:r>
-              <a:rPr lang="ko-KR" altLang="en-US" sz="1600" b="1" smtClean="0"/>
-              <a:t>구성 및 실행</a:t>
-            </a:r>
-            <a:endParaRPr lang="ko-KR" altLang="en-US" sz="1600" b="1"/>
-          </a:p>
-          <a:p>
-            <a:pPr lvl="3">
-              <a:lnSpc>
-                <a:spcPct val="150000"/>
-              </a:lnSpc>
-              <a:buClr>
-                <a:srgbClr val="3C479D"/>
-              </a:buClr>
-              <a:buFont typeface="Wingdings" panose="05000000000000000000" pitchFamily="2" charset="2"/>
-              <a:buChar char="Ø"/>
-            </a:pPr>
-            <a:r>
-              <a:rPr lang="en-US" altLang="ko-KR" sz="1400"/>
-              <a:t> sql="Select * from tab"  </a:t>
-            </a:r>
-            <a:r>
-              <a:rPr lang="en-US" altLang="ko-KR" sz="1400" smtClean="0">
-                <a:solidFill>
-                  <a:schemeClr val="tx1">
-                    <a:lumMod val="50000"/>
-                    <a:lumOff val="50000"/>
-                  </a:schemeClr>
-                </a:solidFill>
-              </a:rPr>
-              <a:t>#</a:t>
-            </a:r>
-            <a:r>
-              <a:rPr lang="en-US" altLang="ko-KR" sz="1400" b="1" smtClean="0">
-                <a:solidFill>
-                  <a:srgbClr val="3C479D"/>
-                </a:solidFill>
-              </a:rPr>
-              <a:t>Query </a:t>
-            </a:r>
-            <a:r>
-              <a:rPr lang="ko-KR" altLang="en-US" sz="1400" b="1" smtClean="0">
-                <a:solidFill>
-                  <a:srgbClr val="3C479D"/>
-                </a:solidFill>
-              </a:rPr>
-              <a:t>구성</a:t>
-            </a:r>
-            <a:r>
-              <a:rPr lang="en-US" altLang="ko-KR" sz="1400" smtClean="0">
-                <a:solidFill>
-                  <a:schemeClr val="tx1">
-                    <a:lumMod val="50000"/>
-                    <a:lumOff val="50000"/>
-                  </a:schemeClr>
-                </a:solidFill>
-              </a:rPr>
-              <a:t>(</a:t>
-            </a:r>
-            <a:r>
-              <a:rPr lang="ko-KR" altLang="en-US" sz="1400" smtClean="0">
-                <a:solidFill>
-                  <a:schemeClr val="tx1">
-                    <a:lumMod val="50000"/>
-                    <a:lumOff val="50000"/>
-                  </a:schemeClr>
-                </a:solidFill>
-              </a:rPr>
-              <a:t>존재하는 테이블 검색</a:t>
-            </a:r>
-            <a:r>
-              <a:rPr lang="en-US" altLang="ko-KR" sz="1400" smtClean="0">
-                <a:solidFill>
-                  <a:schemeClr val="tx1">
-                    <a:lumMod val="50000"/>
-                    <a:lumOff val="50000"/>
-                  </a:schemeClr>
-                </a:solidFill>
-              </a:rPr>
-              <a:t>)</a:t>
-            </a:r>
-          </a:p>
-          <a:p>
-            <a:pPr lvl="3">
-              <a:lnSpc>
-                <a:spcPct val="150000"/>
-              </a:lnSpc>
-              <a:buClr>
-                <a:srgbClr val="3C479D"/>
-              </a:buClr>
-              <a:buFont typeface="Wingdings" panose="05000000000000000000" pitchFamily="2" charset="2"/>
-              <a:buChar char="Ø"/>
-            </a:pPr>
-            <a:r>
-              <a:rPr lang="en-US" altLang="ko-KR" sz="1400"/>
-              <a:t>cur = con.cursor()  </a:t>
-            </a:r>
-            <a:r>
-              <a:rPr lang="en-US" altLang="ko-KR" sz="1400">
-                <a:solidFill>
-                  <a:schemeClr val="tx1">
-                    <a:lumMod val="50000"/>
-                    <a:lumOff val="50000"/>
-                  </a:schemeClr>
-                </a:solidFill>
-              </a:rPr>
-              <a:t>#</a:t>
-            </a:r>
-            <a:r>
-              <a:rPr lang="ko-KR" altLang="en-US" sz="1400" b="1">
-                <a:solidFill>
-                  <a:srgbClr val="3C479D"/>
-                </a:solidFill>
-              </a:rPr>
-              <a:t>커서 생성</a:t>
-            </a:r>
-            <a:r>
-              <a:rPr lang="en-US" altLang="ko-KR" sz="1400">
-                <a:solidFill>
-                  <a:schemeClr val="tx1">
-                    <a:lumMod val="50000"/>
-                    <a:lumOff val="50000"/>
-                  </a:schemeClr>
-                </a:solidFill>
-              </a:rPr>
-              <a:t>: </a:t>
-            </a:r>
-            <a:r>
-              <a:rPr lang="ko-KR" altLang="en-US" sz="1400">
-                <a:solidFill>
-                  <a:schemeClr val="tx1">
-                    <a:lumMod val="50000"/>
-                    <a:lumOff val="50000"/>
-                  </a:schemeClr>
-                </a:solidFill>
-              </a:rPr>
-              <a:t>여러 행에 순차적으로 접근하기 위한 지시자</a:t>
-            </a:r>
-          </a:p>
-          <a:p>
-            <a:pPr lvl="3">
-              <a:lnSpc>
-                <a:spcPct val="150000"/>
-              </a:lnSpc>
-              <a:buClr>
-                <a:srgbClr val="3C479D"/>
-              </a:buClr>
-              <a:buFont typeface="Wingdings" panose="05000000000000000000" pitchFamily="2" charset="2"/>
-              <a:buChar char="Ø"/>
-            </a:pPr>
-            <a:r>
-              <a:rPr lang="en-US" altLang="ko-KR" sz="1400"/>
-              <a:t>rows = cur.execute(sql</a:t>
-            </a:r>
-            <a:r>
-              <a:rPr lang="en-US" altLang="ko-KR" sz="1400" smtClean="0"/>
-              <a:t>)  </a:t>
-            </a:r>
-            <a:r>
-              <a:rPr lang="en-US" altLang="ko-KR" sz="1400" smtClean="0">
-                <a:solidFill>
-                  <a:schemeClr val="tx1">
-                    <a:lumMod val="50000"/>
-                    <a:lumOff val="50000"/>
-                  </a:schemeClr>
-                </a:solidFill>
-              </a:rPr>
-              <a:t>#</a:t>
-            </a:r>
-            <a:r>
-              <a:rPr lang="en-US" altLang="ko-KR" sz="1400" b="1" smtClean="0">
-                <a:solidFill>
-                  <a:srgbClr val="3C479D"/>
-                </a:solidFill>
-              </a:rPr>
-              <a:t>Query </a:t>
-            </a:r>
-            <a:r>
-              <a:rPr lang="ko-KR" altLang="en-US" sz="1400" b="1" smtClean="0">
-                <a:solidFill>
-                  <a:srgbClr val="3C479D"/>
-                </a:solidFill>
-              </a:rPr>
-              <a:t>실행</a:t>
-            </a:r>
-            <a:r>
-              <a:rPr lang="en-US" altLang="ko-KR" sz="1400" smtClean="0">
-                <a:solidFill>
-                  <a:schemeClr val="tx1">
-                    <a:lumMod val="50000"/>
-                    <a:lumOff val="50000"/>
-                  </a:schemeClr>
-                </a:solidFill>
-              </a:rPr>
-              <a:t>: </a:t>
-            </a:r>
-            <a:r>
-              <a:rPr lang="ko-KR" altLang="en-US" sz="1400" smtClean="0">
-                <a:solidFill>
-                  <a:schemeClr val="tx1">
-                    <a:lumMod val="50000"/>
-                    <a:lumOff val="50000"/>
-                  </a:schemeClr>
-                </a:solidFill>
-              </a:rPr>
-              <a:t>결과 행들을 리스트 형태로 받아냄</a:t>
-            </a:r>
-            <a:endParaRPr lang="en-US" altLang="ko-KR" sz="1400">
-              <a:solidFill>
-                <a:schemeClr val="tx1">
-                  <a:lumMod val="50000"/>
-                  <a:lumOff val="50000"/>
-                </a:schemeClr>
-              </a:solidFill>
-            </a:endParaRPr>
-          </a:p>
-          <a:p>
-            <a:pPr lvl="2">
-              <a:lnSpc>
-                <a:spcPct val="150000"/>
-              </a:lnSpc>
-              <a:buClr>
-                <a:srgbClr val="3C479D"/>
-              </a:buClr>
-            </a:pPr>
-            <a:r>
-              <a:rPr lang="ko-KR" altLang="en-US" sz="1600" b="1" smtClean="0"/>
-              <a:t>실행 결과 사용</a:t>
-            </a:r>
-            <a:endParaRPr lang="en-US" altLang="ko-KR" sz="1600" b="1"/>
-          </a:p>
-          <a:p>
-            <a:pPr lvl="3">
-              <a:buClr>
-                <a:srgbClr val="3C479D"/>
-              </a:buClr>
-              <a:buFont typeface="Wingdings" panose="05000000000000000000" pitchFamily="2" charset="2"/>
-              <a:buChar char="Ø"/>
-            </a:pPr>
-            <a:r>
-              <a:rPr lang="en-US" altLang="ko-KR" sz="1600"/>
-              <a:t>for row in rows</a:t>
-            </a:r>
-            <a:r>
-              <a:rPr lang="en-US" altLang="ko-KR" sz="1600" smtClean="0"/>
-              <a:t>:  </a:t>
-            </a:r>
-            <a:r>
-              <a:rPr lang="en-US" altLang="ko-KR" sz="1400" smtClean="0">
-                <a:solidFill>
-                  <a:schemeClr val="tx1">
-                    <a:lumMod val="50000"/>
-                    <a:lumOff val="50000"/>
-                  </a:schemeClr>
-                </a:solidFill>
-              </a:rPr>
-              <a:t>#</a:t>
-            </a:r>
-            <a:r>
-              <a:rPr lang="ko-KR" altLang="en-US" sz="1400" smtClean="0">
-                <a:solidFill>
-                  <a:schemeClr val="tx1">
-                    <a:lumMod val="50000"/>
-                    <a:lumOff val="50000"/>
-                  </a:schemeClr>
-                </a:solidFill>
-              </a:rPr>
-              <a:t>검색 결과 리스트를 탐색</a:t>
-            </a:r>
-            <a:endParaRPr lang="en-US" altLang="ko-KR" sz="1400">
-              <a:solidFill>
-                <a:schemeClr val="tx1">
-                  <a:lumMod val="50000"/>
-                  <a:lumOff val="50000"/>
-                </a:schemeClr>
-              </a:solidFill>
-            </a:endParaRPr>
-          </a:p>
-        </p:txBody>
-      </p:sp>
-      <p:sp>
-        <p:nvSpPr>
-          <p:cNvPr id="5" name="직사각형 4"/>
-          <p:cNvSpPr/>
-          <p:nvPr/>
-        </p:nvSpPr>
-        <p:spPr>
-          <a:xfrm>
-            <a:off x="1043608" y="1487984"/>
-            <a:ext cx="7200800" cy="5325392"/>
-          </a:xfrm>
-          <a:prstGeom prst="rect">
-            <a:avLst/>
-          </a:prstGeom>
-          <a:solidFill>
-            <a:schemeClr val="bg1">
-              <a:lumMod val="95000"/>
-            </a:schemeClr>
-          </a:solidFill>
-          <a:ln>
-            <a:solidFill>
-              <a:schemeClr val="bg1">
-                <a:lumMod val="85000"/>
-              </a:schemeClr>
-            </a:solidFill>
-          </a:ln>
-        </p:spPr>
-        <p:style>
-          <a:lnRef idx="2">
-            <a:schemeClr val="accent1">
-              <a:shade val="50000"/>
-            </a:schemeClr>
-          </a:lnRef>
-          <a:fillRef idx="1">
-            <a:schemeClr val="accent1"/>
-          </a:fillRef>
-          <a:effectRef idx="0">
-            <a:schemeClr val="accent1"/>
-          </a:effectRef>
-          <a:fontRef idx="minor">
-            <a:schemeClr val="lt1"/>
-          </a:fontRef>
-        </p:style>
-        <p:txBody>
-          <a:bodyPr rtlCol="0" anchor="ctr"/>
-          <a:lstStyle/>
-          <a:p>
-            <a:pPr>
-              <a:buClr>
-                <a:srgbClr val="3C479D"/>
-              </a:buClr>
-            </a:pPr>
-            <a:r>
-              <a:rPr lang="en-US" altLang="ko-KR" sz="1400" smtClean="0">
-                <a:solidFill>
-                  <a:schemeClr val="tx1">
-                    <a:lumMod val="50000"/>
-                    <a:lumOff val="50000"/>
-                  </a:schemeClr>
-                </a:solidFill>
-                <a:cs typeface="Arial" panose="020B0604020202020204" pitchFamily="34" charset="0"/>
-              </a:rPr>
-              <a:t>## </a:t>
-            </a:r>
-            <a:r>
-              <a:rPr lang="ko-KR" altLang="en-US" sz="1400" smtClean="0">
-                <a:solidFill>
-                  <a:schemeClr val="tx1">
-                    <a:lumMod val="50000"/>
-                    <a:lumOff val="50000"/>
-                  </a:schemeClr>
-                </a:solidFill>
-                <a:cs typeface="Arial" panose="020B0604020202020204" pitchFamily="34" charset="0"/>
-              </a:rPr>
-              <a:t>중간 생략 </a:t>
-            </a:r>
-            <a:r>
-              <a:rPr lang="en-US" altLang="ko-KR" sz="1400" smtClean="0">
-                <a:solidFill>
-                  <a:schemeClr val="tx1">
-                    <a:lumMod val="50000"/>
-                    <a:lumOff val="50000"/>
-                  </a:schemeClr>
-                </a:solidFill>
-                <a:cs typeface="Arial" panose="020B0604020202020204" pitchFamily="34" charset="0"/>
-              </a:rPr>
-              <a:t>##</a:t>
-            </a:r>
-          </a:p>
-          <a:p>
-            <a:pPr>
-              <a:buClr>
-                <a:srgbClr val="3C479D"/>
-              </a:buClr>
-            </a:pPr>
-            <a:endParaRPr lang="en-US" altLang="ko-KR" sz="1400" smtClean="0">
-              <a:solidFill>
-                <a:schemeClr val="tx1">
-                  <a:lumMod val="50000"/>
-                  <a:lumOff val="50000"/>
-                </a:schemeClr>
-              </a:solidFill>
-              <a:cs typeface="Arial" panose="020B0604020202020204" pitchFamily="34" charset="0"/>
-            </a:endParaRPr>
-          </a:p>
-          <a:p>
-            <a:pPr>
-              <a:buClr>
-                <a:srgbClr val="3C479D"/>
-              </a:buClr>
-            </a:pPr>
-            <a:r>
-              <a:rPr lang="it-IT" altLang="ko-KR" sz="1400">
-                <a:solidFill>
-                  <a:srgbClr val="C00000"/>
-                </a:solidFill>
-                <a:cs typeface="Arial" panose="020B0604020202020204" pitchFamily="34" charset="0"/>
-              </a:rPr>
-              <a:t>def in_query(con, sql=None, indata=None):</a:t>
-            </a:r>
-          </a:p>
-          <a:p>
-            <a:pPr>
-              <a:buClr>
-                <a:srgbClr val="3C479D"/>
-              </a:buClr>
-            </a:pPr>
-            <a:r>
-              <a:rPr lang="it-IT" altLang="ko-KR" sz="1400">
-                <a:solidFill>
-                  <a:schemeClr val="tx1"/>
-                </a:solidFill>
-                <a:cs typeface="Arial" panose="020B0604020202020204" pitchFamily="34" charset="0"/>
-              </a:rPr>
-              <a:t>    cur = con.cursor()</a:t>
-            </a:r>
-          </a:p>
-          <a:p>
-            <a:pPr>
-              <a:buClr>
-                <a:srgbClr val="3C479D"/>
-              </a:buClr>
-            </a:pPr>
-            <a:r>
-              <a:rPr lang="it-IT" altLang="ko-KR" sz="1400">
-                <a:solidFill>
-                  <a:schemeClr val="tx1"/>
-                </a:solidFill>
-                <a:cs typeface="Arial" panose="020B0604020202020204" pitchFamily="34" charset="0"/>
-              </a:rPr>
-              <a:t>    </a:t>
-            </a:r>
-            <a:r>
-              <a:rPr lang="it-IT" altLang="ko-KR" sz="1400">
-                <a:solidFill>
-                  <a:srgbClr val="0000FF"/>
-                </a:solidFill>
-                <a:cs typeface="Arial" panose="020B0604020202020204" pitchFamily="34" charset="0"/>
-              </a:rPr>
-              <a:t>cur.execute(sql, indata)</a:t>
-            </a:r>
-          </a:p>
-          <a:p>
-            <a:pPr>
-              <a:buClr>
-                <a:srgbClr val="3C479D"/>
-              </a:buClr>
-            </a:pPr>
-            <a:r>
-              <a:rPr lang="it-IT" altLang="ko-KR" sz="1400">
-                <a:solidFill>
-                  <a:schemeClr val="tx1"/>
-                </a:solidFill>
-                <a:cs typeface="Arial" panose="020B0604020202020204" pitchFamily="34" charset="0"/>
-              </a:rPr>
-              <a:t>    con.commit</a:t>
-            </a:r>
-            <a:r>
-              <a:rPr lang="it-IT" altLang="ko-KR" sz="1400" smtClean="0">
-                <a:solidFill>
-                  <a:schemeClr val="tx1"/>
-                </a:solidFill>
-                <a:cs typeface="Arial" panose="020B0604020202020204" pitchFamily="34" charset="0"/>
-              </a:rPr>
-              <a:t>()</a:t>
-            </a:r>
-          </a:p>
-          <a:p>
-            <a:pPr>
-              <a:buClr>
-                <a:srgbClr val="3C479D"/>
-              </a:buClr>
-            </a:pPr>
-            <a:endParaRPr lang="en-US" altLang="ko-KR" sz="1400">
-              <a:solidFill>
-                <a:schemeClr val="tx1">
-                  <a:lumMod val="50000"/>
-                  <a:lumOff val="50000"/>
-                </a:schemeClr>
-              </a:solidFill>
-              <a:cs typeface="Arial" panose="020B0604020202020204" pitchFamily="34" charset="0"/>
-            </a:endParaRPr>
-          </a:p>
-          <a:p>
-            <a:pPr>
-              <a:buClr>
-                <a:srgbClr val="3C479D"/>
-              </a:buClr>
-            </a:pPr>
-            <a:r>
-              <a:rPr lang="en-US" altLang="ko-KR" sz="1400">
-                <a:solidFill>
-                  <a:srgbClr val="C00000"/>
-                </a:solidFill>
-                <a:cs typeface="Arial" panose="020B0604020202020204" pitchFamily="34" charset="0"/>
-              </a:rPr>
-              <a:t>def insert_project() </a:t>
-            </a:r>
-            <a:r>
-              <a:rPr lang="en-US" altLang="ko-KR" sz="1400" smtClean="0">
-                <a:solidFill>
-                  <a:srgbClr val="C00000"/>
-                </a:solidFill>
-                <a:cs typeface="Arial" panose="020B0604020202020204" pitchFamily="34" charset="0"/>
-              </a:rPr>
-              <a:t>:</a:t>
-            </a:r>
-            <a:endParaRPr lang="en-US" altLang="ko-KR" sz="1400">
-              <a:solidFill>
-                <a:srgbClr val="C00000"/>
-              </a:solidFill>
-              <a:cs typeface="Arial" panose="020B0604020202020204" pitchFamily="34" charset="0"/>
-            </a:endParaRPr>
-          </a:p>
-          <a:p>
-            <a:pPr>
-              <a:buClr>
-                <a:srgbClr val="3C479D"/>
-              </a:buClr>
-            </a:pPr>
-            <a:r>
-              <a:rPr lang="en-US" altLang="ko-KR" sz="1400" smtClean="0">
-                <a:solidFill>
-                  <a:schemeClr val="tx1">
-                    <a:lumMod val="95000"/>
-                    <a:lumOff val="5000"/>
-                  </a:schemeClr>
-                </a:solidFill>
-                <a:cs typeface="Arial" panose="020B0604020202020204" pitchFamily="34" charset="0"/>
-              </a:rPr>
-              <a:t>    </a:t>
-            </a:r>
-            <a:r>
-              <a:rPr lang="en-US" altLang="ko-KR" sz="1400">
-                <a:solidFill>
-                  <a:schemeClr val="tx1">
-                    <a:lumMod val="95000"/>
-                    <a:lumOff val="5000"/>
-                  </a:schemeClr>
-                </a:solidFill>
-                <a:cs typeface="Arial" panose="020B0604020202020204" pitchFamily="34" charset="0"/>
-              </a:rPr>
-              <a:t>sql = "</a:t>
-            </a:r>
-            <a:r>
-              <a:rPr lang="en-US" altLang="ko-KR" sz="1400">
-                <a:solidFill>
-                  <a:srgbClr val="0000FF"/>
-                </a:solidFill>
-                <a:cs typeface="Arial" panose="020B0604020202020204" pitchFamily="34" charset="0"/>
-              </a:rPr>
-              <a:t>insert into PROJECT(pid, pname, pdeptno, pdate) " \</a:t>
-            </a:r>
-          </a:p>
-          <a:p>
-            <a:pPr>
-              <a:buClr>
-                <a:srgbClr val="3C479D"/>
-              </a:buClr>
-            </a:pPr>
-            <a:r>
-              <a:rPr lang="en-US" altLang="ko-KR" sz="1400">
-                <a:solidFill>
-                  <a:srgbClr val="0000FF"/>
-                </a:solidFill>
-                <a:cs typeface="Arial" panose="020B0604020202020204" pitchFamily="34" charset="0"/>
-              </a:rPr>
-              <a:t>          " values (:0, :1, :2, :3)</a:t>
-            </a:r>
-            <a:r>
-              <a:rPr lang="en-US" altLang="ko-KR" sz="1400">
-                <a:solidFill>
-                  <a:schemeClr val="tx1">
-                    <a:lumMod val="95000"/>
-                    <a:lumOff val="5000"/>
-                  </a:schemeClr>
-                </a:solidFill>
-                <a:cs typeface="Arial" panose="020B0604020202020204" pitchFamily="34" charset="0"/>
-              </a:rPr>
-              <a:t>"</a:t>
-            </a:r>
-          </a:p>
-          <a:p>
-            <a:pPr>
-              <a:buClr>
-                <a:srgbClr val="3C479D"/>
-              </a:buClr>
-            </a:pPr>
-            <a:r>
-              <a:rPr lang="en-US" altLang="ko-KR" sz="1400">
-                <a:solidFill>
-                  <a:schemeClr val="tx1">
-                    <a:lumMod val="95000"/>
-                    <a:lumOff val="5000"/>
-                  </a:schemeClr>
-                </a:solidFill>
-                <a:cs typeface="Arial" panose="020B0604020202020204" pitchFamily="34" charset="0"/>
-              </a:rPr>
-              <a:t>    </a:t>
-            </a:r>
-            <a:r>
-              <a:rPr lang="en-US" altLang="ko-KR" sz="1400">
-                <a:solidFill>
-                  <a:srgbClr val="0000FF"/>
-                </a:solidFill>
-                <a:cs typeface="Arial" panose="020B0604020202020204" pitchFamily="34" charset="0"/>
-              </a:rPr>
-              <a:t>indata = []</a:t>
-            </a:r>
-          </a:p>
-          <a:p>
-            <a:pPr>
-              <a:buClr>
-                <a:srgbClr val="3C479D"/>
-              </a:buClr>
-            </a:pPr>
-            <a:r>
-              <a:rPr lang="en-US" altLang="ko-KR" sz="1400">
-                <a:solidFill>
-                  <a:schemeClr val="tx1">
-                    <a:lumMod val="95000"/>
-                    <a:lumOff val="5000"/>
-                  </a:schemeClr>
-                </a:solidFill>
-                <a:cs typeface="Arial" panose="020B0604020202020204" pitchFamily="34" charset="0"/>
-              </a:rPr>
-              <a:t>    print("&gt;&gt; Project </a:t>
-            </a:r>
-            <a:r>
-              <a:rPr lang="ko-KR" altLang="en-US" sz="1400">
-                <a:solidFill>
-                  <a:schemeClr val="tx1">
-                    <a:lumMod val="95000"/>
-                    <a:lumOff val="5000"/>
-                  </a:schemeClr>
-                </a:solidFill>
-                <a:cs typeface="Arial" panose="020B0604020202020204" pitchFamily="34" charset="0"/>
-              </a:rPr>
-              <a:t>컬럼 값 입력</a:t>
-            </a:r>
-            <a:r>
-              <a:rPr lang="en-US" altLang="ko-KR" sz="1400">
-                <a:solidFill>
-                  <a:schemeClr val="tx1">
-                    <a:lumMod val="95000"/>
-                    <a:lumOff val="5000"/>
-                  </a:schemeClr>
-                </a:solidFill>
-                <a:cs typeface="Arial" panose="020B0604020202020204" pitchFamily="34" charset="0"/>
-              </a:rPr>
-              <a:t>&lt;&lt;")</a:t>
-            </a:r>
-          </a:p>
-          <a:p>
-            <a:pPr>
-              <a:buClr>
-                <a:srgbClr val="3C479D"/>
-              </a:buClr>
-            </a:pPr>
-            <a:r>
-              <a:rPr lang="en-US" altLang="ko-KR" sz="1400">
-                <a:solidFill>
-                  <a:schemeClr val="tx1">
-                    <a:lumMod val="95000"/>
-                    <a:lumOff val="5000"/>
-                  </a:schemeClr>
-                </a:solidFill>
-                <a:cs typeface="Arial" panose="020B0604020202020204" pitchFamily="34" charset="0"/>
-              </a:rPr>
-              <a:t>    indata.append(input("Project ID &gt;"))</a:t>
-            </a:r>
-          </a:p>
-          <a:p>
-            <a:pPr>
-              <a:buClr>
-                <a:srgbClr val="3C479D"/>
-              </a:buClr>
-            </a:pPr>
-            <a:r>
-              <a:rPr lang="en-US" altLang="ko-KR" sz="1400">
-                <a:solidFill>
-                  <a:schemeClr val="tx1">
-                    <a:lumMod val="95000"/>
-                    <a:lumOff val="5000"/>
-                  </a:schemeClr>
-                </a:solidFill>
-                <a:cs typeface="Arial" panose="020B0604020202020204" pitchFamily="34" charset="0"/>
-              </a:rPr>
-              <a:t>    indata.append(input("Project Name &gt;"))</a:t>
-            </a:r>
-          </a:p>
-          <a:p>
-            <a:pPr>
-              <a:buClr>
-                <a:srgbClr val="3C479D"/>
-              </a:buClr>
-            </a:pPr>
-            <a:r>
-              <a:rPr lang="en-US" altLang="ko-KR" sz="1400">
-                <a:solidFill>
-                  <a:schemeClr val="tx1">
-                    <a:lumMod val="95000"/>
-                    <a:lumOff val="5000"/>
-                  </a:schemeClr>
-                </a:solidFill>
-                <a:cs typeface="Arial" panose="020B0604020202020204" pitchFamily="34" charset="0"/>
-              </a:rPr>
-              <a:t>    indata.append(int(input("Management Deptno &gt;")))</a:t>
-            </a:r>
-          </a:p>
-          <a:p>
-            <a:pPr>
-              <a:buClr>
-                <a:srgbClr val="3C479D"/>
-              </a:buClr>
-            </a:pPr>
-            <a:r>
-              <a:rPr lang="en-US" altLang="ko-KR" sz="1400">
-                <a:solidFill>
-                  <a:schemeClr val="tx1">
-                    <a:lumMod val="95000"/>
-                    <a:lumOff val="5000"/>
-                  </a:schemeClr>
-                </a:solidFill>
-                <a:cs typeface="Arial" panose="020B0604020202020204" pitchFamily="34" charset="0"/>
-              </a:rPr>
-              <a:t>    indata.append(input("Start Date(yyyy/mm/dd) &gt;"))</a:t>
-            </a:r>
-          </a:p>
-          <a:p>
-            <a:pPr>
-              <a:buClr>
-                <a:srgbClr val="3C479D"/>
-              </a:buClr>
-            </a:pPr>
-            <a:r>
-              <a:rPr lang="en-US" altLang="ko-KR" sz="1400">
-                <a:solidFill>
-                  <a:schemeClr val="tx1">
-                    <a:lumMod val="95000"/>
-                    <a:lumOff val="5000"/>
-                  </a:schemeClr>
-                </a:solidFill>
-                <a:cs typeface="Arial" panose="020B0604020202020204" pitchFamily="34" charset="0"/>
-              </a:rPr>
-              <a:t>    print(indata)</a:t>
-            </a:r>
-          </a:p>
-          <a:p>
-            <a:pPr>
-              <a:buClr>
-                <a:srgbClr val="3C479D"/>
-              </a:buClr>
-            </a:pPr>
-            <a:r>
-              <a:rPr lang="en-US" altLang="ko-KR" sz="1400">
-                <a:solidFill>
-                  <a:schemeClr val="tx1">
-                    <a:lumMod val="95000"/>
-                    <a:lumOff val="5000"/>
-                  </a:schemeClr>
-                </a:solidFill>
-                <a:cs typeface="Arial" panose="020B0604020202020204" pitchFamily="34" charset="0"/>
-              </a:rPr>
-              <a:t>    </a:t>
-            </a:r>
-          </a:p>
-          <a:p>
-            <a:pPr>
-              <a:buClr>
-                <a:srgbClr val="3C479D"/>
-              </a:buClr>
-            </a:pPr>
-            <a:r>
-              <a:rPr lang="en-US" altLang="ko-KR" sz="1400">
-                <a:solidFill>
-                  <a:schemeClr val="tx1">
-                    <a:lumMod val="95000"/>
-                    <a:lumOff val="5000"/>
-                  </a:schemeClr>
-                </a:solidFill>
-                <a:cs typeface="Arial" panose="020B0604020202020204" pitchFamily="34" charset="0"/>
-              </a:rPr>
-              <a:t>    </a:t>
-            </a:r>
-            <a:r>
-              <a:rPr lang="en-US" altLang="ko-KR" sz="1400">
-                <a:solidFill>
-                  <a:srgbClr val="C00000"/>
-                </a:solidFill>
-                <a:cs typeface="Arial" panose="020B0604020202020204" pitchFamily="34" charset="0"/>
-              </a:rPr>
-              <a:t>in_query(con, sql, indata</a:t>
-            </a:r>
-            <a:r>
-              <a:rPr lang="en-US" altLang="ko-KR" sz="1400" smtClean="0">
-                <a:solidFill>
-                  <a:srgbClr val="C00000"/>
-                </a:solidFill>
-                <a:cs typeface="Arial" panose="020B0604020202020204" pitchFamily="34" charset="0"/>
-              </a:rPr>
-              <a:t>)</a:t>
-            </a:r>
-          </a:p>
-          <a:p>
-            <a:pPr>
-              <a:buClr>
-                <a:srgbClr val="3C479D"/>
-              </a:buClr>
-            </a:pPr>
-            <a:endParaRPr lang="en-US" altLang="ko-KR" sz="1400">
-              <a:solidFill>
-                <a:schemeClr val="tx1">
-                  <a:lumMod val="95000"/>
-                  <a:lumOff val="5000"/>
-                </a:schemeClr>
-              </a:solidFill>
-              <a:cs typeface="Arial" panose="020B0604020202020204" pitchFamily="34" charset="0"/>
-            </a:endParaRPr>
-          </a:p>
-          <a:p>
-            <a:pPr>
-              <a:buClr>
-                <a:srgbClr val="3C479D"/>
-              </a:buClr>
-            </a:pPr>
-            <a:r>
-              <a:rPr lang="en-US" altLang="ko-KR" sz="1400" smtClean="0">
-                <a:solidFill>
-                  <a:schemeClr val="tx1">
-                    <a:lumMod val="95000"/>
-                    <a:lumOff val="5000"/>
-                  </a:schemeClr>
-                </a:solidFill>
-                <a:cs typeface="Arial" panose="020B0604020202020204" pitchFamily="34" charset="0"/>
-              </a:rPr>
-              <a:t>### </a:t>
-            </a:r>
-            <a:r>
-              <a:rPr lang="en-US" altLang="ko-KR" sz="1400">
-                <a:solidFill>
-                  <a:schemeClr val="tx1">
-                    <a:lumMod val="95000"/>
-                    <a:lumOff val="5000"/>
-                  </a:schemeClr>
-                </a:solidFill>
-                <a:cs typeface="Arial" panose="020B0604020202020204" pitchFamily="34" charset="0"/>
-              </a:rPr>
-              <a:t>Main ###</a:t>
-            </a:r>
-          </a:p>
-          <a:p>
-            <a:pPr>
-              <a:buClr>
-                <a:srgbClr val="3C479D"/>
-              </a:buClr>
-            </a:pPr>
-            <a:r>
-              <a:rPr lang="en-US" altLang="ko-KR" sz="1400">
-                <a:solidFill>
-                  <a:srgbClr val="C00000"/>
-                </a:solidFill>
-                <a:cs typeface="Arial" panose="020B0604020202020204" pitchFamily="34" charset="0"/>
-              </a:rPr>
-              <a:t>insert_project()  </a:t>
-            </a:r>
-            <a:r>
-              <a:rPr lang="en-US" altLang="ko-KR" sz="1400">
-                <a:solidFill>
-                  <a:schemeClr val="tx1">
-                    <a:lumMod val="50000"/>
-                    <a:lumOff val="50000"/>
-                  </a:schemeClr>
-                </a:solidFill>
-                <a:cs typeface="Arial" panose="020B0604020202020204" pitchFamily="34" charset="0"/>
-              </a:rPr>
-              <a:t>#PROJECT </a:t>
-            </a:r>
-            <a:r>
-              <a:rPr lang="ko-KR" altLang="en-US" sz="1400">
-                <a:solidFill>
-                  <a:schemeClr val="tx1">
-                    <a:lumMod val="50000"/>
-                    <a:lumOff val="50000"/>
-                  </a:schemeClr>
-                </a:solidFill>
-                <a:cs typeface="Arial" panose="020B0604020202020204" pitchFamily="34" charset="0"/>
-              </a:rPr>
-              <a:t>테이블에 행 </a:t>
-            </a:r>
-            <a:r>
-              <a:rPr lang="ko-KR" altLang="en-US" sz="1400" smtClean="0">
-                <a:solidFill>
-                  <a:schemeClr val="tx1">
-                    <a:lumMod val="50000"/>
-                    <a:lumOff val="50000"/>
-                  </a:schemeClr>
-                </a:solidFill>
-                <a:cs typeface="Arial" panose="020B0604020202020204" pitchFamily="34" charset="0"/>
-              </a:rPr>
-              <a:t>추가</a:t>
-            </a:r>
-            <a:endParaRPr lang="en-US" altLang="ko-KR" sz="1400" smtClean="0">
-              <a:solidFill>
-                <a:schemeClr val="tx1">
-                  <a:lumMod val="50000"/>
-                  <a:lumOff val="50000"/>
-                </a:schemeClr>
-              </a:solidFill>
-              <a:cs typeface="Arial" panose="020B0604020202020204" pitchFamily="34" charset="0"/>
-            </a:endParaRPr>
-          </a:p>
-          <a:p>
-            <a:pPr>
-              <a:buClr>
-                <a:srgbClr val="3C479D"/>
-              </a:buClr>
-            </a:pPr>
-            <a:endParaRPr lang="en-US" altLang="ko-KR" sz="1400" smtClean="0">
-              <a:solidFill>
-                <a:schemeClr val="tx1">
-                  <a:lumMod val="95000"/>
-                  <a:lumOff val="5000"/>
-                </a:schemeClr>
-              </a:solidFill>
-              <a:cs typeface="Arial" panose="020B0604020202020204" pitchFamily="34" charset="0"/>
-            </a:endParaRPr>
-          </a:p>
-          <a:p>
-            <a:pPr>
-              <a:buClr>
-                <a:srgbClr val="3C479D"/>
-              </a:buClr>
-            </a:pPr>
-            <a:r>
-              <a:rPr lang="en-US" altLang="ko-KR" sz="1400" smtClean="0">
-                <a:solidFill>
-                  <a:schemeClr val="tx1">
-                    <a:lumMod val="95000"/>
-                    <a:lumOff val="5000"/>
-                  </a:schemeClr>
-                </a:solidFill>
-                <a:cs typeface="Arial" panose="020B0604020202020204" pitchFamily="34" charset="0"/>
-              </a:rPr>
-              <a:t>con.close()</a:t>
-            </a:r>
-            <a:endParaRPr lang="en-US" altLang="ko-KR" sz="1400">
-              <a:solidFill>
-                <a:schemeClr val="tx1">
-                  <a:lumMod val="50000"/>
-                  <a:lumOff val="50000"/>
-                </a:schemeClr>
-              </a:solidFill>
-            </a:endParaRPr>
-          </a:p>
-        </p:txBody>
-      </p:sp>
-      <p:sp>
-        <p:nvSpPr>
-          <p:cNvPr id="7" name="직사각형 6"/>
-          <p:cNvSpPr/>
-          <p:nvPr/>
-        </p:nvSpPr>
-        <p:spPr>
-          <a:xfrm>
-            <a:off x="6372200" y="1556792"/>
-            <a:ext cx="1834156" cy="338554"/>
-          </a:xfrm>
-          <a:prstGeom prst="rect">
-            <a:avLst/>
-          </a:prstGeom>
-        </p:spPr>
-        <p:txBody>
-          <a:bodyPr wrap="none">
-            <a:spAutoFit/>
-          </a:bodyPr>
-          <a:lstStyle/>
-          <a:p>
-            <a:r>
-              <a:rPr lang="en-US" altLang="ko-KR" sz="1600" smtClean="0">
-                <a:solidFill>
-                  <a:schemeClr val="tx1">
-                    <a:lumMod val="50000"/>
-                    <a:lumOff val="50000"/>
-                  </a:schemeClr>
-                </a:solidFill>
-                <a:latin typeface="+mn-ea"/>
-                <a:ea typeface="+mn-ea"/>
-              </a:rPr>
-              <a:t>Ex</a:t>
-            </a:r>
-            <a:r>
-              <a:rPr lang="ko-KR" altLang="en-US" sz="1600" smtClean="0">
-                <a:solidFill>
-                  <a:schemeClr val="tx1">
-                    <a:lumMod val="50000"/>
-                    <a:lumOff val="50000"/>
-                  </a:schemeClr>
-                </a:solidFill>
-                <a:latin typeface="+mn-ea"/>
-                <a:ea typeface="+mn-ea"/>
-              </a:rPr>
-              <a:t>-</a:t>
-            </a:r>
-            <a:r>
-              <a:rPr lang="en-US" altLang="ko-KR" sz="1600" smtClean="0">
-                <a:solidFill>
-                  <a:schemeClr val="tx1">
-                    <a:lumMod val="50000"/>
-                    <a:lumOff val="50000"/>
-                  </a:schemeClr>
-                </a:solidFill>
-                <a:latin typeface="+mn-ea"/>
-                <a:ea typeface="+mn-ea"/>
-              </a:rPr>
-              <a:t>OracleDB05</a:t>
-            </a:r>
-            <a:r>
-              <a:rPr lang="ko-KR" altLang="en-US" sz="1600" smtClean="0">
-                <a:solidFill>
-                  <a:schemeClr val="tx1">
-                    <a:lumMod val="50000"/>
-                    <a:lumOff val="50000"/>
-                  </a:schemeClr>
-                </a:solidFill>
-                <a:latin typeface="+mn-ea"/>
-                <a:ea typeface="+mn-ea"/>
-              </a:rPr>
-              <a:t>.py</a:t>
-            </a:r>
-            <a:endParaRPr lang="ko-KR" altLang="en-US" sz="1600">
-              <a:solidFill>
-                <a:schemeClr val="tx1">
-                  <a:lumMod val="50000"/>
-                  <a:lumOff val="50000"/>
-                </a:schemeClr>
-              </a:solidFill>
-              <a:latin typeface="+mn-ea"/>
-              <a:ea typeface="+mn-ea"/>
-            </a:endParaRPr>
-          </a:p>
-        </p:txBody>
-      </p:sp>
-      <p:pic>
-        <p:nvPicPr>
-          <p:cNvPr id="6" name="그림 5"/>
-          <p:cNvPicPr>
-            <a:picLocks noChangeAspect="1"/>
-          </p:cNvPicPr>
-          <p:nvPr/>
-        </p:nvPicPr>
-        <p:blipFill>
-          <a:blip r:embed="rId2"/>
-          <a:stretch>
-            <a:fillRect/>
-          </a:stretch>
-        </p:blipFill>
-        <p:spPr>
-          <a:xfrm>
-            <a:off x="4742655" y="5496500"/>
-            <a:ext cx="3343742" cy="1028844"/>
-          </a:xfrm>
-          <a:prstGeom prst="rect">
-            <a:avLst/>
-          </a:prstGeom>
-          <a:ln>
-            <a:solidFill>
-              <a:schemeClr val="bg1">
-                <a:lumMod val="85000"/>
-              </a:schemeClr>
-            </a:solidFill>
-          </a:ln>
-          <a:effectLst>
-            <a:outerShdw blurRad="50800" dist="38100" dir="2700000" algn="tl" rotWithShape="0">
-              <a:prstClr val="black">
-                <a:alpha val="40000"/>
-              </a:prstClr>
-            </a:outerShdw>
-          </a:effectLst>
-        </p:spPr>
-      </p:pic>
-    </p:spTree>
-    <p:extLst>
-      <p:ext uri="{BB962C8B-B14F-4D97-AF65-F5344CB8AC3E}">
-        <p14:creationId xmlns:p14="http://schemas.microsoft.com/office/powerpoint/2010/main" val="249394683"/>
-      </p:ext>
-    </p:extLst>
-  </p:cSld>
-  <p:clrMapOvr>
-    <a:masterClrMapping/>
-  </p:clrMapOvr>
-</p:sld>
-</file>
-
-<file path=ppt/slides/slide22.xml><?xml version="1.0" encoding="utf-8"?>
-<p:sld xmlns:a="http://schemas.openxmlformats.org/drawingml/2006/main" xmlns:r="http://schemas.openxmlformats.org/officeDocument/2006/relationships" xmlns:p="http://schemas.openxmlformats.org/presentationml/2006/main">
-  <p:cSld>
-    <p:spTree>
-      <p:nvGrpSpPr>
-        <p:cNvPr id="1" name=""/>
-        <p:cNvGrpSpPr/>
-        <p:nvPr/>
-      </p:nvGrpSpPr>
-      <p:grpSpPr>
-        <a:xfrm>
-          <a:off x="0" y="0"/>
-          <a:ext cx="0" cy="0"/>
-          <a:chOff x="0" y="0"/>
-          <a:chExt cx="0" cy="0"/>
-        </a:xfrm>
-      </p:grpSpPr>
-      <p:sp>
-        <p:nvSpPr>
-          <p:cNvPr id="2" name="제목 1"/>
-          <p:cNvSpPr>
-            <a:spLocks noGrp="1"/>
-          </p:cNvSpPr>
-          <p:nvPr>
-            <p:ph type="title"/>
-          </p:nvPr>
-        </p:nvSpPr>
-        <p:spPr>
-          <a:xfrm>
-            <a:off x="539552" y="184745"/>
-            <a:ext cx="7992888" cy="548680"/>
-          </a:xfrm>
-        </p:spPr>
-        <p:txBody>
-          <a:bodyPr/>
-          <a:lstStyle/>
-          <a:p>
-            <a:r>
-              <a:rPr lang="en-US" altLang="ko-KR" smtClean="0">
-                <a:solidFill>
-                  <a:srgbClr val="3C479D"/>
-                </a:solidFill>
-              </a:rPr>
-              <a:t>02. </a:t>
-            </a:r>
-            <a:r>
-              <a:rPr lang="en-US" altLang="ko-KR"/>
-              <a:t>Python</a:t>
-            </a:r>
-            <a:r>
-              <a:rPr lang="ko-KR" altLang="en-US"/>
-              <a:t>에서 </a:t>
-            </a:r>
-            <a:r>
-              <a:rPr lang="en-US" altLang="ko-KR"/>
-              <a:t>Oracle DB </a:t>
-            </a:r>
-            <a:r>
-              <a:rPr lang="ko-KR" altLang="en-US"/>
-              <a:t>연동</a:t>
-            </a:r>
-          </a:p>
-        </p:txBody>
-      </p:sp>
-      <p:sp>
-        <p:nvSpPr>
-          <p:cNvPr id="4" name="내용 개체 틀 2"/>
-          <p:cNvSpPr>
-            <a:spLocks noGrp="1"/>
-          </p:cNvSpPr>
-          <p:nvPr>
-            <p:ph idx="10"/>
-          </p:nvPr>
-        </p:nvSpPr>
-        <p:spPr>
-          <a:xfrm>
-            <a:off x="539552" y="908720"/>
-            <a:ext cx="8352928" cy="5328592"/>
-          </a:xfrm>
-        </p:spPr>
-        <p:txBody>
-          <a:bodyPr/>
-          <a:lstStyle/>
-          <a:p>
-            <a:pPr marL="514350" indent="-514350">
-              <a:buClr>
-                <a:srgbClr val="3C479D"/>
-              </a:buClr>
-              <a:buFont typeface="+mj-lt"/>
-              <a:buAutoNum type="romanUcPeriod" startAt="2"/>
-            </a:pPr>
-            <a:r>
-              <a:rPr lang="en-US" altLang="ko-KR" sz="2000" smtClean="0"/>
-              <a:t>[</a:t>
-            </a:r>
-            <a:r>
-              <a:rPr lang="ko-KR" altLang="en-US" sz="2000" smtClean="0"/>
-              <a:t>실습</a:t>
-            </a:r>
-            <a:r>
-              <a:rPr lang="en-US" altLang="ko-KR" sz="2000" smtClean="0"/>
-              <a:t>] PROJECT </a:t>
-            </a:r>
-            <a:r>
-              <a:rPr lang="ko-KR" altLang="en-US" sz="2000" smtClean="0"/>
               <a:t>테이블 검색 함수 </a:t>
             </a:r>
             <a:r>
@@ -21973,7 +20732,7 @@
 </p:sld>
 </file>
 
-<file path=ppt/slides/slide23.xml><?xml version="1.0" encoding="utf-8"?>
+<file path=ppt/slides/slide22.xml><?xml version="1.0" encoding="utf-8"?>
 <p:sld xmlns:a="http://schemas.openxmlformats.org/drawingml/2006/main" xmlns:r="http://schemas.openxmlformats.org/officeDocument/2006/relationships" xmlns:p="http://schemas.openxmlformats.org/presentationml/2006/main">
   <p:cSld>
     <p:spTree>
@@ -22464,8 +21223,8 @@
               <a:rPr lang="en-US" altLang="ko-KR" sz="1400">
                 <a:solidFill>
                   <a:schemeClr val="tx1">
-                    <a:lumMod val="95000"/>
-                    <a:lumOff val="5000"/>
+                    <a:lumMod val="50000"/>
+                    <a:lumOff val="50000"/>
                   </a:schemeClr>
                 </a:solidFill>
                 <a:cs typeface="Arial" panose="020B0604020202020204" pitchFamily="34" charset="0"/>
@@ -22476,13 +21235,53 @@
               <a:rPr lang="ko-KR" altLang="en-US" sz="1400">
                 <a:solidFill>
                   <a:schemeClr val="tx1">
-                    <a:lumMod val="95000"/>
-                    <a:lumOff val="5000"/>
+                    <a:lumMod val="50000"/>
+                    <a:lumOff val="50000"/>
                   </a:schemeClr>
                 </a:solidFill>
                 <a:cs typeface="Arial" panose="020B0604020202020204" pitchFamily="34" charset="0"/>
               </a:rPr>
               <a:t>연결</a:t>
+            </a:r>
+            <a:endParaRPr lang="en-US" altLang="ko-KR" sz="1400">
+              <a:solidFill>
+                <a:schemeClr val="tx1">
+                  <a:lumMod val="50000"/>
+                  <a:lumOff val="50000"/>
+                </a:schemeClr>
+              </a:solidFill>
+              <a:cs typeface="Arial" panose="020B0604020202020204" pitchFamily="34" charset="0"/>
+            </a:endParaRPr>
+          </a:p>
+          <a:p>
+            <a:pPr>
+              <a:buClr>
+                <a:srgbClr val="3C479D"/>
+              </a:buClr>
+            </a:pPr>
+            <a:r>
+              <a:rPr lang="en-US" altLang="ko-KR" sz="1400">
+                <a:solidFill>
+                  <a:schemeClr val="tx1">
+                    <a:lumMod val="95000"/>
+                    <a:lumOff val="5000"/>
+                  </a:schemeClr>
+                </a:solidFill>
+                <a:cs typeface="Arial" panose="020B0604020202020204" pitchFamily="34" charset="0"/>
+              </a:rPr>
+              <a:t>con = cx_Oracle.connect("scott", "tiger", "</a:t>
+            </a:r>
+            <a:r>
+              <a:rPr lang="en-US" altLang="ko-KR" sz="1400" smtClean="0">
+                <a:solidFill>
+                  <a:schemeClr val="tx1">
+                    <a:lumMod val="95000"/>
+                    <a:lumOff val="5000"/>
+                  </a:schemeClr>
+                </a:solidFill>
+                <a:cs typeface="Arial" panose="020B0604020202020204" pitchFamily="34" charset="0"/>
+              </a:rPr>
+              <a:t>192.168.142.72:1521/xe")</a:t>
             </a:r>
             <a:endParaRPr lang="en-US" altLang="ko-KR" sz="1400">
               <a:solidFill>
@@ -22500,30 +21299,6 @@
                 <a:srgbClr val="3C479D"/>
               </a:buClr>
             </a:pPr>
-            <a:r>
-              <a:rPr lang="en-US" altLang="ko-KR" sz="1400">
-                <a:solidFill>
-                  <a:schemeClr val="tx1">
-                    <a:lumMod val="95000"/>
-                    <a:lumOff val="5000"/>
-                  </a:schemeClr>
-                </a:solidFill>
-                <a:cs typeface="Arial" panose="020B0604020202020204" pitchFamily="34" charset="0"/>
-              </a:rPr>
-              <a:t>con = cx_Oracle.connect("scott", "tiger", "</a:t>
-            </a:r>
-            <a:r>
-              <a:rPr lang="en-US" altLang="ko-KR" sz="1400" smtClean="0">
-                <a:solidFill>
-                  <a:schemeClr val="tx1">
-                    <a:lumMod val="95000"/>
-                    <a:lumOff val="5000"/>
-                  </a:schemeClr>
-                </a:solidFill>
-                <a:cs typeface="Arial" panose="020B0604020202020204" pitchFamily="34" charset="0"/>
-              </a:rPr>
-              <a:t>192.168.142.72:1521/xe")</a:t>
-            </a:r>
             <a:endParaRPr lang="en-US" altLang="ko-KR" sz="1400">
               <a:solidFill>
                 <a:schemeClr val="tx1">
@@ -22540,6 +21315,184 @@
                 <a:srgbClr val="3C479D"/>
               </a:buClr>
             </a:pPr>
+            <a:r>
+              <a:rPr lang="en-US" altLang="ko-KR" sz="1600">
+                <a:solidFill>
+                  <a:schemeClr val="tx1"/>
+                </a:solidFill>
+                <a:cs typeface="Arial" panose="020B0604020202020204" pitchFamily="34" charset="0"/>
+              </a:rPr>
+              <a:t>def sel_query(con, sql=None):</a:t>
+            </a:r>
+          </a:p>
+          <a:p>
+            <a:pPr>
+              <a:buClr>
+                <a:srgbClr val="3C479D"/>
+              </a:buClr>
+            </a:pPr>
+            <a:r>
+              <a:rPr lang="en-US" altLang="ko-KR" sz="1400">
+                <a:solidFill>
+                  <a:schemeClr val="tx1">
+                    <a:lumMod val="95000"/>
+                    <a:lumOff val="5000"/>
+                  </a:schemeClr>
+                </a:solidFill>
+                <a:cs typeface="Arial" panose="020B0604020202020204" pitchFamily="34" charset="0"/>
+              </a:rPr>
+              <a:t>    </a:t>
+            </a:r>
+            <a:r>
+              <a:rPr lang="en-US" altLang="ko-KR" sz="1400">
+                <a:solidFill>
+                  <a:schemeClr val="tx1">
+                    <a:lumMod val="50000"/>
+                    <a:lumOff val="50000"/>
+                  </a:schemeClr>
+                </a:solidFill>
+                <a:cs typeface="Arial" panose="020B0604020202020204" pitchFamily="34" charset="0"/>
+              </a:rPr>
+              <a:t>## </a:t>
+            </a:r>
+            <a:r>
+              <a:rPr lang="ko-KR" altLang="en-US" sz="1400">
+                <a:solidFill>
+                  <a:schemeClr val="tx1">
+                    <a:lumMod val="50000"/>
+                    <a:lumOff val="50000"/>
+                  </a:schemeClr>
+                </a:solidFill>
+                <a:cs typeface="Arial" panose="020B0604020202020204" pitchFamily="34" charset="0"/>
+              </a:rPr>
+              <a:t>생략 </a:t>
+            </a:r>
+            <a:r>
+              <a:rPr lang="en-US" altLang="ko-KR" sz="1400" smtClean="0">
+                <a:solidFill>
+                  <a:schemeClr val="tx1">
+                    <a:lumMod val="50000"/>
+                    <a:lumOff val="50000"/>
+                  </a:schemeClr>
+                </a:solidFill>
+                <a:cs typeface="Arial" panose="020B0604020202020204" pitchFamily="34" charset="0"/>
+              </a:rPr>
+              <a:t>##</a:t>
+            </a:r>
+          </a:p>
+          <a:p>
+            <a:pPr>
+              <a:buClr>
+                <a:srgbClr val="3C479D"/>
+              </a:buClr>
+            </a:pPr>
+            <a:endParaRPr lang="en-US" altLang="ko-KR" sz="1400" smtClean="0">
+              <a:solidFill>
+                <a:schemeClr val="tx1">
+                  <a:lumMod val="50000"/>
+                  <a:lumOff val="50000"/>
+                </a:schemeClr>
+              </a:solidFill>
+              <a:cs typeface="Arial" panose="020B0604020202020204" pitchFamily="34" charset="0"/>
+            </a:endParaRPr>
+          </a:p>
+          <a:p>
+            <a:pPr>
+              <a:buClr>
+                <a:srgbClr val="3C479D"/>
+              </a:buClr>
+            </a:pPr>
+            <a:endParaRPr lang="en-US" altLang="ko-KR" sz="1400">
+              <a:solidFill>
+                <a:schemeClr val="tx1">
+                  <a:lumMod val="50000"/>
+                  <a:lumOff val="50000"/>
+                </a:schemeClr>
+              </a:solidFill>
+              <a:cs typeface="Arial" panose="020B0604020202020204" pitchFamily="34" charset="0"/>
+            </a:endParaRPr>
+          </a:p>
+          <a:p>
+            <a:pPr>
+              <a:buClr>
+                <a:srgbClr val="3C479D"/>
+              </a:buClr>
+            </a:pPr>
+            <a:r>
+              <a:rPr lang="en-US" altLang="ko-KR" sz="1400" smtClean="0">
+                <a:solidFill>
+                  <a:schemeClr val="tx1">
+                    <a:lumMod val="50000"/>
+                    <a:lumOff val="50000"/>
+                  </a:schemeClr>
+                </a:solidFill>
+                <a:cs typeface="Arial" panose="020B0604020202020204" pitchFamily="34" charset="0"/>
+              </a:rPr>
+              <a:t>## </a:t>
+            </a:r>
+            <a:r>
+              <a:rPr lang="ko-KR" altLang="en-US" sz="1400" smtClean="0">
+                <a:solidFill>
+                  <a:schemeClr val="tx1">
+                    <a:lumMod val="50000"/>
+                    <a:lumOff val="50000"/>
+                  </a:schemeClr>
+                </a:solidFill>
+                <a:cs typeface="Arial" panose="020B0604020202020204" pitchFamily="34" charset="0"/>
+              </a:rPr>
+              <a:t>중간 생략 </a:t>
+            </a:r>
+            <a:r>
+              <a:rPr lang="en-US" altLang="ko-KR" sz="1400" smtClean="0">
+                <a:solidFill>
+                  <a:schemeClr val="tx1">
+                    <a:lumMod val="50000"/>
+                    <a:lumOff val="50000"/>
+                  </a:schemeClr>
+                </a:solidFill>
+                <a:cs typeface="Arial" panose="020B0604020202020204" pitchFamily="34" charset="0"/>
+              </a:rPr>
+              <a:t>##</a:t>
+            </a:r>
+          </a:p>
+          <a:p>
+            <a:pPr>
+              <a:buClr>
+                <a:srgbClr val="3C479D"/>
+              </a:buClr>
+            </a:pPr>
+            <a:endParaRPr lang="en-US" altLang="ko-KR" sz="1400" smtClean="0">
+              <a:solidFill>
+                <a:schemeClr val="tx1">
+                  <a:lumMod val="50000"/>
+                  <a:lumOff val="50000"/>
+                </a:schemeClr>
+              </a:solidFill>
+              <a:cs typeface="Arial" panose="020B0604020202020204" pitchFamily="34" charset="0"/>
+            </a:endParaRPr>
+          </a:p>
+          <a:p>
+            <a:pPr>
+              <a:buClr>
+                <a:srgbClr val="3C479D"/>
+              </a:buClr>
+            </a:pPr>
+            <a:endParaRPr lang="en-US" altLang="ko-KR" sz="1400" smtClean="0">
+              <a:solidFill>
+                <a:schemeClr val="tx1">
+                  <a:lumMod val="50000"/>
+                  <a:lumOff val="50000"/>
+                </a:schemeClr>
+              </a:solidFill>
+              <a:cs typeface="Arial" panose="020B0604020202020204" pitchFamily="34" charset="0"/>
+            </a:endParaRPr>
+          </a:p>
+          <a:p>
+            <a:pPr>
+              <a:buClr>
+                <a:srgbClr val="3C479D"/>
+              </a:buClr>
+            </a:pPr>
             <a:endParaRPr lang="en-US" altLang="ko-KR" sz="1400">
               <a:solidFill>
                 <a:schemeClr val="tx1">
@@ -22557,217 +21510,23 @@
               </a:buClr>
             </a:pPr>
             <a:r>
-              <a:rPr lang="en-US" altLang="ko-KR" sz="1600">
-                <a:solidFill>
-                  <a:schemeClr val="tx1"/>
-                </a:solidFill>
-                <a:cs typeface="Arial" panose="020B0604020202020204" pitchFamily="34" charset="0"/>
-              </a:rPr>
-              <a:t>def sel_query(con, sql=None):</a:t>
-            </a:r>
-          </a:p>
-          <a:p>
-            <a:pPr>
-              <a:buClr>
-                <a:srgbClr val="3C479D"/>
-              </a:buClr>
-            </a:pPr>
+              <a:rPr lang="en-US" altLang="ko-KR" sz="1400" smtClean="0">
+                <a:solidFill>
+                  <a:schemeClr val="tx1">
+                    <a:lumMod val="50000"/>
+                    <a:lumOff val="50000"/>
+                  </a:schemeClr>
+                </a:solidFill>
+                <a:cs typeface="Arial" panose="020B0604020202020204" pitchFamily="34" charset="0"/>
+              </a:rPr>
+              <a:t>### </a:t>
+            </a:r>
             <a:r>
               <a:rPr lang="en-US" altLang="ko-KR" sz="1400">
                 <a:solidFill>
                   <a:schemeClr val="tx1">
-                    <a:lumMod val="95000"/>
-                    <a:lumOff val="5000"/>
-                  </a:schemeClr>
-                </a:solidFill>
-                <a:cs typeface="Arial" panose="020B0604020202020204" pitchFamily="34" charset="0"/>
-              </a:rPr>
-              <a:t>    </a:t>
-            </a:r>
-            <a:r>
-              <a:rPr lang="en-US" altLang="ko-KR" sz="1400">
-                <a:solidFill>
-                  <a:schemeClr val="tx1">
-                    <a:lumMod val="50000"/>
-                    <a:lumOff val="50000"/>
-                  </a:schemeClr>
-                </a:solidFill>
-                <a:cs typeface="Arial" panose="020B0604020202020204" pitchFamily="34" charset="0"/>
-              </a:rPr>
-              <a:t>## </a:t>
-            </a:r>
-            <a:r>
-              <a:rPr lang="ko-KR" altLang="en-US" sz="1400">
-                <a:solidFill>
-                  <a:schemeClr val="tx1">
-                    <a:lumMod val="50000"/>
-                    <a:lumOff val="50000"/>
-                  </a:schemeClr>
-                </a:solidFill>
-                <a:cs typeface="Arial" panose="020B0604020202020204" pitchFamily="34" charset="0"/>
-              </a:rPr>
-              <a:t>생략 </a:t>
-            </a:r>
-            <a:r>
-              <a:rPr lang="en-US" altLang="ko-KR" sz="1400" smtClean="0">
-                <a:solidFill>
-                  <a:schemeClr val="tx1">
-                    <a:lumMod val="50000"/>
-                    <a:lumOff val="50000"/>
-                  </a:schemeClr>
-                </a:solidFill>
-                <a:cs typeface="Arial" panose="020B0604020202020204" pitchFamily="34" charset="0"/>
-              </a:rPr>
-              <a:t>##</a:t>
-            </a:r>
-          </a:p>
-          <a:p>
-            <a:pPr>
-              <a:buClr>
-                <a:srgbClr val="3C479D"/>
-              </a:buClr>
-            </a:pPr>
-            <a:endParaRPr lang="en-US" altLang="ko-KR" sz="1400" smtClean="0">
-              <a:solidFill>
-                <a:schemeClr val="tx1">
-                  <a:lumMod val="50000"/>
-                  <a:lumOff val="50000"/>
-                </a:schemeClr>
-              </a:solidFill>
-              <a:cs typeface="Arial" panose="020B0604020202020204" pitchFamily="34" charset="0"/>
-            </a:endParaRPr>
-          </a:p>
-          <a:p>
-            <a:pPr>
-              <a:buClr>
-                <a:srgbClr val="3C479D"/>
-              </a:buClr>
-            </a:pPr>
-            <a:endParaRPr lang="en-US" altLang="ko-KR" sz="1400">
-              <a:solidFill>
-                <a:schemeClr val="tx1">
-                  <a:lumMod val="50000"/>
-                  <a:lumOff val="50000"/>
-                </a:schemeClr>
-              </a:solidFill>
-              <a:cs typeface="Arial" panose="020B0604020202020204" pitchFamily="34" charset="0"/>
-            </a:endParaRPr>
-          </a:p>
-          <a:p>
-            <a:pPr>
-              <a:buClr>
-                <a:srgbClr val="3C479D"/>
-              </a:buClr>
-            </a:pPr>
-            <a:r>
-              <a:rPr lang="en-US" altLang="ko-KR" sz="1400" smtClean="0">
-                <a:solidFill>
-                  <a:schemeClr val="tx1">
-                    <a:lumMod val="50000"/>
-                    <a:lumOff val="50000"/>
-                  </a:schemeClr>
-                </a:solidFill>
-                <a:cs typeface="Arial" panose="020B0604020202020204" pitchFamily="34" charset="0"/>
-              </a:rPr>
-              <a:t>## </a:t>
-            </a:r>
-            <a:r>
-              <a:rPr lang="ko-KR" altLang="en-US" sz="1400" smtClean="0">
-                <a:solidFill>
-                  <a:schemeClr val="tx1">
-                    <a:lumMod val="50000"/>
-                    <a:lumOff val="50000"/>
-                  </a:schemeClr>
-                </a:solidFill>
-                <a:cs typeface="Arial" panose="020B0604020202020204" pitchFamily="34" charset="0"/>
-              </a:rPr>
-              <a:t>중간 생략 </a:t>
-            </a:r>
-            <a:r>
-              <a:rPr lang="en-US" altLang="ko-KR" sz="1400" smtClean="0">
-                <a:solidFill>
-                  <a:schemeClr val="tx1">
-                    <a:lumMod val="50000"/>
-                    <a:lumOff val="50000"/>
-                  </a:schemeClr>
-                </a:solidFill>
-                <a:cs typeface="Arial" panose="020B0604020202020204" pitchFamily="34" charset="0"/>
-              </a:rPr>
-              <a:t>##</a:t>
-            </a:r>
-          </a:p>
-          <a:p>
-            <a:pPr>
-              <a:buClr>
-                <a:srgbClr val="3C479D"/>
-              </a:buClr>
-            </a:pPr>
-            <a:endParaRPr lang="en-US" altLang="ko-KR" sz="1400" smtClean="0">
-              <a:solidFill>
-                <a:schemeClr val="tx1">
-                  <a:lumMod val="50000"/>
-                  <a:lumOff val="50000"/>
-                </a:schemeClr>
-              </a:solidFill>
-              <a:cs typeface="Arial" panose="020B0604020202020204" pitchFamily="34" charset="0"/>
-            </a:endParaRPr>
-          </a:p>
-          <a:p>
-            <a:pPr>
-              <a:buClr>
-                <a:srgbClr val="3C479D"/>
-              </a:buClr>
-            </a:pPr>
-            <a:endParaRPr lang="en-US" altLang="ko-KR" sz="1400" smtClean="0">
-              <a:solidFill>
-                <a:schemeClr val="tx1">
-                  <a:lumMod val="50000"/>
-                  <a:lumOff val="50000"/>
-                </a:schemeClr>
-              </a:solidFill>
-              <a:cs typeface="Arial" panose="020B0604020202020204" pitchFamily="34" charset="0"/>
-            </a:endParaRPr>
-          </a:p>
-          <a:p>
-            <a:pPr>
-              <a:buClr>
-                <a:srgbClr val="3C479D"/>
-              </a:buClr>
-            </a:pPr>
-            <a:endParaRPr lang="en-US" altLang="ko-KR" sz="1400">
-              <a:solidFill>
-                <a:schemeClr val="tx1">
-                  <a:lumMod val="95000"/>
-                  <a:lumOff val="5000"/>
-                </a:schemeClr>
-              </a:solidFill>
-              <a:cs typeface="Arial" panose="020B0604020202020204" pitchFamily="34" charset="0"/>
-            </a:endParaRPr>
-          </a:p>
-          <a:p>
-            <a:pPr>
-              <a:buClr>
-                <a:srgbClr val="3C479D"/>
-              </a:buClr>
-            </a:pPr>
-            <a:r>
-              <a:rPr lang="en-US" altLang="ko-KR" sz="1400" smtClean="0">
-                <a:solidFill>
-                  <a:schemeClr val="tx1">
-                    <a:lumMod val="95000"/>
-                    <a:lumOff val="5000"/>
-                  </a:schemeClr>
-                </a:solidFill>
-                <a:cs typeface="Arial" panose="020B0604020202020204" pitchFamily="34" charset="0"/>
-              </a:rPr>
-              <a:t>### </a:t>
-            </a:r>
-            <a:r>
-              <a:rPr lang="en-US" altLang="ko-KR" sz="1400">
-                <a:solidFill>
-                  <a:schemeClr val="tx1">
-                    <a:lumMod val="95000"/>
-                    <a:lumOff val="5000"/>
+                    <a:lumMod val="50000"/>
+                    <a:lumOff val="50000"/>
                   </a:schemeClr>
                 </a:solidFill>
                 <a:cs typeface="Arial" panose="020B0604020202020204" pitchFamily="34" charset="0"/>
@@ -23015,7 +21774,7 @@
 </p:sld>
 </file>
 
-<file path=ppt/slides/slide24.xml><?xml version="1.0" encoding="utf-8"?>
+<file path=ppt/slides/slide23.xml><?xml version="1.0" encoding="utf-8"?>
 <p:sld xmlns:a="http://schemas.openxmlformats.org/drawingml/2006/main" xmlns:r="http://schemas.openxmlformats.org/officeDocument/2006/relationships" xmlns:p="http://schemas.openxmlformats.org/presentationml/2006/main">
   <p:cSld>
     <p:spTree>
@@ -24233,14 +22992,29 @@
                 </a:solidFill>
                 <a:cs typeface="Arial" panose="020B0604020202020204" pitchFamily="34" charset="0"/>
               </a:rPr>
-              <a:t>        up_query(con, sql, indata)</a:t>
+              <a:t>        </a:t>
+            </a:r>
+            <a:r>
+              <a:rPr lang="en-US" altLang="ko-KR" sz="1400" smtClean="0">
+                <a:solidFill>
+                  <a:srgbClr val="0000FF"/>
+                </a:solidFill>
+                <a:cs typeface="Arial" panose="020B0604020202020204" pitchFamily="34" charset="0"/>
+              </a:rPr>
+              <a:t>in_query(con</a:t>
+            </a:r>
+            <a:r>
+              <a:rPr lang="en-US" altLang="ko-KR" sz="1400">
+                <a:solidFill>
+                  <a:srgbClr val="0000FF"/>
+                </a:solidFill>
+                <a:cs typeface="Arial" panose="020B0604020202020204" pitchFamily="34" charset="0"/>
+              </a:rPr>
+              <a:t>, sql, indata)</a:t>
             </a:r>
             <a:endParaRPr lang="en-US" altLang="ko-KR" sz="1400">
               <a:solidFill>
-                <a:schemeClr val="tx1">
-                  <a:lumMod val="50000"/>
-                  <a:lumOff val="50000"/>
-                </a:schemeClr>
+                <a:srgbClr val="0000FF"/>
               </a:solidFill>
             </a:endParaRPr>
           </a:p>
@@ -24345,7 +23119,7 @@
 </p:sld>
 </file>
 
-<file path=ppt/slides/slide25.xml><?xml version="1.0" encoding="utf-8"?>
+<file path=ppt/slides/slide24.xml><?xml version="1.0" encoding="utf-8"?>
 <p:sld xmlns:a="http://schemas.openxmlformats.org/drawingml/2006/main" xmlns:r="http://schemas.openxmlformats.org/officeDocument/2006/relationships" xmlns:p="http://schemas.openxmlformats.org/presentationml/2006/main">
   <p:cSld>
     <p:spTree>
@@ -24552,7 +23326,15 @@
             </a:r>
             <a:r>
               <a:rPr lang="en-US" altLang="ko-KR" sz="1600" smtClean="0"/>
-              <a:t>(DB: Database)</a:t>
+              <a:t>(</a:t>
+            </a:r>
+            <a:r>
+              <a:rPr lang="en-US" altLang="ko-KR" sz="1600" b="1" smtClean="0"/>
+              <a:t>DB</a:t>
+            </a:r>
+            <a:r>
+              <a:rPr lang="en-US" altLang="ko-KR" sz="1600" smtClean="0"/>
+              <a:t>: Database)</a:t>
             </a:r>
           </a:p>
           <a:p>
@@ -24697,7 +23479,15 @@
             </a:r>
             <a:r>
               <a:rPr lang="en-US" altLang="ko-KR" sz="1600" smtClean="0"/>
-              <a:t>(DBMS: Database Management System)</a:t>
+              <a:t>(</a:t>
+            </a:r>
+            <a:r>
+              <a:rPr lang="en-US" altLang="ko-KR" sz="1600" b="1" smtClean="0"/>
+              <a:t>DBMS</a:t>
+            </a:r>
+            <a:r>
+              <a:rPr lang="en-US" altLang="ko-KR" sz="1600" smtClean="0"/>
+              <a:t>: Database Management System)</a:t>
             </a:r>
             <a:endParaRPr lang="ko-KR" altLang="en-US" sz="1600"/>
           </a:p>
@@ -24728,7 +23518,7 @@
               <a:t>필요한 전체 데이터들을 체계적으로 </a:t>
             </a:r>
             <a:r>
-              <a:rPr lang="ko-KR" altLang="en-US" sz="1400">
+              <a:rPr lang="ko-KR" altLang="en-US" sz="1400" b="1">
                 <a:effectLst>
                   <a:outerShdw blurRad="38100" dist="38100" dir="2700000" algn="tl">
                     <a:srgbClr val="000000">
@@ -24740,12 +23530,16 @@
               <a:t>구조화</a:t>
             </a:r>
             <a:r>
-              <a:rPr lang="ko-KR" altLang="en-US" sz="1400"/>
+              <a:rPr lang="ko-KR" altLang="en-US" sz="1400" b="1"/>
               <a:t> 하여 </a:t>
             </a:r>
             <a:r>
+              <a:rPr lang="ko-KR" altLang="en-US" sz="1400" b="1" smtClean="0"/>
+              <a:t>저장</a:t>
+            </a:r>
+            <a:r>
               <a:rPr lang="ko-KR" altLang="en-US" sz="1400" smtClean="0"/>
-              <a:t>저장하고</a:t>
+              <a:t>하고</a:t>
             </a:r>
             <a:endParaRPr lang="en-US" altLang="ko-KR" sz="1400" smtClean="0"/>
           </a:p>
@@ -24773,6 +23567,26 @@
             <a:r>
               <a:rPr lang="ko-KR" altLang="en-US" sz="1400" smtClean="0"/>
               <a:t>필요에 따라 데이터에 대한 </a:t>
+            </a:r>
+            <a:r>
+              <a:rPr lang="ko-KR" altLang="en-US" sz="1400" b="1" smtClean="0">
+                <a:effectLst>
+                  <a:outerShdw blurRad="38100" dist="38100" dir="2700000" algn="tl">
+                    <a:srgbClr val="000000">
+                      <a:alpha val="43137"/>
+                    </a:srgbClr>
+                  </a:outerShdw>
+                </a:effectLst>
+              </a:rPr>
+              <a:t>무결성</a:t>
+            </a:r>
+            <a:r>
+              <a:rPr lang="ko-KR" altLang="en-US" sz="1400" b="1" smtClean="0"/>
+              <a:t>을 유지</a:t>
+            </a:r>
+            <a:r>
+              <a:rPr lang="ko-KR" altLang="en-US" sz="1400" smtClean="0"/>
+              <a:t>하여 </a:t>
             </a:r>
             <a:r>
               <a:rPr lang="ko-KR" altLang="en-US" sz="1400" smtClean="0">
@@ -24784,14 +23598,52 @@
                   </a:outerShdw>
                 </a:effectLst>
               </a:rPr>
-              <a:t>무결성</a:t>
+              <a:t>조작</a:t>
             </a:r>
             <a:r>
               <a:rPr lang="ko-KR" altLang="en-US" sz="1400" smtClean="0"/>
-              <a:t>을 유지하여 </a:t>
-            </a:r>
-            <a:r>
-              <a:rPr lang="ko-KR" altLang="en-US" sz="1400" smtClean="0">
+              <a:t>할 </a:t>
+            </a:r>
+            <a:r>
+              <a:rPr lang="ko-KR" altLang="en-US" sz="1400"/>
+              <a:t>수 있도록 </a:t>
+            </a:r>
+            <a:r>
+              <a:rPr lang="ko-KR" altLang="en-US" sz="1400" smtClean="0"/>
+              <a:t>하며</a:t>
+            </a:r>
+            <a:r>
+              <a:rPr lang="en-US" altLang="ko-KR" sz="1400" smtClean="0"/>
+              <a:t> </a:t>
+            </a:r>
+          </a:p>
+          <a:p>
+            <a:pPr lvl="3">
+              <a:lnSpc>
+                <a:spcPct val="150000"/>
+              </a:lnSpc>
+              <a:buClr>
+                <a:srgbClr val="3C479D"/>
+              </a:buClr>
+            </a:pPr>
+            <a:r>
+              <a:rPr lang="en-US" altLang="ko-KR" sz="1400" smtClean="0"/>
+              <a:t>[</a:t>
+            </a:r>
+            <a:r>
+              <a:rPr lang="ko-KR" altLang="en-US" sz="1400" smtClean="0"/>
+              <a:t>보안</a:t>
+            </a:r>
+            <a:r>
+              <a:rPr lang="en-US" altLang="ko-KR" sz="1400" smtClean="0"/>
+              <a:t>] </a:t>
+            </a:r>
+            <a:r>
+              <a:rPr lang="ko-KR" altLang="en-US" sz="1400" smtClean="0"/>
+              <a:t>데이터에 대한 </a:t>
+            </a:r>
+            <a:r>
+              <a:rPr lang="ko-KR" altLang="en-US" sz="1400" b="1" smtClean="0">
                 <a:effectLst>
                   <a:outerShdw blurRad="38100" dist="38100" dir="2700000" algn="tl">
                     <a:srgbClr val="000000">
@@ -24800,52 +23652,10 @@
                   </a:outerShdw>
                 </a:effectLst>
               </a:rPr>
-              <a:t>조작</a:t>
-            </a:r>
-            <a:r>
-              <a:rPr lang="ko-KR" altLang="en-US" sz="1400" smtClean="0"/>
-              <a:t>할 </a:t>
-            </a:r>
-            <a:r>
-              <a:rPr lang="ko-KR" altLang="en-US" sz="1400"/>
-              <a:t>수 있도록 </a:t>
-            </a:r>
-            <a:r>
-              <a:rPr lang="ko-KR" altLang="en-US" sz="1400" smtClean="0"/>
-              <a:t>하며</a:t>
-            </a:r>
-            <a:r>
-              <a:rPr lang="en-US" altLang="ko-KR" sz="1400" smtClean="0"/>
-              <a:t> </a:t>
-            </a:r>
-          </a:p>
-          <a:p>
-            <a:pPr lvl="3">
-              <a:lnSpc>
-                <a:spcPct val="150000"/>
-              </a:lnSpc>
-              <a:buClr>
-                <a:srgbClr val="3C479D"/>
-              </a:buClr>
-            </a:pPr>
-            <a:r>
-              <a:rPr lang="en-US" altLang="ko-KR" sz="1400" smtClean="0"/>
-              <a:t>[</a:t>
-            </a:r>
-            <a:r>
-              <a:rPr lang="ko-KR" altLang="en-US" sz="1400" smtClean="0"/>
               <a:t>보안</a:t>
             </a:r>
             <a:r>
-              <a:rPr lang="en-US" altLang="ko-KR" sz="1400" smtClean="0"/>
-              <a:t>] </a:t>
-            </a:r>
-            <a:r>
-              <a:rPr lang="ko-KR" altLang="en-US" sz="1400" smtClean="0"/>
-              <a:t>데이터에 대한 </a:t>
-            </a:r>
-            <a:r>
-              <a:rPr lang="ko-KR" altLang="en-US" sz="1400" smtClean="0">
+              <a:rPr lang="en-US" altLang="ko-KR" sz="1400" b="1" smtClean="0">
                 <a:effectLst>
                   <a:outerShdw blurRad="38100" dist="38100" dir="2700000" algn="tl">
                     <a:srgbClr val="000000">
@@ -24854,10 +23664,10 @@
                   </a:outerShdw>
                 </a:effectLst>
               </a:rPr>
-              <a:t>보안</a:t>
-            </a:r>
-            <a:r>
-              <a:rPr lang="en-US" altLang="ko-KR" sz="1400" smtClean="0">
+              <a:t>, </a:t>
+            </a:r>
+            <a:r>
+              <a:rPr lang="ko-KR" altLang="en-US" sz="1400" b="1" smtClean="0">
                 <a:effectLst>
                   <a:outerShdw blurRad="38100" dist="38100" dir="2700000" algn="tl">
                     <a:srgbClr val="000000">
@@ -24866,10 +23676,10 @@
                   </a:outerShdw>
                 </a:effectLst>
               </a:rPr>
-              <a:t>, </a:t>
-            </a:r>
-            <a:r>
-              <a:rPr lang="ko-KR" altLang="en-US" sz="1400" smtClean="0">
+              <a:t>백업</a:t>
+            </a:r>
+            <a:r>
+              <a:rPr lang="en-US" altLang="ko-KR" sz="1400" b="1" smtClean="0">
                 <a:effectLst>
                   <a:outerShdw blurRad="38100" dist="38100" dir="2700000" algn="tl">
                     <a:srgbClr val="000000">
@@ -24878,10 +23688,10 @@
                   </a:outerShdw>
                 </a:effectLst>
               </a:rPr>
-              <a:t>백업</a:t>
-            </a:r>
-            <a:r>
-              <a:rPr lang="en-US" altLang="ko-KR" sz="1400" smtClean="0">
+              <a:t>/</a:t>
+            </a:r>
+            <a:r>
+              <a:rPr lang="ko-KR" altLang="en-US" sz="1400" b="1" smtClean="0">
                 <a:effectLst>
                   <a:outerShdw blurRad="38100" dist="38100" dir="2700000" algn="tl">
                     <a:srgbClr val="000000">
@@ -24890,23 +23700,15 @@
                   </a:outerShdw>
                 </a:effectLst>
               </a:rPr>
-              <a:t>/</a:t>
-            </a:r>
-            <a:r>
-              <a:rPr lang="ko-KR" altLang="en-US" sz="1400" smtClean="0">
-                <a:effectLst>
-                  <a:outerShdw blurRad="38100" dist="38100" dir="2700000" algn="tl">
-                    <a:srgbClr val="000000">
-                      <a:alpha val="43137"/>
-                    </a:srgbClr>
-                  </a:outerShdw>
-                </a:effectLst>
-              </a:rPr>
               <a:t>복구 </a:t>
             </a:r>
             <a:r>
+              <a:rPr lang="ko-KR" altLang="en-US" sz="1400" b="1" smtClean="0"/>
+              <a:t>등을 관리</a:t>
+            </a:r>
+            <a:r>
               <a:rPr lang="ko-KR" altLang="en-US" sz="1400" smtClean="0"/>
-              <a:t>등을 관리하는 시스템</a:t>
+              <a:t>하는 시스템</a:t>
             </a:r>
             <a:endParaRPr lang="en-US" altLang="ko-KR" sz="1400" smtClean="0"/>
           </a:p>
@@ -24925,7 +23727,15 @@
             </a:r>
             <a:r>
               <a:rPr lang="en-US" altLang="ko-KR" sz="1600" smtClean="0"/>
-              <a:t>(SQL: Structured Query Language)</a:t>
+              <a:t>(</a:t>
+            </a:r>
+            <a:r>
+              <a:rPr lang="en-US" altLang="ko-KR" sz="1600" b="1" smtClean="0"/>
+              <a:t>SQL</a:t>
+            </a:r>
+            <a:r>
+              <a:rPr lang="en-US" altLang="ko-KR" sz="1600" smtClean="0"/>
+              <a:t>: Structured Query Language)</a:t>
             </a:r>
             <a:endParaRPr lang="en-US" altLang="ko-KR" sz="1600"/>
           </a:p>
@@ -28584,23 +27394,23 @@
               </a:buClr>
             </a:pPr>
             <a:r>
-              <a:rPr lang="en-US" altLang="ko-KR" sz="1400" smtClean="0"/>
+              <a:rPr lang="en-US" altLang="ko-KR" sz="1600" smtClean="0"/>
               <a:t>Oracle</a:t>
             </a:r>
             <a:r>
-              <a:rPr lang="ko-KR" altLang="en-US" sz="1400" smtClean="0"/>
+              <a:rPr lang="ko-KR" altLang="en-US" sz="1600" smtClean="0"/>
               <a:t>이 국내 시장의 </a:t>
             </a:r>
             <a:r>
-              <a:rPr lang="en-US" altLang="ko-KR" sz="1400" smtClean="0"/>
+              <a:rPr lang="en-US" altLang="ko-KR" sz="1600" smtClean="0"/>
               <a:t>60%</a:t>
             </a:r>
             <a:r>
-              <a:rPr lang="ko-KR" altLang="en-US" sz="1400" smtClean="0"/>
+              <a:rPr lang="ko-KR" altLang="en-US" sz="1600" smtClean="0"/>
               <a:t>이상을 점유하고 있음</a:t>
             </a:r>
             <a:r>
-              <a:rPr lang="en-US" altLang="ko-KR" sz="1400" smtClean="0"/>
+              <a:rPr lang="en-US" altLang="ko-KR" sz="1600" smtClean="0"/>
               <a:t>.</a:t>
             </a:r>
           </a:p>
@@ -29056,7 +27866,7 @@
         </p:blipFill>
         <p:spPr>
           <a:xfrm>
-            <a:off x="925097" y="1916832"/>
+            <a:off x="1022611" y="2016224"/>
             <a:ext cx="7725853" cy="4581128"/>
           </a:xfrm>
           <a:prstGeom prst="rect">
@@ -29094,7 +27904,7 @@
         </p:blipFill>
         <p:spPr>
           <a:xfrm>
-            <a:off x="2558862" y="2206598"/>
+            <a:off x="2558863" y="2256294"/>
             <a:ext cx="4458322" cy="3524742"/>
           </a:xfrm>
           <a:prstGeom prst="rect">
@@ -29445,8 +28255,8 @@
               <a:rPr lang="en-US" altLang="ko-KR" sz="1300">
                 <a:solidFill>
                   <a:schemeClr val="tx1">
-                    <a:lumMod val="95000"/>
-                    <a:lumOff val="5000"/>
+                    <a:lumMod val="50000"/>
+                    <a:lumOff val="50000"/>
                   </a:schemeClr>
                 </a:solidFill>
                 <a:cs typeface="Arial" panose="020B0604020202020204" pitchFamily="34" charset="0"/>
@@ -29457,8 +28267,8 @@
               <a:rPr lang="ko-KR" altLang="en-US" sz="1300">
                 <a:solidFill>
                   <a:schemeClr val="tx1">
-                    <a:lumMod val="95000"/>
-                    <a:lumOff val="5000"/>
+                    <a:lumMod val="50000"/>
+                    <a:lumOff val="50000"/>
                   </a:schemeClr>
                 </a:solidFill>
                 <a:cs typeface="Arial" panose="020B0604020202020204" pitchFamily="34" charset="0"/>
@@ -29666,8 +28476,8 @@
               <a:rPr lang="en-US" altLang="ko-KR" sz="1300">
                 <a:solidFill>
                   <a:schemeClr val="tx1">
-                    <a:lumMod val="95000"/>
-                    <a:lumOff val="5000"/>
+                    <a:lumMod val="50000"/>
+                    <a:lumOff val="50000"/>
                   </a:schemeClr>
                 </a:solidFill>
                 <a:cs typeface="Arial" panose="020B0604020202020204" pitchFamily="34" charset="0"/>
@@ -29678,8 +28488,8 @@
               <a:rPr lang="ko-KR" altLang="en-US" sz="1300">
                 <a:solidFill>
                   <a:schemeClr val="tx1">
-                    <a:lumMod val="95000"/>
-                    <a:lumOff val="5000"/>
+                    <a:lumMod val="50000"/>
+                    <a:lumOff val="50000"/>
                   </a:schemeClr>
                 </a:solidFill>
                 <a:cs typeface="Arial" panose="020B0604020202020204" pitchFamily="34" charset="0"/>
@@ -29690,8 +28500,8 @@
               <a:rPr lang="ko-KR" altLang="en-US" sz="1300" smtClean="0">
                 <a:solidFill>
                   <a:schemeClr val="tx1">
-                    <a:lumMod val="95000"/>
-                    <a:lumOff val="5000"/>
+                    <a:lumMod val="50000"/>
+                    <a:lumOff val="50000"/>
                   </a:schemeClr>
                 </a:solidFill>
                 <a:cs typeface="Arial" panose="020B0604020202020204" pitchFamily="34" charset="0"/>
@@ -29701,8 +28511,8 @@
             <a:endParaRPr lang="ko-KR" altLang="en-US" sz="1300">
               <a:solidFill>
                 <a:schemeClr val="tx1">
-                  <a:lumMod val="95000"/>
-                  <a:lumOff val="5000"/>
+                  <a:lumMod val="50000"/>
+                  <a:lumOff val="50000"/>
                 </a:schemeClr>
               </a:solidFill>
               <a:cs typeface="Arial" panose="020B0604020202020204" pitchFamily="34" charset="0"/>
@@ -29777,6 +28587,12 @@
           <a:p>
             <a:r>
               <a:rPr lang="ko-KR" altLang="en-US" sz="1400">
+                <a:solidFill>
+                  <a:schemeClr val="tx1">
+                    <a:lumMod val="50000"/>
+                    <a:lumOff val="50000"/>
+                  </a:schemeClr>
+                </a:solidFill>
                 <a:latin typeface="+mn-ea"/>
                 <a:ea typeface="+mn-ea"/>
               </a:rPr>
@@ -29819,6 +28635,12 @@
           <a:p>
             <a:r>
               <a:rPr lang="ko-KR" altLang="en-US" sz="1400">
+                <a:solidFill>
+                  <a:schemeClr val="tx1">
+                    <a:lumMod val="50000"/>
+                    <a:lumOff val="50000"/>
+                  </a:schemeClr>
+                </a:solidFill>
                 <a:latin typeface="+mn-ea"/>
                 <a:ea typeface="+mn-ea"/>
               </a:rPr>
@@ -29826,12 +28648,24 @@
             </a:r>
             <a:r>
               <a:rPr lang="ko-KR" altLang="en-US" sz="1400" smtClean="0">
+                <a:solidFill>
+                  <a:schemeClr val="tx1">
+                    <a:lumMod val="50000"/>
+                    <a:lumOff val="50000"/>
+                  </a:schemeClr>
+                </a:solidFill>
                 <a:latin typeface="+mn-ea"/>
                 <a:ea typeface="+mn-ea"/>
               </a:rPr>
               <a:t>연결 객체 생성</a:t>
             </a:r>
             <a:endParaRPr lang="ko-KR" altLang="en-US" sz="1400">
+              <a:solidFill>
+                <a:schemeClr val="tx1">
+                  <a:lumMod val="50000"/>
+                  <a:lumOff val="50000"/>
+                </a:schemeClr>
+              </a:solidFill>
               <a:latin typeface="+mn-ea"/>
               <a:ea typeface="+mn-ea"/>
             </a:endParaRPr>
@@ -29910,8 +28744,8 @@
               <a:rPr lang="en-US" altLang="ko-KR" sz="1300" smtClean="0">
                 <a:solidFill>
                   <a:schemeClr val="tx1">
-                    <a:lumMod val="95000"/>
-                    <a:lumOff val="5000"/>
+                    <a:lumMod val="50000"/>
+                    <a:lumOff val="50000"/>
                   </a:schemeClr>
                 </a:solidFill>
                 <a:cs typeface="Arial" panose="020B0604020202020204" pitchFamily="34" charset="0"/>
@@ -29922,8 +28756,8 @@
               <a:rPr lang="en-US" altLang="ko-KR" sz="1300">
                 <a:solidFill>
                   <a:schemeClr val="tx1">
-                    <a:lumMod val="95000"/>
-                    <a:lumOff val="5000"/>
+                    <a:lumMod val="50000"/>
+                    <a:lumOff val="50000"/>
                   </a:schemeClr>
                 </a:solidFill>
                 <a:cs typeface="Arial" panose="020B0604020202020204" pitchFamily="34" charset="0"/>
@@ -29934,8 +28768,8 @@
               <a:rPr lang="ko-KR" altLang="en-US" sz="1300">
                 <a:solidFill>
                   <a:schemeClr val="tx1">
-                    <a:lumMod val="95000"/>
-                    <a:lumOff val="5000"/>
+                    <a:lumMod val="50000"/>
+                    <a:lumOff val="50000"/>
                   </a:schemeClr>
                 </a:solidFill>
                 <a:cs typeface="Arial" panose="020B0604020202020204" pitchFamily="34" charset="0"/>
@@ -29946,8 +28780,8 @@
               <a:rPr lang="ko-KR" altLang="en-US" sz="1300" smtClean="0">
                 <a:solidFill>
                   <a:schemeClr val="tx1">
-                    <a:lumMod val="95000"/>
-                    <a:lumOff val="5000"/>
+                    <a:lumMod val="50000"/>
+                    <a:lumOff val="50000"/>
                   </a:schemeClr>
                 </a:solidFill>
                 <a:cs typeface="Arial" panose="020B0604020202020204" pitchFamily="34" charset="0"/>
@@ -29957,7 +28791,10 @@
             <a:r>
               <a:rPr lang="en-US" altLang="ko-KR" sz="1300" smtClean="0">
                 <a:solidFill>
-                  <a:srgbClr val="C00000"/>
+                  <a:schemeClr val="tx1">
+                    <a:lumMod val="50000"/>
+                    <a:lumOff val="50000"/>
+                  </a:schemeClr>
                 </a:solidFill>
                 <a:cs typeface="Arial" panose="020B0604020202020204" pitchFamily="34" charset="0"/>
               </a:rPr>
@@ -29966,7 +28803,10 @@
             <a:r>
               <a:rPr lang="ko-KR" altLang="en-US" sz="1300" smtClean="0">
                 <a:solidFill>
-                  <a:srgbClr val="C00000"/>
+                  <a:schemeClr val="tx1">
+                    <a:lumMod val="50000"/>
+                    <a:lumOff val="50000"/>
+                  </a:schemeClr>
                 </a:solidFill>
                 <a:cs typeface="Arial" panose="020B0604020202020204" pitchFamily="34" charset="0"/>
               </a:rPr>
@@ -29975,7 +28815,10 @@
             <a:r>
               <a:rPr lang="en-US" altLang="ko-KR" sz="1300" smtClean="0">
                 <a:solidFill>
-                  <a:srgbClr val="C00000"/>
+                  <a:schemeClr val="tx1">
+                    <a:lumMod val="50000"/>
+                    <a:lumOff val="50000"/>
+                  </a:schemeClr>
                 </a:solidFill>
                 <a:cs typeface="Arial" panose="020B0604020202020204" pitchFamily="34" charset="0"/>
               </a:rPr>
@@ -29983,7 +28826,10 @@
             </a:r>
             <a:endParaRPr lang="ko-KR" altLang="en-US" sz="1300">
               <a:solidFill>
-                <a:srgbClr val="C00000"/>
+                <a:schemeClr val="tx1">
+                  <a:lumMod val="50000"/>
+                  <a:lumOff val="50000"/>
+                </a:schemeClr>
               </a:solidFill>
               <a:cs typeface="Arial" panose="020B0604020202020204" pitchFamily="34" charset="0"/>
             </a:endParaRPr>
@@ -30491,19 +29337,18 @@
             <a:endParaRPr lang="ko-KR" altLang="en-US" sz="1600" b="1"/>
           </a:p>
           <a:p>
-            <a:pPr lvl="3">
+            <a:pPr marL="628650" lvl="3" indent="0">
               <a:lnSpc>
                 <a:spcPct val="150000"/>
               </a:lnSpc>
               <a:buClr>
                 <a:srgbClr val="3C479D"/>
               </a:buClr>
-              <a:buFont typeface="Wingdings" panose="05000000000000000000" pitchFamily="2" charset="2"/>
-              <a:buChar char="Ø"/>
-            </a:pPr>
-            <a:r>
-              <a:rPr lang="en-US" altLang="ko-KR" sz="1400"/>
-              <a:t> import </a:t>
+              <a:buNone/>
+            </a:pPr>
+            <a:r>
+              <a:rPr lang="en-US" altLang="ko-KR" sz="1400" smtClean="0"/>
+              <a:t>import </a:t>
             </a:r>
             <a:r>
               <a:rPr lang="en-US" altLang="ko-KR" sz="1400" smtClean="0"/>
@@ -30511,15 +29356,14 @@
             </a:r>
           </a:p>
           <a:p>
-            <a:pPr lvl="3">
+            <a:pPr marL="628650" lvl="3" indent="0">
               <a:lnSpc>
                 <a:spcPct val="150000"/>
               </a:lnSpc>
               <a:buClr>
                 <a:srgbClr val="3C479D"/>
               </a:buClr>
-              <a:buFont typeface="Wingdings" panose="05000000000000000000" pitchFamily="2" charset="2"/>
-              <a:buChar char="Ø"/>
+              <a:buNone/>
             </a:pPr>
             <a:r>
               <a:rPr lang="en-US" altLang="ko-KR" sz="1400" smtClean="0">
@@ -30671,19 +29515,22 @@
             <a:endParaRPr lang="ko-KR" altLang="en-US" sz="1600" b="1"/>
           </a:p>
           <a:p>
-            <a:pPr lvl="3">
+            <a:pPr marL="628650" lvl="3" indent="0">
               <a:lnSpc>
                 <a:spcPct val="150000"/>
               </a:lnSpc>
               <a:buClr>
                 <a:srgbClr val="3C479D"/>
               </a:buClr>
-              <a:buFont typeface="Wingdings" panose="05000000000000000000" pitchFamily="2" charset="2"/>
-              <a:buChar char="Ø"/>
-            </a:pPr>
+              <a:buNone/>
+            </a:pPr>
+            <a:r>
+              <a:rPr lang="en-US" altLang="ko-KR" sz="1400" smtClean="0"/>
+              <a:t>sql</a:t>
+            </a:r>
             <a:r>
               <a:rPr lang="en-US" altLang="ko-KR" sz="1400"/>
-              <a:t> sql="Select * from tab"  </a:t>
+              <a:t>="Select * from tab"  </a:t>
             </a:r>
             <a:r>
               <a:rPr lang="en-US" altLang="ko-KR" sz="1400" smtClean="0">
@@ -30747,15 +29594,14 @@
             </a:r>
           </a:p>
           <a:p>
-            <a:pPr lvl="3">
+            <a:pPr marL="628650" lvl="3" indent="0">
               <a:lnSpc>
                 <a:spcPct val="150000"/>
               </a:lnSpc>
               <a:buClr>
                 <a:srgbClr val="3C479D"/>
               </a:buClr>
-              <a:buFont typeface="Wingdings" panose="05000000000000000000" pitchFamily="2" charset="2"/>
-              <a:buChar char="Ø"/>
+              <a:buNone/>
             </a:pPr>
             <a:r>
               <a:rPr lang="en-US" altLang="ko-KR" sz="1400"/>
@@ -30804,15 +29650,14 @@
             </a:r>
           </a:p>
           <a:p>
-            <a:pPr lvl="3">
+            <a:pPr marL="628650" lvl="3" indent="0">
               <a:lnSpc>
                 <a:spcPct val="150000"/>
               </a:lnSpc>
               <a:buClr>
                 <a:srgbClr val="3C479D"/>
               </a:buClr>
-              <a:buFont typeface="Wingdings" panose="05000000000000000000" pitchFamily="2" charset="2"/>
-              <a:buChar char="Ø"/>
+              <a:buNone/>
             </a:pPr>
             <a:r>
               <a:rPr lang="en-US" altLang="ko-KR" sz="1400"/>
